--- a/1.Presentation_Master.pptx
+++ b/1.Presentation_Master.pptx
@@ -7,6 +7,9 @@
   <p:sldIdLst>
     <p:sldId id="256" r:id="rId2"/>
     <p:sldId id="257" r:id="rId3"/>
+    <p:sldId id="260" r:id="rId4"/>
+    <p:sldId id="258" r:id="rId5"/>
+    <p:sldId id="259" r:id="rId6"/>
   </p:sldIdLst>
   <p:sldSz cx="9144000" cy="6858000" type="screen4x3"/>
   <p:notesSz cx="6858000" cy="9144000"/>
@@ -193,7 +196,7 @@
           <a:lstStyle/>
           <a:p>
             <a:r>
-              <a:rPr lang="de-DE" smtClean="0"/>
+              <a:rPr lang="de-DE"/>
               <a:t>Titelmasterformat durch Klicken bearbeiten</a:t>
             </a:r>
             <a:endParaRPr lang="de-DE" dirty="0"/>
@@ -258,10 +261,9 @@
           </a:lstStyle>
           <a:p>
             <a:r>
-              <a:rPr lang="de-DE" smtClean="0"/>
+              <a:rPr lang="de-DE"/>
               <a:t>Formatvorlage des Untertitelmasters durch Klicken bearbeiten</a:t>
             </a:r>
-            <a:endParaRPr lang="de-DE"/>
           </a:p>
         </p:txBody>
       </p:sp>
@@ -316,7 +318,7 @@
           <a:lstStyle/>
           <a:p>
             <a:r>
-              <a:rPr lang="de-DE" smtClean="0"/>
+              <a:rPr lang="de-DE"/>
               <a:t>Titelmasterformat durch Klicken bearbeiten</a:t>
             </a:r>
             <a:endParaRPr lang="de-DE" dirty="0"/>
@@ -345,35 +347,35 @@
           <a:p>
             <a:pPr lvl="0"/>
             <a:r>
-              <a:rPr lang="de-DE" smtClean="0"/>
+              <a:rPr lang="de-DE"/>
               <a:t>Textmasterformat bearbeiten</a:t>
             </a:r>
           </a:p>
           <a:p>
             <a:pPr lvl="1"/>
             <a:r>
-              <a:rPr lang="de-DE" smtClean="0"/>
+              <a:rPr lang="de-DE"/>
               <a:t>Zweite Ebene</a:t>
             </a:r>
           </a:p>
           <a:p>
             <a:pPr lvl="2"/>
             <a:r>
-              <a:rPr lang="de-DE" smtClean="0"/>
+              <a:rPr lang="de-DE"/>
               <a:t>Dritte Ebene</a:t>
             </a:r>
           </a:p>
           <a:p>
             <a:pPr lvl="3"/>
             <a:r>
-              <a:rPr lang="de-DE" smtClean="0"/>
+              <a:rPr lang="de-DE"/>
               <a:t>Vierte Ebene</a:t>
             </a:r>
           </a:p>
           <a:p>
             <a:pPr lvl="4"/>
             <a:r>
-              <a:rPr lang="de-DE" smtClean="0"/>
+              <a:rPr lang="de-DE"/>
               <a:t>Fünfte Ebene</a:t>
             </a:r>
             <a:endParaRPr lang="de-DE" dirty="0"/>
@@ -431,7 +433,7 @@
           <a:lstStyle/>
           <a:p>
             <a:r>
-              <a:rPr lang="de-DE" smtClean="0"/>
+              <a:rPr lang="de-DE"/>
               <a:t>Titelmasterformat durch Klicken bearbeiten</a:t>
             </a:r>
             <a:endParaRPr lang="de-DE" dirty="0"/>
@@ -488,35 +490,35 @@
           <a:p>
             <a:pPr lvl="0"/>
             <a:r>
-              <a:rPr lang="de-DE" smtClean="0"/>
+              <a:rPr lang="de-DE"/>
               <a:t>Textmasterformat bearbeiten</a:t>
             </a:r>
           </a:p>
           <a:p>
             <a:pPr lvl="1"/>
             <a:r>
-              <a:rPr lang="de-DE" smtClean="0"/>
+              <a:rPr lang="de-DE"/>
               <a:t>Zweite Ebene</a:t>
             </a:r>
           </a:p>
           <a:p>
             <a:pPr lvl="2"/>
             <a:r>
-              <a:rPr lang="de-DE" smtClean="0"/>
+              <a:rPr lang="de-DE"/>
               <a:t>Dritte Ebene</a:t>
             </a:r>
           </a:p>
           <a:p>
             <a:pPr lvl="3"/>
             <a:r>
-              <a:rPr lang="de-DE" smtClean="0"/>
+              <a:rPr lang="de-DE"/>
               <a:t>Vierte Ebene</a:t>
             </a:r>
           </a:p>
           <a:p>
             <a:pPr lvl="4"/>
             <a:r>
-              <a:rPr lang="de-DE" smtClean="0"/>
+              <a:rPr lang="de-DE"/>
               <a:t>Fünfte Ebene</a:t>
             </a:r>
             <a:endParaRPr lang="de-DE" dirty="0"/>
@@ -573,35 +575,35 @@
           <a:p>
             <a:pPr lvl="0"/>
             <a:r>
-              <a:rPr lang="de-DE" smtClean="0"/>
+              <a:rPr lang="de-DE"/>
               <a:t>Textmasterformat bearbeiten</a:t>
             </a:r>
           </a:p>
           <a:p>
             <a:pPr lvl="1"/>
             <a:r>
-              <a:rPr lang="de-DE" smtClean="0"/>
+              <a:rPr lang="de-DE"/>
               <a:t>Zweite Ebene</a:t>
             </a:r>
           </a:p>
           <a:p>
             <a:pPr lvl="2"/>
             <a:r>
-              <a:rPr lang="de-DE" smtClean="0"/>
+              <a:rPr lang="de-DE"/>
               <a:t>Dritte Ebene</a:t>
             </a:r>
           </a:p>
           <a:p>
             <a:pPr lvl="3"/>
             <a:r>
-              <a:rPr lang="de-DE" smtClean="0"/>
+              <a:rPr lang="de-DE"/>
               <a:t>Vierte Ebene</a:t>
             </a:r>
           </a:p>
           <a:p>
             <a:pPr lvl="4"/>
             <a:r>
-              <a:rPr lang="de-DE" smtClean="0"/>
+              <a:rPr lang="de-DE"/>
               <a:t>Fünfte Ebene</a:t>
             </a:r>
             <a:endParaRPr lang="de-DE" dirty="0"/>
@@ -663,7 +665,7 @@
           </a:lstStyle>
           <a:p>
             <a:r>
-              <a:rPr lang="de-DE" smtClean="0"/>
+              <a:rPr lang="de-DE"/>
               <a:t>Titelmasterformat durch Klicken bearbeiten</a:t>
             </a:r>
             <a:endParaRPr lang="de-DE" dirty="0"/>
@@ -729,7 +731,7 @@
           <a:p>
             <a:pPr lvl="0"/>
             <a:r>
-              <a:rPr lang="de-DE" smtClean="0"/>
+              <a:rPr lang="de-DE"/>
               <a:t>Textmasterformat bearbeiten</a:t>
             </a:r>
           </a:p>
@@ -785,35 +787,35 @@
           <a:p>
             <a:pPr lvl="0"/>
             <a:r>
-              <a:rPr lang="de-DE" smtClean="0"/>
+              <a:rPr lang="de-DE"/>
               <a:t>Textmasterformat bearbeiten</a:t>
             </a:r>
           </a:p>
           <a:p>
             <a:pPr lvl="1"/>
             <a:r>
-              <a:rPr lang="de-DE" smtClean="0"/>
+              <a:rPr lang="de-DE"/>
               <a:t>Zweite Ebene</a:t>
             </a:r>
           </a:p>
           <a:p>
             <a:pPr lvl="2"/>
             <a:r>
-              <a:rPr lang="de-DE" smtClean="0"/>
+              <a:rPr lang="de-DE"/>
               <a:t>Dritte Ebene</a:t>
             </a:r>
           </a:p>
           <a:p>
             <a:pPr lvl="3"/>
             <a:r>
-              <a:rPr lang="de-DE" smtClean="0"/>
+              <a:rPr lang="de-DE"/>
               <a:t>Vierte Ebene</a:t>
             </a:r>
           </a:p>
           <a:p>
             <a:pPr lvl="4"/>
             <a:r>
-              <a:rPr lang="de-DE" smtClean="0"/>
+              <a:rPr lang="de-DE"/>
               <a:t>Fünfte Ebene</a:t>
             </a:r>
             <a:endParaRPr lang="de-DE" dirty="0"/>
@@ -879,7 +881,7 @@
           <a:p>
             <a:pPr lvl="0"/>
             <a:r>
-              <a:rPr lang="de-DE" smtClean="0"/>
+              <a:rPr lang="de-DE"/>
               <a:t>Textmasterformat bearbeiten</a:t>
             </a:r>
           </a:p>
@@ -935,35 +937,35 @@
           <a:p>
             <a:pPr lvl="0"/>
             <a:r>
-              <a:rPr lang="de-DE" smtClean="0"/>
+              <a:rPr lang="de-DE"/>
               <a:t>Textmasterformat bearbeiten</a:t>
             </a:r>
           </a:p>
           <a:p>
             <a:pPr lvl="1"/>
             <a:r>
-              <a:rPr lang="de-DE" smtClean="0"/>
+              <a:rPr lang="de-DE"/>
               <a:t>Zweite Ebene</a:t>
             </a:r>
           </a:p>
           <a:p>
             <a:pPr lvl="2"/>
             <a:r>
-              <a:rPr lang="de-DE" smtClean="0"/>
+              <a:rPr lang="de-DE"/>
               <a:t>Dritte Ebene</a:t>
             </a:r>
           </a:p>
           <a:p>
             <a:pPr lvl="3"/>
             <a:r>
-              <a:rPr lang="de-DE" smtClean="0"/>
+              <a:rPr lang="de-DE"/>
               <a:t>Vierte Ebene</a:t>
             </a:r>
           </a:p>
           <a:p>
             <a:pPr lvl="4"/>
             <a:r>
-              <a:rPr lang="de-DE" smtClean="0"/>
+              <a:rPr lang="de-DE"/>
               <a:t>Fünfte Ebene</a:t>
             </a:r>
             <a:endParaRPr lang="de-DE" dirty="0"/>
@@ -1016,10 +1018,9 @@
           <a:lstStyle/>
           <a:p>
             <a:r>
-              <a:rPr lang="de-DE" smtClean="0"/>
+              <a:rPr lang="de-DE"/>
               <a:t>Titelmasterformat durch Klicken bearbeiten</a:t>
             </a:r>
-            <a:endParaRPr lang="de-DE"/>
           </a:p>
         </p:txBody>
       </p:sp>
@@ -1108,7 +1109,7 @@
           </a:lstStyle>
           <a:p>
             <a:r>
-              <a:rPr lang="de-DE" smtClean="0"/>
+              <a:rPr lang="de-DE"/>
               <a:t>Titelmasterformat durch Klicken bearbeiten</a:t>
             </a:r>
             <a:endParaRPr lang="de-DE" dirty="0"/>
@@ -1165,35 +1166,35 @@
           <a:p>
             <a:pPr lvl="0"/>
             <a:r>
-              <a:rPr lang="de-DE" smtClean="0"/>
+              <a:rPr lang="de-DE"/>
               <a:t>Textmasterformat bearbeiten</a:t>
             </a:r>
           </a:p>
           <a:p>
             <a:pPr lvl="1"/>
             <a:r>
-              <a:rPr lang="de-DE" smtClean="0"/>
+              <a:rPr lang="de-DE"/>
               <a:t>Zweite Ebene</a:t>
             </a:r>
           </a:p>
           <a:p>
             <a:pPr lvl="2"/>
             <a:r>
-              <a:rPr lang="de-DE" smtClean="0"/>
+              <a:rPr lang="de-DE"/>
               <a:t>Dritte Ebene</a:t>
             </a:r>
           </a:p>
           <a:p>
             <a:pPr lvl="3"/>
             <a:r>
-              <a:rPr lang="de-DE" smtClean="0"/>
+              <a:rPr lang="de-DE"/>
               <a:t>Vierte Ebene</a:t>
             </a:r>
           </a:p>
           <a:p>
             <a:pPr lvl="4"/>
             <a:r>
-              <a:rPr lang="de-DE" smtClean="0"/>
+              <a:rPr lang="de-DE"/>
               <a:t>Fünfte Ebene</a:t>
             </a:r>
             <a:endParaRPr lang="de-DE" dirty="0"/>
@@ -1259,7 +1260,7 @@
           <a:p>
             <a:pPr lvl="0"/>
             <a:r>
-              <a:rPr lang="de-DE" smtClean="0"/>
+              <a:rPr lang="de-DE"/>
               <a:t>Textmasterformat bearbeiten</a:t>
             </a:r>
           </a:p>
@@ -1311,10 +1312,9 @@
           <a:lstStyle/>
           <a:p>
             <a:r>
-              <a:rPr lang="de-DE" smtClean="0"/>
+              <a:rPr lang="de-DE"/>
               <a:t>Titelmasterformat durch Klicken bearbeiten</a:t>
             </a:r>
-            <a:endParaRPr lang="de-DE"/>
           </a:p>
         </p:txBody>
       </p:sp>
@@ -1340,7 +1340,7 @@
           <a:p>
             <a:pPr lvl="0"/>
             <a:r>
-              <a:rPr lang="de-DE" smtClean="0"/>
+              <a:rPr lang="de-DE"/>
               <a:t>Textmasterformat bearbeiten</a:t>
             </a:r>
           </a:p>
@@ -1401,7 +1401,7 @@
           </a:lstStyle>
           <a:p>
             <a:r>
-              <a:rPr lang="de-DE" smtClean="0"/>
+              <a:rPr lang="de-DE"/>
               <a:t>Titelmasterformat durch Klicken bearbeiten</a:t>
             </a:r>
             <a:endParaRPr lang="de-DE" dirty="0"/>
@@ -1469,7 +1469,7 @@
           <a:p>
             <a:pPr lvl="0"/>
             <a:r>
-              <a:rPr lang="de-DE" noProof="0" smtClean="0"/>
+              <a:rPr lang="de-DE" noProof="0"/>
               <a:t>Bild durch Klicken auf Symbol hinzufügen</a:t>
             </a:r>
           </a:p>
@@ -1534,7 +1534,7 @@
           <a:p>
             <a:pPr lvl="0"/>
             <a:r>
-              <a:rPr lang="de-DE" smtClean="0"/>
+              <a:rPr lang="de-DE"/>
               <a:t>Textmasterformat bearbeiten</a:t>
             </a:r>
           </a:p>
@@ -1738,14 +1738,14 @@
           <a:p>
             <a:pPr lvl="0"/>
             <a:r>
-              <a:rPr lang="de-DE" smtClean="0"/>
+              <a:rPr lang="de-DE"/>
               <a:t>Klicken Sie, um das Titelformat</a:t>
             </a:r>
             <a:br>
-              <a:rPr lang="de-DE" smtClean="0"/>
+              <a:rPr lang="de-DE"/>
             </a:br>
             <a:r>
-              <a:rPr lang="de-DE" smtClean="0"/>
+              <a:rPr lang="de-DE"/>
               <a:t>zu bearbeiten</a:t>
             </a:r>
           </a:p>
@@ -1803,35 +1803,35 @@
           <a:p>
             <a:pPr lvl="0"/>
             <a:r>
-              <a:rPr lang="de-DE" dirty="0" smtClean="0"/>
+              <a:rPr lang="de-DE" dirty="0"/>
               <a:t>Klicken Sie, um die Formate des Vorlagentextes zu bearbeiten</a:t>
             </a:r>
           </a:p>
           <a:p>
             <a:pPr lvl="1"/>
             <a:r>
-              <a:rPr lang="de-DE" dirty="0" smtClean="0"/>
+              <a:rPr lang="de-DE" dirty="0"/>
               <a:t>Zweite Ebene</a:t>
             </a:r>
           </a:p>
           <a:p>
             <a:pPr lvl="2"/>
             <a:r>
-              <a:rPr lang="de-DE" dirty="0" smtClean="0"/>
+              <a:rPr lang="de-DE" dirty="0"/>
               <a:t>Dritte Ebene</a:t>
             </a:r>
           </a:p>
           <a:p>
             <a:pPr lvl="3"/>
             <a:r>
-              <a:rPr lang="de-DE" dirty="0" smtClean="0"/>
+              <a:rPr lang="de-DE" dirty="0"/>
               <a:t>Vierte Ebene</a:t>
             </a:r>
           </a:p>
           <a:p>
             <a:pPr lvl="4"/>
             <a:r>
-              <a:rPr lang="de-DE" dirty="0" smtClean="0"/>
+              <a:rPr lang="de-DE" dirty="0"/>
               <a:t>Fünfte Ebene</a:t>
             </a:r>
           </a:p>
@@ -1935,7 +1935,7 @@
               <a:defRPr/>
             </a:pPr>
             <a:r>
-              <a:rPr lang="en-US" sz="900" noProof="0" smtClean="0">
+              <a:rPr lang="en-US" sz="900" noProof="0">
                 <a:solidFill>
                   <a:srgbClr val="00407A"/>
                 </a:solidFill>
@@ -1945,7 +1945,7 @@
               <a:t>Topic | Name | Chair of Innovation</a:t>
             </a:r>
             <a:r>
-              <a:rPr lang="en-US" sz="900" baseline="0" noProof="0" smtClean="0">
+              <a:rPr lang="en-US" sz="900" baseline="0" noProof="0">
                 <a:solidFill>
                   <a:srgbClr val="00407A"/>
                 </a:solidFill>
@@ -1978,13 +1978,6 @@
     <p:sldLayoutId id="2147483656" r:id="rId8"/>
     <p:sldLayoutId id="2147483657" r:id="rId9"/>
   </p:sldLayoutIdLst>
-  <p:timing>
-    <p:tnLst>
-      <p:par>
-        <p:cTn id="1" dur="indefinite" restart="never" nodeType="tmRoot"/>
-      </p:par>
-    </p:tnLst>
-  </p:timing>
   <p:txStyles>
     <p:titleStyle>
       <a:lvl1pPr algn="l" rtl="0" eaLnBrk="1" fontAlgn="base" hangingPunct="1">
@@ -2501,80 +2494,77 @@
           <a:lstStyle/>
           <a:p>
             <a:r>
-              <a:rPr lang="de-DE" dirty="0" err="1" smtClean="0">
+              <a:rPr lang="de-DE" dirty="0" err="1">
                 <a:cs typeface="Arial" charset="0"/>
               </a:rPr>
               <a:t>Recognizing</a:t>
             </a:r>
             <a:r>
-              <a:rPr lang="de-DE" dirty="0" smtClean="0">
+              <a:rPr lang="de-DE" dirty="0">
                 <a:cs typeface="Arial" charset="0"/>
               </a:rPr>
               <a:t> Urban Points </a:t>
             </a:r>
             <a:r>
-              <a:rPr lang="de-DE" dirty="0" err="1" smtClean="0">
+              <a:rPr lang="de-DE" dirty="0" err="1">
                 <a:cs typeface="Arial" charset="0"/>
               </a:rPr>
               <a:t>of</a:t>
             </a:r>
             <a:r>
-              <a:rPr lang="de-DE" dirty="0" smtClean="0">
+              <a:rPr lang="de-DE" dirty="0">
                 <a:cs typeface="Arial" charset="0"/>
               </a:rPr>
               <a:t> </a:t>
             </a:r>
             <a:r>
-              <a:rPr lang="de-DE" dirty="0" err="1" smtClean="0">
+              <a:rPr lang="de-DE" dirty="0" err="1">
                 <a:cs typeface="Arial" charset="0"/>
               </a:rPr>
               <a:t>Interests</a:t>
             </a:r>
             <a:r>
-              <a:rPr lang="de-DE" dirty="0" smtClean="0">
+              <a:rPr lang="de-DE" dirty="0">
                 <a:cs typeface="Arial" charset="0"/>
               </a:rPr>
               <a:t> </a:t>
             </a:r>
             <a:r>
-              <a:rPr lang="de-DE" dirty="0" err="1" smtClean="0">
+              <a:rPr lang="de-DE" dirty="0" err="1">
                 <a:cs typeface="Arial" charset="0"/>
               </a:rPr>
               <a:t>with</a:t>
             </a:r>
             <a:r>
-              <a:rPr lang="de-DE" dirty="0" smtClean="0">
+              <a:rPr lang="de-DE" dirty="0">
                 <a:cs typeface="Arial" charset="0"/>
               </a:rPr>
               <a:t> </a:t>
             </a:r>
             <a:r>
-              <a:rPr lang="de-DE" dirty="0" err="1" smtClean="0">
+              <a:rPr lang="de-DE" dirty="0" err="1">
                 <a:cs typeface="Arial" charset="0"/>
               </a:rPr>
               <a:t>Convolutional</a:t>
             </a:r>
             <a:r>
-              <a:rPr lang="de-DE" dirty="0" smtClean="0">
+              <a:rPr lang="de-DE" dirty="0">
                 <a:cs typeface="Arial" charset="0"/>
               </a:rPr>
               <a:t> </a:t>
             </a:r>
             <a:r>
-              <a:rPr lang="de-DE" dirty="0" err="1" smtClean="0">
+              <a:rPr lang="de-DE" dirty="0" err="1">
                 <a:cs typeface="Arial" charset="0"/>
               </a:rPr>
               <a:t>Neural</a:t>
             </a:r>
             <a:r>
-              <a:rPr lang="de-DE" dirty="0" smtClean="0">
+              <a:rPr lang="de-DE" dirty="0">
                 <a:cs typeface="Arial" charset="0"/>
               </a:rPr>
               <a:t> Networks</a:t>
             </a:r>
-            <a:endParaRPr lang="de-DE" dirty="0" smtClean="0">
-              <a:cs typeface="Arial" charset="0"/>
-            </a:endParaRPr>
           </a:p>
         </p:txBody>
       </p:sp>
@@ -2600,7 +2590,7 @@
           <a:p>
             <a:pPr algn="l"/>
             <a:r>
-              <a:rPr lang="de-DE" sz="1400" dirty="0" smtClean="0">
+              <a:rPr lang="de-DE" sz="1400" dirty="0">
                 <a:solidFill>
                   <a:srgbClr val="00407A"/>
                 </a:solidFill>
@@ -2609,7 +2599,7 @@
               <a:t>1. </a:t>
             </a:r>
             <a:r>
-              <a:rPr lang="de-DE" sz="1400" dirty="0" err="1" smtClean="0">
+              <a:rPr lang="de-DE" sz="1400" dirty="0" err="1">
                 <a:solidFill>
                   <a:srgbClr val="00407A"/>
                 </a:solidFill>
@@ -2617,7 +2607,7 @@
               </a:rPr>
               <a:t>Presentation</a:t>
             </a:r>
-            <a:endParaRPr lang="de-DE" sz="1400" dirty="0" smtClean="0">
+            <a:endParaRPr lang="de-DE" sz="1400" dirty="0">
               <a:solidFill>
                 <a:srgbClr val="00407A"/>
               </a:solidFill>
@@ -2631,13 +2621,6 @@
   <p:clrMapOvr>
     <a:overrideClrMapping bg1="lt1" tx1="dk1" bg2="lt2" tx2="dk2" accent1="accent1" accent2="accent2" accent3="accent3" accent4="accent4" accent5="accent5" accent6="accent6" hlink="hlink" folHlink="folHlink"/>
   </p:clrMapOvr>
-  <p:timing>
-    <p:tnLst>
-      <p:par>
-        <p:cTn id="1" dur="indefinite" restart="never" nodeType="tmRoot"/>
-      </p:par>
-    </p:tnLst>
-  </p:timing>
 </p:sld>
 </file>
 
@@ -2660,29 +2643,6 @@
       </p:grpSpPr>
       <p:sp>
         <p:nvSpPr>
-          <p:cNvPr id="2" name="Titel 1"/>
-          <p:cNvSpPr>
-            <a:spLocks noGrp="1"/>
-          </p:cNvSpPr>
-          <p:nvPr>
-            <p:ph type="title"/>
-          </p:nvPr>
-        </p:nvSpPr>
-        <p:spPr/>
-        <p:txBody>
-          <a:bodyPr/>
-          <a:lstStyle/>
-          <a:p>
-            <a:r>
-              <a:rPr lang="de-DE" dirty="0" smtClean="0"/>
-              <a:t>Agenda</a:t>
-            </a:r>
-            <a:endParaRPr lang="de-DE" dirty="0"/>
-          </a:p>
-        </p:txBody>
-      </p:sp>
-      <p:sp>
-        <p:nvSpPr>
           <p:cNvPr id="3" name="Inhaltsplatzhalter 2"/>
           <p:cNvSpPr>
             <a:spLocks noGrp="1"/>
@@ -2691,7 +2651,12 @@
             <p:ph idx="1"/>
           </p:nvPr>
         </p:nvSpPr>
-        <p:spPr/>
+        <p:spPr>
+          <a:xfrm>
+            <a:off x="838200" y="1412776"/>
+            <a:ext cx="7467600" cy="4730868"/>
+          </a:xfrm>
+        </p:spPr>
         <p:txBody>
           <a:bodyPr/>
           <a:lstStyle/>
@@ -2701,7 +2666,7 @@
               <a:buAutoNum type="arabicPeriod"/>
             </a:pPr>
             <a:r>
-              <a:rPr lang="de-DE" dirty="0" smtClean="0"/>
+              <a:rPr lang="de-DE" dirty="0"/>
               <a:t>Motivation</a:t>
             </a:r>
           </a:p>
@@ -2711,19 +2676,19 @@
               <a:buAutoNum type="arabicPeriod"/>
             </a:pPr>
             <a:r>
-              <a:rPr lang="de-DE" dirty="0" err="1" smtClean="0"/>
+              <a:rPr lang="de-DE" dirty="0" err="1"/>
               <a:t>What</a:t>
             </a:r>
             <a:r>
-              <a:rPr lang="de-DE" dirty="0" smtClean="0"/>
+              <a:rPr lang="de-DE" dirty="0"/>
               <a:t> </a:t>
             </a:r>
             <a:r>
-              <a:rPr lang="de-DE" dirty="0" err="1" smtClean="0"/>
+              <a:rPr lang="de-DE" dirty="0" err="1"/>
               <a:t>is</a:t>
             </a:r>
             <a:r>
-              <a:rPr lang="de-DE" dirty="0" smtClean="0"/>
+              <a:rPr lang="de-DE" dirty="0"/>
               <a:t> CNN?</a:t>
             </a:r>
           </a:p>
@@ -2733,7 +2698,7 @@
               <a:buAutoNum type="arabicPeriod"/>
             </a:pPr>
             <a:r>
-              <a:rPr lang="de-DE" dirty="0" smtClean="0"/>
+              <a:rPr lang="de-DE" dirty="0"/>
               <a:t>Datasets</a:t>
             </a:r>
           </a:p>
@@ -2743,18 +2708,18 @@
               <a:buAutoNum type="arabicPeriod"/>
             </a:pPr>
             <a:r>
-              <a:rPr lang="de-DE" dirty="0" err="1" smtClean="0"/>
+              <a:rPr lang="de-DE" dirty="0" err="1"/>
               <a:t>Related</a:t>
             </a:r>
             <a:r>
-              <a:rPr lang="de-DE" dirty="0" smtClean="0"/>
+              <a:rPr lang="de-DE" dirty="0"/>
               <a:t> </a:t>
             </a:r>
             <a:r>
-              <a:rPr lang="de-DE" dirty="0" err="1" smtClean="0"/>
+              <a:rPr lang="de-DE" dirty="0" err="1"/>
               <a:t>works</a:t>
             </a:r>
-            <a:endParaRPr lang="de-DE" dirty="0" smtClean="0"/>
+            <a:endParaRPr lang="de-DE" dirty="0"/>
           </a:p>
           <a:p>
             <a:pPr marL="457200" indent="-457200">
@@ -2762,6 +2727,199 @@
               <a:buAutoNum type="arabicPeriod"/>
             </a:pPr>
             <a:endParaRPr lang="de-DE" dirty="0"/>
+          </a:p>
+        </p:txBody>
+      </p:sp>
+      <p:sp>
+        <p:nvSpPr>
+          <p:cNvPr id="5" name="Titel 1"/>
+          <p:cNvSpPr txBox="1">
+            <a:spLocks/>
+          </p:cNvSpPr>
+          <p:nvPr/>
+        </p:nvSpPr>
+        <p:spPr bwMode="auto">
+          <a:xfrm>
+            <a:off x="755576" y="0"/>
+            <a:ext cx="7467600" cy="1143000"/>
+          </a:xfrm>
+          <a:prstGeom prst="rect">
+            <a:avLst/>
+          </a:prstGeom>
+          <a:noFill/>
+          <a:ln>
+            <a:noFill/>
+          </a:ln>
+          <a:extLst>
+            <a:ext uri="{909E8E84-426E-40DD-AFC4-6F175D3DCCD1}">
+              <a14:hiddenFill xmlns:a14="http://schemas.microsoft.com/office/drawing/2010/main">
+                <a:solidFill>
+                  <a:srgbClr val="FFFFFF"/>
+                </a:solidFill>
+              </a14:hiddenFill>
+            </a:ext>
+            <a:ext uri="{91240B29-F687-4F45-9708-019B960494DF}">
+              <a14:hiddenLine xmlns:a14="http://schemas.microsoft.com/office/drawing/2010/main" w="9525">
+                <a:solidFill>
+                  <a:srgbClr val="000000"/>
+                </a:solidFill>
+                <a:miter lim="800000"/>
+                <a:headEnd/>
+                <a:tailEnd/>
+              </a14:hiddenLine>
+            </a:ext>
+          </a:extLst>
+        </p:spPr>
+        <p:txBody>
+          <a:bodyPr vert="horz" wrap="square" lIns="91440" tIns="45720" rIns="91440" bIns="45720" numCol="1" anchor="ctr" anchorCtr="0" compatLnSpc="1">
+            <a:prstTxWarp prst="textNoShape">
+              <a:avLst/>
+            </a:prstTxWarp>
+          </a:bodyPr>
+          <a:lstStyle>
+            <a:lvl1pPr algn="l" rtl="0" eaLnBrk="1" fontAlgn="base" hangingPunct="1">
+              <a:spcBef>
+                <a:spcPct val="0"/>
+              </a:spcBef>
+              <a:spcAft>
+                <a:spcPct val="0"/>
+              </a:spcAft>
+              <a:defRPr sz="2800">
+                <a:solidFill>
+                  <a:srgbClr val="00407A"/>
+                </a:solidFill>
+                <a:latin typeface="Arial" charset="0"/>
+                <a:ea typeface="+mj-ea"/>
+                <a:cs typeface="+mj-cs"/>
+              </a:defRPr>
+            </a:lvl1pPr>
+            <a:lvl2pPr algn="l" rtl="0" eaLnBrk="1" fontAlgn="base" hangingPunct="1">
+              <a:spcBef>
+                <a:spcPct val="0"/>
+              </a:spcBef>
+              <a:spcAft>
+                <a:spcPct val="0"/>
+              </a:spcAft>
+              <a:defRPr sz="2800">
+                <a:solidFill>
+                  <a:srgbClr val="00407A"/>
+                </a:solidFill>
+                <a:latin typeface="Arial" charset="0"/>
+              </a:defRPr>
+            </a:lvl2pPr>
+            <a:lvl3pPr algn="l" rtl="0" eaLnBrk="1" fontAlgn="base" hangingPunct="1">
+              <a:spcBef>
+                <a:spcPct val="0"/>
+              </a:spcBef>
+              <a:spcAft>
+                <a:spcPct val="0"/>
+              </a:spcAft>
+              <a:defRPr sz="2800">
+                <a:solidFill>
+                  <a:srgbClr val="00407A"/>
+                </a:solidFill>
+                <a:latin typeface="Arial" charset="0"/>
+              </a:defRPr>
+            </a:lvl3pPr>
+            <a:lvl4pPr algn="l" rtl="0" eaLnBrk="1" fontAlgn="base" hangingPunct="1">
+              <a:spcBef>
+                <a:spcPct val="0"/>
+              </a:spcBef>
+              <a:spcAft>
+                <a:spcPct val="0"/>
+              </a:spcAft>
+              <a:defRPr sz="2800">
+                <a:solidFill>
+                  <a:srgbClr val="00407A"/>
+                </a:solidFill>
+                <a:latin typeface="Arial" charset="0"/>
+              </a:defRPr>
+            </a:lvl4pPr>
+            <a:lvl5pPr algn="l" rtl="0" eaLnBrk="1" fontAlgn="base" hangingPunct="1">
+              <a:spcBef>
+                <a:spcPct val="0"/>
+              </a:spcBef>
+              <a:spcAft>
+                <a:spcPct val="0"/>
+              </a:spcAft>
+              <a:defRPr sz="2800">
+                <a:solidFill>
+                  <a:srgbClr val="00407A"/>
+                </a:solidFill>
+                <a:latin typeface="Arial" charset="0"/>
+              </a:defRPr>
+            </a:lvl5pPr>
+            <a:lvl6pPr marL="457200" algn="l" rtl="0" eaLnBrk="1" fontAlgn="base" hangingPunct="1">
+              <a:spcBef>
+                <a:spcPct val="0"/>
+              </a:spcBef>
+              <a:spcAft>
+                <a:spcPct val="0"/>
+              </a:spcAft>
+              <a:defRPr sz="2800" b="1">
+                <a:solidFill>
+                  <a:srgbClr val="00407A"/>
+                </a:solidFill>
+                <a:latin typeface="UB Scala" pitchFamily="2" charset="0"/>
+              </a:defRPr>
+            </a:lvl6pPr>
+            <a:lvl7pPr marL="914400" algn="l" rtl="0" eaLnBrk="1" fontAlgn="base" hangingPunct="1">
+              <a:spcBef>
+                <a:spcPct val="0"/>
+              </a:spcBef>
+              <a:spcAft>
+                <a:spcPct val="0"/>
+              </a:spcAft>
+              <a:defRPr sz="2800" b="1">
+                <a:solidFill>
+                  <a:srgbClr val="00407A"/>
+                </a:solidFill>
+                <a:latin typeface="UB Scala" pitchFamily="2" charset="0"/>
+              </a:defRPr>
+            </a:lvl7pPr>
+            <a:lvl8pPr marL="1371600" algn="l" rtl="0" eaLnBrk="1" fontAlgn="base" hangingPunct="1">
+              <a:spcBef>
+                <a:spcPct val="0"/>
+              </a:spcBef>
+              <a:spcAft>
+                <a:spcPct val="0"/>
+              </a:spcAft>
+              <a:defRPr sz="2800" b="1">
+                <a:solidFill>
+                  <a:srgbClr val="00407A"/>
+                </a:solidFill>
+                <a:latin typeface="UB Scala" pitchFamily="2" charset="0"/>
+              </a:defRPr>
+            </a:lvl8pPr>
+            <a:lvl9pPr marL="1828800" algn="l" rtl="0" eaLnBrk="1" fontAlgn="base" hangingPunct="1">
+              <a:spcBef>
+                <a:spcPct val="0"/>
+              </a:spcBef>
+              <a:spcAft>
+                <a:spcPct val="0"/>
+              </a:spcAft>
+              <a:defRPr sz="2800" b="1">
+                <a:solidFill>
+                  <a:srgbClr val="00407A"/>
+                </a:solidFill>
+                <a:latin typeface="UB Scala" pitchFamily="2" charset="0"/>
+              </a:defRPr>
+            </a:lvl9pPr>
+          </a:lstStyle>
+          <a:p>
+            <a:r>
+              <a:rPr lang="de-DE" kern="0">
+                <a:solidFill>
+                  <a:schemeClr val="bg1"/>
+                </a:solidFill>
+              </a:rPr>
+              <a:t>Agenda</a:t>
+            </a:r>
+            <a:endParaRPr lang="de-DE" kern="0" dirty="0">
+              <a:solidFill>
+                <a:schemeClr val="bg1"/>
+              </a:solidFill>
+            </a:endParaRPr>
           </a:p>
         </p:txBody>
       </p:sp>
@@ -2775,13 +2933,1213 @@
   <p:clrMapOvr>
     <a:masterClrMapping/>
   </p:clrMapOvr>
-  <p:timing>
-    <p:tnLst>
-      <p:par>
-        <p:cTn id="1" dur="indefinite" restart="never" nodeType="tmRoot"/>
-      </p:par>
-    </p:tnLst>
-  </p:timing>
+</p:sld>
+</file>
+
+<file path=ppt/slides/slide3.xml><?xml version="1.0" encoding="utf-8"?>
+<p:sld xmlns:a="http://schemas.openxmlformats.org/drawingml/2006/main" xmlns:r="http://schemas.openxmlformats.org/officeDocument/2006/relationships" xmlns:p="http://schemas.openxmlformats.org/presentationml/2006/main">
+  <p:cSld>
+    <p:spTree>
+      <p:nvGrpSpPr>
+        <p:cNvPr id="1" name=""/>
+        <p:cNvGrpSpPr/>
+        <p:nvPr/>
+      </p:nvGrpSpPr>
+      <p:grpSpPr>
+        <a:xfrm>
+          <a:off x="0" y="0"/>
+          <a:ext cx="0" cy="0"/>
+          <a:chOff x="0" y="0"/>
+          <a:chExt cx="0" cy="0"/>
+        </a:xfrm>
+      </p:grpSpPr>
+      <p:sp>
+        <p:nvSpPr>
+          <p:cNvPr id="3" name="Inhaltsplatzhalter 2"/>
+          <p:cNvSpPr>
+            <a:spLocks noGrp="1"/>
+          </p:cNvSpPr>
+          <p:nvPr>
+            <p:ph idx="1"/>
+          </p:nvPr>
+        </p:nvSpPr>
+        <p:spPr>
+          <a:xfrm>
+            <a:off x="838200" y="1412776"/>
+            <a:ext cx="7467600" cy="4730868"/>
+          </a:xfrm>
+        </p:spPr>
+        <p:txBody>
+          <a:bodyPr/>
+          <a:lstStyle/>
+          <a:p>
+            <a:pPr marL="457200" indent="-457200">
+              <a:buFont typeface="+mj-lt"/>
+              <a:buAutoNum type="arabicPeriod"/>
+            </a:pPr>
+            <a:r>
+              <a:rPr lang="de-DE" dirty="0"/>
+              <a:t>Motivation</a:t>
+            </a:r>
+          </a:p>
+          <a:p>
+            <a:pPr marL="457200" indent="-457200">
+              <a:buFont typeface="+mj-lt"/>
+              <a:buAutoNum type="arabicPeriod"/>
+            </a:pPr>
+            <a:r>
+              <a:rPr lang="de-DE" dirty="0" err="1"/>
+              <a:t>What</a:t>
+            </a:r>
+            <a:r>
+              <a:rPr lang="de-DE" dirty="0"/>
+              <a:t> </a:t>
+            </a:r>
+            <a:r>
+              <a:rPr lang="de-DE" dirty="0" err="1"/>
+              <a:t>is</a:t>
+            </a:r>
+            <a:r>
+              <a:rPr lang="de-DE" dirty="0"/>
+              <a:t> CNN?</a:t>
+            </a:r>
+          </a:p>
+          <a:p>
+            <a:pPr marL="457200" indent="-457200">
+              <a:buFont typeface="+mj-lt"/>
+              <a:buAutoNum type="arabicPeriod"/>
+            </a:pPr>
+            <a:r>
+              <a:rPr lang="de-DE" dirty="0"/>
+              <a:t>Datasets</a:t>
+            </a:r>
+          </a:p>
+          <a:p>
+            <a:pPr marL="457200" indent="-457200">
+              <a:buFont typeface="+mj-lt"/>
+              <a:buAutoNum type="arabicPeriod"/>
+            </a:pPr>
+            <a:r>
+              <a:rPr lang="de-DE" dirty="0" err="1"/>
+              <a:t>Related</a:t>
+            </a:r>
+            <a:r>
+              <a:rPr lang="de-DE" dirty="0"/>
+              <a:t> </a:t>
+            </a:r>
+            <a:r>
+              <a:rPr lang="de-DE" dirty="0" err="1"/>
+              <a:t>works</a:t>
+            </a:r>
+            <a:endParaRPr lang="de-DE" dirty="0"/>
+          </a:p>
+          <a:p>
+            <a:pPr marL="457200" indent="-457200">
+              <a:buFont typeface="+mj-lt"/>
+              <a:buAutoNum type="arabicPeriod"/>
+            </a:pPr>
+            <a:endParaRPr lang="de-DE" dirty="0"/>
+          </a:p>
+        </p:txBody>
+      </p:sp>
+      <p:sp>
+        <p:nvSpPr>
+          <p:cNvPr id="5" name="Titel 1"/>
+          <p:cNvSpPr txBox="1">
+            <a:spLocks/>
+          </p:cNvSpPr>
+          <p:nvPr/>
+        </p:nvSpPr>
+        <p:spPr bwMode="auto">
+          <a:xfrm>
+            <a:off x="755576" y="0"/>
+            <a:ext cx="7467600" cy="1143000"/>
+          </a:xfrm>
+          <a:prstGeom prst="rect">
+            <a:avLst/>
+          </a:prstGeom>
+          <a:noFill/>
+          <a:ln>
+            <a:noFill/>
+          </a:ln>
+          <a:extLst>
+            <a:ext uri="{909E8E84-426E-40DD-AFC4-6F175D3DCCD1}">
+              <a14:hiddenFill xmlns:a14="http://schemas.microsoft.com/office/drawing/2010/main">
+                <a:solidFill>
+                  <a:srgbClr val="FFFFFF"/>
+                </a:solidFill>
+              </a14:hiddenFill>
+            </a:ext>
+            <a:ext uri="{91240B29-F687-4F45-9708-019B960494DF}">
+              <a14:hiddenLine xmlns:a14="http://schemas.microsoft.com/office/drawing/2010/main" w="9525">
+                <a:solidFill>
+                  <a:srgbClr val="000000"/>
+                </a:solidFill>
+                <a:miter lim="800000"/>
+                <a:headEnd/>
+                <a:tailEnd/>
+              </a14:hiddenLine>
+            </a:ext>
+          </a:extLst>
+        </p:spPr>
+        <p:txBody>
+          <a:bodyPr vert="horz" wrap="square" lIns="91440" tIns="45720" rIns="91440" bIns="45720" numCol="1" anchor="ctr" anchorCtr="0" compatLnSpc="1">
+            <a:prstTxWarp prst="textNoShape">
+              <a:avLst/>
+            </a:prstTxWarp>
+          </a:bodyPr>
+          <a:lstStyle>
+            <a:lvl1pPr algn="l" rtl="0" eaLnBrk="1" fontAlgn="base" hangingPunct="1">
+              <a:spcBef>
+                <a:spcPct val="0"/>
+              </a:spcBef>
+              <a:spcAft>
+                <a:spcPct val="0"/>
+              </a:spcAft>
+              <a:defRPr sz="2800">
+                <a:solidFill>
+                  <a:srgbClr val="00407A"/>
+                </a:solidFill>
+                <a:latin typeface="Arial" charset="0"/>
+                <a:ea typeface="+mj-ea"/>
+                <a:cs typeface="+mj-cs"/>
+              </a:defRPr>
+            </a:lvl1pPr>
+            <a:lvl2pPr algn="l" rtl="0" eaLnBrk="1" fontAlgn="base" hangingPunct="1">
+              <a:spcBef>
+                <a:spcPct val="0"/>
+              </a:spcBef>
+              <a:spcAft>
+                <a:spcPct val="0"/>
+              </a:spcAft>
+              <a:defRPr sz="2800">
+                <a:solidFill>
+                  <a:srgbClr val="00407A"/>
+                </a:solidFill>
+                <a:latin typeface="Arial" charset="0"/>
+              </a:defRPr>
+            </a:lvl2pPr>
+            <a:lvl3pPr algn="l" rtl="0" eaLnBrk="1" fontAlgn="base" hangingPunct="1">
+              <a:spcBef>
+                <a:spcPct val="0"/>
+              </a:spcBef>
+              <a:spcAft>
+                <a:spcPct val="0"/>
+              </a:spcAft>
+              <a:defRPr sz="2800">
+                <a:solidFill>
+                  <a:srgbClr val="00407A"/>
+                </a:solidFill>
+                <a:latin typeface="Arial" charset="0"/>
+              </a:defRPr>
+            </a:lvl3pPr>
+            <a:lvl4pPr algn="l" rtl="0" eaLnBrk="1" fontAlgn="base" hangingPunct="1">
+              <a:spcBef>
+                <a:spcPct val="0"/>
+              </a:spcBef>
+              <a:spcAft>
+                <a:spcPct val="0"/>
+              </a:spcAft>
+              <a:defRPr sz="2800">
+                <a:solidFill>
+                  <a:srgbClr val="00407A"/>
+                </a:solidFill>
+                <a:latin typeface="Arial" charset="0"/>
+              </a:defRPr>
+            </a:lvl4pPr>
+            <a:lvl5pPr algn="l" rtl="0" eaLnBrk="1" fontAlgn="base" hangingPunct="1">
+              <a:spcBef>
+                <a:spcPct val="0"/>
+              </a:spcBef>
+              <a:spcAft>
+                <a:spcPct val="0"/>
+              </a:spcAft>
+              <a:defRPr sz="2800">
+                <a:solidFill>
+                  <a:srgbClr val="00407A"/>
+                </a:solidFill>
+                <a:latin typeface="Arial" charset="0"/>
+              </a:defRPr>
+            </a:lvl5pPr>
+            <a:lvl6pPr marL="457200" algn="l" rtl="0" eaLnBrk="1" fontAlgn="base" hangingPunct="1">
+              <a:spcBef>
+                <a:spcPct val="0"/>
+              </a:spcBef>
+              <a:spcAft>
+                <a:spcPct val="0"/>
+              </a:spcAft>
+              <a:defRPr sz="2800" b="1">
+                <a:solidFill>
+                  <a:srgbClr val="00407A"/>
+                </a:solidFill>
+                <a:latin typeface="UB Scala" pitchFamily="2" charset="0"/>
+              </a:defRPr>
+            </a:lvl6pPr>
+            <a:lvl7pPr marL="914400" algn="l" rtl="0" eaLnBrk="1" fontAlgn="base" hangingPunct="1">
+              <a:spcBef>
+                <a:spcPct val="0"/>
+              </a:spcBef>
+              <a:spcAft>
+                <a:spcPct val="0"/>
+              </a:spcAft>
+              <a:defRPr sz="2800" b="1">
+                <a:solidFill>
+                  <a:srgbClr val="00407A"/>
+                </a:solidFill>
+                <a:latin typeface="UB Scala" pitchFamily="2" charset="0"/>
+              </a:defRPr>
+            </a:lvl7pPr>
+            <a:lvl8pPr marL="1371600" algn="l" rtl="0" eaLnBrk="1" fontAlgn="base" hangingPunct="1">
+              <a:spcBef>
+                <a:spcPct val="0"/>
+              </a:spcBef>
+              <a:spcAft>
+                <a:spcPct val="0"/>
+              </a:spcAft>
+              <a:defRPr sz="2800" b="1">
+                <a:solidFill>
+                  <a:srgbClr val="00407A"/>
+                </a:solidFill>
+                <a:latin typeface="UB Scala" pitchFamily="2" charset="0"/>
+              </a:defRPr>
+            </a:lvl8pPr>
+            <a:lvl9pPr marL="1828800" algn="l" rtl="0" eaLnBrk="1" fontAlgn="base" hangingPunct="1">
+              <a:spcBef>
+                <a:spcPct val="0"/>
+              </a:spcBef>
+              <a:spcAft>
+                <a:spcPct val="0"/>
+              </a:spcAft>
+              <a:defRPr sz="2800" b="1">
+                <a:solidFill>
+                  <a:srgbClr val="00407A"/>
+                </a:solidFill>
+                <a:latin typeface="UB Scala" pitchFamily="2" charset="0"/>
+              </a:defRPr>
+            </a:lvl9pPr>
+          </a:lstStyle>
+          <a:p>
+            <a:r>
+              <a:rPr lang="de-DE" kern="0" dirty="0">
+                <a:solidFill>
+                  <a:schemeClr val="bg1"/>
+                </a:solidFill>
+              </a:rPr>
+              <a:t>Motivation</a:t>
+            </a:r>
+          </a:p>
+        </p:txBody>
+      </p:sp>
+    </p:spTree>
+    <p:extLst>
+      <p:ext uri="{BB962C8B-B14F-4D97-AF65-F5344CB8AC3E}">
+        <p14:creationId xmlns:p14="http://schemas.microsoft.com/office/powerpoint/2010/main" val="448752493"/>
+      </p:ext>
+    </p:extLst>
+  </p:cSld>
+  <p:clrMapOvr>
+    <a:masterClrMapping/>
+  </p:clrMapOvr>
+</p:sld>
+</file>
+
+<file path=ppt/slides/slide4.xml><?xml version="1.0" encoding="utf-8"?>
+<p:sld xmlns:a="http://schemas.openxmlformats.org/drawingml/2006/main" xmlns:r="http://schemas.openxmlformats.org/officeDocument/2006/relationships" xmlns:p="http://schemas.openxmlformats.org/presentationml/2006/main">
+  <p:cSld>
+    <p:spTree>
+      <p:nvGrpSpPr>
+        <p:cNvPr id="1" name=""/>
+        <p:cNvGrpSpPr/>
+        <p:nvPr/>
+      </p:nvGrpSpPr>
+      <p:grpSpPr>
+        <a:xfrm>
+          <a:off x="0" y="0"/>
+          <a:ext cx="0" cy="0"/>
+          <a:chOff x="0" y="0"/>
+          <a:chExt cx="0" cy="0"/>
+        </a:xfrm>
+      </p:grpSpPr>
+      <p:sp>
+        <p:nvSpPr>
+          <p:cNvPr id="4" name="Inhaltsplatzhalter 2"/>
+          <p:cNvSpPr txBox="1">
+            <a:spLocks/>
+          </p:cNvSpPr>
+          <p:nvPr/>
+        </p:nvSpPr>
+        <p:spPr bwMode="auto">
+          <a:xfrm>
+            <a:off x="780718" y="1412776"/>
+            <a:ext cx="7467600" cy="4704972"/>
+          </a:xfrm>
+          <a:prstGeom prst="rect">
+            <a:avLst/>
+          </a:prstGeom>
+          <a:noFill/>
+          <a:ln>
+            <a:noFill/>
+          </a:ln>
+          <a:extLst>
+            <a:ext uri="{909E8E84-426E-40DD-AFC4-6F175D3DCCD1}">
+              <a14:hiddenFill xmlns:a14="http://schemas.microsoft.com/office/drawing/2010/main">
+                <a:solidFill>
+                  <a:srgbClr val="FFFFFF"/>
+                </a:solidFill>
+              </a14:hiddenFill>
+            </a:ext>
+            <a:ext uri="{91240B29-F687-4F45-9708-019B960494DF}">
+              <a14:hiddenLine xmlns:a14="http://schemas.microsoft.com/office/drawing/2010/main" w="9525">
+                <a:solidFill>
+                  <a:srgbClr val="000000"/>
+                </a:solidFill>
+                <a:miter lim="800000"/>
+                <a:headEnd/>
+                <a:tailEnd/>
+              </a14:hiddenLine>
+            </a:ext>
+          </a:extLst>
+        </p:spPr>
+        <p:txBody>
+          <a:bodyPr vert="horz" wrap="square" lIns="91440" tIns="45720" rIns="91440" bIns="45720" numCol="1" anchor="t" anchorCtr="0" compatLnSpc="1">
+            <a:prstTxWarp prst="textNoShape">
+              <a:avLst/>
+            </a:prstTxWarp>
+          </a:bodyPr>
+          <a:lstStyle>
+            <a:lvl1pPr marL="342900" indent="-342900" algn="l" rtl="0" eaLnBrk="1" fontAlgn="base" hangingPunct="1">
+              <a:spcBef>
+                <a:spcPct val="20000"/>
+              </a:spcBef>
+              <a:spcAft>
+                <a:spcPct val="0"/>
+              </a:spcAft>
+              <a:buChar char="•"/>
+              <a:defRPr sz="2200">
+                <a:solidFill>
+                  <a:schemeClr val="tx1"/>
+                </a:solidFill>
+                <a:latin typeface="Arial" charset="0"/>
+                <a:ea typeface="+mn-ea"/>
+                <a:cs typeface="+mn-cs"/>
+              </a:defRPr>
+            </a:lvl1pPr>
+            <a:lvl2pPr marL="742950" indent="-285750" algn="l" rtl="0" eaLnBrk="1" fontAlgn="base" hangingPunct="1">
+              <a:spcBef>
+                <a:spcPct val="20000"/>
+              </a:spcBef>
+              <a:spcAft>
+                <a:spcPct val="0"/>
+              </a:spcAft>
+              <a:buChar char="•"/>
+              <a:defRPr sz="2000">
+                <a:solidFill>
+                  <a:schemeClr val="tx1"/>
+                </a:solidFill>
+                <a:latin typeface="Arial" charset="0"/>
+              </a:defRPr>
+            </a:lvl2pPr>
+            <a:lvl3pPr marL="1143000" indent="-228600" algn="l" rtl="0" eaLnBrk="1" fontAlgn="base" hangingPunct="1">
+              <a:spcBef>
+                <a:spcPct val="20000"/>
+              </a:spcBef>
+              <a:spcAft>
+                <a:spcPct val="0"/>
+              </a:spcAft>
+              <a:buFont typeface="Wingdings" pitchFamily="2" charset="2"/>
+              <a:buChar char="§"/>
+              <a:defRPr>
+                <a:solidFill>
+                  <a:schemeClr val="tx1"/>
+                </a:solidFill>
+                <a:latin typeface="Arial" charset="0"/>
+              </a:defRPr>
+            </a:lvl3pPr>
+            <a:lvl4pPr marL="1600200" indent="-228600" algn="l" rtl="0" eaLnBrk="1" fontAlgn="base" hangingPunct="1">
+              <a:spcBef>
+                <a:spcPct val="20000"/>
+              </a:spcBef>
+              <a:spcAft>
+                <a:spcPct val="0"/>
+              </a:spcAft>
+              <a:buChar char="+"/>
+              <a:defRPr sz="1600">
+                <a:solidFill>
+                  <a:schemeClr val="tx1"/>
+                </a:solidFill>
+                <a:latin typeface="Arial" charset="0"/>
+              </a:defRPr>
+            </a:lvl4pPr>
+            <a:lvl5pPr marL="2057400" indent="-228600" algn="l" rtl="0" eaLnBrk="1" fontAlgn="base" hangingPunct="1">
+              <a:spcBef>
+                <a:spcPct val="20000"/>
+              </a:spcBef>
+              <a:spcAft>
+                <a:spcPct val="0"/>
+              </a:spcAft>
+              <a:buChar char="–"/>
+              <a:defRPr sz="1400">
+                <a:solidFill>
+                  <a:schemeClr val="tx1"/>
+                </a:solidFill>
+                <a:latin typeface="Arial" charset="0"/>
+              </a:defRPr>
+            </a:lvl5pPr>
+            <a:lvl6pPr marL="2514600" indent="-228600" algn="l" rtl="0" eaLnBrk="1" fontAlgn="base" hangingPunct="1">
+              <a:spcBef>
+                <a:spcPct val="20000"/>
+              </a:spcBef>
+              <a:spcAft>
+                <a:spcPct val="0"/>
+              </a:spcAft>
+              <a:buChar char="–"/>
+              <a:defRPr sz="1400">
+                <a:solidFill>
+                  <a:schemeClr val="tx1"/>
+                </a:solidFill>
+                <a:latin typeface="+mn-lt"/>
+              </a:defRPr>
+            </a:lvl6pPr>
+            <a:lvl7pPr marL="2971800" indent="-228600" algn="l" rtl="0" eaLnBrk="1" fontAlgn="base" hangingPunct="1">
+              <a:spcBef>
+                <a:spcPct val="20000"/>
+              </a:spcBef>
+              <a:spcAft>
+                <a:spcPct val="0"/>
+              </a:spcAft>
+              <a:buChar char="–"/>
+              <a:defRPr sz="1400">
+                <a:solidFill>
+                  <a:schemeClr val="tx1"/>
+                </a:solidFill>
+                <a:latin typeface="+mn-lt"/>
+              </a:defRPr>
+            </a:lvl7pPr>
+            <a:lvl8pPr marL="3429000" indent="-228600" algn="l" rtl="0" eaLnBrk="1" fontAlgn="base" hangingPunct="1">
+              <a:spcBef>
+                <a:spcPct val="20000"/>
+              </a:spcBef>
+              <a:spcAft>
+                <a:spcPct val="0"/>
+              </a:spcAft>
+              <a:buChar char="–"/>
+              <a:defRPr sz="1400">
+                <a:solidFill>
+                  <a:schemeClr val="tx1"/>
+                </a:solidFill>
+                <a:latin typeface="+mn-lt"/>
+              </a:defRPr>
+            </a:lvl8pPr>
+            <a:lvl9pPr marL="3886200" indent="-228600" algn="l" rtl="0" eaLnBrk="1" fontAlgn="base" hangingPunct="1">
+              <a:spcBef>
+                <a:spcPct val="20000"/>
+              </a:spcBef>
+              <a:spcAft>
+                <a:spcPct val="0"/>
+              </a:spcAft>
+              <a:buChar char="–"/>
+              <a:defRPr sz="1400">
+                <a:solidFill>
+                  <a:schemeClr val="tx1"/>
+                </a:solidFill>
+                <a:latin typeface="+mn-lt"/>
+              </a:defRPr>
+            </a:lvl9pPr>
+          </a:lstStyle>
+          <a:p>
+            <a:r>
+              <a:rPr lang="en-US" kern="0" dirty="0"/>
+              <a:t>Bamberger Dom</a:t>
+            </a:r>
+          </a:p>
+          <a:p>
+            <a:r>
+              <a:rPr lang="en-US" kern="0" dirty="0" err="1"/>
+              <a:t>Altes</a:t>
+            </a:r>
+            <a:r>
+              <a:rPr lang="en-US" kern="0" dirty="0"/>
+              <a:t> </a:t>
+            </a:r>
+            <a:r>
+              <a:rPr lang="en-US" kern="0" dirty="0" err="1"/>
+              <a:t>Rathaus</a:t>
+            </a:r>
+            <a:endParaRPr lang="en-US" kern="0" dirty="0"/>
+          </a:p>
+          <a:p>
+            <a:r>
+              <a:rPr lang="de-DE" kern="0" dirty="0"/>
+              <a:t>Kloster Michelsberg</a:t>
+            </a:r>
+            <a:endParaRPr lang="en-US" kern="0" dirty="0"/>
+          </a:p>
+          <a:p>
+            <a:r>
+              <a:rPr lang="en-US" kern="0" dirty="0"/>
+              <a:t>Klein </a:t>
+            </a:r>
+            <a:r>
+              <a:rPr lang="en-US" kern="0" dirty="0" err="1"/>
+              <a:t>Venedig</a:t>
+            </a:r>
+            <a:endParaRPr lang="en-US" kern="0" dirty="0"/>
+          </a:p>
+          <a:p>
+            <a:r>
+              <a:rPr lang="en-US" kern="0" dirty="0"/>
+              <a:t>Altenburg</a:t>
+            </a:r>
+          </a:p>
+          <a:p>
+            <a:r>
+              <a:rPr lang="en-US" kern="0" dirty="0"/>
+              <a:t>Neue </a:t>
+            </a:r>
+            <a:r>
+              <a:rPr lang="en-US" kern="0" dirty="0" err="1"/>
+              <a:t>Residenz</a:t>
+            </a:r>
+            <a:endParaRPr lang="en-US" kern="0" dirty="0"/>
+          </a:p>
+          <a:p>
+            <a:endParaRPr lang="de-DE" kern="0" dirty="0"/>
+          </a:p>
+        </p:txBody>
+      </p:sp>
+      <p:sp>
+        <p:nvSpPr>
+          <p:cNvPr id="5" name="Titel 1"/>
+          <p:cNvSpPr txBox="1">
+            <a:spLocks/>
+          </p:cNvSpPr>
+          <p:nvPr/>
+        </p:nvSpPr>
+        <p:spPr bwMode="auto">
+          <a:xfrm>
+            <a:off x="780718" y="0"/>
+            <a:ext cx="7467600" cy="1143000"/>
+          </a:xfrm>
+          <a:prstGeom prst="rect">
+            <a:avLst/>
+          </a:prstGeom>
+          <a:noFill/>
+          <a:ln>
+            <a:noFill/>
+          </a:ln>
+          <a:extLst>
+            <a:ext uri="{909E8E84-426E-40DD-AFC4-6F175D3DCCD1}">
+              <a14:hiddenFill xmlns:a14="http://schemas.microsoft.com/office/drawing/2010/main">
+                <a:solidFill>
+                  <a:srgbClr val="FFFFFF"/>
+                </a:solidFill>
+              </a14:hiddenFill>
+            </a:ext>
+            <a:ext uri="{91240B29-F687-4F45-9708-019B960494DF}">
+              <a14:hiddenLine xmlns:a14="http://schemas.microsoft.com/office/drawing/2010/main" w="9525">
+                <a:solidFill>
+                  <a:srgbClr val="000000"/>
+                </a:solidFill>
+                <a:miter lim="800000"/>
+                <a:headEnd/>
+                <a:tailEnd/>
+              </a14:hiddenLine>
+            </a:ext>
+          </a:extLst>
+        </p:spPr>
+        <p:txBody>
+          <a:bodyPr vert="horz" wrap="square" lIns="91440" tIns="45720" rIns="91440" bIns="45720" numCol="1" anchor="ctr" anchorCtr="0" compatLnSpc="1">
+            <a:prstTxWarp prst="textNoShape">
+              <a:avLst/>
+            </a:prstTxWarp>
+          </a:bodyPr>
+          <a:lstStyle>
+            <a:lvl1pPr algn="l" rtl="0" eaLnBrk="1" fontAlgn="base" hangingPunct="1">
+              <a:spcBef>
+                <a:spcPct val="0"/>
+              </a:spcBef>
+              <a:spcAft>
+                <a:spcPct val="0"/>
+              </a:spcAft>
+              <a:defRPr sz="2800">
+                <a:solidFill>
+                  <a:srgbClr val="00407A"/>
+                </a:solidFill>
+                <a:latin typeface="Arial" charset="0"/>
+                <a:ea typeface="+mj-ea"/>
+                <a:cs typeface="+mj-cs"/>
+              </a:defRPr>
+            </a:lvl1pPr>
+            <a:lvl2pPr algn="l" rtl="0" eaLnBrk="1" fontAlgn="base" hangingPunct="1">
+              <a:spcBef>
+                <a:spcPct val="0"/>
+              </a:spcBef>
+              <a:spcAft>
+                <a:spcPct val="0"/>
+              </a:spcAft>
+              <a:defRPr sz="2800">
+                <a:solidFill>
+                  <a:srgbClr val="00407A"/>
+                </a:solidFill>
+                <a:latin typeface="Arial" charset="0"/>
+              </a:defRPr>
+            </a:lvl2pPr>
+            <a:lvl3pPr algn="l" rtl="0" eaLnBrk="1" fontAlgn="base" hangingPunct="1">
+              <a:spcBef>
+                <a:spcPct val="0"/>
+              </a:spcBef>
+              <a:spcAft>
+                <a:spcPct val="0"/>
+              </a:spcAft>
+              <a:defRPr sz="2800">
+                <a:solidFill>
+                  <a:srgbClr val="00407A"/>
+                </a:solidFill>
+                <a:latin typeface="Arial" charset="0"/>
+              </a:defRPr>
+            </a:lvl3pPr>
+            <a:lvl4pPr algn="l" rtl="0" eaLnBrk="1" fontAlgn="base" hangingPunct="1">
+              <a:spcBef>
+                <a:spcPct val="0"/>
+              </a:spcBef>
+              <a:spcAft>
+                <a:spcPct val="0"/>
+              </a:spcAft>
+              <a:defRPr sz="2800">
+                <a:solidFill>
+                  <a:srgbClr val="00407A"/>
+                </a:solidFill>
+                <a:latin typeface="Arial" charset="0"/>
+              </a:defRPr>
+            </a:lvl4pPr>
+            <a:lvl5pPr algn="l" rtl="0" eaLnBrk="1" fontAlgn="base" hangingPunct="1">
+              <a:spcBef>
+                <a:spcPct val="0"/>
+              </a:spcBef>
+              <a:spcAft>
+                <a:spcPct val="0"/>
+              </a:spcAft>
+              <a:defRPr sz="2800">
+                <a:solidFill>
+                  <a:srgbClr val="00407A"/>
+                </a:solidFill>
+                <a:latin typeface="Arial" charset="0"/>
+              </a:defRPr>
+            </a:lvl5pPr>
+            <a:lvl6pPr marL="457200" algn="l" rtl="0" eaLnBrk="1" fontAlgn="base" hangingPunct="1">
+              <a:spcBef>
+                <a:spcPct val="0"/>
+              </a:spcBef>
+              <a:spcAft>
+                <a:spcPct val="0"/>
+              </a:spcAft>
+              <a:defRPr sz="2800" b="1">
+                <a:solidFill>
+                  <a:srgbClr val="00407A"/>
+                </a:solidFill>
+                <a:latin typeface="UB Scala" pitchFamily="2" charset="0"/>
+              </a:defRPr>
+            </a:lvl6pPr>
+            <a:lvl7pPr marL="914400" algn="l" rtl="0" eaLnBrk="1" fontAlgn="base" hangingPunct="1">
+              <a:spcBef>
+                <a:spcPct val="0"/>
+              </a:spcBef>
+              <a:spcAft>
+                <a:spcPct val="0"/>
+              </a:spcAft>
+              <a:defRPr sz="2800" b="1">
+                <a:solidFill>
+                  <a:srgbClr val="00407A"/>
+                </a:solidFill>
+                <a:latin typeface="UB Scala" pitchFamily="2" charset="0"/>
+              </a:defRPr>
+            </a:lvl7pPr>
+            <a:lvl8pPr marL="1371600" algn="l" rtl="0" eaLnBrk="1" fontAlgn="base" hangingPunct="1">
+              <a:spcBef>
+                <a:spcPct val="0"/>
+              </a:spcBef>
+              <a:spcAft>
+                <a:spcPct val="0"/>
+              </a:spcAft>
+              <a:defRPr sz="2800" b="1">
+                <a:solidFill>
+                  <a:srgbClr val="00407A"/>
+                </a:solidFill>
+                <a:latin typeface="UB Scala" pitchFamily="2" charset="0"/>
+              </a:defRPr>
+            </a:lvl8pPr>
+            <a:lvl9pPr marL="1828800" algn="l" rtl="0" eaLnBrk="1" fontAlgn="base" hangingPunct="1">
+              <a:spcBef>
+                <a:spcPct val="0"/>
+              </a:spcBef>
+              <a:spcAft>
+                <a:spcPct val="0"/>
+              </a:spcAft>
+              <a:defRPr sz="2800" b="1">
+                <a:solidFill>
+                  <a:srgbClr val="00407A"/>
+                </a:solidFill>
+                <a:latin typeface="UB Scala" pitchFamily="2" charset="0"/>
+              </a:defRPr>
+            </a:lvl9pPr>
+          </a:lstStyle>
+          <a:p>
+            <a:r>
+              <a:rPr lang="de-DE" sz="2400" dirty="0">
+                <a:solidFill>
+                  <a:schemeClr val="bg1"/>
+                </a:solidFill>
+              </a:rPr>
+              <a:t>Bamberg </a:t>
+            </a:r>
+            <a:r>
+              <a:rPr lang="de-DE" sz="2400" dirty="0" err="1">
+                <a:solidFill>
+                  <a:schemeClr val="bg1"/>
+                </a:solidFill>
+              </a:rPr>
+              <a:t>Cit</a:t>
+            </a:r>
+            <a:r>
+              <a:rPr lang="en-US" sz="2400" dirty="0">
+                <a:solidFill>
+                  <a:schemeClr val="bg1"/>
+                </a:solidFill>
+              </a:rPr>
+              <a:t>y Points of Interest	</a:t>
+            </a:r>
+            <a:endParaRPr lang="de-DE" sz="2400" kern="0" dirty="0">
+              <a:solidFill>
+                <a:schemeClr val="bg1"/>
+              </a:solidFill>
+            </a:endParaRPr>
+          </a:p>
+        </p:txBody>
+      </p:sp>
+    </p:spTree>
+    <p:extLst>
+      <p:ext uri="{BB962C8B-B14F-4D97-AF65-F5344CB8AC3E}">
+        <p14:creationId xmlns:p14="http://schemas.microsoft.com/office/powerpoint/2010/main" val="580922275"/>
+      </p:ext>
+    </p:extLst>
+  </p:cSld>
+  <p:clrMapOvr>
+    <a:masterClrMapping/>
+  </p:clrMapOvr>
+</p:sld>
+</file>
+
+<file path=ppt/slides/slide5.xml><?xml version="1.0" encoding="utf-8"?>
+<p:sld xmlns:a="http://schemas.openxmlformats.org/drawingml/2006/main" xmlns:r="http://schemas.openxmlformats.org/officeDocument/2006/relationships" xmlns:p="http://schemas.openxmlformats.org/presentationml/2006/main">
+  <p:cSld>
+    <p:spTree>
+      <p:nvGrpSpPr>
+        <p:cNvPr id="1" name=""/>
+        <p:cNvGrpSpPr/>
+        <p:nvPr/>
+      </p:nvGrpSpPr>
+      <p:grpSpPr>
+        <a:xfrm>
+          <a:off x="0" y="0"/>
+          <a:ext cx="0" cy="0"/>
+          <a:chOff x="0" y="0"/>
+          <a:chExt cx="0" cy="0"/>
+        </a:xfrm>
+      </p:grpSpPr>
+      <p:sp>
+        <p:nvSpPr>
+          <p:cNvPr id="4" name="Inhaltsplatzhalter 2"/>
+          <p:cNvSpPr txBox="1">
+            <a:spLocks/>
+          </p:cNvSpPr>
+          <p:nvPr/>
+        </p:nvSpPr>
+        <p:spPr bwMode="auto">
+          <a:xfrm>
+            <a:off x="780718" y="1412776"/>
+            <a:ext cx="7467600" cy="4704972"/>
+          </a:xfrm>
+          <a:prstGeom prst="rect">
+            <a:avLst/>
+          </a:prstGeom>
+          <a:noFill/>
+          <a:ln>
+            <a:noFill/>
+          </a:ln>
+          <a:extLst>
+            <a:ext uri="{909E8E84-426E-40DD-AFC4-6F175D3DCCD1}">
+              <a14:hiddenFill xmlns:a14="http://schemas.microsoft.com/office/drawing/2010/main">
+                <a:solidFill>
+                  <a:srgbClr val="FFFFFF"/>
+                </a:solidFill>
+              </a14:hiddenFill>
+            </a:ext>
+            <a:ext uri="{91240B29-F687-4F45-9708-019B960494DF}">
+              <a14:hiddenLine xmlns:a14="http://schemas.microsoft.com/office/drawing/2010/main" w="9525">
+                <a:solidFill>
+                  <a:srgbClr val="000000"/>
+                </a:solidFill>
+                <a:miter lim="800000"/>
+                <a:headEnd/>
+                <a:tailEnd/>
+              </a14:hiddenLine>
+            </a:ext>
+          </a:extLst>
+        </p:spPr>
+        <p:txBody>
+          <a:bodyPr vert="horz" wrap="square" lIns="91440" tIns="45720" rIns="91440" bIns="45720" numCol="1" anchor="t" anchorCtr="0" compatLnSpc="1">
+            <a:prstTxWarp prst="textNoShape">
+              <a:avLst/>
+            </a:prstTxWarp>
+          </a:bodyPr>
+          <a:lstStyle>
+            <a:lvl1pPr marL="342900" indent="-342900" algn="l" rtl="0" eaLnBrk="1" fontAlgn="base" hangingPunct="1">
+              <a:spcBef>
+                <a:spcPct val="20000"/>
+              </a:spcBef>
+              <a:spcAft>
+                <a:spcPct val="0"/>
+              </a:spcAft>
+              <a:buChar char="•"/>
+              <a:defRPr sz="2200">
+                <a:solidFill>
+                  <a:schemeClr val="tx1"/>
+                </a:solidFill>
+                <a:latin typeface="Arial" charset="0"/>
+                <a:ea typeface="+mn-ea"/>
+                <a:cs typeface="+mn-cs"/>
+              </a:defRPr>
+            </a:lvl1pPr>
+            <a:lvl2pPr marL="742950" indent="-285750" algn="l" rtl="0" eaLnBrk="1" fontAlgn="base" hangingPunct="1">
+              <a:spcBef>
+                <a:spcPct val="20000"/>
+              </a:spcBef>
+              <a:spcAft>
+                <a:spcPct val="0"/>
+              </a:spcAft>
+              <a:buChar char="•"/>
+              <a:defRPr sz="2000">
+                <a:solidFill>
+                  <a:schemeClr val="tx1"/>
+                </a:solidFill>
+                <a:latin typeface="Arial" charset="0"/>
+              </a:defRPr>
+            </a:lvl2pPr>
+            <a:lvl3pPr marL="1143000" indent="-228600" algn="l" rtl="0" eaLnBrk="1" fontAlgn="base" hangingPunct="1">
+              <a:spcBef>
+                <a:spcPct val="20000"/>
+              </a:spcBef>
+              <a:spcAft>
+                <a:spcPct val="0"/>
+              </a:spcAft>
+              <a:buFont typeface="Wingdings" pitchFamily="2" charset="2"/>
+              <a:buChar char="§"/>
+              <a:defRPr>
+                <a:solidFill>
+                  <a:schemeClr val="tx1"/>
+                </a:solidFill>
+                <a:latin typeface="Arial" charset="0"/>
+              </a:defRPr>
+            </a:lvl3pPr>
+            <a:lvl4pPr marL="1600200" indent="-228600" algn="l" rtl="0" eaLnBrk="1" fontAlgn="base" hangingPunct="1">
+              <a:spcBef>
+                <a:spcPct val="20000"/>
+              </a:spcBef>
+              <a:spcAft>
+                <a:spcPct val="0"/>
+              </a:spcAft>
+              <a:buChar char="+"/>
+              <a:defRPr sz="1600">
+                <a:solidFill>
+                  <a:schemeClr val="tx1"/>
+                </a:solidFill>
+                <a:latin typeface="Arial" charset="0"/>
+              </a:defRPr>
+            </a:lvl4pPr>
+            <a:lvl5pPr marL="2057400" indent="-228600" algn="l" rtl="0" eaLnBrk="1" fontAlgn="base" hangingPunct="1">
+              <a:spcBef>
+                <a:spcPct val="20000"/>
+              </a:spcBef>
+              <a:spcAft>
+                <a:spcPct val="0"/>
+              </a:spcAft>
+              <a:buChar char="–"/>
+              <a:defRPr sz="1400">
+                <a:solidFill>
+                  <a:schemeClr val="tx1"/>
+                </a:solidFill>
+                <a:latin typeface="Arial" charset="0"/>
+              </a:defRPr>
+            </a:lvl5pPr>
+            <a:lvl6pPr marL="2514600" indent="-228600" algn="l" rtl="0" eaLnBrk="1" fontAlgn="base" hangingPunct="1">
+              <a:spcBef>
+                <a:spcPct val="20000"/>
+              </a:spcBef>
+              <a:spcAft>
+                <a:spcPct val="0"/>
+              </a:spcAft>
+              <a:buChar char="–"/>
+              <a:defRPr sz="1400">
+                <a:solidFill>
+                  <a:schemeClr val="tx1"/>
+                </a:solidFill>
+                <a:latin typeface="+mn-lt"/>
+              </a:defRPr>
+            </a:lvl6pPr>
+            <a:lvl7pPr marL="2971800" indent="-228600" algn="l" rtl="0" eaLnBrk="1" fontAlgn="base" hangingPunct="1">
+              <a:spcBef>
+                <a:spcPct val="20000"/>
+              </a:spcBef>
+              <a:spcAft>
+                <a:spcPct val="0"/>
+              </a:spcAft>
+              <a:buChar char="–"/>
+              <a:defRPr sz="1400">
+                <a:solidFill>
+                  <a:schemeClr val="tx1"/>
+                </a:solidFill>
+                <a:latin typeface="+mn-lt"/>
+              </a:defRPr>
+            </a:lvl7pPr>
+            <a:lvl8pPr marL="3429000" indent="-228600" algn="l" rtl="0" eaLnBrk="1" fontAlgn="base" hangingPunct="1">
+              <a:spcBef>
+                <a:spcPct val="20000"/>
+              </a:spcBef>
+              <a:spcAft>
+                <a:spcPct val="0"/>
+              </a:spcAft>
+              <a:buChar char="–"/>
+              <a:defRPr sz="1400">
+                <a:solidFill>
+                  <a:schemeClr val="tx1"/>
+                </a:solidFill>
+                <a:latin typeface="+mn-lt"/>
+              </a:defRPr>
+            </a:lvl8pPr>
+            <a:lvl9pPr marL="3886200" indent="-228600" algn="l" rtl="0" eaLnBrk="1" fontAlgn="base" hangingPunct="1">
+              <a:spcBef>
+                <a:spcPct val="20000"/>
+              </a:spcBef>
+              <a:spcAft>
+                <a:spcPct val="0"/>
+              </a:spcAft>
+              <a:buChar char="–"/>
+              <a:defRPr sz="1400">
+                <a:solidFill>
+                  <a:schemeClr val="tx1"/>
+                </a:solidFill>
+                <a:latin typeface="+mn-lt"/>
+              </a:defRPr>
+            </a:lvl9pPr>
+          </a:lstStyle>
+          <a:p>
+            <a:endParaRPr lang="de-DE" kern="0" dirty="0"/>
+          </a:p>
+        </p:txBody>
+      </p:sp>
+      <p:sp>
+        <p:nvSpPr>
+          <p:cNvPr id="5" name="Titel 1"/>
+          <p:cNvSpPr txBox="1">
+            <a:spLocks/>
+          </p:cNvSpPr>
+          <p:nvPr/>
+        </p:nvSpPr>
+        <p:spPr bwMode="auto">
+          <a:xfrm>
+            <a:off x="780718" y="0"/>
+            <a:ext cx="7467600" cy="1143000"/>
+          </a:xfrm>
+          <a:prstGeom prst="rect">
+            <a:avLst/>
+          </a:prstGeom>
+          <a:noFill/>
+          <a:ln>
+            <a:noFill/>
+          </a:ln>
+          <a:extLst>
+            <a:ext uri="{909E8E84-426E-40DD-AFC4-6F175D3DCCD1}">
+              <a14:hiddenFill xmlns:a14="http://schemas.microsoft.com/office/drawing/2010/main">
+                <a:solidFill>
+                  <a:srgbClr val="FFFFFF"/>
+                </a:solidFill>
+              </a14:hiddenFill>
+            </a:ext>
+            <a:ext uri="{91240B29-F687-4F45-9708-019B960494DF}">
+              <a14:hiddenLine xmlns:a14="http://schemas.microsoft.com/office/drawing/2010/main" w="9525">
+                <a:solidFill>
+                  <a:srgbClr val="000000"/>
+                </a:solidFill>
+                <a:miter lim="800000"/>
+                <a:headEnd/>
+                <a:tailEnd/>
+              </a14:hiddenLine>
+            </a:ext>
+          </a:extLst>
+        </p:spPr>
+        <p:txBody>
+          <a:bodyPr vert="horz" wrap="square" lIns="91440" tIns="45720" rIns="91440" bIns="45720" numCol="1" anchor="ctr" anchorCtr="0" compatLnSpc="1">
+            <a:prstTxWarp prst="textNoShape">
+              <a:avLst/>
+            </a:prstTxWarp>
+          </a:bodyPr>
+          <a:lstStyle>
+            <a:lvl1pPr algn="l" rtl="0" eaLnBrk="1" fontAlgn="base" hangingPunct="1">
+              <a:spcBef>
+                <a:spcPct val="0"/>
+              </a:spcBef>
+              <a:spcAft>
+                <a:spcPct val="0"/>
+              </a:spcAft>
+              <a:defRPr sz="2800">
+                <a:solidFill>
+                  <a:srgbClr val="00407A"/>
+                </a:solidFill>
+                <a:latin typeface="Arial" charset="0"/>
+                <a:ea typeface="+mj-ea"/>
+                <a:cs typeface="+mj-cs"/>
+              </a:defRPr>
+            </a:lvl1pPr>
+            <a:lvl2pPr algn="l" rtl="0" eaLnBrk="1" fontAlgn="base" hangingPunct="1">
+              <a:spcBef>
+                <a:spcPct val="0"/>
+              </a:spcBef>
+              <a:spcAft>
+                <a:spcPct val="0"/>
+              </a:spcAft>
+              <a:defRPr sz="2800">
+                <a:solidFill>
+                  <a:srgbClr val="00407A"/>
+                </a:solidFill>
+                <a:latin typeface="Arial" charset="0"/>
+              </a:defRPr>
+            </a:lvl2pPr>
+            <a:lvl3pPr algn="l" rtl="0" eaLnBrk="1" fontAlgn="base" hangingPunct="1">
+              <a:spcBef>
+                <a:spcPct val="0"/>
+              </a:spcBef>
+              <a:spcAft>
+                <a:spcPct val="0"/>
+              </a:spcAft>
+              <a:defRPr sz="2800">
+                <a:solidFill>
+                  <a:srgbClr val="00407A"/>
+                </a:solidFill>
+                <a:latin typeface="Arial" charset="0"/>
+              </a:defRPr>
+            </a:lvl3pPr>
+            <a:lvl4pPr algn="l" rtl="0" eaLnBrk="1" fontAlgn="base" hangingPunct="1">
+              <a:spcBef>
+                <a:spcPct val="0"/>
+              </a:spcBef>
+              <a:spcAft>
+                <a:spcPct val="0"/>
+              </a:spcAft>
+              <a:defRPr sz="2800">
+                <a:solidFill>
+                  <a:srgbClr val="00407A"/>
+                </a:solidFill>
+                <a:latin typeface="Arial" charset="0"/>
+              </a:defRPr>
+            </a:lvl4pPr>
+            <a:lvl5pPr algn="l" rtl="0" eaLnBrk="1" fontAlgn="base" hangingPunct="1">
+              <a:spcBef>
+                <a:spcPct val="0"/>
+              </a:spcBef>
+              <a:spcAft>
+                <a:spcPct val="0"/>
+              </a:spcAft>
+              <a:defRPr sz="2800">
+                <a:solidFill>
+                  <a:srgbClr val="00407A"/>
+                </a:solidFill>
+                <a:latin typeface="Arial" charset="0"/>
+              </a:defRPr>
+            </a:lvl5pPr>
+            <a:lvl6pPr marL="457200" algn="l" rtl="0" eaLnBrk="1" fontAlgn="base" hangingPunct="1">
+              <a:spcBef>
+                <a:spcPct val="0"/>
+              </a:spcBef>
+              <a:spcAft>
+                <a:spcPct val="0"/>
+              </a:spcAft>
+              <a:defRPr sz="2800" b="1">
+                <a:solidFill>
+                  <a:srgbClr val="00407A"/>
+                </a:solidFill>
+                <a:latin typeface="UB Scala" pitchFamily="2" charset="0"/>
+              </a:defRPr>
+            </a:lvl6pPr>
+            <a:lvl7pPr marL="914400" algn="l" rtl="0" eaLnBrk="1" fontAlgn="base" hangingPunct="1">
+              <a:spcBef>
+                <a:spcPct val="0"/>
+              </a:spcBef>
+              <a:spcAft>
+                <a:spcPct val="0"/>
+              </a:spcAft>
+              <a:defRPr sz="2800" b="1">
+                <a:solidFill>
+                  <a:srgbClr val="00407A"/>
+                </a:solidFill>
+                <a:latin typeface="UB Scala" pitchFamily="2" charset="0"/>
+              </a:defRPr>
+            </a:lvl7pPr>
+            <a:lvl8pPr marL="1371600" algn="l" rtl="0" eaLnBrk="1" fontAlgn="base" hangingPunct="1">
+              <a:spcBef>
+                <a:spcPct val="0"/>
+              </a:spcBef>
+              <a:spcAft>
+                <a:spcPct val="0"/>
+              </a:spcAft>
+              <a:defRPr sz="2800" b="1">
+                <a:solidFill>
+                  <a:srgbClr val="00407A"/>
+                </a:solidFill>
+                <a:latin typeface="UB Scala" pitchFamily="2" charset="0"/>
+              </a:defRPr>
+            </a:lvl8pPr>
+            <a:lvl9pPr marL="1828800" algn="l" rtl="0" eaLnBrk="1" fontAlgn="base" hangingPunct="1">
+              <a:spcBef>
+                <a:spcPct val="0"/>
+              </a:spcBef>
+              <a:spcAft>
+                <a:spcPct val="0"/>
+              </a:spcAft>
+              <a:defRPr sz="2800" b="1">
+                <a:solidFill>
+                  <a:srgbClr val="00407A"/>
+                </a:solidFill>
+                <a:latin typeface="UB Scala" pitchFamily="2" charset="0"/>
+              </a:defRPr>
+            </a:lvl9pPr>
+          </a:lstStyle>
+          <a:p>
+            <a:r>
+              <a:rPr lang="en-US" sz="2400" dirty="0">
+                <a:solidFill>
+                  <a:schemeClr val="bg1"/>
+                </a:solidFill>
+              </a:rPr>
+              <a:t>Related works</a:t>
+            </a:r>
+            <a:endParaRPr lang="de-DE" sz="2400" kern="0" dirty="0">
+              <a:solidFill>
+                <a:schemeClr val="bg1"/>
+              </a:solidFill>
+            </a:endParaRPr>
+          </a:p>
+        </p:txBody>
+      </p:sp>
+    </p:spTree>
+    <p:extLst>
+      <p:ext uri="{BB962C8B-B14F-4D97-AF65-F5344CB8AC3E}">
+        <p14:creationId xmlns:p14="http://schemas.microsoft.com/office/powerpoint/2010/main" val="970411656"/>
+      </p:ext>
+    </p:extLst>
+  </p:cSld>
+  <p:clrMapOvr>
+    <a:masterClrMapping/>
+  </p:clrMapOvr>
 </p:sld>
 </file>
 

--- a/1.Presentation_Master.pptx
+++ b/1.Presentation_Master.pptx
@@ -4,12 +4,23 @@
   <p:sldMasterIdLst>
     <p:sldMasterId id="2147483648" r:id="rId1"/>
   </p:sldMasterIdLst>
+  <p:notesMasterIdLst>
+    <p:notesMasterId r:id="rId12"/>
+  </p:notesMasterIdLst>
+  <p:handoutMasterIdLst>
+    <p:handoutMasterId r:id="rId13"/>
+  </p:handoutMasterIdLst>
   <p:sldIdLst>
     <p:sldId id="256" r:id="rId2"/>
     <p:sldId id="257" r:id="rId3"/>
     <p:sldId id="260" r:id="rId4"/>
-    <p:sldId id="258" r:id="rId5"/>
+    <p:sldId id="263" r:id="rId5"/>
     <p:sldId id="259" r:id="rId6"/>
+    <p:sldId id="265" r:id="rId7"/>
+    <p:sldId id="261" r:id="rId8"/>
+    <p:sldId id="262" r:id="rId9"/>
+    <p:sldId id="264" r:id="rId10"/>
+    <p:sldId id="258" r:id="rId11"/>
   </p:sldIdLst>
   <p:sldSz cx="9144000" cy="6858000" type="screen4x3"/>
   <p:notesSz cx="6858000" cy="9144000"/>
@@ -155,6 +166,531 @@
     </p:ext>
   </p:extLst>
 </p:presentation>
+</file>
+
+<file path=ppt/handoutMasters/handoutMaster1.xml><?xml version="1.0" encoding="utf-8"?>
+<p:handoutMaster xmlns:a="http://schemas.openxmlformats.org/drawingml/2006/main" xmlns:r="http://schemas.openxmlformats.org/officeDocument/2006/relationships" xmlns:p="http://schemas.openxmlformats.org/presentationml/2006/main">
+  <p:cSld>
+    <p:bg>
+      <p:bgRef idx="1001">
+        <a:schemeClr val="bg1"/>
+      </p:bgRef>
+    </p:bg>
+    <p:spTree>
+      <p:nvGrpSpPr>
+        <p:cNvPr id="1" name=""/>
+        <p:cNvGrpSpPr/>
+        <p:nvPr/>
+      </p:nvGrpSpPr>
+      <p:grpSpPr>
+        <a:xfrm>
+          <a:off x="0" y="0"/>
+          <a:ext cx="0" cy="0"/>
+          <a:chOff x="0" y="0"/>
+          <a:chExt cx="0" cy="0"/>
+        </a:xfrm>
+      </p:grpSpPr>
+      <p:sp>
+        <p:nvSpPr>
+          <p:cNvPr id="2" name="Kopfzeilenplatzhalter 1"/>
+          <p:cNvSpPr>
+            <a:spLocks noGrp="1"/>
+          </p:cNvSpPr>
+          <p:nvPr>
+            <p:ph type="hdr" sz="quarter"/>
+          </p:nvPr>
+        </p:nvSpPr>
+        <p:spPr>
+          <a:xfrm>
+            <a:off x="0" y="0"/>
+            <a:ext cx="2971800" cy="458788"/>
+          </a:xfrm>
+          <a:prstGeom prst="rect">
+            <a:avLst/>
+          </a:prstGeom>
+        </p:spPr>
+        <p:txBody>
+          <a:bodyPr vert="horz" lIns="91440" tIns="45720" rIns="91440" bIns="45720" rtlCol="0"/>
+          <a:lstStyle>
+            <a:lvl1pPr algn="l">
+              <a:defRPr sz="1200"/>
+            </a:lvl1pPr>
+          </a:lstStyle>
+          <a:p>
+            <a:endParaRPr lang="de-DE"/>
+          </a:p>
+        </p:txBody>
+      </p:sp>
+      <p:sp>
+        <p:nvSpPr>
+          <p:cNvPr id="3" name="Datumsplatzhalter 2"/>
+          <p:cNvSpPr>
+            <a:spLocks noGrp="1"/>
+          </p:cNvSpPr>
+          <p:nvPr>
+            <p:ph type="dt" sz="quarter" idx="1"/>
+          </p:nvPr>
+        </p:nvSpPr>
+        <p:spPr>
+          <a:xfrm>
+            <a:off x="3884613" y="0"/>
+            <a:ext cx="2971800" cy="458788"/>
+          </a:xfrm>
+          <a:prstGeom prst="rect">
+            <a:avLst/>
+          </a:prstGeom>
+        </p:spPr>
+        <p:txBody>
+          <a:bodyPr vert="horz" lIns="91440" tIns="45720" rIns="91440" bIns="45720" rtlCol="0"/>
+          <a:lstStyle>
+            <a:lvl1pPr algn="r">
+              <a:defRPr sz="1200"/>
+            </a:lvl1pPr>
+          </a:lstStyle>
+          <a:p>
+            <a:fld id="{68CE663C-0A2C-4756-8FB7-E0FBDAD98FE2}" type="datetimeFigureOut">
+              <a:rPr lang="de-DE" smtClean="0"/>
+              <a:t>10.03.2017</a:t>
+            </a:fld>
+            <a:endParaRPr lang="de-DE"/>
+          </a:p>
+        </p:txBody>
+      </p:sp>
+      <p:sp>
+        <p:nvSpPr>
+          <p:cNvPr id="4" name="Fußzeilenplatzhalter 3"/>
+          <p:cNvSpPr>
+            <a:spLocks noGrp="1"/>
+          </p:cNvSpPr>
+          <p:nvPr>
+            <p:ph type="ftr" sz="quarter" idx="2"/>
+          </p:nvPr>
+        </p:nvSpPr>
+        <p:spPr>
+          <a:xfrm>
+            <a:off x="0" y="8685213"/>
+            <a:ext cx="2971800" cy="458787"/>
+          </a:xfrm>
+          <a:prstGeom prst="rect">
+            <a:avLst/>
+          </a:prstGeom>
+        </p:spPr>
+        <p:txBody>
+          <a:bodyPr vert="horz" lIns="91440" tIns="45720" rIns="91440" bIns="45720" rtlCol="0" anchor="b"/>
+          <a:lstStyle>
+            <a:lvl1pPr algn="l">
+              <a:defRPr sz="1200"/>
+            </a:lvl1pPr>
+          </a:lstStyle>
+          <a:p>
+            <a:r>
+              <a:rPr lang="en-US"/>
+              <a:t>Recognizing Urban POI with CNN | Andriy Zoryk | Computing in the Humanities | 2017</a:t>
+            </a:r>
+            <a:endParaRPr lang="de-DE"/>
+          </a:p>
+        </p:txBody>
+      </p:sp>
+      <p:sp>
+        <p:nvSpPr>
+          <p:cNvPr id="5" name="Foliennummernplatzhalter 4"/>
+          <p:cNvSpPr>
+            <a:spLocks noGrp="1"/>
+          </p:cNvSpPr>
+          <p:nvPr>
+            <p:ph type="sldNum" sz="quarter" idx="3"/>
+          </p:nvPr>
+        </p:nvSpPr>
+        <p:spPr>
+          <a:xfrm>
+            <a:off x="3884613" y="8685213"/>
+            <a:ext cx="2971800" cy="458787"/>
+          </a:xfrm>
+          <a:prstGeom prst="rect">
+            <a:avLst/>
+          </a:prstGeom>
+        </p:spPr>
+        <p:txBody>
+          <a:bodyPr vert="horz" lIns="91440" tIns="45720" rIns="91440" bIns="45720" rtlCol="0" anchor="b"/>
+          <a:lstStyle>
+            <a:lvl1pPr algn="r">
+              <a:defRPr sz="1200"/>
+            </a:lvl1pPr>
+          </a:lstStyle>
+          <a:p>
+            <a:fld id="{C54A880B-477D-42A8-B785-2BA1A2ED4C44}" type="slidenum">
+              <a:rPr lang="de-DE" smtClean="0"/>
+              <a:t>‹Nr.›</a:t>
+            </a:fld>
+            <a:endParaRPr lang="de-DE"/>
+          </a:p>
+        </p:txBody>
+      </p:sp>
+    </p:spTree>
+    <p:extLst>
+      <p:ext uri="{BB962C8B-B14F-4D97-AF65-F5344CB8AC3E}">
+        <p14:creationId xmlns:p14="http://schemas.microsoft.com/office/powerpoint/2010/main" val="456231342"/>
+      </p:ext>
+    </p:extLst>
+  </p:cSld>
+  <p:clrMap bg1="lt1" tx1="dk1" bg2="lt2" tx2="dk2" accent1="accent1" accent2="accent2" accent3="accent3" accent4="accent4" accent5="accent5" accent6="accent6" hlink="hlink" folHlink="folHlink"/>
+  <p:hf hdr="0" dt="0"/>
+</p:handoutMaster>
+</file>
+
+<file path=ppt/notesMasters/notesMaster1.xml><?xml version="1.0" encoding="utf-8"?>
+<p:notesMaster xmlns:a="http://schemas.openxmlformats.org/drawingml/2006/main" xmlns:r="http://schemas.openxmlformats.org/officeDocument/2006/relationships" xmlns:p="http://schemas.openxmlformats.org/presentationml/2006/main">
+  <p:cSld>
+    <p:bg>
+      <p:bgRef idx="1001">
+        <a:schemeClr val="bg1"/>
+      </p:bgRef>
+    </p:bg>
+    <p:spTree>
+      <p:nvGrpSpPr>
+        <p:cNvPr id="1" name=""/>
+        <p:cNvGrpSpPr/>
+        <p:nvPr/>
+      </p:nvGrpSpPr>
+      <p:grpSpPr>
+        <a:xfrm>
+          <a:off x="0" y="0"/>
+          <a:ext cx="0" cy="0"/>
+          <a:chOff x="0" y="0"/>
+          <a:chExt cx="0" cy="0"/>
+        </a:xfrm>
+      </p:grpSpPr>
+      <p:sp>
+        <p:nvSpPr>
+          <p:cNvPr id="2" name="Kopfzeilenplatzhalter 1"/>
+          <p:cNvSpPr>
+            <a:spLocks noGrp="1"/>
+          </p:cNvSpPr>
+          <p:nvPr>
+            <p:ph type="hdr" sz="quarter"/>
+          </p:nvPr>
+        </p:nvSpPr>
+        <p:spPr>
+          <a:xfrm>
+            <a:off x="0" y="0"/>
+            <a:ext cx="2971800" cy="458788"/>
+          </a:xfrm>
+          <a:prstGeom prst="rect">
+            <a:avLst/>
+          </a:prstGeom>
+        </p:spPr>
+        <p:txBody>
+          <a:bodyPr vert="horz" lIns="91440" tIns="45720" rIns="91440" bIns="45720" rtlCol="0"/>
+          <a:lstStyle>
+            <a:lvl1pPr algn="l">
+              <a:defRPr sz="1200"/>
+            </a:lvl1pPr>
+          </a:lstStyle>
+          <a:p>
+            <a:endParaRPr lang="de-DE"/>
+          </a:p>
+        </p:txBody>
+      </p:sp>
+      <p:sp>
+        <p:nvSpPr>
+          <p:cNvPr id="3" name="Datumsplatzhalter 2"/>
+          <p:cNvSpPr>
+            <a:spLocks noGrp="1"/>
+          </p:cNvSpPr>
+          <p:nvPr>
+            <p:ph type="dt" idx="1"/>
+          </p:nvPr>
+        </p:nvSpPr>
+        <p:spPr>
+          <a:xfrm>
+            <a:off x="3884613" y="0"/>
+            <a:ext cx="2971800" cy="458788"/>
+          </a:xfrm>
+          <a:prstGeom prst="rect">
+            <a:avLst/>
+          </a:prstGeom>
+        </p:spPr>
+        <p:txBody>
+          <a:bodyPr vert="horz" lIns="91440" tIns="45720" rIns="91440" bIns="45720" rtlCol="0"/>
+          <a:lstStyle>
+            <a:lvl1pPr algn="r">
+              <a:defRPr sz="1200"/>
+            </a:lvl1pPr>
+          </a:lstStyle>
+          <a:p>
+            <a:fld id="{8058A67B-F6BB-4AE0-8E1E-4E4055D70510}" type="datetimeFigureOut">
+              <a:rPr lang="de-DE" smtClean="0"/>
+              <a:t>10.03.2017</a:t>
+            </a:fld>
+            <a:endParaRPr lang="de-DE"/>
+          </a:p>
+        </p:txBody>
+      </p:sp>
+      <p:sp>
+        <p:nvSpPr>
+          <p:cNvPr id="4" name="Folienbildplatzhalter 3"/>
+          <p:cNvSpPr>
+            <a:spLocks noGrp="1" noRot="1" noChangeAspect="1"/>
+          </p:cNvSpPr>
+          <p:nvPr>
+            <p:ph type="sldImg" idx="2"/>
+          </p:nvPr>
+        </p:nvSpPr>
+        <p:spPr>
+          <a:xfrm>
+            <a:off x="1371600" y="1143000"/>
+            <a:ext cx="4114800" cy="3086100"/>
+          </a:xfrm>
+          <a:prstGeom prst="rect">
+            <a:avLst/>
+          </a:prstGeom>
+          <a:noFill/>
+          <a:ln w="12700">
+            <a:solidFill>
+              <a:prstClr val="black"/>
+            </a:solidFill>
+          </a:ln>
+        </p:spPr>
+        <p:txBody>
+          <a:bodyPr vert="horz" lIns="91440" tIns="45720" rIns="91440" bIns="45720" rtlCol="0" anchor="ctr"/>
+          <a:lstStyle/>
+          <a:p>
+            <a:endParaRPr lang="de-DE"/>
+          </a:p>
+        </p:txBody>
+      </p:sp>
+      <p:sp>
+        <p:nvSpPr>
+          <p:cNvPr id="5" name="Notizenplatzhalter 4"/>
+          <p:cNvSpPr>
+            <a:spLocks noGrp="1"/>
+          </p:cNvSpPr>
+          <p:nvPr>
+            <p:ph type="body" sz="quarter" idx="3"/>
+          </p:nvPr>
+        </p:nvSpPr>
+        <p:spPr>
+          <a:xfrm>
+            <a:off x="685800" y="4400550"/>
+            <a:ext cx="5486400" cy="3600450"/>
+          </a:xfrm>
+          <a:prstGeom prst="rect">
+            <a:avLst/>
+          </a:prstGeom>
+        </p:spPr>
+        <p:txBody>
+          <a:bodyPr vert="horz" lIns="91440" tIns="45720" rIns="91440" bIns="45720" rtlCol="0"/>
+          <a:lstStyle/>
+          <a:p>
+            <a:pPr lvl="0"/>
+            <a:r>
+              <a:rPr lang="de-DE"/>
+              <a:t>Formatvorlagen des Textmasters bearbeiten</a:t>
+            </a:r>
+          </a:p>
+          <a:p>
+            <a:pPr lvl="1"/>
+            <a:r>
+              <a:rPr lang="de-DE"/>
+              <a:t>Zweite Ebene</a:t>
+            </a:r>
+          </a:p>
+          <a:p>
+            <a:pPr lvl="2"/>
+            <a:r>
+              <a:rPr lang="de-DE"/>
+              <a:t>Dritte Ebene</a:t>
+            </a:r>
+          </a:p>
+          <a:p>
+            <a:pPr lvl="3"/>
+            <a:r>
+              <a:rPr lang="de-DE"/>
+              <a:t>Vierte Ebene</a:t>
+            </a:r>
+          </a:p>
+          <a:p>
+            <a:pPr lvl="4"/>
+            <a:r>
+              <a:rPr lang="de-DE"/>
+              <a:t>Fünfte Ebene</a:t>
+            </a:r>
+            <a:endParaRPr lang="de-DE"/>
+          </a:p>
+        </p:txBody>
+      </p:sp>
+      <p:sp>
+        <p:nvSpPr>
+          <p:cNvPr id="6" name="Fußzeilenplatzhalter 5"/>
+          <p:cNvSpPr>
+            <a:spLocks noGrp="1"/>
+          </p:cNvSpPr>
+          <p:nvPr>
+            <p:ph type="ftr" sz="quarter" idx="4"/>
+          </p:nvPr>
+        </p:nvSpPr>
+        <p:spPr>
+          <a:xfrm>
+            <a:off x="0" y="8685213"/>
+            <a:ext cx="2971800" cy="458787"/>
+          </a:xfrm>
+          <a:prstGeom prst="rect">
+            <a:avLst/>
+          </a:prstGeom>
+        </p:spPr>
+        <p:txBody>
+          <a:bodyPr vert="horz" lIns="91440" tIns="45720" rIns="91440" bIns="45720" rtlCol="0" anchor="b"/>
+          <a:lstStyle>
+            <a:lvl1pPr algn="l">
+              <a:defRPr sz="1200"/>
+            </a:lvl1pPr>
+          </a:lstStyle>
+          <a:p>
+            <a:r>
+              <a:rPr lang="en-US"/>
+              <a:t>Recognizing Urban POI with CNN | Andriy Zoryk | Computing in the Humanities | 2017</a:t>
+            </a:r>
+            <a:endParaRPr lang="de-DE"/>
+          </a:p>
+        </p:txBody>
+      </p:sp>
+      <p:sp>
+        <p:nvSpPr>
+          <p:cNvPr id="7" name="Foliennummernplatzhalter 6"/>
+          <p:cNvSpPr>
+            <a:spLocks noGrp="1"/>
+          </p:cNvSpPr>
+          <p:nvPr>
+            <p:ph type="sldNum" sz="quarter" idx="5"/>
+          </p:nvPr>
+        </p:nvSpPr>
+        <p:spPr>
+          <a:xfrm>
+            <a:off x="3884613" y="8685213"/>
+            <a:ext cx="2971800" cy="458787"/>
+          </a:xfrm>
+          <a:prstGeom prst="rect">
+            <a:avLst/>
+          </a:prstGeom>
+        </p:spPr>
+        <p:txBody>
+          <a:bodyPr vert="horz" lIns="91440" tIns="45720" rIns="91440" bIns="45720" rtlCol="0" anchor="b"/>
+          <a:lstStyle>
+            <a:lvl1pPr algn="r">
+              <a:defRPr sz="1200"/>
+            </a:lvl1pPr>
+          </a:lstStyle>
+          <a:p>
+            <a:fld id="{C03A4503-2D46-4C7D-8E7C-2A9846177993}" type="slidenum">
+              <a:rPr lang="de-DE" smtClean="0"/>
+              <a:t>‹Nr.›</a:t>
+            </a:fld>
+            <a:endParaRPr lang="de-DE"/>
+          </a:p>
+        </p:txBody>
+      </p:sp>
+    </p:spTree>
+    <p:extLst>
+      <p:ext uri="{BB962C8B-B14F-4D97-AF65-F5344CB8AC3E}">
+        <p14:creationId xmlns:p14="http://schemas.microsoft.com/office/powerpoint/2010/main" val="3487477943"/>
+      </p:ext>
+    </p:extLst>
+  </p:cSld>
+  <p:clrMap bg1="lt1" tx1="dk1" bg2="lt2" tx2="dk2" accent1="accent1" accent2="accent2" accent3="accent3" accent4="accent4" accent5="accent5" accent6="accent6" hlink="hlink" folHlink="folHlink"/>
+  <p:hf hdr="0" dt="0"/>
+  <p:notesStyle>
+    <a:lvl1pPr marL="0" algn="l" defTabSz="914400" rtl="0" eaLnBrk="1" latinLnBrk="0" hangingPunct="1">
+      <a:defRPr sz="1200" kern="1200">
+        <a:solidFill>
+          <a:schemeClr val="tx1"/>
+        </a:solidFill>
+        <a:latin typeface="+mn-lt"/>
+        <a:ea typeface="+mn-ea"/>
+        <a:cs typeface="+mn-cs"/>
+      </a:defRPr>
+    </a:lvl1pPr>
+    <a:lvl2pPr marL="457200" algn="l" defTabSz="914400" rtl="0" eaLnBrk="1" latinLnBrk="0" hangingPunct="1">
+      <a:defRPr sz="1200" kern="1200">
+        <a:solidFill>
+          <a:schemeClr val="tx1"/>
+        </a:solidFill>
+        <a:latin typeface="+mn-lt"/>
+        <a:ea typeface="+mn-ea"/>
+        <a:cs typeface="+mn-cs"/>
+      </a:defRPr>
+    </a:lvl2pPr>
+    <a:lvl3pPr marL="914400" algn="l" defTabSz="914400" rtl="0" eaLnBrk="1" latinLnBrk="0" hangingPunct="1">
+      <a:defRPr sz="1200" kern="1200">
+        <a:solidFill>
+          <a:schemeClr val="tx1"/>
+        </a:solidFill>
+        <a:latin typeface="+mn-lt"/>
+        <a:ea typeface="+mn-ea"/>
+        <a:cs typeface="+mn-cs"/>
+      </a:defRPr>
+    </a:lvl3pPr>
+    <a:lvl4pPr marL="1371600" algn="l" defTabSz="914400" rtl="0" eaLnBrk="1" latinLnBrk="0" hangingPunct="1">
+      <a:defRPr sz="1200" kern="1200">
+        <a:solidFill>
+          <a:schemeClr val="tx1"/>
+        </a:solidFill>
+        <a:latin typeface="+mn-lt"/>
+        <a:ea typeface="+mn-ea"/>
+        <a:cs typeface="+mn-cs"/>
+      </a:defRPr>
+    </a:lvl4pPr>
+    <a:lvl5pPr marL="1828800" algn="l" defTabSz="914400" rtl="0" eaLnBrk="1" latinLnBrk="0" hangingPunct="1">
+      <a:defRPr sz="1200" kern="1200">
+        <a:solidFill>
+          <a:schemeClr val="tx1"/>
+        </a:solidFill>
+        <a:latin typeface="+mn-lt"/>
+        <a:ea typeface="+mn-ea"/>
+        <a:cs typeface="+mn-cs"/>
+      </a:defRPr>
+    </a:lvl5pPr>
+    <a:lvl6pPr marL="2286000" algn="l" defTabSz="914400" rtl="0" eaLnBrk="1" latinLnBrk="0" hangingPunct="1">
+      <a:defRPr sz="1200" kern="1200">
+        <a:solidFill>
+          <a:schemeClr val="tx1"/>
+        </a:solidFill>
+        <a:latin typeface="+mn-lt"/>
+        <a:ea typeface="+mn-ea"/>
+        <a:cs typeface="+mn-cs"/>
+      </a:defRPr>
+    </a:lvl6pPr>
+    <a:lvl7pPr marL="2743200" algn="l" defTabSz="914400" rtl="0" eaLnBrk="1" latinLnBrk="0" hangingPunct="1">
+      <a:defRPr sz="1200" kern="1200">
+        <a:solidFill>
+          <a:schemeClr val="tx1"/>
+        </a:solidFill>
+        <a:latin typeface="+mn-lt"/>
+        <a:ea typeface="+mn-ea"/>
+        <a:cs typeface="+mn-cs"/>
+      </a:defRPr>
+    </a:lvl7pPr>
+    <a:lvl8pPr marL="3200400" algn="l" defTabSz="914400" rtl="0" eaLnBrk="1" latinLnBrk="0" hangingPunct="1">
+      <a:defRPr sz="1200" kern="1200">
+        <a:solidFill>
+          <a:schemeClr val="tx1"/>
+        </a:solidFill>
+        <a:latin typeface="+mn-lt"/>
+        <a:ea typeface="+mn-ea"/>
+        <a:cs typeface="+mn-cs"/>
+      </a:defRPr>
+    </a:lvl8pPr>
+    <a:lvl9pPr marL="3657600" algn="l" defTabSz="914400" rtl="0" eaLnBrk="1" latinLnBrk="0" hangingPunct="1">
+      <a:defRPr sz="1200" kern="1200">
+        <a:solidFill>
+          <a:schemeClr val="tx1"/>
+        </a:solidFill>
+        <a:latin typeface="+mn-lt"/>
+        <a:ea typeface="+mn-ea"/>
+        <a:cs typeface="+mn-cs"/>
+      </a:defRPr>
+    </a:lvl9pPr>
+  </p:notesStyle>
+</p:notesMaster>
 </file>
 
 <file path=ppt/slideLayouts/slideLayout1.xml><?xml version="1.0" encoding="utf-8"?>
@@ -2485,14 +3021,32 @@
         </p:nvSpPr>
         <p:spPr>
           <a:xfrm>
-            <a:off x="2895600" y="3429000"/>
-            <a:ext cx="5748338" cy="1143000"/>
+            <a:off x="2895600" y="2924944"/>
+            <a:ext cx="5748338" cy="1584176"/>
           </a:xfrm>
         </p:spPr>
         <p:txBody>
           <a:bodyPr/>
           <a:lstStyle/>
           <a:p>
+            <a:r>
+              <a:rPr lang="de-DE" dirty="0">
+                <a:cs typeface="Arial" charset="0"/>
+              </a:rPr>
+              <a:t>Master </a:t>
+            </a:r>
+            <a:r>
+              <a:rPr lang="de-DE" dirty="0" err="1">
+                <a:cs typeface="Arial" charset="0"/>
+              </a:rPr>
+              <a:t>thesis</a:t>
+            </a:r>
+            <a:r>
+              <a:rPr lang="de-DE" dirty="0">
+                <a:cs typeface="Arial" charset="0"/>
+              </a:rPr>
+              <a:t>: </a:t>
+            </a:r>
             <a:r>
               <a:rPr lang="de-DE" dirty="0" err="1">
                 <a:cs typeface="Arial" charset="0"/>
@@ -2580,8 +3134,8 @@
         </p:nvSpPr>
         <p:spPr>
           <a:xfrm>
-            <a:off x="2895600" y="4869160"/>
-            <a:ext cx="5748338" cy="428625"/>
+            <a:off x="2895600" y="4725144"/>
+            <a:ext cx="5748338" cy="788665"/>
           </a:xfrm>
         </p:spPr>
         <p:txBody>
@@ -2596,7 +3150,7 @@
                 </a:solidFill>
                 <a:cs typeface="Arial" charset="0"/>
               </a:rPr>
-              <a:t>1. </a:t>
+              <a:t>1st </a:t>
             </a:r>
             <a:r>
               <a:rPr lang="de-DE" sz="1400" dirty="0" err="1">
@@ -2605,7 +3159,7 @@
                 </a:solidFill>
                 <a:cs typeface="Arial" charset="0"/>
               </a:rPr>
-              <a:t>Presentation</a:t>
+              <a:t>presentation</a:t>
             </a:r>
             <a:endParaRPr lang="de-DE" sz="1400" dirty="0">
               <a:solidFill>
@@ -2614,12 +3168,536 @@
               <a:cs typeface="Arial" charset="0"/>
             </a:endParaRPr>
           </a:p>
+          <a:p>
+            <a:pPr marL="342900" indent="-342900" algn="l">
+              <a:buAutoNum type="arabicPeriod"/>
+            </a:pPr>
+            <a:endParaRPr lang="de-DE" sz="1400" dirty="0">
+              <a:solidFill>
+                <a:srgbClr val="00407A"/>
+              </a:solidFill>
+              <a:cs typeface="Arial" charset="0"/>
+            </a:endParaRPr>
+          </a:p>
+          <a:p>
+            <a:pPr algn="l"/>
+            <a:r>
+              <a:rPr lang="de-DE" sz="1400" dirty="0">
+                <a:solidFill>
+                  <a:srgbClr val="00407A"/>
+                </a:solidFill>
+                <a:cs typeface="Arial" charset="0"/>
+              </a:rPr>
+              <a:t>Andri</a:t>
+            </a:r>
+            <a:r>
+              <a:rPr lang="en-US" sz="1400" dirty="0">
+                <a:solidFill>
+                  <a:srgbClr val="00407A"/>
+                </a:solidFill>
+                <a:cs typeface="Arial" charset="0"/>
+              </a:rPr>
+              <a:t>y Zoryk</a:t>
+            </a:r>
+            <a:endParaRPr lang="de-DE" sz="1400" dirty="0">
+              <a:solidFill>
+                <a:srgbClr val="00407A"/>
+              </a:solidFill>
+              <a:cs typeface="Arial" charset="0"/>
+            </a:endParaRPr>
+          </a:p>
         </p:txBody>
       </p:sp>
     </p:spTree>
   </p:cSld>
   <p:clrMapOvr>
     <a:overrideClrMapping bg1="lt1" tx1="dk1" bg2="lt2" tx2="dk2" accent1="accent1" accent2="accent2" accent3="accent3" accent4="accent4" accent5="accent5" accent6="accent6" hlink="hlink" folHlink="folHlink"/>
+  </p:clrMapOvr>
+</p:sld>
+</file>
+
+<file path=ppt/slides/slide10.xml><?xml version="1.0" encoding="utf-8"?>
+<p:sld xmlns:a="http://schemas.openxmlformats.org/drawingml/2006/main" xmlns:r="http://schemas.openxmlformats.org/officeDocument/2006/relationships" xmlns:p="http://schemas.openxmlformats.org/presentationml/2006/main">
+  <p:cSld>
+    <p:spTree>
+      <p:nvGrpSpPr>
+        <p:cNvPr id="1" name=""/>
+        <p:cNvGrpSpPr/>
+        <p:nvPr/>
+      </p:nvGrpSpPr>
+      <p:grpSpPr>
+        <a:xfrm>
+          <a:off x="0" y="0"/>
+          <a:ext cx="0" cy="0"/>
+          <a:chOff x="0" y="0"/>
+          <a:chExt cx="0" cy="0"/>
+        </a:xfrm>
+      </p:grpSpPr>
+      <p:sp>
+        <p:nvSpPr>
+          <p:cNvPr id="4" name="Inhaltsplatzhalter 2"/>
+          <p:cNvSpPr txBox="1">
+            <a:spLocks/>
+          </p:cNvSpPr>
+          <p:nvPr/>
+        </p:nvSpPr>
+        <p:spPr bwMode="auto">
+          <a:xfrm>
+            <a:off x="780718" y="1412776"/>
+            <a:ext cx="7467600" cy="4704972"/>
+          </a:xfrm>
+          <a:prstGeom prst="rect">
+            <a:avLst/>
+          </a:prstGeom>
+          <a:noFill/>
+          <a:ln>
+            <a:noFill/>
+          </a:ln>
+          <a:extLst>
+            <a:ext uri="{909E8E84-426E-40DD-AFC4-6F175D3DCCD1}">
+              <a14:hiddenFill xmlns:a14="http://schemas.microsoft.com/office/drawing/2010/main">
+                <a:solidFill>
+                  <a:srgbClr val="FFFFFF"/>
+                </a:solidFill>
+              </a14:hiddenFill>
+            </a:ext>
+            <a:ext uri="{91240B29-F687-4F45-9708-019B960494DF}">
+              <a14:hiddenLine xmlns:a14="http://schemas.microsoft.com/office/drawing/2010/main" w="9525">
+                <a:solidFill>
+                  <a:srgbClr val="000000"/>
+                </a:solidFill>
+                <a:miter lim="800000"/>
+                <a:headEnd/>
+                <a:tailEnd/>
+              </a14:hiddenLine>
+            </a:ext>
+          </a:extLst>
+        </p:spPr>
+        <p:txBody>
+          <a:bodyPr vert="horz" wrap="square" lIns="91440" tIns="45720" rIns="91440" bIns="45720" numCol="1" anchor="t" anchorCtr="0" compatLnSpc="1">
+            <a:prstTxWarp prst="textNoShape">
+              <a:avLst/>
+            </a:prstTxWarp>
+          </a:bodyPr>
+          <a:lstStyle>
+            <a:lvl1pPr marL="342900" indent="-342900" algn="l" rtl="0" eaLnBrk="1" fontAlgn="base" hangingPunct="1">
+              <a:spcBef>
+                <a:spcPct val="20000"/>
+              </a:spcBef>
+              <a:spcAft>
+                <a:spcPct val="0"/>
+              </a:spcAft>
+              <a:buChar char="•"/>
+              <a:defRPr sz="2200">
+                <a:solidFill>
+                  <a:schemeClr val="tx1"/>
+                </a:solidFill>
+                <a:latin typeface="Arial" charset="0"/>
+                <a:ea typeface="+mn-ea"/>
+                <a:cs typeface="+mn-cs"/>
+              </a:defRPr>
+            </a:lvl1pPr>
+            <a:lvl2pPr marL="742950" indent="-285750" algn="l" rtl="0" eaLnBrk="1" fontAlgn="base" hangingPunct="1">
+              <a:spcBef>
+                <a:spcPct val="20000"/>
+              </a:spcBef>
+              <a:spcAft>
+                <a:spcPct val="0"/>
+              </a:spcAft>
+              <a:buChar char="•"/>
+              <a:defRPr sz="2000">
+                <a:solidFill>
+                  <a:schemeClr val="tx1"/>
+                </a:solidFill>
+                <a:latin typeface="Arial" charset="0"/>
+              </a:defRPr>
+            </a:lvl2pPr>
+            <a:lvl3pPr marL="1143000" indent="-228600" algn="l" rtl="0" eaLnBrk="1" fontAlgn="base" hangingPunct="1">
+              <a:spcBef>
+                <a:spcPct val="20000"/>
+              </a:spcBef>
+              <a:spcAft>
+                <a:spcPct val="0"/>
+              </a:spcAft>
+              <a:buFont typeface="Wingdings" pitchFamily="2" charset="2"/>
+              <a:buChar char="§"/>
+              <a:defRPr>
+                <a:solidFill>
+                  <a:schemeClr val="tx1"/>
+                </a:solidFill>
+                <a:latin typeface="Arial" charset="0"/>
+              </a:defRPr>
+            </a:lvl3pPr>
+            <a:lvl4pPr marL="1600200" indent="-228600" algn="l" rtl="0" eaLnBrk="1" fontAlgn="base" hangingPunct="1">
+              <a:spcBef>
+                <a:spcPct val="20000"/>
+              </a:spcBef>
+              <a:spcAft>
+                <a:spcPct val="0"/>
+              </a:spcAft>
+              <a:buChar char="+"/>
+              <a:defRPr sz="1600">
+                <a:solidFill>
+                  <a:schemeClr val="tx1"/>
+                </a:solidFill>
+                <a:latin typeface="Arial" charset="0"/>
+              </a:defRPr>
+            </a:lvl4pPr>
+            <a:lvl5pPr marL="2057400" indent="-228600" algn="l" rtl="0" eaLnBrk="1" fontAlgn="base" hangingPunct="1">
+              <a:spcBef>
+                <a:spcPct val="20000"/>
+              </a:spcBef>
+              <a:spcAft>
+                <a:spcPct val="0"/>
+              </a:spcAft>
+              <a:buChar char="–"/>
+              <a:defRPr sz="1400">
+                <a:solidFill>
+                  <a:schemeClr val="tx1"/>
+                </a:solidFill>
+                <a:latin typeface="Arial" charset="0"/>
+              </a:defRPr>
+            </a:lvl5pPr>
+            <a:lvl6pPr marL="2514600" indent="-228600" algn="l" rtl="0" eaLnBrk="1" fontAlgn="base" hangingPunct="1">
+              <a:spcBef>
+                <a:spcPct val="20000"/>
+              </a:spcBef>
+              <a:spcAft>
+                <a:spcPct val="0"/>
+              </a:spcAft>
+              <a:buChar char="–"/>
+              <a:defRPr sz="1400">
+                <a:solidFill>
+                  <a:schemeClr val="tx1"/>
+                </a:solidFill>
+                <a:latin typeface="+mn-lt"/>
+              </a:defRPr>
+            </a:lvl6pPr>
+            <a:lvl7pPr marL="2971800" indent="-228600" algn="l" rtl="0" eaLnBrk="1" fontAlgn="base" hangingPunct="1">
+              <a:spcBef>
+                <a:spcPct val="20000"/>
+              </a:spcBef>
+              <a:spcAft>
+                <a:spcPct val="0"/>
+              </a:spcAft>
+              <a:buChar char="–"/>
+              <a:defRPr sz="1400">
+                <a:solidFill>
+                  <a:schemeClr val="tx1"/>
+                </a:solidFill>
+                <a:latin typeface="+mn-lt"/>
+              </a:defRPr>
+            </a:lvl7pPr>
+            <a:lvl8pPr marL="3429000" indent="-228600" algn="l" rtl="0" eaLnBrk="1" fontAlgn="base" hangingPunct="1">
+              <a:spcBef>
+                <a:spcPct val="20000"/>
+              </a:spcBef>
+              <a:spcAft>
+                <a:spcPct val="0"/>
+              </a:spcAft>
+              <a:buChar char="–"/>
+              <a:defRPr sz="1400">
+                <a:solidFill>
+                  <a:schemeClr val="tx1"/>
+                </a:solidFill>
+                <a:latin typeface="+mn-lt"/>
+              </a:defRPr>
+            </a:lvl8pPr>
+            <a:lvl9pPr marL="3886200" indent="-228600" algn="l" rtl="0" eaLnBrk="1" fontAlgn="base" hangingPunct="1">
+              <a:spcBef>
+                <a:spcPct val="20000"/>
+              </a:spcBef>
+              <a:spcAft>
+                <a:spcPct val="0"/>
+              </a:spcAft>
+              <a:buChar char="–"/>
+              <a:defRPr sz="1400">
+                <a:solidFill>
+                  <a:schemeClr val="tx1"/>
+                </a:solidFill>
+                <a:latin typeface="+mn-lt"/>
+              </a:defRPr>
+            </a:lvl9pPr>
+          </a:lstStyle>
+          <a:p>
+            <a:r>
+              <a:rPr lang="en-US" kern="0" dirty="0"/>
+              <a:t>Bamberger Dom</a:t>
+            </a:r>
+          </a:p>
+          <a:p>
+            <a:r>
+              <a:rPr lang="en-US" kern="0" dirty="0" err="1"/>
+              <a:t>Altes</a:t>
+            </a:r>
+            <a:r>
+              <a:rPr lang="en-US" kern="0" dirty="0"/>
+              <a:t> </a:t>
+            </a:r>
+            <a:r>
+              <a:rPr lang="en-US" kern="0" dirty="0" err="1"/>
+              <a:t>Rathaus</a:t>
+            </a:r>
+            <a:endParaRPr lang="en-US" kern="0" dirty="0"/>
+          </a:p>
+          <a:p>
+            <a:r>
+              <a:rPr lang="de-DE" kern="0" dirty="0"/>
+              <a:t>Kloster Michelsberg</a:t>
+            </a:r>
+            <a:endParaRPr lang="en-US" kern="0" dirty="0"/>
+          </a:p>
+          <a:p>
+            <a:r>
+              <a:rPr lang="en-US" kern="0" dirty="0"/>
+              <a:t>Klein </a:t>
+            </a:r>
+            <a:r>
+              <a:rPr lang="en-US" kern="0" dirty="0" err="1"/>
+              <a:t>Venedig</a:t>
+            </a:r>
+            <a:endParaRPr lang="en-US" kern="0" dirty="0"/>
+          </a:p>
+          <a:p>
+            <a:r>
+              <a:rPr lang="en-US" kern="0" dirty="0"/>
+              <a:t>Altenburg</a:t>
+            </a:r>
+          </a:p>
+          <a:p>
+            <a:r>
+              <a:rPr lang="en-US" kern="0" dirty="0"/>
+              <a:t>Neue </a:t>
+            </a:r>
+            <a:r>
+              <a:rPr lang="en-US" kern="0" dirty="0" err="1"/>
+              <a:t>Residenz</a:t>
+            </a:r>
+            <a:endParaRPr lang="en-US" kern="0" dirty="0"/>
+          </a:p>
+          <a:p>
+            <a:endParaRPr lang="de-DE" kern="0" dirty="0"/>
+          </a:p>
+        </p:txBody>
+      </p:sp>
+      <p:sp>
+        <p:nvSpPr>
+          <p:cNvPr id="5" name="Titel 1"/>
+          <p:cNvSpPr txBox="1">
+            <a:spLocks/>
+          </p:cNvSpPr>
+          <p:nvPr/>
+        </p:nvSpPr>
+        <p:spPr bwMode="auto">
+          <a:xfrm>
+            <a:off x="780718" y="0"/>
+            <a:ext cx="7467600" cy="1143000"/>
+          </a:xfrm>
+          <a:prstGeom prst="rect">
+            <a:avLst/>
+          </a:prstGeom>
+          <a:noFill/>
+          <a:ln>
+            <a:noFill/>
+          </a:ln>
+          <a:extLst>
+            <a:ext uri="{909E8E84-426E-40DD-AFC4-6F175D3DCCD1}">
+              <a14:hiddenFill xmlns:a14="http://schemas.microsoft.com/office/drawing/2010/main">
+                <a:solidFill>
+                  <a:srgbClr val="FFFFFF"/>
+                </a:solidFill>
+              </a14:hiddenFill>
+            </a:ext>
+            <a:ext uri="{91240B29-F687-4F45-9708-019B960494DF}">
+              <a14:hiddenLine xmlns:a14="http://schemas.microsoft.com/office/drawing/2010/main" w="9525">
+                <a:solidFill>
+                  <a:srgbClr val="000000"/>
+                </a:solidFill>
+                <a:miter lim="800000"/>
+                <a:headEnd/>
+                <a:tailEnd/>
+              </a14:hiddenLine>
+            </a:ext>
+          </a:extLst>
+        </p:spPr>
+        <p:txBody>
+          <a:bodyPr vert="horz" wrap="square" lIns="91440" tIns="45720" rIns="91440" bIns="45720" numCol="1" anchor="ctr" anchorCtr="0" compatLnSpc="1">
+            <a:prstTxWarp prst="textNoShape">
+              <a:avLst/>
+            </a:prstTxWarp>
+          </a:bodyPr>
+          <a:lstStyle>
+            <a:lvl1pPr algn="l" rtl="0" eaLnBrk="1" fontAlgn="base" hangingPunct="1">
+              <a:spcBef>
+                <a:spcPct val="0"/>
+              </a:spcBef>
+              <a:spcAft>
+                <a:spcPct val="0"/>
+              </a:spcAft>
+              <a:defRPr sz="2800">
+                <a:solidFill>
+                  <a:srgbClr val="00407A"/>
+                </a:solidFill>
+                <a:latin typeface="Arial" charset="0"/>
+                <a:ea typeface="+mj-ea"/>
+                <a:cs typeface="+mj-cs"/>
+              </a:defRPr>
+            </a:lvl1pPr>
+            <a:lvl2pPr algn="l" rtl="0" eaLnBrk="1" fontAlgn="base" hangingPunct="1">
+              <a:spcBef>
+                <a:spcPct val="0"/>
+              </a:spcBef>
+              <a:spcAft>
+                <a:spcPct val="0"/>
+              </a:spcAft>
+              <a:defRPr sz="2800">
+                <a:solidFill>
+                  <a:srgbClr val="00407A"/>
+                </a:solidFill>
+                <a:latin typeface="Arial" charset="0"/>
+              </a:defRPr>
+            </a:lvl2pPr>
+            <a:lvl3pPr algn="l" rtl="0" eaLnBrk="1" fontAlgn="base" hangingPunct="1">
+              <a:spcBef>
+                <a:spcPct val="0"/>
+              </a:spcBef>
+              <a:spcAft>
+                <a:spcPct val="0"/>
+              </a:spcAft>
+              <a:defRPr sz="2800">
+                <a:solidFill>
+                  <a:srgbClr val="00407A"/>
+                </a:solidFill>
+                <a:latin typeface="Arial" charset="0"/>
+              </a:defRPr>
+            </a:lvl3pPr>
+            <a:lvl4pPr algn="l" rtl="0" eaLnBrk="1" fontAlgn="base" hangingPunct="1">
+              <a:spcBef>
+                <a:spcPct val="0"/>
+              </a:spcBef>
+              <a:spcAft>
+                <a:spcPct val="0"/>
+              </a:spcAft>
+              <a:defRPr sz="2800">
+                <a:solidFill>
+                  <a:srgbClr val="00407A"/>
+                </a:solidFill>
+                <a:latin typeface="Arial" charset="0"/>
+              </a:defRPr>
+            </a:lvl4pPr>
+            <a:lvl5pPr algn="l" rtl="0" eaLnBrk="1" fontAlgn="base" hangingPunct="1">
+              <a:spcBef>
+                <a:spcPct val="0"/>
+              </a:spcBef>
+              <a:spcAft>
+                <a:spcPct val="0"/>
+              </a:spcAft>
+              <a:defRPr sz="2800">
+                <a:solidFill>
+                  <a:srgbClr val="00407A"/>
+                </a:solidFill>
+                <a:latin typeface="Arial" charset="0"/>
+              </a:defRPr>
+            </a:lvl5pPr>
+            <a:lvl6pPr marL="457200" algn="l" rtl="0" eaLnBrk="1" fontAlgn="base" hangingPunct="1">
+              <a:spcBef>
+                <a:spcPct val="0"/>
+              </a:spcBef>
+              <a:spcAft>
+                <a:spcPct val="0"/>
+              </a:spcAft>
+              <a:defRPr sz="2800" b="1">
+                <a:solidFill>
+                  <a:srgbClr val="00407A"/>
+                </a:solidFill>
+                <a:latin typeface="UB Scala" pitchFamily="2" charset="0"/>
+              </a:defRPr>
+            </a:lvl6pPr>
+            <a:lvl7pPr marL="914400" algn="l" rtl="0" eaLnBrk="1" fontAlgn="base" hangingPunct="1">
+              <a:spcBef>
+                <a:spcPct val="0"/>
+              </a:spcBef>
+              <a:spcAft>
+                <a:spcPct val="0"/>
+              </a:spcAft>
+              <a:defRPr sz="2800" b="1">
+                <a:solidFill>
+                  <a:srgbClr val="00407A"/>
+                </a:solidFill>
+                <a:latin typeface="UB Scala" pitchFamily="2" charset="0"/>
+              </a:defRPr>
+            </a:lvl7pPr>
+            <a:lvl8pPr marL="1371600" algn="l" rtl="0" eaLnBrk="1" fontAlgn="base" hangingPunct="1">
+              <a:spcBef>
+                <a:spcPct val="0"/>
+              </a:spcBef>
+              <a:spcAft>
+                <a:spcPct val="0"/>
+              </a:spcAft>
+              <a:defRPr sz="2800" b="1">
+                <a:solidFill>
+                  <a:srgbClr val="00407A"/>
+                </a:solidFill>
+                <a:latin typeface="UB Scala" pitchFamily="2" charset="0"/>
+              </a:defRPr>
+            </a:lvl8pPr>
+            <a:lvl9pPr marL="1828800" algn="l" rtl="0" eaLnBrk="1" fontAlgn="base" hangingPunct="1">
+              <a:spcBef>
+                <a:spcPct val="0"/>
+              </a:spcBef>
+              <a:spcAft>
+                <a:spcPct val="0"/>
+              </a:spcAft>
+              <a:defRPr sz="2800" b="1">
+                <a:solidFill>
+                  <a:srgbClr val="00407A"/>
+                </a:solidFill>
+                <a:latin typeface="UB Scala" pitchFamily="2" charset="0"/>
+              </a:defRPr>
+            </a:lvl9pPr>
+          </a:lstStyle>
+          <a:p>
+            <a:r>
+              <a:rPr lang="de-DE" sz="2400" dirty="0">
+                <a:solidFill>
+                  <a:schemeClr val="bg1"/>
+                </a:solidFill>
+              </a:rPr>
+              <a:t>Bamberg </a:t>
+            </a:r>
+            <a:r>
+              <a:rPr lang="de-DE" sz="2400" dirty="0" err="1">
+                <a:solidFill>
+                  <a:schemeClr val="bg1"/>
+                </a:solidFill>
+              </a:rPr>
+              <a:t>Cit</a:t>
+            </a:r>
+            <a:r>
+              <a:rPr lang="en-US" sz="2400" dirty="0">
+                <a:solidFill>
+                  <a:schemeClr val="bg1"/>
+                </a:solidFill>
+              </a:rPr>
+              <a:t>y Points of Interest	</a:t>
+            </a:r>
+            <a:endParaRPr lang="de-DE" sz="2400" kern="0" dirty="0">
+              <a:solidFill>
+                <a:schemeClr val="bg1"/>
+              </a:solidFill>
+            </a:endParaRPr>
+          </a:p>
+        </p:txBody>
+      </p:sp>
+    </p:spTree>
+    <p:extLst>
+      <p:ext uri="{BB962C8B-B14F-4D97-AF65-F5344CB8AC3E}">
+        <p14:creationId xmlns:p14="http://schemas.microsoft.com/office/powerpoint/2010/main" val="580922275"/>
+      </p:ext>
+    </p:extLst>
+  </p:cSld>
+  <p:clrMapOvr>
+    <a:masterClrMapping/>
   </p:clrMapOvr>
 </p:sld>
 </file>
@@ -2698,9 +3776,18 @@
               <a:buAutoNum type="arabicPeriod"/>
             </a:pPr>
             <a:r>
+              <a:rPr lang="de-DE" dirty="0" err="1"/>
+              <a:t>Related</a:t>
+            </a:r>
+            <a:r>
               <a:rPr lang="de-DE" dirty="0"/>
-              <a:t>Datasets</a:t>
-            </a:r>
+              <a:t> </a:t>
+            </a:r>
+            <a:r>
+              <a:rPr lang="de-DE" dirty="0" err="1"/>
+              <a:t>works</a:t>
+            </a:r>
+            <a:endParaRPr lang="de-DE" dirty="0"/>
           </a:p>
           <a:p>
             <a:pPr marL="457200" indent="-457200">
@@ -2708,18 +3795,9 @@
               <a:buAutoNum type="arabicPeriod"/>
             </a:pPr>
             <a:r>
-              <a:rPr lang="de-DE" dirty="0" err="1"/>
-              <a:t>Related</a:t>
-            </a:r>
-            <a:r>
               <a:rPr lang="de-DE" dirty="0"/>
-              <a:t> </a:t>
-            </a:r>
-            <a:r>
-              <a:rPr lang="de-DE" dirty="0" err="1"/>
-              <a:t>works</a:t>
-            </a:r>
-            <a:endParaRPr lang="de-DE" dirty="0"/>
+              <a:t>Datasets</a:t>
+            </a:r>
           </a:p>
           <a:p>
             <a:pPr marL="457200" indent="-457200">
@@ -2908,18 +3986,13 @@
           </a:lstStyle>
           <a:p>
             <a:r>
-              <a:rPr lang="de-DE" kern="0">
+              <a:rPr lang="de-DE" kern="0" dirty="0">
                 <a:solidFill>
                   <a:schemeClr val="bg1"/>
                 </a:solidFill>
               </a:rPr>
               <a:t>Agenda</a:t>
             </a:r>
-            <a:endParaRPr lang="de-DE" kern="0" dirty="0">
-              <a:solidFill>
-                <a:schemeClr val="bg1"/>
-              </a:solidFill>
-            </a:endParaRPr>
           </a:p>
         </p:txBody>
       </p:sp>
@@ -2955,95 +4028,6 @@
       </p:grpSpPr>
       <p:sp>
         <p:nvSpPr>
-          <p:cNvPr id="3" name="Inhaltsplatzhalter 2"/>
-          <p:cNvSpPr>
-            <a:spLocks noGrp="1"/>
-          </p:cNvSpPr>
-          <p:nvPr>
-            <p:ph idx="1"/>
-          </p:nvPr>
-        </p:nvSpPr>
-        <p:spPr>
-          <a:xfrm>
-            <a:off x="838200" y="1412776"/>
-            <a:ext cx="7467600" cy="4730868"/>
-          </a:xfrm>
-        </p:spPr>
-        <p:txBody>
-          <a:bodyPr/>
-          <a:lstStyle/>
-          <a:p>
-            <a:pPr marL="457200" indent="-457200">
-              <a:buFont typeface="+mj-lt"/>
-              <a:buAutoNum type="arabicPeriod"/>
-            </a:pPr>
-            <a:r>
-              <a:rPr lang="de-DE" dirty="0"/>
-              <a:t>Motivation</a:t>
-            </a:r>
-          </a:p>
-          <a:p>
-            <a:pPr marL="457200" indent="-457200">
-              <a:buFont typeface="+mj-lt"/>
-              <a:buAutoNum type="arabicPeriod"/>
-            </a:pPr>
-            <a:r>
-              <a:rPr lang="de-DE" dirty="0" err="1"/>
-              <a:t>What</a:t>
-            </a:r>
-            <a:r>
-              <a:rPr lang="de-DE" dirty="0"/>
-              <a:t> </a:t>
-            </a:r>
-            <a:r>
-              <a:rPr lang="de-DE" dirty="0" err="1"/>
-              <a:t>is</a:t>
-            </a:r>
-            <a:r>
-              <a:rPr lang="de-DE" dirty="0"/>
-              <a:t> CNN?</a:t>
-            </a:r>
-          </a:p>
-          <a:p>
-            <a:pPr marL="457200" indent="-457200">
-              <a:buFont typeface="+mj-lt"/>
-              <a:buAutoNum type="arabicPeriod"/>
-            </a:pPr>
-            <a:r>
-              <a:rPr lang="de-DE" dirty="0"/>
-              <a:t>Datasets</a:t>
-            </a:r>
-          </a:p>
-          <a:p>
-            <a:pPr marL="457200" indent="-457200">
-              <a:buFont typeface="+mj-lt"/>
-              <a:buAutoNum type="arabicPeriod"/>
-            </a:pPr>
-            <a:r>
-              <a:rPr lang="de-DE" dirty="0" err="1"/>
-              <a:t>Related</a:t>
-            </a:r>
-            <a:r>
-              <a:rPr lang="de-DE" dirty="0"/>
-              <a:t> </a:t>
-            </a:r>
-            <a:r>
-              <a:rPr lang="de-DE" dirty="0" err="1"/>
-              <a:t>works</a:t>
-            </a:r>
-            <a:endParaRPr lang="de-DE" dirty="0"/>
-          </a:p>
-          <a:p>
-            <a:pPr marL="457200" indent="-457200">
-              <a:buFont typeface="+mj-lt"/>
-              <a:buAutoNum type="arabicPeriod"/>
-            </a:pPr>
-            <a:endParaRPr lang="de-DE" dirty="0"/>
-          </a:p>
-        </p:txBody>
-      </p:sp>
-      <p:sp>
-        <p:nvSpPr>
           <p:cNvPr id="5" name="Titel 1"/>
           <p:cNvSpPr txBox="1">
             <a:spLocks/>
@@ -3227,6 +4211,25 @@
               </a:rPr>
               <a:t>Motivation</a:t>
             </a:r>
+          </a:p>
+        </p:txBody>
+      </p:sp>
+      <p:sp>
+        <p:nvSpPr>
+          <p:cNvPr id="2" name="Inhaltsplatzhalter 1"/>
+          <p:cNvSpPr>
+            <a:spLocks noGrp="1"/>
+          </p:cNvSpPr>
+          <p:nvPr>
+            <p:ph idx="1"/>
+          </p:nvPr>
+        </p:nvSpPr>
+        <p:spPr/>
+        <p:txBody>
+          <a:bodyPr/>
+          <a:lstStyle/>
+          <a:p>
+            <a:endParaRPr lang="de-DE"/>
           </a:p>
         </p:txBody>
       </p:sp>
@@ -3262,253 +4265,6 @@
       </p:grpSpPr>
       <p:sp>
         <p:nvSpPr>
-          <p:cNvPr id="4" name="Inhaltsplatzhalter 2"/>
-          <p:cNvSpPr txBox="1">
-            <a:spLocks/>
-          </p:cNvSpPr>
-          <p:nvPr/>
-        </p:nvSpPr>
-        <p:spPr bwMode="auto">
-          <a:xfrm>
-            <a:off x="780718" y="1412776"/>
-            <a:ext cx="7467600" cy="4704972"/>
-          </a:xfrm>
-          <a:prstGeom prst="rect">
-            <a:avLst/>
-          </a:prstGeom>
-          <a:noFill/>
-          <a:ln>
-            <a:noFill/>
-          </a:ln>
-          <a:extLst>
-            <a:ext uri="{909E8E84-426E-40DD-AFC4-6F175D3DCCD1}">
-              <a14:hiddenFill xmlns:a14="http://schemas.microsoft.com/office/drawing/2010/main">
-                <a:solidFill>
-                  <a:srgbClr val="FFFFFF"/>
-                </a:solidFill>
-              </a14:hiddenFill>
-            </a:ext>
-            <a:ext uri="{91240B29-F687-4F45-9708-019B960494DF}">
-              <a14:hiddenLine xmlns:a14="http://schemas.microsoft.com/office/drawing/2010/main" w="9525">
-                <a:solidFill>
-                  <a:srgbClr val="000000"/>
-                </a:solidFill>
-                <a:miter lim="800000"/>
-                <a:headEnd/>
-                <a:tailEnd/>
-              </a14:hiddenLine>
-            </a:ext>
-          </a:extLst>
-        </p:spPr>
-        <p:txBody>
-          <a:bodyPr vert="horz" wrap="square" lIns="91440" tIns="45720" rIns="91440" bIns="45720" numCol="1" anchor="t" anchorCtr="0" compatLnSpc="1">
-            <a:prstTxWarp prst="textNoShape">
-              <a:avLst/>
-            </a:prstTxWarp>
-          </a:bodyPr>
-          <a:lstStyle>
-            <a:lvl1pPr marL="342900" indent="-342900" algn="l" rtl="0" eaLnBrk="1" fontAlgn="base" hangingPunct="1">
-              <a:spcBef>
-                <a:spcPct val="20000"/>
-              </a:spcBef>
-              <a:spcAft>
-                <a:spcPct val="0"/>
-              </a:spcAft>
-              <a:buChar char="•"/>
-              <a:defRPr sz="2200">
-                <a:solidFill>
-                  <a:schemeClr val="tx1"/>
-                </a:solidFill>
-                <a:latin typeface="Arial" charset="0"/>
-                <a:ea typeface="+mn-ea"/>
-                <a:cs typeface="+mn-cs"/>
-              </a:defRPr>
-            </a:lvl1pPr>
-            <a:lvl2pPr marL="742950" indent="-285750" algn="l" rtl="0" eaLnBrk="1" fontAlgn="base" hangingPunct="1">
-              <a:spcBef>
-                <a:spcPct val="20000"/>
-              </a:spcBef>
-              <a:spcAft>
-                <a:spcPct val="0"/>
-              </a:spcAft>
-              <a:buChar char="•"/>
-              <a:defRPr sz="2000">
-                <a:solidFill>
-                  <a:schemeClr val="tx1"/>
-                </a:solidFill>
-                <a:latin typeface="Arial" charset="0"/>
-              </a:defRPr>
-            </a:lvl2pPr>
-            <a:lvl3pPr marL="1143000" indent="-228600" algn="l" rtl="0" eaLnBrk="1" fontAlgn="base" hangingPunct="1">
-              <a:spcBef>
-                <a:spcPct val="20000"/>
-              </a:spcBef>
-              <a:spcAft>
-                <a:spcPct val="0"/>
-              </a:spcAft>
-              <a:buFont typeface="Wingdings" pitchFamily="2" charset="2"/>
-              <a:buChar char="§"/>
-              <a:defRPr>
-                <a:solidFill>
-                  <a:schemeClr val="tx1"/>
-                </a:solidFill>
-                <a:latin typeface="Arial" charset="0"/>
-              </a:defRPr>
-            </a:lvl3pPr>
-            <a:lvl4pPr marL="1600200" indent="-228600" algn="l" rtl="0" eaLnBrk="1" fontAlgn="base" hangingPunct="1">
-              <a:spcBef>
-                <a:spcPct val="20000"/>
-              </a:spcBef>
-              <a:spcAft>
-                <a:spcPct val="0"/>
-              </a:spcAft>
-              <a:buChar char="+"/>
-              <a:defRPr sz="1600">
-                <a:solidFill>
-                  <a:schemeClr val="tx1"/>
-                </a:solidFill>
-                <a:latin typeface="Arial" charset="0"/>
-              </a:defRPr>
-            </a:lvl4pPr>
-            <a:lvl5pPr marL="2057400" indent="-228600" algn="l" rtl="0" eaLnBrk="1" fontAlgn="base" hangingPunct="1">
-              <a:spcBef>
-                <a:spcPct val="20000"/>
-              </a:spcBef>
-              <a:spcAft>
-                <a:spcPct val="0"/>
-              </a:spcAft>
-              <a:buChar char="–"/>
-              <a:defRPr sz="1400">
-                <a:solidFill>
-                  <a:schemeClr val="tx1"/>
-                </a:solidFill>
-                <a:latin typeface="Arial" charset="0"/>
-              </a:defRPr>
-            </a:lvl5pPr>
-            <a:lvl6pPr marL="2514600" indent="-228600" algn="l" rtl="0" eaLnBrk="1" fontAlgn="base" hangingPunct="1">
-              <a:spcBef>
-                <a:spcPct val="20000"/>
-              </a:spcBef>
-              <a:spcAft>
-                <a:spcPct val="0"/>
-              </a:spcAft>
-              <a:buChar char="–"/>
-              <a:defRPr sz="1400">
-                <a:solidFill>
-                  <a:schemeClr val="tx1"/>
-                </a:solidFill>
-                <a:latin typeface="+mn-lt"/>
-              </a:defRPr>
-            </a:lvl6pPr>
-            <a:lvl7pPr marL="2971800" indent="-228600" algn="l" rtl="0" eaLnBrk="1" fontAlgn="base" hangingPunct="1">
-              <a:spcBef>
-                <a:spcPct val="20000"/>
-              </a:spcBef>
-              <a:spcAft>
-                <a:spcPct val="0"/>
-              </a:spcAft>
-              <a:buChar char="–"/>
-              <a:defRPr sz="1400">
-                <a:solidFill>
-                  <a:schemeClr val="tx1"/>
-                </a:solidFill>
-                <a:latin typeface="+mn-lt"/>
-              </a:defRPr>
-            </a:lvl7pPr>
-            <a:lvl8pPr marL="3429000" indent="-228600" algn="l" rtl="0" eaLnBrk="1" fontAlgn="base" hangingPunct="1">
-              <a:spcBef>
-                <a:spcPct val="20000"/>
-              </a:spcBef>
-              <a:spcAft>
-                <a:spcPct val="0"/>
-              </a:spcAft>
-              <a:buChar char="–"/>
-              <a:defRPr sz="1400">
-                <a:solidFill>
-                  <a:schemeClr val="tx1"/>
-                </a:solidFill>
-                <a:latin typeface="+mn-lt"/>
-              </a:defRPr>
-            </a:lvl8pPr>
-            <a:lvl9pPr marL="3886200" indent="-228600" algn="l" rtl="0" eaLnBrk="1" fontAlgn="base" hangingPunct="1">
-              <a:spcBef>
-                <a:spcPct val="20000"/>
-              </a:spcBef>
-              <a:spcAft>
-                <a:spcPct val="0"/>
-              </a:spcAft>
-              <a:buChar char="–"/>
-              <a:defRPr sz="1400">
-                <a:solidFill>
-                  <a:schemeClr val="tx1"/>
-                </a:solidFill>
-                <a:latin typeface="+mn-lt"/>
-              </a:defRPr>
-            </a:lvl9pPr>
-          </a:lstStyle>
-          <a:p>
-            <a:r>
-              <a:rPr lang="en-US" kern="0" dirty="0"/>
-              <a:t>Bamberger Dom</a:t>
-            </a:r>
-          </a:p>
-          <a:p>
-            <a:r>
-              <a:rPr lang="en-US" kern="0" dirty="0" err="1"/>
-              <a:t>Altes</a:t>
-            </a:r>
-            <a:r>
-              <a:rPr lang="en-US" kern="0" dirty="0"/>
-              <a:t> </a:t>
-            </a:r>
-            <a:r>
-              <a:rPr lang="en-US" kern="0" dirty="0" err="1"/>
-              <a:t>Rathaus</a:t>
-            </a:r>
-            <a:endParaRPr lang="en-US" kern="0" dirty="0"/>
-          </a:p>
-          <a:p>
-            <a:r>
-              <a:rPr lang="de-DE" kern="0" dirty="0"/>
-              <a:t>Kloster Michelsberg</a:t>
-            </a:r>
-            <a:endParaRPr lang="en-US" kern="0" dirty="0"/>
-          </a:p>
-          <a:p>
-            <a:r>
-              <a:rPr lang="en-US" kern="0" dirty="0"/>
-              <a:t>Klein </a:t>
-            </a:r>
-            <a:r>
-              <a:rPr lang="en-US" kern="0" dirty="0" err="1"/>
-              <a:t>Venedig</a:t>
-            </a:r>
-            <a:endParaRPr lang="en-US" kern="0" dirty="0"/>
-          </a:p>
-          <a:p>
-            <a:r>
-              <a:rPr lang="en-US" kern="0" dirty="0"/>
-              <a:t>Altenburg</a:t>
-            </a:r>
-          </a:p>
-          <a:p>
-            <a:r>
-              <a:rPr lang="en-US" kern="0" dirty="0"/>
-              <a:t>Neue </a:t>
-            </a:r>
-            <a:r>
-              <a:rPr lang="en-US" kern="0" dirty="0" err="1"/>
-              <a:t>Residenz</a:t>
-            </a:r>
-            <a:endParaRPr lang="en-US" kern="0" dirty="0"/>
-          </a:p>
-          <a:p>
-            <a:endParaRPr lang="de-DE" kern="0" dirty="0"/>
-          </a:p>
-        </p:txBody>
-      </p:sp>
-      <p:sp>
-        <p:nvSpPr>
           <p:cNvPr id="5" name="Titel 1"/>
           <p:cNvSpPr txBox="1">
             <a:spLocks/>
@@ -3517,7 +4273,7 @@
         </p:nvSpPr>
         <p:spPr bwMode="auto">
           <a:xfrm>
-            <a:off x="780718" y="0"/>
+            <a:off x="755576" y="0"/>
             <a:ext cx="7467600" cy="1143000"/>
           </a:xfrm>
           <a:prstGeom prst="rect">
@@ -3685,33 +4441,138 @@
           </a:lstStyle>
           <a:p>
             <a:r>
-              <a:rPr lang="de-DE" sz="2400" dirty="0">
+              <a:rPr lang="de-DE" kern="0" dirty="0" err="1">
                 <a:solidFill>
                   <a:schemeClr val="bg1"/>
                 </a:solidFill>
               </a:rPr>
-              <a:t>Bamberg </a:t>
-            </a:r>
-            <a:r>
-              <a:rPr lang="de-DE" sz="2400" dirty="0" err="1">
+              <a:t>What</a:t>
+            </a:r>
+            <a:r>
+              <a:rPr lang="de-DE" kern="0" dirty="0">
                 <a:solidFill>
                   <a:schemeClr val="bg1"/>
                 </a:solidFill>
               </a:rPr>
-              <a:t>Cit</a:t>
-            </a:r>
-            <a:r>
-              <a:rPr lang="en-US" sz="2400" dirty="0">
+              <a:t> </a:t>
+            </a:r>
+            <a:r>
+              <a:rPr lang="de-DE" kern="0" dirty="0" err="1">
                 <a:solidFill>
                   <a:schemeClr val="bg1"/>
                 </a:solidFill>
               </a:rPr>
-              <a:t>y Points of Interest	</a:t>
-            </a:r>
-            <a:endParaRPr lang="de-DE" sz="2400" kern="0" dirty="0">
+              <a:t>is</a:t>
+            </a:r>
+            <a:r>
+              <a:rPr lang="de-DE" kern="0" dirty="0">
+                <a:solidFill>
+                  <a:schemeClr val="bg1"/>
+                </a:solidFill>
+              </a:rPr>
+              <a:t> CNN?</a:t>
+            </a:r>
+          </a:p>
+        </p:txBody>
+      </p:sp>
+      <p:pic>
+        <p:nvPicPr>
+          <p:cNvPr id="4" name="Inhaltsplatzhalter 3"/>
+          <p:cNvPicPr>
+            <a:picLocks noGrp="1" noChangeAspect="1"/>
+          </p:cNvPicPr>
+          <p:nvPr>
+            <p:ph idx="1"/>
+          </p:nvPr>
+        </p:nvPicPr>
+        <p:blipFill>
+          <a:blip r:embed="rId2" cstate="print">
+            <a:extLst>
+              <a:ext uri="{28A0092B-C50C-407E-A947-70E740481C1C}">
+                <a14:useLocalDpi xmlns:a14="http://schemas.microsoft.com/office/drawing/2010/main" val="0"/>
+              </a:ext>
+            </a:extLst>
+          </a:blip>
+          <a:stretch>
+            <a:fillRect/>
+          </a:stretch>
+        </p:blipFill>
+        <p:spPr>
+          <a:xfrm>
+            <a:off x="899592" y="3140968"/>
+            <a:ext cx="7467600" cy="2552286"/>
+          </a:xfrm>
+        </p:spPr>
+      </p:pic>
+      <p:sp>
+        <p:nvSpPr>
+          <p:cNvPr id="6" name="Rechteck 5"/>
+          <p:cNvSpPr/>
+          <p:nvPr/>
+        </p:nvSpPr>
+        <p:spPr>
+          <a:xfrm>
+            <a:off x="5292080" y="6165304"/>
+            <a:ext cx="3544560" cy="338554"/>
+          </a:xfrm>
+          <a:prstGeom prst="rect">
+            <a:avLst/>
+          </a:prstGeom>
+        </p:spPr>
+        <p:txBody>
+          <a:bodyPr wrap="none">
+            <a:spAutoFit/>
+          </a:bodyPr>
+          <a:lstStyle/>
+          <a:p>
+            <a:r>
+              <a:rPr lang="de-DE" sz="1600" dirty="0">
+                <a:solidFill>
+                  <a:schemeClr val="bg2">
+                    <a:lumMod val="60000"/>
+                    <a:lumOff val="40000"/>
+                  </a:schemeClr>
+                </a:solidFill>
+                <a:latin typeface="Helvetica" panose="020B0604020202020204" pitchFamily="34" charset="0"/>
+                <a:cs typeface="Helvetica" panose="020B0604020202020204" pitchFamily="34" charset="0"/>
+              </a:rPr>
+              <a:t>[</a:t>
+            </a:r>
+            <a:r>
+              <a:rPr lang="de-DE" sz="1600" dirty="0" err="1">
+                <a:solidFill>
+                  <a:schemeClr val="bg2">
+                    <a:lumMod val="60000"/>
+                    <a:lumOff val="40000"/>
+                  </a:schemeClr>
+                </a:solidFill>
+                <a:latin typeface="Helvetica" panose="020B0604020202020204" pitchFamily="34" charset="0"/>
+                <a:cs typeface="Helvetica" panose="020B0604020202020204" pitchFamily="34" charset="0"/>
+              </a:rPr>
+              <a:t>source</a:t>
+            </a:r>
+            <a:r>
+              <a:rPr lang="de-DE" sz="1600" dirty="0">
+                <a:solidFill>
+                  <a:schemeClr val="bg2">
+                    <a:lumMod val="60000"/>
+                    <a:lumOff val="40000"/>
+                  </a:schemeClr>
+                </a:solidFill>
+                <a:latin typeface="Helvetica" panose="020B0604020202020204" pitchFamily="34" charset="0"/>
+                <a:cs typeface="Helvetica" panose="020B0604020202020204" pitchFamily="34" charset="0"/>
+              </a:rPr>
+              <a:t>: http://graphics.cs.cmu.edu/] </a:t>
+            </a:r>
+            <a:endParaRPr lang="de-DE" sz="1600" dirty="0">
               <a:solidFill>
-                <a:schemeClr val="bg1"/>
+                <a:schemeClr val="bg2">
+                  <a:lumMod val="60000"/>
+                  <a:lumOff val="40000"/>
+                </a:schemeClr>
               </a:solidFill>
+              <a:latin typeface="Helvetica" panose="020B0604020202020204" pitchFamily="34" charset="0"/>
+              <a:cs typeface="Helvetica" panose="020B0604020202020204" pitchFamily="34" charset="0"/>
             </a:endParaRPr>
           </a:p>
         </p:txBody>
@@ -3719,7 +4580,7 @@
     </p:spTree>
     <p:extLst>
       <p:ext uri="{BB962C8B-B14F-4D97-AF65-F5344CB8AC3E}">
-        <p14:creationId xmlns:p14="http://schemas.microsoft.com/office/powerpoint/2010/main" val="580922275"/>
+        <p14:creationId xmlns:p14="http://schemas.microsoft.com/office/powerpoint/2010/main" val="916418760"/>
       </p:ext>
     </p:extLst>
   </p:cSld>
@@ -3748,7 +4609,7 @@
       </p:grpSpPr>
       <p:sp>
         <p:nvSpPr>
-          <p:cNvPr id="4" name="Inhaltsplatzhalter 2"/>
+          <p:cNvPr id="5" name="Titel 1"/>
           <p:cNvSpPr txBox="1">
             <a:spLocks/>
           </p:cNvSpPr>
@@ -3756,8 +4617,8 @@
         </p:nvSpPr>
         <p:spPr bwMode="auto">
           <a:xfrm>
-            <a:off x="780718" y="1412776"/>
-            <a:ext cx="7467600" cy="4704972"/>
+            <a:off x="780718" y="0"/>
+            <a:ext cx="7467600" cy="1143000"/>
           </a:xfrm>
           <a:prstGeom prst="rect">
             <a:avLst/>
@@ -3787,156 +4648,320 @@
           </a:extLst>
         </p:spPr>
         <p:txBody>
-          <a:bodyPr vert="horz" wrap="square" lIns="91440" tIns="45720" rIns="91440" bIns="45720" numCol="1" anchor="t" anchorCtr="0" compatLnSpc="1">
+          <a:bodyPr vert="horz" wrap="square" lIns="91440" tIns="45720" rIns="91440" bIns="45720" numCol="1" anchor="ctr" anchorCtr="0" compatLnSpc="1">
             <a:prstTxWarp prst="textNoShape">
               <a:avLst/>
             </a:prstTxWarp>
           </a:bodyPr>
           <a:lstStyle>
-            <a:lvl1pPr marL="342900" indent="-342900" algn="l" rtl="0" eaLnBrk="1" fontAlgn="base" hangingPunct="1">
-              <a:spcBef>
-                <a:spcPct val="20000"/>
-              </a:spcBef>
-              <a:spcAft>
-                <a:spcPct val="0"/>
-              </a:spcAft>
-              <a:buChar char="•"/>
-              <a:defRPr sz="2200">
-                <a:solidFill>
-                  <a:schemeClr val="tx1"/>
+            <a:lvl1pPr algn="l" rtl="0" eaLnBrk="1" fontAlgn="base" hangingPunct="1">
+              <a:spcBef>
+                <a:spcPct val="0"/>
+              </a:spcBef>
+              <a:spcAft>
+                <a:spcPct val="0"/>
+              </a:spcAft>
+              <a:defRPr sz="2800">
+                <a:solidFill>
+                  <a:srgbClr val="00407A"/>
                 </a:solidFill>
                 <a:latin typeface="Arial" charset="0"/>
-                <a:ea typeface="+mn-ea"/>
-                <a:cs typeface="+mn-cs"/>
+                <a:ea typeface="+mj-ea"/>
+                <a:cs typeface="+mj-cs"/>
               </a:defRPr>
             </a:lvl1pPr>
-            <a:lvl2pPr marL="742950" indent="-285750" algn="l" rtl="0" eaLnBrk="1" fontAlgn="base" hangingPunct="1">
-              <a:spcBef>
-                <a:spcPct val="20000"/>
-              </a:spcBef>
-              <a:spcAft>
-                <a:spcPct val="0"/>
-              </a:spcAft>
-              <a:buChar char="•"/>
-              <a:defRPr sz="2000">
-                <a:solidFill>
-                  <a:schemeClr val="tx1"/>
+            <a:lvl2pPr algn="l" rtl="0" eaLnBrk="1" fontAlgn="base" hangingPunct="1">
+              <a:spcBef>
+                <a:spcPct val="0"/>
+              </a:spcBef>
+              <a:spcAft>
+                <a:spcPct val="0"/>
+              </a:spcAft>
+              <a:defRPr sz="2800">
+                <a:solidFill>
+                  <a:srgbClr val="00407A"/>
                 </a:solidFill>
                 <a:latin typeface="Arial" charset="0"/>
               </a:defRPr>
             </a:lvl2pPr>
-            <a:lvl3pPr marL="1143000" indent="-228600" algn="l" rtl="0" eaLnBrk="1" fontAlgn="base" hangingPunct="1">
-              <a:spcBef>
-                <a:spcPct val="20000"/>
-              </a:spcBef>
-              <a:spcAft>
-                <a:spcPct val="0"/>
-              </a:spcAft>
-              <a:buFont typeface="Wingdings" pitchFamily="2" charset="2"/>
-              <a:buChar char="§"/>
-              <a:defRPr>
-                <a:solidFill>
-                  <a:schemeClr val="tx1"/>
+            <a:lvl3pPr algn="l" rtl="0" eaLnBrk="1" fontAlgn="base" hangingPunct="1">
+              <a:spcBef>
+                <a:spcPct val="0"/>
+              </a:spcBef>
+              <a:spcAft>
+                <a:spcPct val="0"/>
+              </a:spcAft>
+              <a:defRPr sz="2800">
+                <a:solidFill>
+                  <a:srgbClr val="00407A"/>
                 </a:solidFill>
                 <a:latin typeface="Arial" charset="0"/>
               </a:defRPr>
             </a:lvl3pPr>
-            <a:lvl4pPr marL="1600200" indent="-228600" algn="l" rtl="0" eaLnBrk="1" fontAlgn="base" hangingPunct="1">
-              <a:spcBef>
-                <a:spcPct val="20000"/>
-              </a:spcBef>
-              <a:spcAft>
-                <a:spcPct val="0"/>
-              </a:spcAft>
-              <a:buChar char="+"/>
-              <a:defRPr sz="1600">
-                <a:solidFill>
-                  <a:schemeClr val="tx1"/>
+            <a:lvl4pPr algn="l" rtl="0" eaLnBrk="1" fontAlgn="base" hangingPunct="1">
+              <a:spcBef>
+                <a:spcPct val="0"/>
+              </a:spcBef>
+              <a:spcAft>
+                <a:spcPct val="0"/>
+              </a:spcAft>
+              <a:defRPr sz="2800">
+                <a:solidFill>
+                  <a:srgbClr val="00407A"/>
                 </a:solidFill>
                 <a:latin typeface="Arial" charset="0"/>
               </a:defRPr>
             </a:lvl4pPr>
-            <a:lvl5pPr marL="2057400" indent="-228600" algn="l" rtl="0" eaLnBrk="1" fontAlgn="base" hangingPunct="1">
-              <a:spcBef>
-                <a:spcPct val="20000"/>
-              </a:spcBef>
-              <a:spcAft>
-                <a:spcPct val="0"/>
-              </a:spcAft>
-              <a:buChar char="–"/>
-              <a:defRPr sz="1400">
-                <a:solidFill>
-                  <a:schemeClr val="tx1"/>
+            <a:lvl5pPr algn="l" rtl="0" eaLnBrk="1" fontAlgn="base" hangingPunct="1">
+              <a:spcBef>
+                <a:spcPct val="0"/>
+              </a:spcBef>
+              <a:spcAft>
+                <a:spcPct val="0"/>
+              </a:spcAft>
+              <a:defRPr sz="2800">
+                <a:solidFill>
+                  <a:srgbClr val="00407A"/>
                 </a:solidFill>
                 <a:latin typeface="Arial" charset="0"/>
               </a:defRPr>
             </a:lvl5pPr>
-            <a:lvl6pPr marL="2514600" indent="-228600" algn="l" rtl="0" eaLnBrk="1" fontAlgn="base" hangingPunct="1">
-              <a:spcBef>
-                <a:spcPct val="20000"/>
-              </a:spcBef>
-              <a:spcAft>
-                <a:spcPct val="0"/>
-              </a:spcAft>
-              <a:buChar char="–"/>
-              <a:defRPr sz="1400">
-                <a:solidFill>
-                  <a:schemeClr val="tx1"/>
-                </a:solidFill>
-                <a:latin typeface="+mn-lt"/>
+            <a:lvl6pPr marL="457200" algn="l" rtl="0" eaLnBrk="1" fontAlgn="base" hangingPunct="1">
+              <a:spcBef>
+                <a:spcPct val="0"/>
+              </a:spcBef>
+              <a:spcAft>
+                <a:spcPct val="0"/>
+              </a:spcAft>
+              <a:defRPr sz="2800" b="1">
+                <a:solidFill>
+                  <a:srgbClr val="00407A"/>
+                </a:solidFill>
+                <a:latin typeface="UB Scala" pitchFamily="2" charset="0"/>
               </a:defRPr>
             </a:lvl6pPr>
-            <a:lvl7pPr marL="2971800" indent="-228600" algn="l" rtl="0" eaLnBrk="1" fontAlgn="base" hangingPunct="1">
-              <a:spcBef>
-                <a:spcPct val="20000"/>
-              </a:spcBef>
-              <a:spcAft>
-                <a:spcPct val="0"/>
-              </a:spcAft>
-              <a:buChar char="–"/>
-              <a:defRPr sz="1400">
-                <a:solidFill>
-                  <a:schemeClr val="tx1"/>
-                </a:solidFill>
-                <a:latin typeface="+mn-lt"/>
+            <a:lvl7pPr marL="914400" algn="l" rtl="0" eaLnBrk="1" fontAlgn="base" hangingPunct="1">
+              <a:spcBef>
+                <a:spcPct val="0"/>
+              </a:spcBef>
+              <a:spcAft>
+                <a:spcPct val="0"/>
+              </a:spcAft>
+              <a:defRPr sz="2800" b="1">
+                <a:solidFill>
+                  <a:srgbClr val="00407A"/>
+                </a:solidFill>
+                <a:latin typeface="UB Scala" pitchFamily="2" charset="0"/>
               </a:defRPr>
             </a:lvl7pPr>
-            <a:lvl8pPr marL="3429000" indent="-228600" algn="l" rtl="0" eaLnBrk="1" fontAlgn="base" hangingPunct="1">
-              <a:spcBef>
-                <a:spcPct val="20000"/>
-              </a:spcBef>
-              <a:spcAft>
-                <a:spcPct val="0"/>
-              </a:spcAft>
-              <a:buChar char="–"/>
-              <a:defRPr sz="1400">
-                <a:solidFill>
-                  <a:schemeClr val="tx1"/>
-                </a:solidFill>
-                <a:latin typeface="+mn-lt"/>
+            <a:lvl8pPr marL="1371600" algn="l" rtl="0" eaLnBrk="1" fontAlgn="base" hangingPunct="1">
+              <a:spcBef>
+                <a:spcPct val="0"/>
+              </a:spcBef>
+              <a:spcAft>
+                <a:spcPct val="0"/>
+              </a:spcAft>
+              <a:defRPr sz="2800" b="1">
+                <a:solidFill>
+                  <a:srgbClr val="00407A"/>
+                </a:solidFill>
+                <a:latin typeface="UB Scala" pitchFamily="2" charset="0"/>
               </a:defRPr>
             </a:lvl8pPr>
-            <a:lvl9pPr marL="3886200" indent="-228600" algn="l" rtl="0" eaLnBrk="1" fontAlgn="base" hangingPunct="1">
-              <a:spcBef>
-                <a:spcPct val="20000"/>
-              </a:spcBef>
-              <a:spcAft>
-                <a:spcPct val="0"/>
-              </a:spcAft>
-              <a:buChar char="–"/>
-              <a:defRPr sz="1400">
-                <a:solidFill>
-                  <a:schemeClr val="tx1"/>
-                </a:solidFill>
-                <a:latin typeface="+mn-lt"/>
+            <a:lvl9pPr marL="1828800" algn="l" rtl="0" eaLnBrk="1" fontAlgn="base" hangingPunct="1">
+              <a:spcBef>
+                <a:spcPct val="0"/>
+              </a:spcBef>
+              <a:spcAft>
+                <a:spcPct val="0"/>
+              </a:spcAft>
+              <a:defRPr sz="2800" b="1">
+                <a:solidFill>
+                  <a:srgbClr val="00407A"/>
+                </a:solidFill>
+                <a:latin typeface="UB Scala" pitchFamily="2" charset="0"/>
               </a:defRPr>
             </a:lvl9pPr>
           </a:lstStyle>
           <a:p>
-            <a:endParaRPr lang="de-DE" kern="0" dirty="0"/>
+            <a:r>
+              <a:rPr lang="en-US" dirty="0">
+                <a:solidFill>
+                  <a:schemeClr val="bg1"/>
+                </a:solidFill>
+              </a:rPr>
+              <a:t>Related works</a:t>
+            </a:r>
+            <a:endParaRPr lang="de-DE" kern="0" dirty="0">
+              <a:solidFill>
+                <a:schemeClr val="bg1"/>
+              </a:solidFill>
+            </a:endParaRPr>
           </a:p>
         </p:txBody>
       </p:sp>
+      <p:sp>
+        <p:nvSpPr>
+          <p:cNvPr id="2" name="Titel 1"/>
+          <p:cNvSpPr>
+            <a:spLocks noGrp="1"/>
+          </p:cNvSpPr>
+          <p:nvPr>
+            <p:ph type="title"/>
+          </p:nvPr>
+        </p:nvSpPr>
+        <p:spPr/>
+        <p:txBody>
+          <a:bodyPr/>
+          <a:lstStyle/>
+          <a:p>
+            <a:r>
+              <a:rPr lang="en-US" dirty="0"/>
+              <a:t>IM2GPS (2008)</a:t>
+            </a:r>
+            <a:endParaRPr lang="de-DE" dirty="0"/>
+          </a:p>
+        </p:txBody>
+      </p:sp>
+      <p:sp>
+        <p:nvSpPr>
+          <p:cNvPr id="3" name="Inhaltsplatzhalter 2"/>
+          <p:cNvSpPr>
+            <a:spLocks noGrp="1"/>
+          </p:cNvSpPr>
+          <p:nvPr>
+            <p:ph idx="1"/>
+          </p:nvPr>
+        </p:nvSpPr>
+        <p:spPr>
+          <a:xfrm>
+            <a:off x="780718" y="2132856"/>
+            <a:ext cx="3575258" cy="4010788"/>
+          </a:xfrm>
+        </p:spPr>
+        <p:txBody>
+          <a:bodyPr/>
+          <a:lstStyle/>
+          <a:p>
+            <a:r>
+              <a:rPr lang="en-US" dirty="0"/>
+              <a:t> estimating geographic information from a single image</a:t>
+            </a:r>
+          </a:p>
+          <a:p>
+            <a:r>
+              <a:rPr lang="en-US" dirty="0"/>
+              <a:t>one of the first approaches to geolocate random pictures </a:t>
+            </a:r>
+          </a:p>
+          <a:p>
+            <a:endParaRPr lang="de-DE" dirty="0"/>
+          </a:p>
+        </p:txBody>
+      </p:sp>
+      <p:sp>
+        <p:nvSpPr>
+          <p:cNvPr id="6" name="Rechteck 5"/>
+          <p:cNvSpPr/>
+          <p:nvPr/>
+        </p:nvSpPr>
+        <p:spPr>
+          <a:xfrm>
+            <a:off x="6156176" y="6143644"/>
+            <a:ext cx="1989647" cy="338554"/>
+          </a:xfrm>
+          <a:prstGeom prst="rect">
+            <a:avLst/>
+          </a:prstGeom>
+        </p:spPr>
+        <p:txBody>
+          <a:bodyPr wrap="none">
+            <a:spAutoFit/>
+          </a:bodyPr>
+          <a:lstStyle/>
+          <a:p>
+            <a:r>
+              <a:rPr lang="de-DE" sz="1600" dirty="0">
+                <a:solidFill>
+                  <a:schemeClr val="bg2">
+                    <a:lumMod val="60000"/>
+                    <a:lumOff val="40000"/>
+                  </a:schemeClr>
+                </a:solidFill>
+                <a:latin typeface="Helvetica" panose="020B0604020202020204" pitchFamily="34" charset="0"/>
+                <a:cs typeface="Helvetica" panose="020B0604020202020204" pitchFamily="34" charset="0"/>
+              </a:rPr>
+              <a:t>[Hays, </a:t>
+            </a:r>
+            <a:r>
+              <a:rPr lang="de-DE" sz="1600" dirty="0" err="1">
+                <a:solidFill>
+                  <a:schemeClr val="bg2">
+                    <a:lumMod val="60000"/>
+                    <a:lumOff val="40000"/>
+                  </a:schemeClr>
+                </a:solidFill>
+                <a:latin typeface="Helvetica" panose="020B0604020202020204" pitchFamily="34" charset="0"/>
+                <a:cs typeface="Helvetica" panose="020B0604020202020204" pitchFamily="34" charset="0"/>
+              </a:rPr>
+              <a:t>Efros</a:t>
+            </a:r>
+            <a:r>
+              <a:rPr lang="de-DE" sz="1600" dirty="0">
+                <a:solidFill>
+                  <a:schemeClr val="bg2">
+                    <a:lumMod val="60000"/>
+                    <a:lumOff val="40000"/>
+                  </a:schemeClr>
+                </a:solidFill>
+                <a:latin typeface="Helvetica" panose="020B0604020202020204" pitchFamily="34" charset="0"/>
+                <a:cs typeface="Helvetica" panose="020B0604020202020204" pitchFamily="34" charset="0"/>
+              </a:rPr>
+              <a:t>, 2008] </a:t>
+            </a:r>
+            <a:endParaRPr lang="de-DE" sz="1600" dirty="0">
+              <a:solidFill>
+                <a:schemeClr val="bg2">
+                  <a:lumMod val="60000"/>
+                  <a:lumOff val="40000"/>
+                </a:schemeClr>
+              </a:solidFill>
+              <a:latin typeface="Helvetica" panose="020B0604020202020204" pitchFamily="34" charset="0"/>
+              <a:cs typeface="Helvetica" panose="020B0604020202020204" pitchFamily="34" charset="0"/>
+            </a:endParaRPr>
+          </a:p>
+        </p:txBody>
+      </p:sp>
+    </p:spTree>
+    <p:extLst>
+      <p:ext uri="{BB962C8B-B14F-4D97-AF65-F5344CB8AC3E}">
+        <p14:creationId xmlns:p14="http://schemas.microsoft.com/office/powerpoint/2010/main" val="970411656"/>
+      </p:ext>
+    </p:extLst>
+  </p:cSld>
+  <p:clrMapOvr>
+    <a:masterClrMapping/>
+  </p:clrMapOvr>
+</p:sld>
+</file>
+
+<file path=ppt/slides/slide6.xml><?xml version="1.0" encoding="utf-8"?>
+<p:sld xmlns:a="http://schemas.openxmlformats.org/drawingml/2006/main" xmlns:r="http://schemas.openxmlformats.org/officeDocument/2006/relationships" xmlns:p="http://schemas.openxmlformats.org/presentationml/2006/main">
+  <p:cSld>
+    <p:spTree>
+      <p:nvGrpSpPr>
+        <p:cNvPr id="1" name=""/>
+        <p:cNvGrpSpPr/>
+        <p:nvPr/>
+      </p:nvGrpSpPr>
+      <p:grpSpPr>
+        <a:xfrm>
+          <a:off x="0" y="0"/>
+          <a:ext cx="0" cy="0"/>
+          <a:chOff x="0" y="0"/>
+          <a:chExt cx="0" cy="0"/>
+        </a:xfrm>
+      </p:grpSpPr>
       <p:sp>
         <p:nvSpPr>
           <p:cNvPr id="5" name="Titel 1"/>
@@ -4115,17 +5140,218 @@
           </a:lstStyle>
           <a:p>
             <a:r>
-              <a:rPr lang="en-US" sz="2400" dirty="0">
+              <a:rPr lang="en-US" dirty="0">
                 <a:solidFill>
                   <a:schemeClr val="bg1"/>
                 </a:solidFill>
               </a:rPr>
               <a:t>Related works</a:t>
             </a:r>
-            <a:endParaRPr lang="de-DE" sz="2400" kern="0" dirty="0">
+            <a:endParaRPr lang="de-DE" kern="0" dirty="0">
               <a:solidFill>
                 <a:schemeClr val="bg1"/>
               </a:solidFill>
+            </a:endParaRPr>
+          </a:p>
+        </p:txBody>
+      </p:sp>
+      <p:sp>
+        <p:nvSpPr>
+          <p:cNvPr id="2" name="Titel 1"/>
+          <p:cNvSpPr>
+            <a:spLocks noGrp="1"/>
+          </p:cNvSpPr>
+          <p:nvPr>
+            <p:ph type="title"/>
+          </p:nvPr>
+        </p:nvSpPr>
+        <p:spPr>
+          <a:xfrm>
+            <a:off x="838200" y="1143000"/>
+            <a:ext cx="7467600" cy="845840"/>
+          </a:xfrm>
+        </p:spPr>
+        <p:txBody>
+          <a:bodyPr/>
+          <a:lstStyle/>
+          <a:p>
+            <a:r>
+              <a:rPr lang="en-US" dirty="0"/>
+              <a:t>IM2GPS </a:t>
+            </a:r>
+            <a:r>
+              <a:rPr lang="en-US" dirty="0" err="1"/>
+              <a:t>visualisation</a:t>
+            </a:r>
+            <a:endParaRPr lang="de-DE" dirty="0"/>
+          </a:p>
+        </p:txBody>
+      </p:sp>
+      <p:sp>
+        <p:nvSpPr>
+          <p:cNvPr id="6" name="Rechteck 5"/>
+          <p:cNvSpPr/>
+          <p:nvPr/>
+        </p:nvSpPr>
+        <p:spPr>
+          <a:xfrm>
+            <a:off x="5589096" y="6165304"/>
+            <a:ext cx="3544560" cy="338554"/>
+          </a:xfrm>
+          <a:prstGeom prst="rect">
+            <a:avLst/>
+          </a:prstGeom>
+        </p:spPr>
+        <p:txBody>
+          <a:bodyPr wrap="none">
+            <a:spAutoFit/>
+          </a:bodyPr>
+          <a:lstStyle/>
+          <a:p>
+            <a:r>
+              <a:rPr lang="de-DE" sz="1600" dirty="0">
+                <a:solidFill>
+                  <a:schemeClr val="bg2">
+                    <a:lumMod val="60000"/>
+                    <a:lumOff val="40000"/>
+                  </a:schemeClr>
+                </a:solidFill>
+                <a:latin typeface="Helvetica" panose="020B0604020202020204" pitchFamily="34" charset="0"/>
+                <a:cs typeface="Helvetica" panose="020B0604020202020204" pitchFamily="34" charset="0"/>
+              </a:rPr>
+              <a:t>[</a:t>
+            </a:r>
+            <a:r>
+              <a:rPr lang="de-DE" sz="1600" dirty="0" err="1">
+                <a:solidFill>
+                  <a:schemeClr val="bg2">
+                    <a:lumMod val="60000"/>
+                    <a:lumOff val="40000"/>
+                  </a:schemeClr>
+                </a:solidFill>
+                <a:latin typeface="Helvetica" panose="020B0604020202020204" pitchFamily="34" charset="0"/>
+                <a:cs typeface="Helvetica" panose="020B0604020202020204" pitchFamily="34" charset="0"/>
+              </a:rPr>
+              <a:t>source</a:t>
+            </a:r>
+            <a:r>
+              <a:rPr lang="de-DE" sz="1600" dirty="0">
+                <a:solidFill>
+                  <a:schemeClr val="bg2">
+                    <a:lumMod val="60000"/>
+                    <a:lumOff val="40000"/>
+                  </a:schemeClr>
+                </a:solidFill>
+                <a:latin typeface="Helvetica" panose="020B0604020202020204" pitchFamily="34" charset="0"/>
+                <a:cs typeface="Helvetica" panose="020B0604020202020204" pitchFamily="34" charset="0"/>
+              </a:rPr>
+              <a:t>: http://graphics.cs.cmu.edu/] </a:t>
+            </a:r>
+            <a:endParaRPr lang="de-DE" sz="1600" dirty="0">
+              <a:solidFill>
+                <a:schemeClr val="bg2">
+                  <a:lumMod val="60000"/>
+                  <a:lumOff val="40000"/>
+                </a:schemeClr>
+              </a:solidFill>
+              <a:latin typeface="Helvetica" panose="020B0604020202020204" pitchFamily="34" charset="0"/>
+              <a:cs typeface="Helvetica" panose="020B0604020202020204" pitchFamily="34" charset="0"/>
+            </a:endParaRPr>
+          </a:p>
+        </p:txBody>
+      </p:sp>
+      <p:pic>
+        <p:nvPicPr>
+          <p:cNvPr id="7" name="Grafik 6"/>
+          <p:cNvPicPr>
+            <a:picLocks noChangeAspect="1"/>
+          </p:cNvPicPr>
+          <p:nvPr/>
+        </p:nvPicPr>
+        <p:blipFill>
+          <a:blip r:embed="rId2" cstate="print">
+            <a:extLst>
+              <a:ext uri="{28A0092B-C50C-407E-A947-70E740481C1C}">
+                <a14:useLocalDpi xmlns:a14="http://schemas.microsoft.com/office/drawing/2010/main" val="0"/>
+              </a:ext>
+            </a:extLst>
+          </a:blip>
+          <a:stretch>
+            <a:fillRect/>
+          </a:stretch>
+        </p:blipFill>
+        <p:spPr>
+          <a:xfrm>
+            <a:off x="363394" y="2566113"/>
+            <a:ext cx="8462219" cy="1726983"/>
+          </a:xfrm>
+          <a:prstGeom prst="rect">
+            <a:avLst/>
+          </a:prstGeom>
+        </p:spPr>
+      </p:pic>
+      <p:pic>
+        <p:nvPicPr>
+          <p:cNvPr id="8" name="Grafik 7"/>
+          <p:cNvPicPr>
+            <a:picLocks noChangeAspect="1"/>
+          </p:cNvPicPr>
+          <p:nvPr/>
+        </p:nvPicPr>
+        <p:blipFill>
+          <a:blip r:embed="rId3" cstate="print">
+            <a:extLst>
+              <a:ext uri="{28A0092B-C50C-407E-A947-70E740481C1C}">
+                <a14:useLocalDpi xmlns:a14="http://schemas.microsoft.com/office/drawing/2010/main" val="0"/>
+              </a:ext>
+            </a:extLst>
+          </a:blip>
+          <a:stretch>
+            <a:fillRect/>
+          </a:stretch>
+        </p:blipFill>
+        <p:spPr>
+          <a:xfrm>
+            <a:off x="368537" y="4437112"/>
+            <a:ext cx="8451935" cy="1724884"/>
+          </a:xfrm>
+          <a:prstGeom prst="rect">
+            <a:avLst/>
+          </a:prstGeom>
+        </p:spPr>
+      </p:pic>
+      <p:sp>
+        <p:nvSpPr>
+          <p:cNvPr id="9" name="Textfeld 8"/>
+          <p:cNvSpPr txBox="1"/>
+          <p:nvPr/>
+        </p:nvSpPr>
+        <p:spPr>
+          <a:xfrm>
+            <a:off x="562055" y="1840468"/>
+            <a:ext cx="8064896" cy="584775"/>
+          </a:xfrm>
+          <a:prstGeom prst="rect">
+            <a:avLst/>
+          </a:prstGeom>
+          <a:noFill/>
+        </p:spPr>
+        <p:txBody>
+          <a:bodyPr wrap="square" rtlCol="0">
+            <a:spAutoFit/>
+          </a:bodyPr>
+          <a:lstStyle/>
+          <a:p>
+            <a:r>
+              <a:rPr lang="en-US" sz="1600" dirty="0">
+                <a:latin typeface="Helvetica" panose="020B0604020202020204" pitchFamily="34" charset="0"/>
+                <a:cs typeface="Helvetica" panose="020B0604020202020204" pitchFamily="34" charset="0"/>
+              </a:rPr>
+              <a:t>Each result shows the query image, a montage of the top 16 nearest neighbors from the database, and three views of the Earth</a:t>
+            </a:r>
+            <a:endParaRPr lang="de-DE" sz="1600" dirty="0">
+              <a:latin typeface="Helvetica" panose="020B0604020202020204" pitchFamily="34" charset="0"/>
+              <a:cs typeface="Helvetica" panose="020B0604020202020204" pitchFamily="34" charset="0"/>
             </a:endParaRPr>
           </a:p>
         </p:txBody>
@@ -4133,7 +5359,925 @@
     </p:spTree>
     <p:extLst>
       <p:ext uri="{BB962C8B-B14F-4D97-AF65-F5344CB8AC3E}">
-        <p14:creationId xmlns:p14="http://schemas.microsoft.com/office/powerpoint/2010/main" val="970411656"/>
+        <p14:creationId xmlns:p14="http://schemas.microsoft.com/office/powerpoint/2010/main" val="2827419449"/>
+      </p:ext>
+    </p:extLst>
+  </p:cSld>
+  <p:clrMapOvr>
+    <a:masterClrMapping/>
+  </p:clrMapOvr>
+</p:sld>
+</file>
+
+<file path=ppt/slides/slide7.xml><?xml version="1.0" encoding="utf-8"?>
+<p:sld xmlns:a="http://schemas.openxmlformats.org/drawingml/2006/main" xmlns:r="http://schemas.openxmlformats.org/officeDocument/2006/relationships" xmlns:p="http://schemas.openxmlformats.org/presentationml/2006/main">
+  <p:cSld>
+    <p:spTree>
+      <p:nvGrpSpPr>
+        <p:cNvPr id="1" name=""/>
+        <p:cNvGrpSpPr/>
+        <p:nvPr/>
+      </p:nvGrpSpPr>
+      <p:grpSpPr>
+        <a:xfrm>
+          <a:off x="0" y="0"/>
+          <a:ext cx="0" cy="0"/>
+          <a:chOff x="0" y="0"/>
+          <a:chExt cx="0" cy="0"/>
+        </a:xfrm>
+      </p:grpSpPr>
+      <p:sp>
+        <p:nvSpPr>
+          <p:cNvPr id="5" name="Titel 1"/>
+          <p:cNvSpPr txBox="1">
+            <a:spLocks/>
+          </p:cNvSpPr>
+          <p:nvPr/>
+        </p:nvSpPr>
+        <p:spPr bwMode="auto">
+          <a:xfrm>
+            <a:off x="780718" y="0"/>
+            <a:ext cx="7467600" cy="1143000"/>
+          </a:xfrm>
+          <a:prstGeom prst="rect">
+            <a:avLst/>
+          </a:prstGeom>
+          <a:noFill/>
+          <a:ln>
+            <a:noFill/>
+          </a:ln>
+          <a:extLst>
+            <a:ext uri="{909E8E84-426E-40DD-AFC4-6F175D3DCCD1}">
+              <a14:hiddenFill xmlns:a14="http://schemas.microsoft.com/office/drawing/2010/main">
+                <a:solidFill>
+                  <a:srgbClr val="FFFFFF"/>
+                </a:solidFill>
+              </a14:hiddenFill>
+            </a:ext>
+            <a:ext uri="{91240B29-F687-4F45-9708-019B960494DF}">
+              <a14:hiddenLine xmlns:a14="http://schemas.microsoft.com/office/drawing/2010/main" w="9525">
+                <a:solidFill>
+                  <a:srgbClr val="000000"/>
+                </a:solidFill>
+                <a:miter lim="800000"/>
+                <a:headEnd/>
+                <a:tailEnd/>
+              </a14:hiddenLine>
+            </a:ext>
+          </a:extLst>
+        </p:spPr>
+        <p:txBody>
+          <a:bodyPr vert="horz" wrap="square" lIns="91440" tIns="45720" rIns="91440" bIns="45720" numCol="1" anchor="ctr" anchorCtr="0" compatLnSpc="1">
+            <a:prstTxWarp prst="textNoShape">
+              <a:avLst/>
+            </a:prstTxWarp>
+          </a:bodyPr>
+          <a:lstStyle>
+            <a:lvl1pPr algn="l" rtl="0" eaLnBrk="1" fontAlgn="base" hangingPunct="1">
+              <a:spcBef>
+                <a:spcPct val="0"/>
+              </a:spcBef>
+              <a:spcAft>
+                <a:spcPct val="0"/>
+              </a:spcAft>
+              <a:defRPr sz="2800">
+                <a:solidFill>
+                  <a:srgbClr val="00407A"/>
+                </a:solidFill>
+                <a:latin typeface="Arial" charset="0"/>
+                <a:ea typeface="+mj-ea"/>
+                <a:cs typeface="+mj-cs"/>
+              </a:defRPr>
+            </a:lvl1pPr>
+            <a:lvl2pPr algn="l" rtl="0" eaLnBrk="1" fontAlgn="base" hangingPunct="1">
+              <a:spcBef>
+                <a:spcPct val="0"/>
+              </a:spcBef>
+              <a:spcAft>
+                <a:spcPct val="0"/>
+              </a:spcAft>
+              <a:defRPr sz="2800">
+                <a:solidFill>
+                  <a:srgbClr val="00407A"/>
+                </a:solidFill>
+                <a:latin typeface="Arial" charset="0"/>
+              </a:defRPr>
+            </a:lvl2pPr>
+            <a:lvl3pPr algn="l" rtl="0" eaLnBrk="1" fontAlgn="base" hangingPunct="1">
+              <a:spcBef>
+                <a:spcPct val="0"/>
+              </a:spcBef>
+              <a:spcAft>
+                <a:spcPct val="0"/>
+              </a:spcAft>
+              <a:defRPr sz="2800">
+                <a:solidFill>
+                  <a:srgbClr val="00407A"/>
+                </a:solidFill>
+                <a:latin typeface="Arial" charset="0"/>
+              </a:defRPr>
+            </a:lvl3pPr>
+            <a:lvl4pPr algn="l" rtl="0" eaLnBrk="1" fontAlgn="base" hangingPunct="1">
+              <a:spcBef>
+                <a:spcPct val="0"/>
+              </a:spcBef>
+              <a:spcAft>
+                <a:spcPct val="0"/>
+              </a:spcAft>
+              <a:defRPr sz="2800">
+                <a:solidFill>
+                  <a:srgbClr val="00407A"/>
+                </a:solidFill>
+                <a:latin typeface="Arial" charset="0"/>
+              </a:defRPr>
+            </a:lvl4pPr>
+            <a:lvl5pPr algn="l" rtl="0" eaLnBrk="1" fontAlgn="base" hangingPunct="1">
+              <a:spcBef>
+                <a:spcPct val="0"/>
+              </a:spcBef>
+              <a:spcAft>
+                <a:spcPct val="0"/>
+              </a:spcAft>
+              <a:defRPr sz="2800">
+                <a:solidFill>
+                  <a:srgbClr val="00407A"/>
+                </a:solidFill>
+                <a:latin typeface="Arial" charset="0"/>
+              </a:defRPr>
+            </a:lvl5pPr>
+            <a:lvl6pPr marL="457200" algn="l" rtl="0" eaLnBrk="1" fontAlgn="base" hangingPunct="1">
+              <a:spcBef>
+                <a:spcPct val="0"/>
+              </a:spcBef>
+              <a:spcAft>
+                <a:spcPct val="0"/>
+              </a:spcAft>
+              <a:defRPr sz="2800" b="1">
+                <a:solidFill>
+                  <a:srgbClr val="00407A"/>
+                </a:solidFill>
+                <a:latin typeface="UB Scala" pitchFamily="2" charset="0"/>
+              </a:defRPr>
+            </a:lvl6pPr>
+            <a:lvl7pPr marL="914400" algn="l" rtl="0" eaLnBrk="1" fontAlgn="base" hangingPunct="1">
+              <a:spcBef>
+                <a:spcPct val="0"/>
+              </a:spcBef>
+              <a:spcAft>
+                <a:spcPct val="0"/>
+              </a:spcAft>
+              <a:defRPr sz="2800" b="1">
+                <a:solidFill>
+                  <a:srgbClr val="00407A"/>
+                </a:solidFill>
+                <a:latin typeface="UB Scala" pitchFamily="2" charset="0"/>
+              </a:defRPr>
+            </a:lvl7pPr>
+            <a:lvl8pPr marL="1371600" algn="l" rtl="0" eaLnBrk="1" fontAlgn="base" hangingPunct="1">
+              <a:spcBef>
+                <a:spcPct val="0"/>
+              </a:spcBef>
+              <a:spcAft>
+                <a:spcPct val="0"/>
+              </a:spcAft>
+              <a:defRPr sz="2800" b="1">
+                <a:solidFill>
+                  <a:srgbClr val="00407A"/>
+                </a:solidFill>
+                <a:latin typeface="UB Scala" pitchFamily="2" charset="0"/>
+              </a:defRPr>
+            </a:lvl8pPr>
+            <a:lvl9pPr marL="1828800" algn="l" rtl="0" eaLnBrk="1" fontAlgn="base" hangingPunct="1">
+              <a:spcBef>
+                <a:spcPct val="0"/>
+              </a:spcBef>
+              <a:spcAft>
+                <a:spcPct val="0"/>
+              </a:spcAft>
+              <a:defRPr sz="2800" b="1">
+                <a:solidFill>
+                  <a:srgbClr val="00407A"/>
+                </a:solidFill>
+                <a:latin typeface="UB Scala" pitchFamily="2" charset="0"/>
+              </a:defRPr>
+            </a:lvl9pPr>
+          </a:lstStyle>
+          <a:p>
+            <a:r>
+              <a:rPr lang="en-US" dirty="0">
+                <a:solidFill>
+                  <a:schemeClr val="bg1"/>
+                </a:solidFill>
+              </a:rPr>
+              <a:t>Related works</a:t>
+            </a:r>
+            <a:endParaRPr lang="de-DE" kern="0" dirty="0">
+              <a:solidFill>
+                <a:schemeClr val="bg1"/>
+              </a:solidFill>
+            </a:endParaRPr>
+          </a:p>
+        </p:txBody>
+      </p:sp>
+      <p:sp>
+        <p:nvSpPr>
+          <p:cNvPr id="2" name="Titel 1"/>
+          <p:cNvSpPr>
+            <a:spLocks noGrp="1"/>
+          </p:cNvSpPr>
+          <p:nvPr>
+            <p:ph type="title"/>
+          </p:nvPr>
+        </p:nvSpPr>
+        <p:spPr/>
+        <p:txBody>
+          <a:bodyPr/>
+          <a:lstStyle/>
+          <a:p>
+            <a:r>
+              <a:rPr lang="en-US" dirty="0" err="1"/>
+              <a:t>PlaNet</a:t>
+            </a:r>
+            <a:r>
+              <a:rPr lang="en-US" dirty="0"/>
+              <a:t> (2016) </a:t>
+            </a:r>
+            <a:endParaRPr lang="de-DE" dirty="0"/>
+          </a:p>
+        </p:txBody>
+      </p:sp>
+      <p:sp>
+        <p:nvSpPr>
+          <p:cNvPr id="3" name="Inhaltsplatzhalter 2"/>
+          <p:cNvSpPr>
+            <a:spLocks noGrp="1"/>
+          </p:cNvSpPr>
+          <p:nvPr>
+            <p:ph idx="1"/>
+          </p:nvPr>
+        </p:nvSpPr>
+        <p:spPr>
+          <a:xfrm>
+            <a:off x="780718" y="2204864"/>
+            <a:ext cx="7467600" cy="3552844"/>
+          </a:xfrm>
+        </p:spPr>
+        <p:txBody>
+          <a:bodyPr/>
+          <a:lstStyle/>
+          <a:p>
+            <a:r>
+              <a:rPr lang="en-US" dirty="0"/>
+              <a:t>Photo Geolocation with Convolutional Neural Networks</a:t>
+            </a:r>
+            <a:endParaRPr lang="de-DE" dirty="0"/>
+          </a:p>
+        </p:txBody>
+      </p:sp>
+      <p:sp>
+        <p:nvSpPr>
+          <p:cNvPr id="6" name="Rechteck 5"/>
+          <p:cNvSpPr/>
+          <p:nvPr/>
+        </p:nvSpPr>
+        <p:spPr>
+          <a:xfrm>
+            <a:off x="5076056" y="6143644"/>
+            <a:ext cx="3599464" cy="338554"/>
+          </a:xfrm>
+          <a:prstGeom prst="rect">
+            <a:avLst/>
+          </a:prstGeom>
+        </p:spPr>
+        <p:txBody>
+          <a:bodyPr wrap="square">
+            <a:spAutoFit/>
+          </a:bodyPr>
+          <a:lstStyle/>
+          <a:p>
+            <a:r>
+              <a:rPr lang="de-DE" sz="1600" dirty="0">
+                <a:solidFill>
+                  <a:schemeClr val="bg2">
+                    <a:lumMod val="60000"/>
+                    <a:lumOff val="40000"/>
+                  </a:schemeClr>
+                </a:solidFill>
+                <a:latin typeface="Helvetica" panose="020B0604020202020204" pitchFamily="34" charset="0"/>
+                <a:cs typeface="Helvetica" panose="020B0604020202020204" pitchFamily="34" charset="0"/>
+              </a:rPr>
+              <a:t>[</a:t>
+            </a:r>
+            <a:r>
+              <a:rPr lang="de-DE" sz="1600" dirty="0" err="1">
+                <a:solidFill>
+                  <a:schemeClr val="bg2">
+                    <a:lumMod val="60000"/>
+                    <a:lumOff val="40000"/>
+                  </a:schemeClr>
+                </a:solidFill>
+                <a:latin typeface="Helvetica" panose="020B0604020202020204" pitchFamily="34" charset="0"/>
+                <a:cs typeface="Helvetica" panose="020B0604020202020204" pitchFamily="34" charset="0"/>
+              </a:rPr>
+              <a:t>Weyand</a:t>
+            </a:r>
+            <a:r>
+              <a:rPr lang="de-DE" sz="1600" dirty="0">
+                <a:solidFill>
+                  <a:schemeClr val="bg2">
+                    <a:lumMod val="60000"/>
+                    <a:lumOff val="40000"/>
+                  </a:schemeClr>
+                </a:solidFill>
+                <a:latin typeface="Helvetica" panose="020B0604020202020204" pitchFamily="34" charset="0"/>
+                <a:cs typeface="Helvetica" panose="020B0604020202020204" pitchFamily="34" charset="0"/>
+              </a:rPr>
+              <a:t>, </a:t>
+            </a:r>
+            <a:r>
+              <a:rPr lang="de-DE" sz="1600" dirty="0" err="1">
+                <a:solidFill>
+                  <a:schemeClr val="bg2">
+                    <a:lumMod val="60000"/>
+                    <a:lumOff val="40000"/>
+                  </a:schemeClr>
+                </a:solidFill>
+                <a:latin typeface="Helvetica" panose="020B0604020202020204" pitchFamily="34" charset="0"/>
+                <a:cs typeface="Helvetica" panose="020B0604020202020204" pitchFamily="34" charset="0"/>
+              </a:rPr>
+              <a:t>Kostrikov</a:t>
+            </a:r>
+            <a:r>
+              <a:rPr lang="de-DE" sz="1600" dirty="0">
+                <a:solidFill>
+                  <a:schemeClr val="bg2">
+                    <a:lumMod val="60000"/>
+                    <a:lumOff val="40000"/>
+                  </a:schemeClr>
+                </a:solidFill>
+                <a:latin typeface="Helvetica" panose="020B0604020202020204" pitchFamily="34" charset="0"/>
+                <a:cs typeface="Helvetica" panose="020B0604020202020204" pitchFamily="34" charset="0"/>
+              </a:rPr>
+              <a:t>, </a:t>
+            </a:r>
+            <a:r>
+              <a:rPr lang="de-DE" sz="1600" dirty="0" err="1">
+                <a:solidFill>
+                  <a:schemeClr val="bg2">
+                    <a:lumMod val="60000"/>
+                    <a:lumOff val="40000"/>
+                  </a:schemeClr>
+                </a:solidFill>
+                <a:latin typeface="Helvetica" panose="020B0604020202020204" pitchFamily="34" charset="0"/>
+                <a:cs typeface="Helvetica" panose="020B0604020202020204" pitchFamily="34" charset="0"/>
+              </a:rPr>
+              <a:t>Philbin</a:t>
+            </a:r>
+            <a:r>
+              <a:rPr lang="de-DE" sz="1600" dirty="0">
+                <a:solidFill>
+                  <a:schemeClr val="bg2">
+                    <a:lumMod val="60000"/>
+                    <a:lumOff val="40000"/>
+                  </a:schemeClr>
+                </a:solidFill>
+                <a:latin typeface="Helvetica" panose="020B0604020202020204" pitchFamily="34" charset="0"/>
+                <a:cs typeface="Helvetica" panose="020B0604020202020204" pitchFamily="34" charset="0"/>
+              </a:rPr>
+              <a:t>, 2016] </a:t>
+            </a:r>
+            <a:endParaRPr lang="de-DE" sz="1600" dirty="0">
+              <a:solidFill>
+                <a:schemeClr val="bg2">
+                  <a:lumMod val="60000"/>
+                  <a:lumOff val="40000"/>
+                </a:schemeClr>
+              </a:solidFill>
+              <a:latin typeface="Helvetica" panose="020B0604020202020204" pitchFamily="34" charset="0"/>
+              <a:cs typeface="Helvetica" panose="020B0604020202020204" pitchFamily="34" charset="0"/>
+            </a:endParaRPr>
+          </a:p>
+        </p:txBody>
+      </p:sp>
+    </p:spTree>
+    <p:extLst>
+      <p:ext uri="{BB962C8B-B14F-4D97-AF65-F5344CB8AC3E}">
+        <p14:creationId xmlns:p14="http://schemas.microsoft.com/office/powerpoint/2010/main" val="2930264272"/>
+      </p:ext>
+    </p:extLst>
+  </p:cSld>
+  <p:clrMapOvr>
+    <a:masterClrMapping/>
+  </p:clrMapOvr>
+</p:sld>
+</file>
+
+<file path=ppt/slides/slide8.xml><?xml version="1.0" encoding="utf-8"?>
+<p:sld xmlns:a="http://schemas.openxmlformats.org/drawingml/2006/main" xmlns:r="http://schemas.openxmlformats.org/officeDocument/2006/relationships" xmlns:p="http://schemas.openxmlformats.org/presentationml/2006/main">
+  <p:cSld>
+    <p:spTree>
+      <p:nvGrpSpPr>
+        <p:cNvPr id="1" name=""/>
+        <p:cNvGrpSpPr/>
+        <p:nvPr/>
+      </p:nvGrpSpPr>
+      <p:grpSpPr>
+        <a:xfrm>
+          <a:off x="0" y="0"/>
+          <a:ext cx="0" cy="0"/>
+          <a:chOff x="0" y="0"/>
+          <a:chExt cx="0" cy="0"/>
+        </a:xfrm>
+      </p:grpSpPr>
+      <p:sp>
+        <p:nvSpPr>
+          <p:cNvPr id="5" name="Titel 1"/>
+          <p:cNvSpPr txBox="1">
+            <a:spLocks/>
+          </p:cNvSpPr>
+          <p:nvPr/>
+        </p:nvSpPr>
+        <p:spPr bwMode="auto">
+          <a:xfrm>
+            <a:off x="780718" y="0"/>
+            <a:ext cx="7467600" cy="1143000"/>
+          </a:xfrm>
+          <a:prstGeom prst="rect">
+            <a:avLst/>
+          </a:prstGeom>
+          <a:noFill/>
+          <a:ln>
+            <a:noFill/>
+          </a:ln>
+          <a:extLst>
+            <a:ext uri="{909E8E84-426E-40DD-AFC4-6F175D3DCCD1}">
+              <a14:hiddenFill xmlns:a14="http://schemas.microsoft.com/office/drawing/2010/main">
+                <a:solidFill>
+                  <a:srgbClr val="FFFFFF"/>
+                </a:solidFill>
+              </a14:hiddenFill>
+            </a:ext>
+            <a:ext uri="{91240B29-F687-4F45-9708-019B960494DF}">
+              <a14:hiddenLine xmlns:a14="http://schemas.microsoft.com/office/drawing/2010/main" w="9525">
+                <a:solidFill>
+                  <a:srgbClr val="000000"/>
+                </a:solidFill>
+                <a:miter lim="800000"/>
+                <a:headEnd/>
+                <a:tailEnd/>
+              </a14:hiddenLine>
+            </a:ext>
+          </a:extLst>
+        </p:spPr>
+        <p:txBody>
+          <a:bodyPr vert="horz" wrap="square" lIns="91440" tIns="45720" rIns="91440" bIns="45720" numCol="1" anchor="ctr" anchorCtr="0" compatLnSpc="1">
+            <a:prstTxWarp prst="textNoShape">
+              <a:avLst/>
+            </a:prstTxWarp>
+          </a:bodyPr>
+          <a:lstStyle>
+            <a:lvl1pPr algn="l" rtl="0" eaLnBrk="1" fontAlgn="base" hangingPunct="1">
+              <a:spcBef>
+                <a:spcPct val="0"/>
+              </a:spcBef>
+              <a:spcAft>
+                <a:spcPct val="0"/>
+              </a:spcAft>
+              <a:defRPr sz="2800">
+                <a:solidFill>
+                  <a:srgbClr val="00407A"/>
+                </a:solidFill>
+                <a:latin typeface="Arial" charset="0"/>
+                <a:ea typeface="+mj-ea"/>
+                <a:cs typeface="+mj-cs"/>
+              </a:defRPr>
+            </a:lvl1pPr>
+            <a:lvl2pPr algn="l" rtl="0" eaLnBrk="1" fontAlgn="base" hangingPunct="1">
+              <a:spcBef>
+                <a:spcPct val="0"/>
+              </a:spcBef>
+              <a:spcAft>
+                <a:spcPct val="0"/>
+              </a:spcAft>
+              <a:defRPr sz="2800">
+                <a:solidFill>
+                  <a:srgbClr val="00407A"/>
+                </a:solidFill>
+                <a:latin typeface="Arial" charset="0"/>
+              </a:defRPr>
+            </a:lvl2pPr>
+            <a:lvl3pPr algn="l" rtl="0" eaLnBrk="1" fontAlgn="base" hangingPunct="1">
+              <a:spcBef>
+                <a:spcPct val="0"/>
+              </a:spcBef>
+              <a:spcAft>
+                <a:spcPct val="0"/>
+              </a:spcAft>
+              <a:defRPr sz="2800">
+                <a:solidFill>
+                  <a:srgbClr val="00407A"/>
+                </a:solidFill>
+                <a:latin typeface="Arial" charset="0"/>
+              </a:defRPr>
+            </a:lvl3pPr>
+            <a:lvl4pPr algn="l" rtl="0" eaLnBrk="1" fontAlgn="base" hangingPunct="1">
+              <a:spcBef>
+                <a:spcPct val="0"/>
+              </a:spcBef>
+              <a:spcAft>
+                <a:spcPct val="0"/>
+              </a:spcAft>
+              <a:defRPr sz="2800">
+                <a:solidFill>
+                  <a:srgbClr val="00407A"/>
+                </a:solidFill>
+                <a:latin typeface="Arial" charset="0"/>
+              </a:defRPr>
+            </a:lvl4pPr>
+            <a:lvl5pPr algn="l" rtl="0" eaLnBrk="1" fontAlgn="base" hangingPunct="1">
+              <a:spcBef>
+                <a:spcPct val="0"/>
+              </a:spcBef>
+              <a:spcAft>
+                <a:spcPct val="0"/>
+              </a:spcAft>
+              <a:defRPr sz="2800">
+                <a:solidFill>
+                  <a:srgbClr val="00407A"/>
+                </a:solidFill>
+                <a:latin typeface="Arial" charset="0"/>
+              </a:defRPr>
+            </a:lvl5pPr>
+            <a:lvl6pPr marL="457200" algn="l" rtl="0" eaLnBrk="1" fontAlgn="base" hangingPunct="1">
+              <a:spcBef>
+                <a:spcPct val="0"/>
+              </a:spcBef>
+              <a:spcAft>
+                <a:spcPct val="0"/>
+              </a:spcAft>
+              <a:defRPr sz="2800" b="1">
+                <a:solidFill>
+                  <a:srgbClr val="00407A"/>
+                </a:solidFill>
+                <a:latin typeface="UB Scala" pitchFamily="2" charset="0"/>
+              </a:defRPr>
+            </a:lvl6pPr>
+            <a:lvl7pPr marL="914400" algn="l" rtl="0" eaLnBrk="1" fontAlgn="base" hangingPunct="1">
+              <a:spcBef>
+                <a:spcPct val="0"/>
+              </a:spcBef>
+              <a:spcAft>
+                <a:spcPct val="0"/>
+              </a:spcAft>
+              <a:defRPr sz="2800" b="1">
+                <a:solidFill>
+                  <a:srgbClr val="00407A"/>
+                </a:solidFill>
+                <a:latin typeface="UB Scala" pitchFamily="2" charset="0"/>
+              </a:defRPr>
+            </a:lvl7pPr>
+            <a:lvl8pPr marL="1371600" algn="l" rtl="0" eaLnBrk="1" fontAlgn="base" hangingPunct="1">
+              <a:spcBef>
+                <a:spcPct val="0"/>
+              </a:spcBef>
+              <a:spcAft>
+                <a:spcPct val="0"/>
+              </a:spcAft>
+              <a:defRPr sz="2800" b="1">
+                <a:solidFill>
+                  <a:srgbClr val="00407A"/>
+                </a:solidFill>
+                <a:latin typeface="UB Scala" pitchFamily="2" charset="0"/>
+              </a:defRPr>
+            </a:lvl8pPr>
+            <a:lvl9pPr marL="1828800" algn="l" rtl="0" eaLnBrk="1" fontAlgn="base" hangingPunct="1">
+              <a:spcBef>
+                <a:spcPct val="0"/>
+              </a:spcBef>
+              <a:spcAft>
+                <a:spcPct val="0"/>
+              </a:spcAft>
+              <a:defRPr sz="2800" b="1">
+                <a:solidFill>
+                  <a:srgbClr val="00407A"/>
+                </a:solidFill>
+                <a:latin typeface="UB Scala" pitchFamily="2" charset="0"/>
+              </a:defRPr>
+            </a:lvl9pPr>
+          </a:lstStyle>
+          <a:p>
+            <a:r>
+              <a:rPr lang="en-US" dirty="0">
+                <a:solidFill>
+                  <a:schemeClr val="bg1"/>
+                </a:solidFill>
+              </a:rPr>
+              <a:t>Related works</a:t>
+            </a:r>
+            <a:endParaRPr lang="de-DE" kern="0" dirty="0">
+              <a:solidFill>
+                <a:schemeClr val="bg1"/>
+              </a:solidFill>
+            </a:endParaRPr>
+          </a:p>
+        </p:txBody>
+      </p:sp>
+      <p:sp>
+        <p:nvSpPr>
+          <p:cNvPr id="2" name="Titel 1"/>
+          <p:cNvSpPr>
+            <a:spLocks noGrp="1"/>
+          </p:cNvSpPr>
+          <p:nvPr>
+            <p:ph type="title"/>
+          </p:nvPr>
+        </p:nvSpPr>
+        <p:spPr/>
+        <p:txBody>
+          <a:bodyPr/>
+          <a:lstStyle/>
+          <a:p>
+            <a:r>
+              <a:rPr lang="en-US" dirty="0"/>
+              <a:t>Little </a:t>
+            </a:r>
+            <a:r>
+              <a:rPr lang="en-US" dirty="0" err="1"/>
+              <a:t>PlaNet</a:t>
+            </a:r>
+            <a:r>
+              <a:rPr lang="en-US" dirty="0"/>
+              <a:t> </a:t>
+            </a:r>
+            <a:endParaRPr lang="de-DE" dirty="0"/>
+          </a:p>
+        </p:txBody>
+      </p:sp>
+      <p:sp>
+        <p:nvSpPr>
+          <p:cNvPr id="3" name="Inhaltsplatzhalter 2"/>
+          <p:cNvSpPr>
+            <a:spLocks noGrp="1"/>
+          </p:cNvSpPr>
+          <p:nvPr>
+            <p:ph idx="1"/>
+          </p:nvPr>
+        </p:nvSpPr>
+        <p:spPr>
+          <a:xfrm>
+            <a:off x="838200" y="2590800"/>
+            <a:ext cx="7467600" cy="3358480"/>
+          </a:xfrm>
+        </p:spPr>
+        <p:txBody>
+          <a:bodyPr/>
+          <a:lstStyle/>
+          <a:p>
+            <a:endParaRPr lang="de-DE" dirty="0"/>
+          </a:p>
+        </p:txBody>
+      </p:sp>
+    </p:spTree>
+    <p:extLst>
+      <p:ext uri="{BB962C8B-B14F-4D97-AF65-F5344CB8AC3E}">
+        <p14:creationId xmlns:p14="http://schemas.microsoft.com/office/powerpoint/2010/main" val="811387359"/>
+      </p:ext>
+    </p:extLst>
+  </p:cSld>
+  <p:clrMapOvr>
+    <a:masterClrMapping/>
+  </p:clrMapOvr>
+</p:sld>
+</file>
+
+<file path=ppt/slides/slide9.xml><?xml version="1.0" encoding="utf-8"?>
+<p:sld xmlns:a="http://schemas.openxmlformats.org/drawingml/2006/main" xmlns:r="http://schemas.openxmlformats.org/officeDocument/2006/relationships" xmlns:p="http://schemas.openxmlformats.org/presentationml/2006/main">
+  <p:cSld>
+    <p:spTree>
+      <p:nvGrpSpPr>
+        <p:cNvPr id="1" name=""/>
+        <p:cNvGrpSpPr/>
+        <p:nvPr/>
+      </p:nvGrpSpPr>
+      <p:grpSpPr>
+        <a:xfrm>
+          <a:off x="0" y="0"/>
+          <a:ext cx="0" cy="0"/>
+          <a:chOff x="0" y="0"/>
+          <a:chExt cx="0" cy="0"/>
+        </a:xfrm>
+      </p:grpSpPr>
+      <p:sp>
+        <p:nvSpPr>
+          <p:cNvPr id="5" name="Titel 1"/>
+          <p:cNvSpPr txBox="1">
+            <a:spLocks/>
+          </p:cNvSpPr>
+          <p:nvPr/>
+        </p:nvSpPr>
+        <p:spPr bwMode="auto">
+          <a:xfrm>
+            <a:off x="755576" y="0"/>
+            <a:ext cx="7467600" cy="1143000"/>
+          </a:xfrm>
+          <a:prstGeom prst="rect">
+            <a:avLst/>
+          </a:prstGeom>
+          <a:noFill/>
+          <a:ln>
+            <a:noFill/>
+          </a:ln>
+          <a:extLst>
+            <a:ext uri="{909E8E84-426E-40DD-AFC4-6F175D3DCCD1}">
+              <a14:hiddenFill xmlns:a14="http://schemas.microsoft.com/office/drawing/2010/main">
+                <a:solidFill>
+                  <a:srgbClr val="FFFFFF"/>
+                </a:solidFill>
+              </a14:hiddenFill>
+            </a:ext>
+            <a:ext uri="{91240B29-F687-4F45-9708-019B960494DF}">
+              <a14:hiddenLine xmlns:a14="http://schemas.microsoft.com/office/drawing/2010/main" w="9525">
+                <a:solidFill>
+                  <a:srgbClr val="000000"/>
+                </a:solidFill>
+                <a:miter lim="800000"/>
+                <a:headEnd/>
+                <a:tailEnd/>
+              </a14:hiddenLine>
+            </a:ext>
+          </a:extLst>
+        </p:spPr>
+        <p:txBody>
+          <a:bodyPr vert="horz" wrap="square" lIns="91440" tIns="45720" rIns="91440" bIns="45720" numCol="1" anchor="ctr" anchorCtr="0" compatLnSpc="1">
+            <a:prstTxWarp prst="textNoShape">
+              <a:avLst/>
+            </a:prstTxWarp>
+          </a:bodyPr>
+          <a:lstStyle>
+            <a:lvl1pPr algn="l" rtl="0" eaLnBrk="1" fontAlgn="base" hangingPunct="1">
+              <a:spcBef>
+                <a:spcPct val="0"/>
+              </a:spcBef>
+              <a:spcAft>
+                <a:spcPct val="0"/>
+              </a:spcAft>
+              <a:defRPr sz="2800">
+                <a:solidFill>
+                  <a:srgbClr val="00407A"/>
+                </a:solidFill>
+                <a:latin typeface="Arial" charset="0"/>
+                <a:ea typeface="+mj-ea"/>
+                <a:cs typeface="+mj-cs"/>
+              </a:defRPr>
+            </a:lvl1pPr>
+            <a:lvl2pPr algn="l" rtl="0" eaLnBrk="1" fontAlgn="base" hangingPunct="1">
+              <a:spcBef>
+                <a:spcPct val="0"/>
+              </a:spcBef>
+              <a:spcAft>
+                <a:spcPct val="0"/>
+              </a:spcAft>
+              <a:defRPr sz="2800">
+                <a:solidFill>
+                  <a:srgbClr val="00407A"/>
+                </a:solidFill>
+                <a:latin typeface="Arial" charset="0"/>
+              </a:defRPr>
+            </a:lvl2pPr>
+            <a:lvl3pPr algn="l" rtl="0" eaLnBrk="1" fontAlgn="base" hangingPunct="1">
+              <a:spcBef>
+                <a:spcPct val="0"/>
+              </a:spcBef>
+              <a:spcAft>
+                <a:spcPct val="0"/>
+              </a:spcAft>
+              <a:defRPr sz="2800">
+                <a:solidFill>
+                  <a:srgbClr val="00407A"/>
+                </a:solidFill>
+                <a:latin typeface="Arial" charset="0"/>
+              </a:defRPr>
+            </a:lvl3pPr>
+            <a:lvl4pPr algn="l" rtl="0" eaLnBrk="1" fontAlgn="base" hangingPunct="1">
+              <a:spcBef>
+                <a:spcPct val="0"/>
+              </a:spcBef>
+              <a:spcAft>
+                <a:spcPct val="0"/>
+              </a:spcAft>
+              <a:defRPr sz="2800">
+                <a:solidFill>
+                  <a:srgbClr val="00407A"/>
+                </a:solidFill>
+                <a:latin typeface="Arial" charset="0"/>
+              </a:defRPr>
+            </a:lvl4pPr>
+            <a:lvl5pPr algn="l" rtl="0" eaLnBrk="1" fontAlgn="base" hangingPunct="1">
+              <a:spcBef>
+                <a:spcPct val="0"/>
+              </a:spcBef>
+              <a:spcAft>
+                <a:spcPct val="0"/>
+              </a:spcAft>
+              <a:defRPr sz="2800">
+                <a:solidFill>
+                  <a:srgbClr val="00407A"/>
+                </a:solidFill>
+                <a:latin typeface="Arial" charset="0"/>
+              </a:defRPr>
+            </a:lvl5pPr>
+            <a:lvl6pPr marL="457200" algn="l" rtl="0" eaLnBrk="1" fontAlgn="base" hangingPunct="1">
+              <a:spcBef>
+                <a:spcPct val="0"/>
+              </a:spcBef>
+              <a:spcAft>
+                <a:spcPct val="0"/>
+              </a:spcAft>
+              <a:defRPr sz="2800" b="1">
+                <a:solidFill>
+                  <a:srgbClr val="00407A"/>
+                </a:solidFill>
+                <a:latin typeface="UB Scala" pitchFamily="2" charset="0"/>
+              </a:defRPr>
+            </a:lvl6pPr>
+            <a:lvl7pPr marL="914400" algn="l" rtl="0" eaLnBrk="1" fontAlgn="base" hangingPunct="1">
+              <a:spcBef>
+                <a:spcPct val="0"/>
+              </a:spcBef>
+              <a:spcAft>
+                <a:spcPct val="0"/>
+              </a:spcAft>
+              <a:defRPr sz="2800" b="1">
+                <a:solidFill>
+                  <a:srgbClr val="00407A"/>
+                </a:solidFill>
+                <a:latin typeface="UB Scala" pitchFamily="2" charset="0"/>
+              </a:defRPr>
+            </a:lvl7pPr>
+            <a:lvl8pPr marL="1371600" algn="l" rtl="0" eaLnBrk="1" fontAlgn="base" hangingPunct="1">
+              <a:spcBef>
+                <a:spcPct val="0"/>
+              </a:spcBef>
+              <a:spcAft>
+                <a:spcPct val="0"/>
+              </a:spcAft>
+              <a:defRPr sz="2800" b="1">
+                <a:solidFill>
+                  <a:srgbClr val="00407A"/>
+                </a:solidFill>
+                <a:latin typeface="UB Scala" pitchFamily="2" charset="0"/>
+              </a:defRPr>
+            </a:lvl8pPr>
+            <a:lvl9pPr marL="1828800" algn="l" rtl="0" eaLnBrk="1" fontAlgn="base" hangingPunct="1">
+              <a:spcBef>
+                <a:spcPct val="0"/>
+              </a:spcBef>
+              <a:spcAft>
+                <a:spcPct val="0"/>
+              </a:spcAft>
+              <a:defRPr sz="2800" b="1">
+                <a:solidFill>
+                  <a:srgbClr val="00407A"/>
+                </a:solidFill>
+                <a:latin typeface="UB Scala" pitchFamily="2" charset="0"/>
+              </a:defRPr>
+            </a:lvl9pPr>
+          </a:lstStyle>
+          <a:p>
+            <a:r>
+              <a:rPr lang="de-DE" kern="0" dirty="0">
+                <a:solidFill>
+                  <a:schemeClr val="bg1"/>
+                </a:solidFill>
+              </a:rPr>
+              <a:t>Datasets</a:t>
+            </a:r>
+          </a:p>
+        </p:txBody>
+      </p:sp>
+      <p:sp>
+        <p:nvSpPr>
+          <p:cNvPr id="2" name="Inhaltsplatzhalter 1"/>
+          <p:cNvSpPr>
+            <a:spLocks noGrp="1"/>
+          </p:cNvSpPr>
+          <p:nvPr>
+            <p:ph idx="1"/>
+          </p:nvPr>
+        </p:nvSpPr>
+        <p:spPr/>
+        <p:txBody>
+          <a:bodyPr/>
+          <a:lstStyle/>
+          <a:p>
+            <a:endParaRPr lang="de-DE"/>
+          </a:p>
+        </p:txBody>
+      </p:sp>
+    </p:spTree>
+    <p:extLst>
+      <p:ext uri="{BB962C8B-B14F-4D97-AF65-F5344CB8AC3E}">
+        <p14:creationId xmlns:p14="http://schemas.microsoft.com/office/powerpoint/2010/main" val="1573099297"/>
       </p:ext>
     </p:extLst>
   </p:cSld>
@@ -4630,4 +6774,594 @@
     </a:extraClrScheme>
   </a:extraClrSchemeLst>
 </a:theme>
+</file>
+
+<file path=ppt/theme/theme2.xml><?xml version="1.0" encoding="utf-8"?>
+<a:theme xmlns:a="http://schemas.openxmlformats.org/drawingml/2006/main" name="Office">
+  <a:themeElements>
+    <a:clrScheme name="Office">
+      <a:dk1>
+        <a:sysClr val="windowText" lastClr="000000"/>
+      </a:dk1>
+      <a:lt1>
+        <a:sysClr val="window" lastClr="FFFFFF"/>
+      </a:lt1>
+      <a:dk2>
+        <a:srgbClr val="44546A"/>
+      </a:dk2>
+      <a:lt2>
+        <a:srgbClr val="E7E6E6"/>
+      </a:lt2>
+      <a:accent1>
+        <a:srgbClr val="5B9BD5"/>
+      </a:accent1>
+      <a:accent2>
+        <a:srgbClr val="ED7D31"/>
+      </a:accent2>
+      <a:accent3>
+        <a:srgbClr val="A5A5A5"/>
+      </a:accent3>
+      <a:accent4>
+        <a:srgbClr val="FFC000"/>
+      </a:accent4>
+      <a:accent5>
+        <a:srgbClr val="4472C4"/>
+      </a:accent5>
+      <a:accent6>
+        <a:srgbClr val="70AD47"/>
+      </a:accent6>
+      <a:hlink>
+        <a:srgbClr val="0563C1"/>
+      </a:hlink>
+      <a:folHlink>
+        <a:srgbClr val="954F72"/>
+      </a:folHlink>
+    </a:clrScheme>
+    <a:fontScheme name="Office">
+      <a:majorFont>
+        <a:latin typeface="Calibri Light" panose="020F0302020204030204"/>
+        <a:ea typeface=""/>
+        <a:cs typeface=""/>
+        <a:font script="Jpan" typeface="游ゴシック Light"/>
+        <a:font script="Hang" typeface="맑은 고딕"/>
+        <a:font script="Hans" typeface="等线 Light"/>
+        <a:font script="Hant" typeface="新細明體"/>
+        <a:font script="Arab" typeface="Times New Roman"/>
+        <a:font script="Hebr" typeface="Times New Roman"/>
+        <a:font script="Thai" typeface="Angsana New"/>
+        <a:font script="Ethi" typeface="Nyala"/>
+        <a:font script="Beng" typeface="Vrinda"/>
+        <a:font script="Gujr" typeface="Shruti"/>
+        <a:font script="Khmr" typeface="MoolBoran"/>
+        <a:font script="Knda" typeface="Tunga"/>
+        <a:font script="Guru" typeface="Raavi"/>
+        <a:font script="Cans" typeface="Euphemia"/>
+        <a:font script="Cher" typeface="Plantagenet Cherokee"/>
+        <a:font script="Yiii" typeface="Microsoft Yi Baiti"/>
+        <a:font script="Tibt" typeface="Microsoft Himalaya"/>
+        <a:font script="Thaa" typeface="MV Boli"/>
+        <a:font script="Deva" typeface="Mangal"/>
+        <a:font script="Telu" typeface="Gautami"/>
+        <a:font script="Taml" typeface="Latha"/>
+        <a:font script="Syrc" typeface="Estrangelo Edessa"/>
+        <a:font script="Orya" typeface="Kalinga"/>
+        <a:font script="Mlym" typeface="Kartika"/>
+        <a:font script="Laoo" typeface="DokChampa"/>
+        <a:font script="Sinh" typeface="Iskoola Pota"/>
+        <a:font script="Mong" typeface="Mongolian Baiti"/>
+        <a:font script="Viet" typeface="Times New Roman"/>
+        <a:font script="Uigh" typeface="Microsoft Uighur"/>
+        <a:font script="Geor" typeface="Sylfaen"/>
+        <a:font script="Armn" typeface="Arial"/>
+        <a:font script="Bugi" typeface="Leelawadee UI"/>
+        <a:font script="Bopo" typeface="Microsoft JhengHei"/>
+        <a:font script="Java" typeface="Javanese Text"/>
+        <a:font script="Lisu" typeface="Segoe UI"/>
+        <a:font script="Mymr" typeface="Myanmar Text"/>
+        <a:font script="Nkoo" typeface="Ebrima"/>
+        <a:font script="Olck" typeface="Nirmala UI"/>
+        <a:font script="Osma" typeface="Ebrima"/>
+        <a:font script="Phag" typeface="Phagspa"/>
+        <a:font script="Syrn" typeface="Estrangelo Edessa"/>
+        <a:font script="Syrj" typeface="Estrangelo Edessa"/>
+        <a:font script="Syre" typeface="Estrangelo Edessa"/>
+        <a:font script="Sora" typeface="Nirmala UI"/>
+        <a:font script="Tale" typeface="Microsoft Tai Le"/>
+        <a:font script="Talu" typeface="Microsoft New Tai Lue"/>
+        <a:font script="Tfng" typeface="Ebrima"/>
+      </a:majorFont>
+      <a:minorFont>
+        <a:latin typeface="Calibri" panose="020F0502020204030204"/>
+        <a:ea typeface=""/>
+        <a:cs typeface=""/>
+        <a:font script="Jpan" typeface="游ゴシック"/>
+        <a:font script="Hang" typeface="맑은 고딕"/>
+        <a:font script="Hans" typeface="等线"/>
+        <a:font script="Hant" typeface="新細明體"/>
+        <a:font script="Arab" typeface="Arial"/>
+        <a:font script="Hebr" typeface="Arial"/>
+        <a:font script="Thai" typeface="Cordia New"/>
+        <a:font script="Ethi" typeface="Nyala"/>
+        <a:font script="Beng" typeface="Vrinda"/>
+        <a:font script="Gujr" typeface="Shruti"/>
+        <a:font script="Khmr" typeface="DaunPenh"/>
+        <a:font script="Knda" typeface="Tunga"/>
+        <a:font script="Guru" typeface="Raavi"/>
+        <a:font script="Cans" typeface="Euphemia"/>
+        <a:font script="Cher" typeface="Plantagenet Cherokee"/>
+        <a:font script="Yiii" typeface="Microsoft Yi Baiti"/>
+        <a:font script="Tibt" typeface="Microsoft Himalaya"/>
+        <a:font script="Thaa" typeface="MV Boli"/>
+        <a:font script="Deva" typeface="Mangal"/>
+        <a:font script="Telu" typeface="Gautami"/>
+        <a:font script="Taml" typeface="Latha"/>
+        <a:font script="Syrc" typeface="Estrangelo Edessa"/>
+        <a:font script="Orya" typeface="Kalinga"/>
+        <a:font script="Mlym" typeface="Kartika"/>
+        <a:font script="Laoo" typeface="DokChampa"/>
+        <a:font script="Sinh" typeface="Iskoola Pota"/>
+        <a:font script="Mong" typeface="Mongolian Baiti"/>
+        <a:font script="Viet" typeface="Arial"/>
+        <a:font script="Uigh" typeface="Microsoft Uighur"/>
+        <a:font script="Geor" typeface="Sylfaen"/>
+        <a:font script="Armn" typeface="Arial"/>
+        <a:font script="Bugi" typeface="Leelawadee UI"/>
+        <a:font script="Bopo" typeface="Microsoft JhengHei"/>
+        <a:font script="Java" typeface="Javanese Text"/>
+        <a:font script="Lisu" typeface="Segoe UI"/>
+        <a:font script="Mymr" typeface="Myanmar Text"/>
+        <a:font script="Nkoo" typeface="Ebrima"/>
+        <a:font script="Olck" typeface="Nirmala UI"/>
+        <a:font script="Osma" typeface="Ebrima"/>
+        <a:font script="Phag" typeface="Phagspa"/>
+        <a:font script="Syrn" typeface="Estrangelo Edessa"/>
+        <a:font script="Syrj" typeface="Estrangelo Edessa"/>
+        <a:font script="Syre" typeface="Estrangelo Edessa"/>
+        <a:font script="Sora" typeface="Nirmala UI"/>
+        <a:font script="Tale" typeface="Microsoft Tai Le"/>
+        <a:font script="Talu" typeface="Microsoft New Tai Lue"/>
+        <a:font script="Tfng" typeface="Ebrima"/>
+      </a:minorFont>
+    </a:fontScheme>
+    <a:fmtScheme name="Office">
+      <a:fillStyleLst>
+        <a:solidFill>
+          <a:schemeClr val="phClr"/>
+        </a:solidFill>
+        <a:gradFill rotWithShape="1">
+          <a:gsLst>
+            <a:gs pos="0">
+              <a:schemeClr val="phClr">
+                <a:lumMod val="110000"/>
+                <a:satMod val="105000"/>
+                <a:tint val="67000"/>
+              </a:schemeClr>
+            </a:gs>
+            <a:gs pos="50000">
+              <a:schemeClr val="phClr">
+                <a:lumMod val="105000"/>
+                <a:satMod val="103000"/>
+                <a:tint val="73000"/>
+              </a:schemeClr>
+            </a:gs>
+            <a:gs pos="100000">
+              <a:schemeClr val="phClr">
+                <a:lumMod val="105000"/>
+                <a:satMod val="109000"/>
+                <a:tint val="81000"/>
+              </a:schemeClr>
+            </a:gs>
+          </a:gsLst>
+          <a:lin ang="5400000" scaled="0"/>
+        </a:gradFill>
+        <a:gradFill rotWithShape="1">
+          <a:gsLst>
+            <a:gs pos="0">
+              <a:schemeClr val="phClr">
+                <a:satMod val="103000"/>
+                <a:lumMod val="102000"/>
+                <a:tint val="94000"/>
+              </a:schemeClr>
+            </a:gs>
+            <a:gs pos="50000">
+              <a:schemeClr val="phClr">
+                <a:satMod val="110000"/>
+                <a:lumMod val="100000"/>
+                <a:shade val="100000"/>
+              </a:schemeClr>
+            </a:gs>
+            <a:gs pos="100000">
+              <a:schemeClr val="phClr">
+                <a:lumMod val="99000"/>
+                <a:satMod val="120000"/>
+                <a:shade val="78000"/>
+              </a:schemeClr>
+            </a:gs>
+          </a:gsLst>
+          <a:lin ang="5400000" scaled="0"/>
+        </a:gradFill>
+      </a:fillStyleLst>
+      <a:lnStyleLst>
+        <a:ln w="6350" cap="flat" cmpd="sng" algn="ctr">
+          <a:solidFill>
+            <a:schemeClr val="phClr"/>
+          </a:solidFill>
+          <a:prstDash val="solid"/>
+          <a:miter lim="800000"/>
+        </a:ln>
+        <a:ln w="12700" cap="flat" cmpd="sng" algn="ctr">
+          <a:solidFill>
+            <a:schemeClr val="phClr"/>
+          </a:solidFill>
+          <a:prstDash val="solid"/>
+          <a:miter lim="800000"/>
+        </a:ln>
+        <a:ln w="19050" cap="flat" cmpd="sng" algn="ctr">
+          <a:solidFill>
+            <a:schemeClr val="phClr"/>
+          </a:solidFill>
+          <a:prstDash val="solid"/>
+          <a:miter lim="800000"/>
+        </a:ln>
+      </a:lnStyleLst>
+      <a:effectStyleLst>
+        <a:effectStyle>
+          <a:effectLst/>
+        </a:effectStyle>
+        <a:effectStyle>
+          <a:effectLst/>
+        </a:effectStyle>
+        <a:effectStyle>
+          <a:effectLst>
+            <a:outerShdw blurRad="57150" dist="19050" dir="5400000" algn="ctr" rotWithShape="0">
+              <a:srgbClr val="000000">
+                <a:alpha val="63000"/>
+              </a:srgbClr>
+            </a:outerShdw>
+          </a:effectLst>
+        </a:effectStyle>
+      </a:effectStyleLst>
+      <a:bgFillStyleLst>
+        <a:solidFill>
+          <a:schemeClr val="phClr"/>
+        </a:solidFill>
+        <a:solidFill>
+          <a:schemeClr val="phClr">
+            <a:tint val="95000"/>
+            <a:satMod val="170000"/>
+          </a:schemeClr>
+        </a:solidFill>
+        <a:gradFill rotWithShape="1">
+          <a:gsLst>
+            <a:gs pos="0">
+              <a:schemeClr val="phClr">
+                <a:tint val="93000"/>
+                <a:satMod val="150000"/>
+                <a:shade val="98000"/>
+                <a:lumMod val="102000"/>
+              </a:schemeClr>
+            </a:gs>
+            <a:gs pos="50000">
+              <a:schemeClr val="phClr">
+                <a:tint val="98000"/>
+                <a:satMod val="130000"/>
+                <a:shade val="90000"/>
+                <a:lumMod val="103000"/>
+              </a:schemeClr>
+            </a:gs>
+            <a:gs pos="100000">
+              <a:schemeClr val="phClr">
+                <a:shade val="63000"/>
+                <a:satMod val="120000"/>
+              </a:schemeClr>
+            </a:gs>
+          </a:gsLst>
+          <a:lin ang="5400000" scaled="0"/>
+        </a:gradFill>
+      </a:bgFillStyleLst>
+    </a:fmtScheme>
+  </a:themeElements>
+  <a:objectDefaults/>
+  <a:extraClrSchemeLst/>
+  <a:extLst>
+    <a:ext uri="{05A4C25C-085E-4340-85A3-A5531E510DB2}">
+      <thm15:themeFamily xmlns:thm15="http://schemas.microsoft.com/office/thememl/2012/main" name="Office Theme" id="{62F939B6-93AF-4DB8-9C6B-D6C7DFDC589F}" vid="{4A3C46E8-61CC-4603-A589-7422A47A8E4A}"/>
+    </a:ext>
+  </a:extLst>
+</a:theme>
+</file>
+
+<file path=ppt/theme/theme3.xml><?xml version="1.0" encoding="utf-8"?>
+<a:theme xmlns:a="http://schemas.openxmlformats.org/drawingml/2006/main" name="Office">
+  <a:themeElements>
+    <a:clrScheme name="Office">
+      <a:dk1>
+        <a:sysClr val="windowText" lastClr="000000"/>
+      </a:dk1>
+      <a:lt1>
+        <a:sysClr val="window" lastClr="FFFFFF"/>
+      </a:lt1>
+      <a:dk2>
+        <a:srgbClr val="44546A"/>
+      </a:dk2>
+      <a:lt2>
+        <a:srgbClr val="E7E6E6"/>
+      </a:lt2>
+      <a:accent1>
+        <a:srgbClr val="5B9BD5"/>
+      </a:accent1>
+      <a:accent2>
+        <a:srgbClr val="ED7D31"/>
+      </a:accent2>
+      <a:accent3>
+        <a:srgbClr val="A5A5A5"/>
+      </a:accent3>
+      <a:accent4>
+        <a:srgbClr val="FFC000"/>
+      </a:accent4>
+      <a:accent5>
+        <a:srgbClr val="4472C4"/>
+      </a:accent5>
+      <a:accent6>
+        <a:srgbClr val="70AD47"/>
+      </a:accent6>
+      <a:hlink>
+        <a:srgbClr val="0563C1"/>
+      </a:hlink>
+      <a:folHlink>
+        <a:srgbClr val="954F72"/>
+      </a:folHlink>
+    </a:clrScheme>
+    <a:fontScheme name="Office">
+      <a:majorFont>
+        <a:latin typeface="Calibri Light" panose="020F0302020204030204"/>
+        <a:ea typeface=""/>
+        <a:cs typeface=""/>
+        <a:font script="Jpan" typeface="游ゴシック Light"/>
+        <a:font script="Hang" typeface="맑은 고딕"/>
+        <a:font script="Hans" typeface="等线 Light"/>
+        <a:font script="Hant" typeface="新細明體"/>
+        <a:font script="Arab" typeface="Times New Roman"/>
+        <a:font script="Hebr" typeface="Times New Roman"/>
+        <a:font script="Thai" typeface="Angsana New"/>
+        <a:font script="Ethi" typeface="Nyala"/>
+        <a:font script="Beng" typeface="Vrinda"/>
+        <a:font script="Gujr" typeface="Shruti"/>
+        <a:font script="Khmr" typeface="MoolBoran"/>
+        <a:font script="Knda" typeface="Tunga"/>
+        <a:font script="Guru" typeface="Raavi"/>
+        <a:font script="Cans" typeface="Euphemia"/>
+        <a:font script="Cher" typeface="Plantagenet Cherokee"/>
+        <a:font script="Yiii" typeface="Microsoft Yi Baiti"/>
+        <a:font script="Tibt" typeface="Microsoft Himalaya"/>
+        <a:font script="Thaa" typeface="MV Boli"/>
+        <a:font script="Deva" typeface="Mangal"/>
+        <a:font script="Telu" typeface="Gautami"/>
+        <a:font script="Taml" typeface="Latha"/>
+        <a:font script="Syrc" typeface="Estrangelo Edessa"/>
+        <a:font script="Orya" typeface="Kalinga"/>
+        <a:font script="Mlym" typeface="Kartika"/>
+        <a:font script="Laoo" typeface="DokChampa"/>
+        <a:font script="Sinh" typeface="Iskoola Pota"/>
+        <a:font script="Mong" typeface="Mongolian Baiti"/>
+        <a:font script="Viet" typeface="Times New Roman"/>
+        <a:font script="Uigh" typeface="Microsoft Uighur"/>
+        <a:font script="Geor" typeface="Sylfaen"/>
+        <a:font script="Armn" typeface="Arial"/>
+        <a:font script="Bugi" typeface="Leelawadee UI"/>
+        <a:font script="Bopo" typeface="Microsoft JhengHei"/>
+        <a:font script="Java" typeface="Javanese Text"/>
+        <a:font script="Lisu" typeface="Segoe UI"/>
+        <a:font script="Mymr" typeface="Myanmar Text"/>
+        <a:font script="Nkoo" typeface="Ebrima"/>
+        <a:font script="Olck" typeface="Nirmala UI"/>
+        <a:font script="Osma" typeface="Ebrima"/>
+        <a:font script="Phag" typeface="Phagspa"/>
+        <a:font script="Syrn" typeface="Estrangelo Edessa"/>
+        <a:font script="Syrj" typeface="Estrangelo Edessa"/>
+        <a:font script="Syre" typeface="Estrangelo Edessa"/>
+        <a:font script="Sora" typeface="Nirmala UI"/>
+        <a:font script="Tale" typeface="Microsoft Tai Le"/>
+        <a:font script="Talu" typeface="Microsoft New Tai Lue"/>
+        <a:font script="Tfng" typeface="Ebrima"/>
+      </a:majorFont>
+      <a:minorFont>
+        <a:latin typeface="Calibri" panose="020F0502020204030204"/>
+        <a:ea typeface=""/>
+        <a:cs typeface=""/>
+        <a:font script="Jpan" typeface="游ゴシック"/>
+        <a:font script="Hang" typeface="맑은 고딕"/>
+        <a:font script="Hans" typeface="等线"/>
+        <a:font script="Hant" typeface="新細明體"/>
+        <a:font script="Arab" typeface="Arial"/>
+        <a:font script="Hebr" typeface="Arial"/>
+        <a:font script="Thai" typeface="Cordia New"/>
+        <a:font script="Ethi" typeface="Nyala"/>
+        <a:font script="Beng" typeface="Vrinda"/>
+        <a:font script="Gujr" typeface="Shruti"/>
+        <a:font script="Khmr" typeface="DaunPenh"/>
+        <a:font script="Knda" typeface="Tunga"/>
+        <a:font script="Guru" typeface="Raavi"/>
+        <a:font script="Cans" typeface="Euphemia"/>
+        <a:font script="Cher" typeface="Plantagenet Cherokee"/>
+        <a:font script="Yiii" typeface="Microsoft Yi Baiti"/>
+        <a:font script="Tibt" typeface="Microsoft Himalaya"/>
+        <a:font script="Thaa" typeface="MV Boli"/>
+        <a:font script="Deva" typeface="Mangal"/>
+        <a:font script="Telu" typeface="Gautami"/>
+        <a:font script="Taml" typeface="Latha"/>
+        <a:font script="Syrc" typeface="Estrangelo Edessa"/>
+        <a:font script="Orya" typeface="Kalinga"/>
+        <a:font script="Mlym" typeface="Kartika"/>
+        <a:font script="Laoo" typeface="DokChampa"/>
+        <a:font script="Sinh" typeface="Iskoola Pota"/>
+        <a:font script="Mong" typeface="Mongolian Baiti"/>
+        <a:font script="Viet" typeface="Arial"/>
+        <a:font script="Uigh" typeface="Microsoft Uighur"/>
+        <a:font script="Geor" typeface="Sylfaen"/>
+        <a:font script="Armn" typeface="Arial"/>
+        <a:font script="Bugi" typeface="Leelawadee UI"/>
+        <a:font script="Bopo" typeface="Microsoft JhengHei"/>
+        <a:font script="Java" typeface="Javanese Text"/>
+        <a:font script="Lisu" typeface="Segoe UI"/>
+        <a:font script="Mymr" typeface="Myanmar Text"/>
+        <a:font script="Nkoo" typeface="Ebrima"/>
+        <a:font script="Olck" typeface="Nirmala UI"/>
+        <a:font script="Osma" typeface="Ebrima"/>
+        <a:font script="Phag" typeface="Phagspa"/>
+        <a:font script="Syrn" typeface="Estrangelo Edessa"/>
+        <a:font script="Syrj" typeface="Estrangelo Edessa"/>
+        <a:font script="Syre" typeface="Estrangelo Edessa"/>
+        <a:font script="Sora" typeface="Nirmala UI"/>
+        <a:font script="Tale" typeface="Microsoft Tai Le"/>
+        <a:font script="Talu" typeface="Microsoft New Tai Lue"/>
+        <a:font script="Tfng" typeface="Ebrima"/>
+      </a:minorFont>
+    </a:fontScheme>
+    <a:fmtScheme name="Office">
+      <a:fillStyleLst>
+        <a:solidFill>
+          <a:schemeClr val="phClr"/>
+        </a:solidFill>
+        <a:gradFill rotWithShape="1">
+          <a:gsLst>
+            <a:gs pos="0">
+              <a:schemeClr val="phClr">
+                <a:lumMod val="110000"/>
+                <a:satMod val="105000"/>
+                <a:tint val="67000"/>
+              </a:schemeClr>
+            </a:gs>
+            <a:gs pos="50000">
+              <a:schemeClr val="phClr">
+                <a:lumMod val="105000"/>
+                <a:satMod val="103000"/>
+                <a:tint val="73000"/>
+              </a:schemeClr>
+            </a:gs>
+            <a:gs pos="100000">
+              <a:schemeClr val="phClr">
+                <a:lumMod val="105000"/>
+                <a:satMod val="109000"/>
+                <a:tint val="81000"/>
+              </a:schemeClr>
+            </a:gs>
+          </a:gsLst>
+          <a:lin ang="5400000" scaled="0"/>
+        </a:gradFill>
+        <a:gradFill rotWithShape="1">
+          <a:gsLst>
+            <a:gs pos="0">
+              <a:schemeClr val="phClr">
+                <a:satMod val="103000"/>
+                <a:lumMod val="102000"/>
+                <a:tint val="94000"/>
+              </a:schemeClr>
+            </a:gs>
+            <a:gs pos="50000">
+              <a:schemeClr val="phClr">
+                <a:satMod val="110000"/>
+                <a:lumMod val="100000"/>
+                <a:shade val="100000"/>
+              </a:schemeClr>
+            </a:gs>
+            <a:gs pos="100000">
+              <a:schemeClr val="phClr">
+                <a:lumMod val="99000"/>
+                <a:satMod val="120000"/>
+                <a:shade val="78000"/>
+              </a:schemeClr>
+            </a:gs>
+          </a:gsLst>
+          <a:lin ang="5400000" scaled="0"/>
+        </a:gradFill>
+      </a:fillStyleLst>
+      <a:lnStyleLst>
+        <a:ln w="6350" cap="flat" cmpd="sng" algn="ctr">
+          <a:solidFill>
+            <a:schemeClr val="phClr"/>
+          </a:solidFill>
+          <a:prstDash val="solid"/>
+          <a:miter lim="800000"/>
+        </a:ln>
+        <a:ln w="12700" cap="flat" cmpd="sng" algn="ctr">
+          <a:solidFill>
+            <a:schemeClr val="phClr"/>
+          </a:solidFill>
+          <a:prstDash val="solid"/>
+          <a:miter lim="800000"/>
+        </a:ln>
+        <a:ln w="19050" cap="flat" cmpd="sng" algn="ctr">
+          <a:solidFill>
+            <a:schemeClr val="phClr"/>
+          </a:solidFill>
+          <a:prstDash val="solid"/>
+          <a:miter lim="800000"/>
+        </a:ln>
+      </a:lnStyleLst>
+      <a:effectStyleLst>
+        <a:effectStyle>
+          <a:effectLst/>
+        </a:effectStyle>
+        <a:effectStyle>
+          <a:effectLst/>
+        </a:effectStyle>
+        <a:effectStyle>
+          <a:effectLst>
+            <a:outerShdw blurRad="57150" dist="19050" dir="5400000" algn="ctr" rotWithShape="0">
+              <a:srgbClr val="000000">
+                <a:alpha val="63000"/>
+              </a:srgbClr>
+            </a:outerShdw>
+          </a:effectLst>
+        </a:effectStyle>
+      </a:effectStyleLst>
+      <a:bgFillStyleLst>
+        <a:solidFill>
+          <a:schemeClr val="phClr"/>
+        </a:solidFill>
+        <a:solidFill>
+          <a:schemeClr val="phClr">
+            <a:tint val="95000"/>
+            <a:satMod val="170000"/>
+          </a:schemeClr>
+        </a:solidFill>
+        <a:gradFill rotWithShape="1">
+          <a:gsLst>
+            <a:gs pos="0">
+              <a:schemeClr val="phClr">
+                <a:tint val="93000"/>
+                <a:satMod val="150000"/>
+                <a:shade val="98000"/>
+                <a:lumMod val="102000"/>
+              </a:schemeClr>
+            </a:gs>
+            <a:gs pos="50000">
+              <a:schemeClr val="phClr">
+                <a:tint val="98000"/>
+                <a:satMod val="130000"/>
+                <a:shade val="90000"/>
+                <a:lumMod val="103000"/>
+              </a:schemeClr>
+            </a:gs>
+            <a:gs pos="100000">
+              <a:schemeClr val="phClr">
+                <a:shade val="63000"/>
+                <a:satMod val="120000"/>
+              </a:schemeClr>
+            </a:gs>
+          </a:gsLst>
+          <a:lin ang="5400000" scaled="0"/>
+        </a:gradFill>
+      </a:bgFillStyleLst>
+    </a:fmtScheme>
+  </a:themeElements>
+  <a:objectDefaults/>
+  <a:extraClrSchemeLst/>
+  <a:extLst>
+    <a:ext uri="{05A4C25C-085E-4340-85A3-A5531E510DB2}">
+      <thm15:themeFamily xmlns:thm15="http://schemas.microsoft.com/office/thememl/2012/main" name="Office Theme" id="{62F939B6-93AF-4DB8-9C6B-D6C7DFDC589F}" vid="{4A3C46E8-61CC-4603-A589-7422A47A8E4A}"/>
+    </a:ext>
+  </a:extLst>
+</a:theme>
 </file>
--- a/1.Presentation_Master.pptx
+++ b/1.Presentation_Master.pptx
@@ -1,26 +1,34 @@
 
 <file path=ppt/presentation.xml><?xml version="1.0" encoding="utf-8"?>
-<p:presentation xmlns:a="http://schemas.openxmlformats.org/drawingml/2006/main" xmlns:r="http://schemas.openxmlformats.org/officeDocument/2006/relationships" xmlns:p="http://schemas.openxmlformats.org/presentationml/2006/main" saveSubsetFonts="1">
+<p:presentation xmlns:a="http://schemas.openxmlformats.org/drawingml/2006/main" xmlns:r="http://schemas.openxmlformats.org/officeDocument/2006/relationships" xmlns:p="http://schemas.openxmlformats.org/presentationml/2006/main" showSpecialPlsOnTitleSld="0" saveSubsetFonts="1">
   <p:sldMasterIdLst>
     <p:sldMasterId id="2147483648" r:id="rId1"/>
   </p:sldMasterIdLst>
   <p:notesMasterIdLst>
-    <p:notesMasterId r:id="rId12"/>
+    <p:notesMasterId r:id="rId20"/>
   </p:notesMasterIdLst>
   <p:handoutMasterIdLst>
-    <p:handoutMasterId r:id="rId13"/>
+    <p:handoutMasterId r:id="rId21"/>
   </p:handoutMasterIdLst>
   <p:sldIdLst>
     <p:sldId id="256" r:id="rId2"/>
     <p:sldId id="257" r:id="rId3"/>
     <p:sldId id="260" r:id="rId4"/>
-    <p:sldId id="263" r:id="rId5"/>
-    <p:sldId id="259" r:id="rId6"/>
-    <p:sldId id="265" r:id="rId7"/>
-    <p:sldId id="261" r:id="rId8"/>
-    <p:sldId id="262" r:id="rId9"/>
-    <p:sldId id="264" r:id="rId10"/>
-    <p:sldId id="258" r:id="rId11"/>
+    <p:sldId id="266" r:id="rId5"/>
+    <p:sldId id="267" r:id="rId6"/>
+    <p:sldId id="263" r:id="rId7"/>
+    <p:sldId id="268" r:id="rId8"/>
+    <p:sldId id="269" r:id="rId9"/>
+    <p:sldId id="270" r:id="rId10"/>
+    <p:sldId id="271" r:id="rId11"/>
+    <p:sldId id="259" r:id="rId12"/>
+    <p:sldId id="265" r:id="rId13"/>
+    <p:sldId id="261" r:id="rId14"/>
+    <p:sldId id="262" r:id="rId15"/>
+    <p:sldId id="264" r:id="rId16"/>
+    <p:sldId id="273" r:id="rId17"/>
+    <p:sldId id="258" r:id="rId18"/>
+    <p:sldId id="272" r:id="rId19"/>
   </p:sldIdLst>
   <p:sldSz cx="9144000" cy="6858000" type="screen4x3"/>
   <p:notesSz cx="6858000" cy="9144000"/>
@@ -250,7 +258,7 @@
           <a:p>
             <a:fld id="{68CE663C-0A2C-4756-8FB7-E0FBDAD98FE2}" type="datetimeFigureOut">
               <a:rPr lang="de-DE" smtClean="0"/>
-              <a:t>10.03.2017</a:t>
+              <a:t>14.03.2017</a:t>
             </a:fld>
             <a:endParaRPr lang="de-DE"/>
           </a:p>
@@ -420,7 +428,7 @@
           <a:p>
             <a:fld id="{8058A67B-F6BB-4AE0-8E1E-4E4055D70510}" type="datetimeFigureOut">
               <a:rPr lang="de-DE" smtClean="0"/>
-              <a:t>10.03.2017</a:t>
+              <a:t>14.03.2017</a:t>
             </a:fld>
             <a:endParaRPr lang="de-DE"/>
           </a:p>
@@ -515,42 +523,6 @@
               <a:rPr lang="de-DE"/>
               <a:t>Fünfte Ebene</a:t>
             </a:r>
-            <a:endParaRPr lang="de-DE"/>
-          </a:p>
-        </p:txBody>
-      </p:sp>
-      <p:sp>
-        <p:nvSpPr>
-          <p:cNvPr id="6" name="Fußzeilenplatzhalter 5"/>
-          <p:cNvSpPr>
-            <a:spLocks noGrp="1"/>
-          </p:cNvSpPr>
-          <p:nvPr>
-            <p:ph type="ftr" sz="quarter" idx="4"/>
-          </p:nvPr>
-        </p:nvSpPr>
-        <p:spPr>
-          <a:xfrm>
-            <a:off x="0" y="8685213"/>
-            <a:ext cx="2971800" cy="458787"/>
-          </a:xfrm>
-          <a:prstGeom prst="rect">
-            <a:avLst/>
-          </a:prstGeom>
-        </p:spPr>
-        <p:txBody>
-          <a:bodyPr vert="horz" lIns="91440" tIns="45720" rIns="91440" bIns="45720" rtlCol="0" anchor="b"/>
-          <a:lstStyle>
-            <a:lvl1pPr algn="l">
-              <a:defRPr sz="1200"/>
-            </a:lvl1pPr>
-          </a:lstStyle>
-          <a:p>
-            <a:r>
-              <a:rPr lang="en-US"/>
-              <a:t>Recognizing Urban POI with CNN | Andriy Zoryk | Computing in the Humanities | 2017</a:t>
-            </a:r>
-            <a:endParaRPr lang="de-DE"/>
           </a:p>
         </p:txBody>
       </p:sp>
@@ -585,6 +557,37 @@
               <a:rPr lang="de-DE" smtClean="0"/>
               <a:t>‹Nr.›</a:t>
             </a:fld>
+            <a:endParaRPr lang="de-DE"/>
+          </a:p>
+        </p:txBody>
+      </p:sp>
+      <p:sp>
+        <p:nvSpPr>
+          <p:cNvPr id="8" name="Fußzeilenplatzhalter 7"/>
+          <p:cNvSpPr>
+            <a:spLocks noGrp="1"/>
+          </p:cNvSpPr>
+          <p:nvPr>
+            <p:ph type="ftr" sz="quarter" idx="4"/>
+          </p:nvPr>
+        </p:nvSpPr>
+        <p:spPr>
+          <a:xfrm>
+            <a:off x="0" y="8685213"/>
+            <a:ext cx="2971800" cy="458787"/>
+          </a:xfrm>
+          <a:prstGeom prst="rect">
+            <a:avLst/>
+          </a:prstGeom>
+        </p:spPr>
+        <p:txBody>
+          <a:bodyPr vert="horz" lIns="91440" tIns="45720" rIns="91440" bIns="45720" rtlCol="0" anchor="b"/>
+          <a:lstStyle>
+            <a:lvl1pPr algn="l">
+              <a:defRPr sz="1200"/>
+            </a:lvl1pPr>
+          </a:lstStyle>
+          <a:p>
             <a:endParaRPr lang="de-DE"/>
           </a:p>
         </p:txBody>
@@ -2471,32 +2474,35 @@
               <a:defRPr/>
             </a:pPr>
             <a:r>
-              <a:rPr lang="en-US" sz="900" noProof="0">
+              <a:rPr lang="en-US" sz="900" noProof="0" dirty="0">
                 <a:solidFill>
                   <a:srgbClr val="00407A"/>
                 </a:solidFill>
                 <a:latin typeface="Arial" charset="0"/>
                 <a:cs typeface="+mn-cs"/>
               </a:rPr>
-              <a:t>Topic | Name | Chair of Innovation</a:t>
-            </a:r>
-            <a:r>
-              <a:rPr lang="en-US" sz="900" baseline="0" noProof="0">
+              <a:t>Recognizing</a:t>
+            </a:r>
+            <a:r>
+              <a:rPr lang="en-US" sz="900" baseline="0" noProof="0" dirty="0">
                 <a:solidFill>
                   <a:srgbClr val="00407A"/>
                 </a:solidFill>
                 <a:latin typeface="Arial" charset="0"/>
                 <a:cs typeface="+mn-cs"/>
               </a:rPr>
-              <a:t> Management</a:t>
-            </a:r>
-            <a:endParaRPr lang="en-US" sz="900" noProof="0">
-              <a:solidFill>
-                <a:srgbClr val="00407A"/>
-              </a:solidFill>
-              <a:latin typeface="Arial" charset="0"/>
-              <a:cs typeface="+mn-cs"/>
-            </a:endParaRPr>
+              <a:t> Urban POI with CNN</a:t>
+            </a:r>
+            <a:r>
+              <a:rPr lang="en-US" sz="900" noProof="0" dirty="0">
+                <a:solidFill>
+                  <a:srgbClr val="00407A"/>
+                </a:solidFill>
+                <a:latin typeface="Arial" charset="0"/>
+                <a:cs typeface="+mn-cs"/>
+              </a:rPr>
+              <a:t> | Andriy Zoryk | Computing in the Humanities</a:t>
+            </a:r>
           </a:p>
         </p:txBody>
       </p:sp>
@@ -2514,6 +2520,7 @@
     <p:sldLayoutId id="2147483656" r:id="rId8"/>
     <p:sldLayoutId id="2147483657" r:id="rId9"/>
   </p:sldLayoutIdLst>
+  <p:hf sldNum="0" hdr="0" dt="0"/>
   <p:txStyles>
     <p:titleStyle>
       <a:lvl1pPr algn="l" rtl="0" eaLnBrk="1" fontAlgn="base" hangingPunct="1">
@@ -3235,490 +3242,27 @@
       </p:grpSpPr>
       <p:sp>
         <p:nvSpPr>
-          <p:cNvPr id="4" name="Inhaltsplatzhalter 2"/>
-          <p:cNvSpPr txBox="1">
-            <a:spLocks/>
+          <p:cNvPr id="2" name="Titel 1"/>
+          <p:cNvSpPr>
+            <a:spLocks noGrp="1"/>
           </p:cNvSpPr>
-          <p:nvPr/>
+          <p:nvPr>
+            <p:ph type="title"/>
+          </p:nvPr>
         </p:nvSpPr>
-        <p:spPr bwMode="auto">
-          <a:xfrm>
-            <a:off x="780718" y="1412776"/>
-            <a:ext cx="7467600" cy="4704972"/>
-          </a:xfrm>
-          <a:prstGeom prst="rect">
-            <a:avLst/>
-          </a:prstGeom>
-          <a:noFill/>
-          <a:ln>
-            <a:noFill/>
-          </a:ln>
-          <a:extLst>
-            <a:ext uri="{909E8E84-426E-40DD-AFC4-6F175D3DCCD1}">
-              <a14:hiddenFill xmlns:a14="http://schemas.microsoft.com/office/drawing/2010/main">
-                <a:solidFill>
-                  <a:srgbClr val="FFFFFF"/>
-                </a:solidFill>
-              </a14:hiddenFill>
-            </a:ext>
-            <a:ext uri="{91240B29-F687-4F45-9708-019B960494DF}">
-              <a14:hiddenLine xmlns:a14="http://schemas.microsoft.com/office/drawing/2010/main" w="9525">
-                <a:solidFill>
-                  <a:srgbClr val="000000"/>
-                </a:solidFill>
-                <a:miter lim="800000"/>
-                <a:headEnd/>
-                <a:tailEnd/>
-              </a14:hiddenLine>
-            </a:ext>
-          </a:extLst>
-        </p:spPr>
+        <p:spPr/>
         <p:txBody>
-          <a:bodyPr vert="horz" wrap="square" lIns="91440" tIns="45720" rIns="91440" bIns="45720" numCol="1" anchor="t" anchorCtr="0" compatLnSpc="1">
-            <a:prstTxWarp prst="textNoShape">
-              <a:avLst/>
-            </a:prstTxWarp>
-          </a:bodyPr>
-          <a:lstStyle>
-            <a:lvl1pPr marL="342900" indent="-342900" algn="l" rtl="0" eaLnBrk="1" fontAlgn="base" hangingPunct="1">
-              <a:spcBef>
-                <a:spcPct val="20000"/>
-              </a:spcBef>
-              <a:spcAft>
-                <a:spcPct val="0"/>
-              </a:spcAft>
-              <a:buChar char="•"/>
-              <a:defRPr sz="2200">
-                <a:solidFill>
-                  <a:schemeClr val="tx1"/>
-                </a:solidFill>
-                <a:latin typeface="Arial" charset="0"/>
-                <a:ea typeface="+mn-ea"/>
-                <a:cs typeface="+mn-cs"/>
-              </a:defRPr>
-            </a:lvl1pPr>
-            <a:lvl2pPr marL="742950" indent="-285750" algn="l" rtl="0" eaLnBrk="1" fontAlgn="base" hangingPunct="1">
-              <a:spcBef>
-                <a:spcPct val="20000"/>
-              </a:spcBef>
-              <a:spcAft>
-                <a:spcPct val="0"/>
-              </a:spcAft>
-              <a:buChar char="•"/>
-              <a:defRPr sz="2000">
-                <a:solidFill>
-                  <a:schemeClr val="tx1"/>
-                </a:solidFill>
-                <a:latin typeface="Arial" charset="0"/>
-              </a:defRPr>
-            </a:lvl2pPr>
-            <a:lvl3pPr marL="1143000" indent="-228600" algn="l" rtl="0" eaLnBrk="1" fontAlgn="base" hangingPunct="1">
-              <a:spcBef>
-                <a:spcPct val="20000"/>
-              </a:spcBef>
-              <a:spcAft>
-                <a:spcPct val="0"/>
-              </a:spcAft>
-              <a:buFont typeface="Wingdings" pitchFamily="2" charset="2"/>
-              <a:buChar char="§"/>
-              <a:defRPr>
-                <a:solidFill>
-                  <a:schemeClr val="tx1"/>
-                </a:solidFill>
-                <a:latin typeface="Arial" charset="0"/>
-              </a:defRPr>
-            </a:lvl3pPr>
-            <a:lvl4pPr marL="1600200" indent="-228600" algn="l" rtl="0" eaLnBrk="1" fontAlgn="base" hangingPunct="1">
-              <a:spcBef>
-                <a:spcPct val="20000"/>
-              </a:spcBef>
-              <a:spcAft>
-                <a:spcPct val="0"/>
-              </a:spcAft>
-              <a:buChar char="+"/>
-              <a:defRPr sz="1600">
-                <a:solidFill>
-                  <a:schemeClr val="tx1"/>
-                </a:solidFill>
-                <a:latin typeface="Arial" charset="0"/>
-              </a:defRPr>
-            </a:lvl4pPr>
-            <a:lvl5pPr marL="2057400" indent="-228600" algn="l" rtl="0" eaLnBrk="1" fontAlgn="base" hangingPunct="1">
-              <a:spcBef>
-                <a:spcPct val="20000"/>
-              </a:spcBef>
-              <a:spcAft>
-                <a:spcPct val="0"/>
-              </a:spcAft>
-              <a:buChar char="–"/>
-              <a:defRPr sz="1400">
-                <a:solidFill>
-                  <a:schemeClr val="tx1"/>
-                </a:solidFill>
-                <a:latin typeface="Arial" charset="0"/>
-              </a:defRPr>
-            </a:lvl5pPr>
-            <a:lvl6pPr marL="2514600" indent="-228600" algn="l" rtl="0" eaLnBrk="1" fontAlgn="base" hangingPunct="1">
-              <a:spcBef>
-                <a:spcPct val="20000"/>
-              </a:spcBef>
-              <a:spcAft>
-                <a:spcPct val="0"/>
-              </a:spcAft>
-              <a:buChar char="–"/>
-              <a:defRPr sz="1400">
-                <a:solidFill>
-                  <a:schemeClr val="tx1"/>
-                </a:solidFill>
-                <a:latin typeface="+mn-lt"/>
-              </a:defRPr>
-            </a:lvl6pPr>
-            <a:lvl7pPr marL="2971800" indent="-228600" algn="l" rtl="0" eaLnBrk="1" fontAlgn="base" hangingPunct="1">
-              <a:spcBef>
-                <a:spcPct val="20000"/>
-              </a:spcBef>
-              <a:spcAft>
-                <a:spcPct val="0"/>
-              </a:spcAft>
-              <a:buChar char="–"/>
-              <a:defRPr sz="1400">
-                <a:solidFill>
-                  <a:schemeClr val="tx1"/>
-                </a:solidFill>
-                <a:latin typeface="+mn-lt"/>
-              </a:defRPr>
-            </a:lvl7pPr>
-            <a:lvl8pPr marL="3429000" indent="-228600" algn="l" rtl="0" eaLnBrk="1" fontAlgn="base" hangingPunct="1">
-              <a:spcBef>
-                <a:spcPct val="20000"/>
-              </a:spcBef>
-              <a:spcAft>
-                <a:spcPct val="0"/>
-              </a:spcAft>
-              <a:buChar char="–"/>
-              <a:defRPr sz="1400">
-                <a:solidFill>
-                  <a:schemeClr val="tx1"/>
-                </a:solidFill>
-                <a:latin typeface="+mn-lt"/>
-              </a:defRPr>
-            </a:lvl8pPr>
-            <a:lvl9pPr marL="3886200" indent="-228600" algn="l" rtl="0" eaLnBrk="1" fontAlgn="base" hangingPunct="1">
-              <a:spcBef>
-                <a:spcPct val="20000"/>
-              </a:spcBef>
-              <a:spcAft>
-                <a:spcPct val="0"/>
-              </a:spcAft>
-              <a:buChar char="–"/>
-              <a:defRPr sz="1400">
-                <a:solidFill>
-                  <a:schemeClr val="tx1"/>
-                </a:solidFill>
-                <a:latin typeface="+mn-lt"/>
-              </a:defRPr>
-            </a:lvl9pPr>
-          </a:lstStyle>
-          <a:p>
-            <a:r>
-              <a:rPr lang="en-US" kern="0" dirty="0"/>
-              <a:t>Bamberger Dom</a:t>
-            </a:r>
-          </a:p>
-          <a:p>
-            <a:r>
-              <a:rPr lang="en-US" kern="0" dirty="0" err="1"/>
-              <a:t>Altes</a:t>
-            </a:r>
-            <a:r>
-              <a:rPr lang="en-US" kern="0" dirty="0"/>
-              <a:t> </a:t>
-            </a:r>
-            <a:r>
-              <a:rPr lang="en-US" kern="0" dirty="0" err="1"/>
-              <a:t>Rathaus</a:t>
-            </a:r>
-            <a:endParaRPr lang="en-US" kern="0" dirty="0"/>
-          </a:p>
-          <a:p>
-            <a:r>
-              <a:rPr lang="de-DE" kern="0" dirty="0"/>
-              <a:t>Kloster Michelsberg</a:t>
-            </a:r>
-            <a:endParaRPr lang="en-US" kern="0" dirty="0"/>
-          </a:p>
-          <a:p>
-            <a:r>
-              <a:rPr lang="en-US" kern="0" dirty="0"/>
-              <a:t>Klein </a:t>
-            </a:r>
-            <a:r>
-              <a:rPr lang="en-US" kern="0" dirty="0" err="1"/>
-              <a:t>Venedig</a:t>
-            </a:r>
-            <a:endParaRPr lang="en-US" kern="0" dirty="0"/>
-          </a:p>
-          <a:p>
-            <a:r>
-              <a:rPr lang="en-US" kern="0" dirty="0"/>
-              <a:t>Altenburg</a:t>
-            </a:r>
-          </a:p>
-          <a:p>
-            <a:r>
-              <a:rPr lang="en-US" kern="0" dirty="0"/>
-              <a:t>Neue </a:t>
-            </a:r>
-            <a:r>
-              <a:rPr lang="en-US" kern="0" dirty="0" err="1"/>
-              <a:t>Residenz</a:t>
-            </a:r>
-            <a:endParaRPr lang="en-US" kern="0" dirty="0"/>
-          </a:p>
-          <a:p>
-            <a:endParaRPr lang="de-DE" kern="0" dirty="0"/>
+          <a:bodyPr/>
+          <a:lstStyle/>
+          <a:p>
+            <a:r>
+              <a:rPr lang="en-US" dirty="0"/>
+              <a:t>VGG</a:t>
+            </a:r>
+            <a:endParaRPr lang="de-DE" dirty="0"/>
           </a:p>
         </p:txBody>
       </p:sp>
-      <p:sp>
-        <p:nvSpPr>
-          <p:cNvPr id="5" name="Titel 1"/>
-          <p:cNvSpPr txBox="1">
-            <a:spLocks/>
-          </p:cNvSpPr>
-          <p:nvPr/>
-        </p:nvSpPr>
-        <p:spPr bwMode="auto">
-          <a:xfrm>
-            <a:off x="780718" y="0"/>
-            <a:ext cx="7467600" cy="1143000"/>
-          </a:xfrm>
-          <a:prstGeom prst="rect">
-            <a:avLst/>
-          </a:prstGeom>
-          <a:noFill/>
-          <a:ln>
-            <a:noFill/>
-          </a:ln>
-          <a:extLst>
-            <a:ext uri="{909E8E84-426E-40DD-AFC4-6F175D3DCCD1}">
-              <a14:hiddenFill xmlns:a14="http://schemas.microsoft.com/office/drawing/2010/main">
-                <a:solidFill>
-                  <a:srgbClr val="FFFFFF"/>
-                </a:solidFill>
-              </a14:hiddenFill>
-            </a:ext>
-            <a:ext uri="{91240B29-F687-4F45-9708-019B960494DF}">
-              <a14:hiddenLine xmlns:a14="http://schemas.microsoft.com/office/drawing/2010/main" w="9525">
-                <a:solidFill>
-                  <a:srgbClr val="000000"/>
-                </a:solidFill>
-                <a:miter lim="800000"/>
-                <a:headEnd/>
-                <a:tailEnd/>
-              </a14:hiddenLine>
-            </a:ext>
-          </a:extLst>
-        </p:spPr>
-        <p:txBody>
-          <a:bodyPr vert="horz" wrap="square" lIns="91440" tIns="45720" rIns="91440" bIns="45720" numCol="1" anchor="ctr" anchorCtr="0" compatLnSpc="1">
-            <a:prstTxWarp prst="textNoShape">
-              <a:avLst/>
-            </a:prstTxWarp>
-          </a:bodyPr>
-          <a:lstStyle>
-            <a:lvl1pPr algn="l" rtl="0" eaLnBrk="1" fontAlgn="base" hangingPunct="1">
-              <a:spcBef>
-                <a:spcPct val="0"/>
-              </a:spcBef>
-              <a:spcAft>
-                <a:spcPct val="0"/>
-              </a:spcAft>
-              <a:defRPr sz="2800">
-                <a:solidFill>
-                  <a:srgbClr val="00407A"/>
-                </a:solidFill>
-                <a:latin typeface="Arial" charset="0"/>
-                <a:ea typeface="+mj-ea"/>
-                <a:cs typeface="+mj-cs"/>
-              </a:defRPr>
-            </a:lvl1pPr>
-            <a:lvl2pPr algn="l" rtl="0" eaLnBrk="1" fontAlgn="base" hangingPunct="1">
-              <a:spcBef>
-                <a:spcPct val="0"/>
-              </a:spcBef>
-              <a:spcAft>
-                <a:spcPct val="0"/>
-              </a:spcAft>
-              <a:defRPr sz="2800">
-                <a:solidFill>
-                  <a:srgbClr val="00407A"/>
-                </a:solidFill>
-                <a:latin typeface="Arial" charset="0"/>
-              </a:defRPr>
-            </a:lvl2pPr>
-            <a:lvl3pPr algn="l" rtl="0" eaLnBrk="1" fontAlgn="base" hangingPunct="1">
-              <a:spcBef>
-                <a:spcPct val="0"/>
-              </a:spcBef>
-              <a:spcAft>
-                <a:spcPct val="0"/>
-              </a:spcAft>
-              <a:defRPr sz="2800">
-                <a:solidFill>
-                  <a:srgbClr val="00407A"/>
-                </a:solidFill>
-                <a:latin typeface="Arial" charset="0"/>
-              </a:defRPr>
-            </a:lvl3pPr>
-            <a:lvl4pPr algn="l" rtl="0" eaLnBrk="1" fontAlgn="base" hangingPunct="1">
-              <a:spcBef>
-                <a:spcPct val="0"/>
-              </a:spcBef>
-              <a:spcAft>
-                <a:spcPct val="0"/>
-              </a:spcAft>
-              <a:defRPr sz="2800">
-                <a:solidFill>
-                  <a:srgbClr val="00407A"/>
-                </a:solidFill>
-                <a:latin typeface="Arial" charset="0"/>
-              </a:defRPr>
-            </a:lvl4pPr>
-            <a:lvl5pPr algn="l" rtl="0" eaLnBrk="1" fontAlgn="base" hangingPunct="1">
-              <a:spcBef>
-                <a:spcPct val="0"/>
-              </a:spcBef>
-              <a:spcAft>
-                <a:spcPct val="0"/>
-              </a:spcAft>
-              <a:defRPr sz="2800">
-                <a:solidFill>
-                  <a:srgbClr val="00407A"/>
-                </a:solidFill>
-                <a:latin typeface="Arial" charset="0"/>
-              </a:defRPr>
-            </a:lvl5pPr>
-            <a:lvl6pPr marL="457200" algn="l" rtl="0" eaLnBrk="1" fontAlgn="base" hangingPunct="1">
-              <a:spcBef>
-                <a:spcPct val="0"/>
-              </a:spcBef>
-              <a:spcAft>
-                <a:spcPct val="0"/>
-              </a:spcAft>
-              <a:defRPr sz="2800" b="1">
-                <a:solidFill>
-                  <a:srgbClr val="00407A"/>
-                </a:solidFill>
-                <a:latin typeface="UB Scala" pitchFamily="2" charset="0"/>
-              </a:defRPr>
-            </a:lvl6pPr>
-            <a:lvl7pPr marL="914400" algn="l" rtl="0" eaLnBrk="1" fontAlgn="base" hangingPunct="1">
-              <a:spcBef>
-                <a:spcPct val="0"/>
-              </a:spcBef>
-              <a:spcAft>
-                <a:spcPct val="0"/>
-              </a:spcAft>
-              <a:defRPr sz="2800" b="1">
-                <a:solidFill>
-                  <a:srgbClr val="00407A"/>
-                </a:solidFill>
-                <a:latin typeface="UB Scala" pitchFamily="2" charset="0"/>
-              </a:defRPr>
-            </a:lvl7pPr>
-            <a:lvl8pPr marL="1371600" algn="l" rtl="0" eaLnBrk="1" fontAlgn="base" hangingPunct="1">
-              <a:spcBef>
-                <a:spcPct val="0"/>
-              </a:spcBef>
-              <a:spcAft>
-                <a:spcPct val="0"/>
-              </a:spcAft>
-              <a:defRPr sz="2800" b="1">
-                <a:solidFill>
-                  <a:srgbClr val="00407A"/>
-                </a:solidFill>
-                <a:latin typeface="UB Scala" pitchFamily="2" charset="0"/>
-              </a:defRPr>
-            </a:lvl8pPr>
-            <a:lvl9pPr marL="1828800" algn="l" rtl="0" eaLnBrk="1" fontAlgn="base" hangingPunct="1">
-              <a:spcBef>
-                <a:spcPct val="0"/>
-              </a:spcBef>
-              <a:spcAft>
-                <a:spcPct val="0"/>
-              </a:spcAft>
-              <a:defRPr sz="2800" b="1">
-                <a:solidFill>
-                  <a:srgbClr val="00407A"/>
-                </a:solidFill>
-                <a:latin typeface="UB Scala" pitchFamily="2" charset="0"/>
-              </a:defRPr>
-            </a:lvl9pPr>
-          </a:lstStyle>
-          <a:p>
-            <a:r>
-              <a:rPr lang="de-DE" sz="2400" dirty="0">
-                <a:solidFill>
-                  <a:schemeClr val="bg1"/>
-                </a:solidFill>
-              </a:rPr>
-              <a:t>Bamberg </a:t>
-            </a:r>
-            <a:r>
-              <a:rPr lang="de-DE" sz="2400" dirty="0" err="1">
-                <a:solidFill>
-                  <a:schemeClr val="bg1"/>
-                </a:solidFill>
-              </a:rPr>
-              <a:t>Cit</a:t>
-            </a:r>
-            <a:r>
-              <a:rPr lang="en-US" sz="2400" dirty="0">
-                <a:solidFill>
-                  <a:schemeClr val="bg1"/>
-                </a:solidFill>
-              </a:rPr>
-              <a:t>y Points of Interest	</a:t>
-            </a:r>
-            <a:endParaRPr lang="de-DE" sz="2400" kern="0" dirty="0">
-              <a:solidFill>
-                <a:schemeClr val="bg1"/>
-              </a:solidFill>
-            </a:endParaRPr>
-          </a:p>
-        </p:txBody>
-      </p:sp>
-    </p:spTree>
-    <p:extLst>
-      <p:ext uri="{BB962C8B-B14F-4D97-AF65-F5344CB8AC3E}">
-        <p14:creationId xmlns:p14="http://schemas.microsoft.com/office/powerpoint/2010/main" val="580922275"/>
-      </p:ext>
-    </p:extLst>
-  </p:cSld>
-  <p:clrMapOvr>
-    <a:masterClrMapping/>
-  </p:clrMapOvr>
-</p:sld>
-</file>
-
-<file path=ppt/slides/slide2.xml><?xml version="1.0" encoding="utf-8"?>
-<p:sld xmlns:a="http://schemas.openxmlformats.org/drawingml/2006/main" xmlns:r="http://schemas.openxmlformats.org/officeDocument/2006/relationships" xmlns:p="http://schemas.openxmlformats.org/presentationml/2006/main">
-  <p:cSld>
-    <p:spTree>
-      <p:nvGrpSpPr>
-        <p:cNvPr id="1" name=""/>
-        <p:cNvGrpSpPr/>
-        <p:nvPr/>
-      </p:nvGrpSpPr>
-      <p:grpSpPr>
-        <a:xfrm>
-          <a:off x="0" y="0"/>
-          <a:ext cx="0" cy="0"/>
-          <a:chOff x="0" y="0"/>
-          <a:chExt cx="0" cy="0"/>
-        </a:xfrm>
-      </p:grpSpPr>
       <p:sp>
         <p:nvSpPr>
           <p:cNvPr id="3" name="Inhaltsplatzhalter 2"/>
@@ -3729,88 +3273,54 @@
             <p:ph idx="1"/>
           </p:nvPr>
         </p:nvSpPr>
-        <p:spPr>
-          <a:xfrm>
-            <a:off x="838200" y="1412776"/>
-            <a:ext cx="7467600" cy="4730868"/>
-          </a:xfrm>
-        </p:spPr>
+        <p:spPr/>
         <p:txBody>
           <a:bodyPr/>
           <a:lstStyle/>
           <a:p>
-            <a:pPr marL="457200" indent="-457200">
-              <a:buFont typeface="+mj-lt"/>
-              <a:buAutoNum type="arabicPeriod"/>
-            </a:pPr>
-            <a:r>
-              <a:rPr lang="de-DE" dirty="0"/>
-              <a:t>Motivation</a:t>
-            </a:r>
-          </a:p>
-          <a:p>
-            <a:pPr marL="457200" indent="-457200">
-              <a:buFont typeface="+mj-lt"/>
-              <a:buAutoNum type="arabicPeriod"/>
-            </a:pPr>
-            <a:r>
-              <a:rPr lang="de-DE" dirty="0" err="1"/>
-              <a:t>What</a:t>
-            </a:r>
-            <a:r>
-              <a:rPr lang="de-DE" dirty="0"/>
-              <a:t> </a:t>
-            </a:r>
-            <a:r>
-              <a:rPr lang="de-DE" dirty="0" err="1"/>
-              <a:t>is</a:t>
-            </a:r>
-            <a:r>
-              <a:rPr lang="de-DE" dirty="0"/>
-              <a:t> CNN?</a:t>
-            </a:r>
-          </a:p>
-          <a:p>
-            <a:pPr marL="457200" indent="-457200">
-              <a:buFont typeface="+mj-lt"/>
-              <a:buAutoNum type="arabicPeriod"/>
-            </a:pPr>
-            <a:r>
-              <a:rPr lang="de-DE" dirty="0" err="1"/>
-              <a:t>Related</a:t>
-            </a:r>
-            <a:r>
-              <a:rPr lang="de-DE" dirty="0"/>
-              <a:t> </a:t>
-            </a:r>
-            <a:r>
-              <a:rPr lang="de-DE" dirty="0" err="1"/>
-              <a:t>works</a:t>
-            </a:r>
-            <a:endParaRPr lang="de-DE" dirty="0"/>
-          </a:p>
-          <a:p>
-            <a:pPr marL="457200" indent="-457200">
-              <a:buFont typeface="+mj-lt"/>
-              <a:buAutoNum type="arabicPeriod"/>
-            </a:pPr>
-            <a:r>
-              <a:rPr lang="de-DE" dirty="0"/>
-              <a:t>Datasets</a:t>
-            </a:r>
-          </a:p>
-          <a:p>
-            <a:pPr marL="457200" indent="-457200">
-              <a:buFont typeface="+mj-lt"/>
-              <a:buAutoNum type="arabicPeriod"/>
-            </a:pPr>
+            <a:r>
+              <a:rPr lang="en-US" dirty="0"/>
+              <a:t>The VGG networks from Oxford were the first to use much smaller 3×3 filters in each convolutional layers and also combined them as a sequence of convolutions.</a:t>
+            </a:r>
+          </a:p>
+          <a:p>
+            <a:r>
+              <a:rPr lang="en-US" dirty="0"/>
+              <a:t>This seems to be contrary to the principles of </a:t>
+            </a:r>
+            <a:r>
+              <a:rPr lang="en-US" dirty="0" err="1"/>
+              <a:t>LeNet</a:t>
+            </a:r>
+            <a:r>
+              <a:rPr lang="en-US" dirty="0"/>
+              <a:t>, where large convolutions were used to capture similar features in an image. Instead of the 9×9 or 11×11 filters of </a:t>
+            </a:r>
+            <a:r>
+              <a:rPr lang="en-US" dirty="0" err="1"/>
+              <a:t>AlexNet</a:t>
+            </a:r>
+            <a:r>
+              <a:rPr lang="en-US" dirty="0"/>
+              <a:t>, filters started to become smaller, too dangerously close to the infamous 1×1 convolutions that </a:t>
+            </a:r>
+            <a:r>
+              <a:rPr lang="en-US" dirty="0" err="1"/>
+              <a:t>LeNet</a:t>
+            </a:r>
+            <a:r>
+              <a:rPr lang="en-US" dirty="0"/>
+              <a:t> wanted to avoid, at least on the first layers of the network. </a:t>
+            </a:r>
+          </a:p>
+          <a:p>
             <a:endParaRPr lang="de-DE" dirty="0"/>
           </a:p>
         </p:txBody>
       </p:sp>
       <p:sp>
         <p:nvSpPr>
-          <p:cNvPr id="5" name="Titel 1"/>
+          <p:cNvPr id="4" name="Titel 1"/>
           <p:cNvSpPr txBox="1">
             <a:spLocks/>
           </p:cNvSpPr>
@@ -3986,12 +3496,36 @@
           </a:lstStyle>
           <a:p>
             <a:r>
+              <a:rPr lang="de-DE" kern="0" dirty="0" err="1">
+                <a:solidFill>
+                  <a:schemeClr val="bg1"/>
+                </a:solidFill>
+              </a:rPr>
+              <a:t>What</a:t>
+            </a:r>
+            <a:r>
               <a:rPr lang="de-DE" kern="0" dirty="0">
                 <a:solidFill>
                   <a:schemeClr val="bg1"/>
                 </a:solidFill>
               </a:rPr>
-              <a:t>Agenda</a:t>
+              <a:t> </a:t>
+            </a:r>
+            <a:r>
+              <a:rPr lang="de-DE" kern="0" dirty="0" err="1">
+                <a:solidFill>
+                  <a:schemeClr val="bg1"/>
+                </a:solidFill>
+              </a:rPr>
+              <a:t>is</a:t>
+            </a:r>
+            <a:r>
+              <a:rPr lang="de-DE" kern="0" dirty="0">
+                <a:solidFill>
+                  <a:schemeClr val="bg1"/>
+                </a:solidFill>
+              </a:rPr>
+              <a:t> CNN?</a:t>
             </a:r>
           </a:p>
         </p:txBody>
@@ -3999,7 +3533,7 @@
     </p:spTree>
     <p:extLst>
       <p:ext uri="{BB962C8B-B14F-4D97-AF65-F5344CB8AC3E}">
-        <p14:creationId xmlns:p14="http://schemas.microsoft.com/office/powerpoint/2010/main" val="2566267526"/>
+        <p14:creationId xmlns:p14="http://schemas.microsoft.com/office/powerpoint/2010/main" val="2745049572"/>
       </p:ext>
     </p:extLst>
   </p:cSld>
@@ -4009,588 +3543,7 @@
 </p:sld>
 </file>
 
-<file path=ppt/slides/slide3.xml><?xml version="1.0" encoding="utf-8"?>
-<p:sld xmlns:a="http://schemas.openxmlformats.org/drawingml/2006/main" xmlns:r="http://schemas.openxmlformats.org/officeDocument/2006/relationships" xmlns:p="http://schemas.openxmlformats.org/presentationml/2006/main">
-  <p:cSld>
-    <p:spTree>
-      <p:nvGrpSpPr>
-        <p:cNvPr id="1" name=""/>
-        <p:cNvGrpSpPr/>
-        <p:nvPr/>
-      </p:nvGrpSpPr>
-      <p:grpSpPr>
-        <a:xfrm>
-          <a:off x="0" y="0"/>
-          <a:ext cx="0" cy="0"/>
-          <a:chOff x="0" y="0"/>
-          <a:chExt cx="0" cy="0"/>
-        </a:xfrm>
-      </p:grpSpPr>
-      <p:sp>
-        <p:nvSpPr>
-          <p:cNvPr id="5" name="Titel 1"/>
-          <p:cNvSpPr txBox="1">
-            <a:spLocks/>
-          </p:cNvSpPr>
-          <p:nvPr/>
-        </p:nvSpPr>
-        <p:spPr bwMode="auto">
-          <a:xfrm>
-            <a:off x="755576" y="0"/>
-            <a:ext cx="7467600" cy="1143000"/>
-          </a:xfrm>
-          <a:prstGeom prst="rect">
-            <a:avLst/>
-          </a:prstGeom>
-          <a:noFill/>
-          <a:ln>
-            <a:noFill/>
-          </a:ln>
-          <a:extLst>
-            <a:ext uri="{909E8E84-426E-40DD-AFC4-6F175D3DCCD1}">
-              <a14:hiddenFill xmlns:a14="http://schemas.microsoft.com/office/drawing/2010/main">
-                <a:solidFill>
-                  <a:srgbClr val="FFFFFF"/>
-                </a:solidFill>
-              </a14:hiddenFill>
-            </a:ext>
-            <a:ext uri="{91240B29-F687-4F45-9708-019B960494DF}">
-              <a14:hiddenLine xmlns:a14="http://schemas.microsoft.com/office/drawing/2010/main" w="9525">
-                <a:solidFill>
-                  <a:srgbClr val="000000"/>
-                </a:solidFill>
-                <a:miter lim="800000"/>
-                <a:headEnd/>
-                <a:tailEnd/>
-              </a14:hiddenLine>
-            </a:ext>
-          </a:extLst>
-        </p:spPr>
-        <p:txBody>
-          <a:bodyPr vert="horz" wrap="square" lIns="91440" tIns="45720" rIns="91440" bIns="45720" numCol="1" anchor="ctr" anchorCtr="0" compatLnSpc="1">
-            <a:prstTxWarp prst="textNoShape">
-              <a:avLst/>
-            </a:prstTxWarp>
-          </a:bodyPr>
-          <a:lstStyle>
-            <a:lvl1pPr algn="l" rtl="0" eaLnBrk="1" fontAlgn="base" hangingPunct="1">
-              <a:spcBef>
-                <a:spcPct val="0"/>
-              </a:spcBef>
-              <a:spcAft>
-                <a:spcPct val="0"/>
-              </a:spcAft>
-              <a:defRPr sz="2800">
-                <a:solidFill>
-                  <a:srgbClr val="00407A"/>
-                </a:solidFill>
-                <a:latin typeface="Arial" charset="0"/>
-                <a:ea typeface="+mj-ea"/>
-                <a:cs typeface="+mj-cs"/>
-              </a:defRPr>
-            </a:lvl1pPr>
-            <a:lvl2pPr algn="l" rtl="0" eaLnBrk="1" fontAlgn="base" hangingPunct="1">
-              <a:spcBef>
-                <a:spcPct val="0"/>
-              </a:spcBef>
-              <a:spcAft>
-                <a:spcPct val="0"/>
-              </a:spcAft>
-              <a:defRPr sz="2800">
-                <a:solidFill>
-                  <a:srgbClr val="00407A"/>
-                </a:solidFill>
-                <a:latin typeface="Arial" charset="0"/>
-              </a:defRPr>
-            </a:lvl2pPr>
-            <a:lvl3pPr algn="l" rtl="0" eaLnBrk="1" fontAlgn="base" hangingPunct="1">
-              <a:spcBef>
-                <a:spcPct val="0"/>
-              </a:spcBef>
-              <a:spcAft>
-                <a:spcPct val="0"/>
-              </a:spcAft>
-              <a:defRPr sz="2800">
-                <a:solidFill>
-                  <a:srgbClr val="00407A"/>
-                </a:solidFill>
-                <a:latin typeface="Arial" charset="0"/>
-              </a:defRPr>
-            </a:lvl3pPr>
-            <a:lvl4pPr algn="l" rtl="0" eaLnBrk="1" fontAlgn="base" hangingPunct="1">
-              <a:spcBef>
-                <a:spcPct val="0"/>
-              </a:spcBef>
-              <a:spcAft>
-                <a:spcPct val="0"/>
-              </a:spcAft>
-              <a:defRPr sz="2800">
-                <a:solidFill>
-                  <a:srgbClr val="00407A"/>
-                </a:solidFill>
-                <a:latin typeface="Arial" charset="0"/>
-              </a:defRPr>
-            </a:lvl4pPr>
-            <a:lvl5pPr algn="l" rtl="0" eaLnBrk="1" fontAlgn="base" hangingPunct="1">
-              <a:spcBef>
-                <a:spcPct val="0"/>
-              </a:spcBef>
-              <a:spcAft>
-                <a:spcPct val="0"/>
-              </a:spcAft>
-              <a:defRPr sz="2800">
-                <a:solidFill>
-                  <a:srgbClr val="00407A"/>
-                </a:solidFill>
-                <a:latin typeface="Arial" charset="0"/>
-              </a:defRPr>
-            </a:lvl5pPr>
-            <a:lvl6pPr marL="457200" algn="l" rtl="0" eaLnBrk="1" fontAlgn="base" hangingPunct="1">
-              <a:spcBef>
-                <a:spcPct val="0"/>
-              </a:spcBef>
-              <a:spcAft>
-                <a:spcPct val="0"/>
-              </a:spcAft>
-              <a:defRPr sz="2800" b="1">
-                <a:solidFill>
-                  <a:srgbClr val="00407A"/>
-                </a:solidFill>
-                <a:latin typeface="UB Scala" pitchFamily="2" charset="0"/>
-              </a:defRPr>
-            </a:lvl6pPr>
-            <a:lvl7pPr marL="914400" algn="l" rtl="0" eaLnBrk="1" fontAlgn="base" hangingPunct="1">
-              <a:spcBef>
-                <a:spcPct val="0"/>
-              </a:spcBef>
-              <a:spcAft>
-                <a:spcPct val="0"/>
-              </a:spcAft>
-              <a:defRPr sz="2800" b="1">
-                <a:solidFill>
-                  <a:srgbClr val="00407A"/>
-                </a:solidFill>
-                <a:latin typeface="UB Scala" pitchFamily="2" charset="0"/>
-              </a:defRPr>
-            </a:lvl7pPr>
-            <a:lvl8pPr marL="1371600" algn="l" rtl="0" eaLnBrk="1" fontAlgn="base" hangingPunct="1">
-              <a:spcBef>
-                <a:spcPct val="0"/>
-              </a:spcBef>
-              <a:spcAft>
-                <a:spcPct val="0"/>
-              </a:spcAft>
-              <a:defRPr sz="2800" b="1">
-                <a:solidFill>
-                  <a:srgbClr val="00407A"/>
-                </a:solidFill>
-                <a:latin typeface="UB Scala" pitchFamily="2" charset="0"/>
-              </a:defRPr>
-            </a:lvl8pPr>
-            <a:lvl9pPr marL="1828800" algn="l" rtl="0" eaLnBrk="1" fontAlgn="base" hangingPunct="1">
-              <a:spcBef>
-                <a:spcPct val="0"/>
-              </a:spcBef>
-              <a:spcAft>
-                <a:spcPct val="0"/>
-              </a:spcAft>
-              <a:defRPr sz="2800" b="1">
-                <a:solidFill>
-                  <a:srgbClr val="00407A"/>
-                </a:solidFill>
-                <a:latin typeface="UB Scala" pitchFamily="2" charset="0"/>
-              </a:defRPr>
-            </a:lvl9pPr>
-          </a:lstStyle>
-          <a:p>
-            <a:r>
-              <a:rPr lang="de-DE" kern="0" dirty="0">
-                <a:solidFill>
-                  <a:schemeClr val="bg1"/>
-                </a:solidFill>
-              </a:rPr>
-              <a:t>Motivation</a:t>
-            </a:r>
-          </a:p>
-        </p:txBody>
-      </p:sp>
-      <p:sp>
-        <p:nvSpPr>
-          <p:cNvPr id="2" name="Inhaltsplatzhalter 1"/>
-          <p:cNvSpPr>
-            <a:spLocks noGrp="1"/>
-          </p:cNvSpPr>
-          <p:nvPr>
-            <p:ph idx="1"/>
-          </p:nvPr>
-        </p:nvSpPr>
-        <p:spPr/>
-        <p:txBody>
-          <a:bodyPr/>
-          <a:lstStyle/>
-          <a:p>
-            <a:endParaRPr lang="de-DE"/>
-          </a:p>
-        </p:txBody>
-      </p:sp>
-    </p:spTree>
-    <p:extLst>
-      <p:ext uri="{BB962C8B-B14F-4D97-AF65-F5344CB8AC3E}">
-        <p14:creationId xmlns:p14="http://schemas.microsoft.com/office/powerpoint/2010/main" val="448752493"/>
-      </p:ext>
-    </p:extLst>
-  </p:cSld>
-  <p:clrMapOvr>
-    <a:masterClrMapping/>
-  </p:clrMapOvr>
-</p:sld>
-</file>
-
-<file path=ppt/slides/slide4.xml><?xml version="1.0" encoding="utf-8"?>
-<p:sld xmlns:a="http://schemas.openxmlformats.org/drawingml/2006/main" xmlns:r="http://schemas.openxmlformats.org/officeDocument/2006/relationships" xmlns:p="http://schemas.openxmlformats.org/presentationml/2006/main">
-  <p:cSld>
-    <p:spTree>
-      <p:nvGrpSpPr>
-        <p:cNvPr id="1" name=""/>
-        <p:cNvGrpSpPr/>
-        <p:nvPr/>
-      </p:nvGrpSpPr>
-      <p:grpSpPr>
-        <a:xfrm>
-          <a:off x="0" y="0"/>
-          <a:ext cx="0" cy="0"/>
-          <a:chOff x="0" y="0"/>
-          <a:chExt cx="0" cy="0"/>
-        </a:xfrm>
-      </p:grpSpPr>
-      <p:sp>
-        <p:nvSpPr>
-          <p:cNvPr id="5" name="Titel 1"/>
-          <p:cNvSpPr txBox="1">
-            <a:spLocks/>
-          </p:cNvSpPr>
-          <p:nvPr/>
-        </p:nvSpPr>
-        <p:spPr bwMode="auto">
-          <a:xfrm>
-            <a:off x="755576" y="0"/>
-            <a:ext cx="7467600" cy="1143000"/>
-          </a:xfrm>
-          <a:prstGeom prst="rect">
-            <a:avLst/>
-          </a:prstGeom>
-          <a:noFill/>
-          <a:ln>
-            <a:noFill/>
-          </a:ln>
-          <a:extLst>
-            <a:ext uri="{909E8E84-426E-40DD-AFC4-6F175D3DCCD1}">
-              <a14:hiddenFill xmlns:a14="http://schemas.microsoft.com/office/drawing/2010/main">
-                <a:solidFill>
-                  <a:srgbClr val="FFFFFF"/>
-                </a:solidFill>
-              </a14:hiddenFill>
-            </a:ext>
-            <a:ext uri="{91240B29-F687-4F45-9708-019B960494DF}">
-              <a14:hiddenLine xmlns:a14="http://schemas.microsoft.com/office/drawing/2010/main" w="9525">
-                <a:solidFill>
-                  <a:srgbClr val="000000"/>
-                </a:solidFill>
-                <a:miter lim="800000"/>
-                <a:headEnd/>
-                <a:tailEnd/>
-              </a14:hiddenLine>
-            </a:ext>
-          </a:extLst>
-        </p:spPr>
-        <p:txBody>
-          <a:bodyPr vert="horz" wrap="square" lIns="91440" tIns="45720" rIns="91440" bIns="45720" numCol="1" anchor="ctr" anchorCtr="0" compatLnSpc="1">
-            <a:prstTxWarp prst="textNoShape">
-              <a:avLst/>
-            </a:prstTxWarp>
-          </a:bodyPr>
-          <a:lstStyle>
-            <a:lvl1pPr algn="l" rtl="0" eaLnBrk="1" fontAlgn="base" hangingPunct="1">
-              <a:spcBef>
-                <a:spcPct val="0"/>
-              </a:spcBef>
-              <a:spcAft>
-                <a:spcPct val="0"/>
-              </a:spcAft>
-              <a:defRPr sz="2800">
-                <a:solidFill>
-                  <a:srgbClr val="00407A"/>
-                </a:solidFill>
-                <a:latin typeface="Arial" charset="0"/>
-                <a:ea typeface="+mj-ea"/>
-                <a:cs typeface="+mj-cs"/>
-              </a:defRPr>
-            </a:lvl1pPr>
-            <a:lvl2pPr algn="l" rtl="0" eaLnBrk="1" fontAlgn="base" hangingPunct="1">
-              <a:spcBef>
-                <a:spcPct val="0"/>
-              </a:spcBef>
-              <a:spcAft>
-                <a:spcPct val="0"/>
-              </a:spcAft>
-              <a:defRPr sz="2800">
-                <a:solidFill>
-                  <a:srgbClr val="00407A"/>
-                </a:solidFill>
-                <a:latin typeface="Arial" charset="0"/>
-              </a:defRPr>
-            </a:lvl2pPr>
-            <a:lvl3pPr algn="l" rtl="0" eaLnBrk="1" fontAlgn="base" hangingPunct="1">
-              <a:spcBef>
-                <a:spcPct val="0"/>
-              </a:spcBef>
-              <a:spcAft>
-                <a:spcPct val="0"/>
-              </a:spcAft>
-              <a:defRPr sz="2800">
-                <a:solidFill>
-                  <a:srgbClr val="00407A"/>
-                </a:solidFill>
-                <a:latin typeface="Arial" charset="0"/>
-              </a:defRPr>
-            </a:lvl3pPr>
-            <a:lvl4pPr algn="l" rtl="0" eaLnBrk="1" fontAlgn="base" hangingPunct="1">
-              <a:spcBef>
-                <a:spcPct val="0"/>
-              </a:spcBef>
-              <a:spcAft>
-                <a:spcPct val="0"/>
-              </a:spcAft>
-              <a:defRPr sz="2800">
-                <a:solidFill>
-                  <a:srgbClr val="00407A"/>
-                </a:solidFill>
-                <a:latin typeface="Arial" charset="0"/>
-              </a:defRPr>
-            </a:lvl4pPr>
-            <a:lvl5pPr algn="l" rtl="0" eaLnBrk="1" fontAlgn="base" hangingPunct="1">
-              <a:spcBef>
-                <a:spcPct val="0"/>
-              </a:spcBef>
-              <a:spcAft>
-                <a:spcPct val="0"/>
-              </a:spcAft>
-              <a:defRPr sz="2800">
-                <a:solidFill>
-                  <a:srgbClr val="00407A"/>
-                </a:solidFill>
-                <a:latin typeface="Arial" charset="0"/>
-              </a:defRPr>
-            </a:lvl5pPr>
-            <a:lvl6pPr marL="457200" algn="l" rtl="0" eaLnBrk="1" fontAlgn="base" hangingPunct="1">
-              <a:spcBef>
-                <a:spcPct val="0"/>
-              </a:spcBef>
-              <a:spcAft>
-                <a:spcPct val="0"/>
-              </a:spcAft>
-              <a:defRPr sz="2800" b="1">
-                <a:solidFill>
-                  <a:srgbClr val="00407A"/>
-                </a:solidFill>
-                <a:latin typeface="UB Scala" pitchFamily="2" charset="0"/>
-              </a:defRPr>
-            </a:lvl6pPr>
-            <a:lvl7pPr marL="914400" algn="l" rtl="0" eaLnBrk="1" fontAlgn="base" hangingPunct="1">
-              <a:spcBef>
-                <a:spcPct val="0"/>
-              </a:spcBef>
-              <a:spcAft>
-                <a:spcPct val="0"/>
-              </a:spcAft>
-              <a:defRPr sz="2800" b="1">
-                <a:solidFill>
-                  <a:srgbClr val="00407A"/>
-                </a:solidFill>
-                <a:latin typeface="UB Scala" pitchFamily="2" charset="0"/>
-              </a:defRPr>
-            </a:lvl7pPr>
-            <a:lvl8pPr marL="1371600" algn="l" rtl="0" eaLnBrk="1" fontAlgn="base" hangingPunct="1">
-              <a:spcBef>
-                <a:spcPct val="0"/>
-              </a:spcBef>
-              <a:spcAft>
-                <a:spcPct val="0"/>
-              </a:spcAft>
-              <a:defRPr sz="2800" b="1">
-                <a:solidFill>
-                  <a:srgbClr val="00407A"/>
-                </a:solidFill>
-                <a:latin typeface="UB Scala" pitchFamily="2" charset="0"/>
-              </a:defRPr>
-            </a:lvl8pPr>
-            <a:lvl9pPr marL="1828800" algn="l" rtl="0" eaLnBrk="1" fontAlgn="base" hangingPunct="1">
-              <a:spcBef>
-                <a:spcPct val="0"/>
-              </a:spcBef>
-              <a:spcAft>
-                <a:spcPct val="0"/>
-              </a:spcAft>
-              <a:defRPr sz="2800" b="1">
-                <a:solidFill>
-                  <a:srgbClr val="00407A"/>
-                </a:solidFill>
-                <a:latin typeface="UB Scala" pitchFamily="2" charset="0"/>
-              </a:defRPr>
-            </a:lvl9pPr>
-          </a:lstStyle>
-          <a:p>
-            <a:r>
-              <a:rPr lang="de-DE" kern="0" dirty="0" err="1">
-                <a:solidFill>
-                  <a:schemeClr val="bg1"/>
-                </a:solidFill>
-              </a:rPr>
-              <a:t>What</a:t>
-            </a:r>
-            <a:r>
-              <a:rPr lang="de-DE" kern="0" dirty="0">
-                <a:solidFill>
-                  <a:schemeClr val="bg1"/>
-                </a:solidFill>
-              </a:rPr>
-              <a:t> </a:t>
-            </a:r>
-            <a:r>
-              <a:rPr lang="de-DE" kern="0" dirty="0" err="1">
-                <a:solidFill>
-                  <a:schemeClr val="bg1"/>
-                </a:solidFill>
-              </a:rPr>
-              <a:t>is</a:t>
-            </a:r>
-            <a:r>
-              <a:rPr lang="de-DE" kern="0" dirty="0">
-                <a:solidFill>
-                  <a:schemeClr val="bg1"/>
-                </a:solidFill>
-              </a:rPr>
-              <a:t> CNN?</a:t>
-            </a:r>
-          </a:p>
-        </p:txBody>
-      </p:sp>
-      <p:pic>
-        <p:nvPicPr>
-          <p:cNvPr id="4" name="Inhaltsplatzhalter 3"/>
-          <p:cNvPicPr>
-            <a:picLocks noGrp="1" noChangeAspect="1"/>
-          </p:cNvPicPr>
-          <p:nvPr>
-            <p:ph idx="1"/>
-          </p:nvPr>
-        </p:nvPicPr>
-        <p:blipFill>
-          <a:blip r:embed="rId2" cstate="print">
-            <a:extLst>
-              <a:ext uri="{28A0092B-C50C-407E-A947-70E740481C1C}">
-                <a14:useLocalDpi xmlns:a14="http://schemas.microsoft.com/office/drawing/2010/main" val="0"/>
-              </a:ext>
-            </a:extLst>
-          </a:blip>
-          <a:stretch>
-            <a:fillRect/>
-          </a:stretch>
-        </p:blipFill>
-        <p:spPr>
-          <a:xfrm>
-            <a:off x="899592" y="3140968"/>
-            <a:ext cx="7467600" cy="2552286"/>
-          </a:xfrm>
-        </p:spPr>
-      </p:pic>
-      <p:sp>
-        <p:nvSpPr>
-          <p:cNvPr id="6" name="Rechteck 5"/>
-          <p:cNvSpPr/>
-          <p:nvPr/>
-        </p:nvSpPr>
-        <p:spPr>
-          <a:xfrm>
-            <a:off x="5292080" y="6165304"/>
-            <a:ext cx="3544560" cy="338554"/>
-          </a:xfrm>
-          <a:prstGeom prst="rect">
-            <a:avLst/>
-          </a:prstGeom>
-        </p:spPr>
-        <p:txBody>
-          <a:bodyPr wrap="none">
-            <a:spAutoFit/>
-          </a:bodyPr>
-          <a:lstStyle/>
-          <a:p>
-            <a:r>
-              <a:rPr lang="de-DE" sz="1600" dirty="0">
-                <a:solidFill>
-                  <a:schemeClr val="bg2">
-                    <a:lumMod val="60000"/>
-                    <a:lumOff val="40000"/>
-                  </a:schemeClr>
-                </a:solidFill>
-                <a:latin typeface="Helvetica" panose="020B0604020202020204" pitchFamily="34" charset="0"/>
-                <a:cs typeface="Helvetica" panose="020B0604020202020204" pitchFamily="34" charset="0"/>
-              </a:rPr>
-              <a:t>[</a:t>
-            </a:r>
-            <a:r>
-              <a:rPr lang="de-DE" sz="1600" dirty="0" err="1">
-                <a:solidFill>
-                  <a:schemeClr val="bg2">
-                    <a:lumMod val="60000"/>
-                    <a:lumOff val="40000"/>
-                  </a:schemeClr>
-                </a:solidFill>
-                <a:latin typeface="Helvetica" panose="020B0604020202020204" pitchFamily="34" charset="0"/>
-                <a:cs typeface="Helvetica" panose="020B0604020202020204" pitchFamily="34" charset="0"/>
-              </a:rPr>
-              <a:t>source</a:t>
-            </a:r>
-            <a:r>
-              <a:rPr lang="de-DE" sz="1600" dirty="0">
-                <a:solidFill>
-                  <a:schemeClr val="bg2">
-                    <a:lumMod val="60000"/>
-                    <a:lumOff val="40000"/>
-                  </a:schemeClr>
-                </a:solidFill>
-                <a:latin typeface="Helvetica" panose="020B0604020202020204" pitchFamily="34" charset="0"/>
-                <a:cs typeface="Helvetica" panose="020B0604020202020204" pitchFamily="34" charset="0"/>
-              </a:rPr>
-              <a:t>: http://graphics.cs.cmu.edu/] </a:t>
-            </a:r>
-            <a:endParaRPr lang="de-DE" sz="1600" dirty="0">
-              <a:solidFill>
-                <a:schemeClr val="bg2">
-                  <a:lumMod val="60000"/>
-                  <a:lumOff val="40000"/>
-                </a:schemeClr>
-              </a:solidFill>
-              <a:latin typeface="Helvetica" panose="020B0604020202020204" pitchFamily="34" charset="0"/>
-              <a:cs typeface="Helvetica" panose="020B0604020202020204" pitchFamily="34" charset="0"/>
-            </a:endParaRPr>
-          </a:p>
-        </p:txBody>
-      </p:sp>
-    </p:spTree>
-    <p:extLst>
-      <p:ext uri="{BB962C8B-B14F-4D97-AF65-F5344CB8AC3E}">
-        <p14:creationId xmlns:p14="http://schemas.microsoft.com/office/powerpoint/2010/main" val="916418760"/>
-      </p:ext>
-    </p:extLst>
-  </p:cSld>
-  <p:clrMapOvr>
-    <a:masterClrMapping/>
-  </p:clrMapOvr>
-</p:sld>
-</file>
-
-<file path=ppt/slides/slide5.xml><?xml version="1.0" encoding="utf-8"?>
+<file path=ppt/slides/slide11.xml><?xml version="1.0" encoding="utf-8"?>
 <p:sld xmlns:a="http://schemas.openxmlformats.org/drawingml/2006/main" xmlns:r="http://schemas.openxmlformats.org/officeDocument/2006/relationships" xmlns:p="http://schemas.openxmlformats.org/presentationml/2006/main">
   <p:cSld>
     <p:spTree>
@@ -4919,16 +3872,6 @@
               </a:rPr>
               <a:t>, 2008] </a:t>
             </a:r>
-            <a:endParaRPr lang="de-DE" sz="1600" dirty="0">
-              <a:solidFill>
-                <a:schemeClr val="bg2">
-                  <a:lumMod val="60000"/>
-                  <a:lumOff val="40000"/>
-                </a:schemeClr>
-              </a:solidFill>
-              <a:latin typeface="Helvetica" panose="020B0604020202020204" pitchFamily="34" charset="0"/>
-              <a:cs typeface="Helvetica" panose="020B0604020202020204" pitchFamily="34" charset="0"/>
-            </a:endParaRPr>
           </a:p>
         </p:txBody>
       </p:sp>
@@ -4945,7 +3888,7 @@
 </p:sld>
 </file>
 
-<file path=ppt/slides/slide6.xml><?xml version="1.0" encoding="utf-8"?>
+<file path=ppt/slides/slide12.xml><?xml version="1.0" encoding="utf-8"?>
 <p:sld xmlns:a="http://schemas.openxmlformats.org/drawingml/2006/main" xmlns:r="http://schemas.openxmlformats.org/officeDocument/2006/relationships" xmlns:p="http://schemas.openxmlformats.org/presentationml/2006/main">
   <p:cSld>
     <p:spTree>
@@ -4972,7 +3915,7 @@
         </p:nvSpPr>
         <p:spPr bwMode="auto">
           <a:xfrm>
-            <a:off x="780718" y="0"/>
+            <a:off x="683568" y="135097"/>
             <a:ext cx="7467600" cy="1143000"/>
           </a:xfrm>
           <a:prstGeom prst="rect">
@@ -5177,11 +4120,7 @@
           <a:p>
             <a:r>
               <a:rPr lang="en-US" dirty="0"/>
-              <a:t>IM2GPS </a:t>
-            </a:r>
-            <a:r>
-              <a:rPr lang="en-US" dirty="0" err="1"/>
-              <a:t>visualisation</a:t>
+              <a:t>IM2GPS visualization</a:t>
             </a:r>
             <a:endParaRPr lang="de-DE" dirty="0"/>
           </a:p>
@@ -5196,7 +4135,7 @@
         <p:spPr>
           <a:xfrm>
             <a:off x="5589096" y="6165304"/>
-            <a:ext cx="3544560" cy="338554"/>
+            <a:ext cx="3108543" cy="307777"/>
           </a:xfrm>
           <a:prstGeom prst="rect">
             <a:avLst/>
@@ -5209,7 +4148,7 @@
           <a:lstStyle/>
           <a:p>
             <a:r>
-              <a:rPr lang="de-DE" sz="1600" dirty="0">
+              <a:rPr lang="de-DE" sz="1400" dirty="0">
                 <a:solidFill>
                   <a:schemeClr val="bg2">
                     <a:lumMod val="60000"/>
@@ -5222,7 +4161,7 @@
               <a:t>[</a:t>
             </a:r>
             <a:r>
-              <a:rPr lang="de-DE" sz="1600" dirty="0" err="1">
+              <a:rPr lang="de-DE" sz="1400" dirty="0" err="1">
                 <a:solidFill>
                   <a:schemeClr val="bg2">
                     <a:lumMod val="60000"/>
@@ -5235,7 +4174,7 @@
               <a:t>source</a:t>
             </a:r>
             <a:r>
-              <a:rPr lang="de-DE" sz="1600" dirty="0">
+              <a:rPr lang="de-DE" sz="1400" dirty="0">
                 <a:solidFill>
                   <a:schemeClr val="bg2">
                     <a:lumMod val="60000"/>
@@ -5247,16 +4186,6 @@
               </a:rPr>
               <a:t>: http://graphics.cs.cmu.edu/] </a:t>
             </a:r>
-            <a:endParaRPr lang="de-DE" sz="1600" dirty="0">
-              <a:solidFill>
-                <a:schemeClr val="bg2">
-                  <a:lumMod val="60000"/>
-                  <a:lumOff val="40000"/>
-                </a:schemeClr>
-              </a:solidFill>
-              <a:latin typeface="Helvetica" panose="020B0604020202020204" pitchFamily="34" charset="0"/>
-              <a:cs typeface="Helvetica" panose="020B0604020202020204" pitchFamily="34" charset="0"/>
-            </a:endParaRPr>
           </a:p>
         </p:txBody>
       </p:sp>
@@ -5369,7 +4298,7 @@
 </p:sld>
 </file>
 
-<file path=ppt/slides/slide7.xml><?xml version="1.0" encoding="utf-8"?>
+<file path=ppt/slides/slide13.xml><?xml version="1.0" encoding="utf-8"?>
 <p:sld xmlns:a="http://schemas.openxmlformats.org/drawingml/2006/main" xmlns:r="http://schemas.openxmlformats.org/officeDocument/2006/relationships" xmlns:p="http://schemas.openxmlformats.org/presentationml/2006/main">
   <p:cSld>
     <p:spTree>
@@ -5396,7 +4325,7 @@
         </p:nvSpPr>
         <p:spPr bwMode="auto">
           <a:xfrm>
-            <a:off x="780718" y="0"/>
+            <a:off x="611560" y="116632"/>
             <a:ext cx="7467600" cy="1143000"/>
           </a:xfrm>
           <a:prstGeom prst="rect">
@@ -5618,8 +4547,8 @@
         </p:nvSpPr>
         <p:spPr>
           <a:xfrm>
-            <a:off x="780718" y="2204864"/>
-            <a:ext cx="7467600" cy="3552844"/>
+            <a:off x="4499992" y="2204864"/>
+            <a:ext cx="3748326" cy="3552844"/>
           </a:xfrm>
         </p:spPr>
         <p:txBody>
@@ -5746,19 +4675,39 @@
               </a:rPr>
               <a:t>, 2016] </a:t>
             </a:r>
-            <a:endParaRPr lang="de-DE" sz="1600" dirty="0">
-              <a:solidFill>
-                <a:schemeClr val="bg2">
-                  <a:lumMod val="60000"/>
-                  <a:lumOff val="40000"/>
-                </a:schemeClr>
-              </a:solidFill>
-              <a:latin typeface="Helvetica" panose="020B0604020202020204" pitchFamily="34" charset="0"/>
-              <a:cs typeface="Helvetica" panose="020B0604020202020204" pitchFamily="34" charset="0"/>
-            </a:endParaRPr>
           </a:p>
         </p:txBody>
       </p:sp>
+      <p:pic>
+        <p:nvPicPr>
+          <p:cNvPr id="4" name="Grafik 3"/>
+          <p:cNvPicPr>
+            <a:picLocks noChangeAspect="1"/>
+          </p:cNvPicPr>
+          <p:nvPr/>
+        </p:nvPicPr>
+        <p:blipFill>
+          <a:blip r:embed="rId2">
+            <a:extLst>
+              <a:ext uri="{28A0092B-C50C-407E-A947-70E740481C1C}">
+                <a14:useLocalDpi xmlns:a14="http://schemas.microsoft.com/office/drawing/2010/main" val="0"/>
+              </a:ext>
+            </a:extLst>
+          </a:blip>
+          <a:stretch>
+            <a:fillRect/>
+          </a:stretch>
+        </p:blipFill>
+        <p:spPr>
+          <a:xfrm>
+            <a:off x="780718" y="2138990"/>
+            <a:ext cx="3456386" cy="3684592"/>
+          </a:xfrm>
+          <a:prstGeom prst="rect">
+            <a:avLst/>
+          </a:prstGeom>
+        </p:spPr>
+      </p:pic>
     </p:spTree>
     <p:extLst>
       <p:ext uri="{BB962C8B-B14F-4D97-AF65-F5344CB8AC3E}">
@@ -5772,7 +4721,7 @@
 </p:sld>
 </file>
 
-<file path=ppt/slides/slide8.xml><?xml version="1.0" encoding="utf-8"?>
+<file path=ppt/slides/slide14.xml><?xml version="1.0" encoding="utf-8"?>
 <p:sld xmlns:a="http://schemas.openxmlformats.org/drawingml/2006/main" xmlns:r="http://schemas.openxmlformats.org/officeDocument/2006/relationships" xmlns:p="http://schemas.openxmlformats.org/presentationml/2006/main">
   <p:cSld>
     <p:spTree>
@@ -5799,7 +4748,7 @@
         </p:nvSpPr>
         <p:spPr bwMode="auto">
           <a:xfrm>
-            <a:off x="780718" y="0"/>
+            <a:off x="683568" y="116632"/>
             <a:ext cx="7467600" cy="1143000"/>
           </a:xfrm>
           <a:prstGeom prst="rect">
@@ -6050,7 +4999,1774 @@
 </p:sld>
 </file>
 
-<file path=ppt/slides/slide9.xml><?xml version="1.0" encoding="utf-8"?>
+<file path=ppt/slides/slide15.xml><?xml version="1.0" encoding="utf-8"?>
+<p:sld xmlns:a="http://schemas.openxmlformats.org/drawingml/2006/main" xmlns:r="http://schemas.openxmlformats.org/officeDocument/2006/relationships" xmlns:p="http://schemas.openxmlformats.org/presentationml/2006/main">
+  <p:cSld>
+    <p:spTree>
+      <p:nvGrpSpPr>
+        <p:cNvPr id="1" name=""/>
+        <p:cNvGrpSpPr/>
+        <p:nvPr/>
+      </p:nvGrpSpPr>
+      <p:grpSpPr>
+        <a:xfrm>
+          <a:off x="0" y="0"/>
+          <a:ext cx="0" cy="0"/>
+          <a:chOff x="0" y="0"/>
+          <a:chExt cx="0" cy="0"/>
+        </a:xfrm>
+      </p:grpSpPr>
+      <p:sp>
+        <p:nvSpPr>
+          <p:cNvPr id="5" name="Titel 1"/>
+          <p:cNvSpPr txBox="1">
+            <a:spLocks/>
+          </p:cNvSpPr>
+          <p:nvPr/>
+        </p:nvSpPr>
+        <p:spPr bwMode="auto">
+          <a:xfrm>
+            <a:off x="755576" y="116632"/>
+            <a:ext cx="7467600" cy="1143000"/>
+          </a:xfrm>
+          <a:prstGeom prst="rect">
+            <a:avLst/>
+          </a:prstGeom>
+          <a:noFill/>
+          <a:ln>
+            <a:noFill/>
+          </a:ln>
+          <a:extLst>
+            <a:ext uri="{909E8E84-426E-40DD-AFC4-6F175D3DCCD1}">
+              <a14:hiddenFill xmlns:a14="http://schemas.microsoft.com/office/drawing/2010/main">
+                <a:solidFill>
+                  <a:srgbClr val="FFFFFF"/>
+                </a:solidFill>
+              </a14:hiddenFill>
+            </a:ext>
+            <a:ext uri="{91240B29-F687-4F45-9708-019B960494DF}">
+              <a14:hiddenLine xmlns:a14="http://schemas.microsoft.com/office/drawing/2010/main" w="9525">
+                <a:solidFill>
+                  <a:srgbClr val="000000"/>
+                </a:solidFill>
+                <a:miter lim="800000"/>
+                <a:headEnd/>
+                <a:tailEnd/>
+              </a14:hiddenLine>
+            </a:ext>
+          </a:extLst>
+        </p:spPr>
+        <p:txBody>
+          <a:bodyPr vert="horz" wrap="square" lIns="91440" tIns="45720" rIns="91440" bIns="45720" numCol="1" anchor="ctr" anchorCtr="0" compatLnSpc="1">
+            <a:prstTxWarp prst="textNoShape">
+              <a:avLst/>
+            </a:prstTxWarp>
+          </a:bodyPr>
+          <a:lstStyle>
+            <a:lvl1pPr algn="l" rtl="0" eaLnBrk="1" fontAlgn="base" hangingPunct="1">
+              <a:spcBef>
+                <a:spcPct val="0"/>
+              </a:spcBef>
+              <a:spcAft>
+                <a:spcPct val="0"/>
+              </a:spcAft>
+              <a:defRPr sz="2800">
+                <a:solidFill>
+                  <a:srgbClr val="00407A"/>
+                </a:solidFill>
+                <a:latin typeface="Arial" charset="0"/>
+                <a:ea typeface="+mj-ea"/>
+                <a:cs typeface="+mj-cs"/>
+              </a:defRPr>
+            </a:lvl1pPr>
+            <a:lvl2pPr algn="l" rtl="0" eaLnBrk="1" fontAlgn="base" hangingPunct="1">
+              <a:spcBef>
+                <a:spcPct val="0"/>
+              </a:spcBef>
+              <a:spcAft>
+                <a:spcPct val="0"/>
+              </a:spcAft>
+              <a:defRPr sz="2800">
+                <a:solidFill>
+                  <a:srgbClr val="00407A"/>
+                </a:solidFill>
+                <a:latin typeface="Arial" charset="0"/>
+              </a:defRPr>
+            </a:lvl2pPr>
+            <a:lvl3pPr algn="l" rtl="0" eaLnBrk="1" fontAlgn="base" hangingPunct="1">
+              <a:spcBef>
+                <a:spcPct val="0"/>
+              </a:spcBef>
+              <a:spcAft>
+                <a:spcPct val="0"/>
+              </a:spcAft>
+              <a:defRPr sz="2800">
+                <a:solidFill>
+                  <a:srgbClr val="00407A"/>
+                </a:solidFill>
+                <a:latin typeface="Arial" charset="0"/>
+              </a:defRPr>
+            </a:lvl3pPr>
+            <a:lvl4pPr algn="l" rtl="0" eaLnBrk="1" fontAlgn="base" hangingPunct="1">
+              <a:spcBef>
+                <a:spcPct val="0"/>
+              </a:spcBef>
+              <a:spcAft>
+                <a:spcPct val="0"/>
+              </a:spcAft>
+              <a:defRPr sz="2800">
+                <a:solidFill>
+                  <a:srgbClr val="00407A"/>
+                </a:solidFill>
+                <a:latin typeface="Arial" charset="0"/>
+              </a:defRPr>
+            </a:lvl4pPr>
+            <a:lvl5pPr algn="l" rtl="0" eaLnBrk="1" fontAlgn="base" hangingPunct="1">
+              <a:spcBef>
+                <a:spcPct val="0"/>
+              </a:spcBef>
+              <a:spcAft>
+                <a:spcPct val="0"/>
+              </a:spcAft>
+              <a:defRPr sz="2800">
+                <a:solidFill>
+                  <a:srgbClr val="00407A"/>
+                </a:solidFill>
+                <a:latin typeface="Arial" charset="0"/>
+              </a:defRPr>
+            </a:lvl5pPr>
+            <a:lvl6pPr marL="457200" algn="l" rtl="0" eaLnBrk="1" fontAlgn="base" hangingPunct="1">
+              <a:spcBef>
+                <a:spcPct val="0"/>
+              </a:spcBef>
+              <a:spcAft>
+                <a:spcPct val="0"/>
+              </a:spcAft>
+              <a:defRPr sz="2800" b="1">
+                <a:solidFill>
+                  <a:srgbClr val="00407A"/>
+                </a:solidFill>
+                <a:latin typeface="UB Scala" pitchFamily="2" charset="0"/>
+              </a:defRPr>
+            </a:lvl6pPr>
+            <a:lvl7pPr marL="914400" algn="l" rtl="0" eaLnBrk="1" fontAlgn="base" hangingPunct="1">
+              <a:spcBef>
+                <a:spcPct val="0"/>
+              </a:spcBef>
+              <a:spcAft>
+                <a:spcPct val="0"/>
+              </a:spcAft>
+              <a:defRPr sz="2800" b="1">
+                <a:solidFill>
+                  <a:srgbClr val="00407A"/>
+                </a:solidFill>
+                <a:latin typeface="UB Scala" pitchFamily="2" charset="0"/>
+              </a:defRPr>
+            </a:lvl7pPr>
+            <a:lvl8pPr marL="1371600" algn="l" rtl="0" eaLnBrk="1" fontAlgn="base" hangingPunct="1">
+              <a:spcBef>
+                <a:spcPct val="0"/>
+              </a:spcBef>
+              <a:spcAft>
+                <a:spcPct val="0"/>
+              </a:spcAft>
+              <a:defRPr sz="2800" b="1">
+                <a:solidFill>
+                  <a:srgbClr val="00407A"/>
+                </a:solidFill>
+                <a:latin typeface="UB Scala" pitchFamily="2" charset="0"/>
+              </a:defRPr>
+            </a:lvl8pPr>
+            <a:lvl9pPr marL="1828800" algn="l" rtl="0" eaLnBrk="1" fontAlgn="base" hangingPunct="1">
+              <a:spcBef>
+                <a:spcPct val="0"/>
+              </a:spcBef>
+              <a:spcAft>
+                <a:spcPct val="0"/>
+              </a:spcAft>
+              <a:defRPr sz="2800" b="1">
+                <a:solidFill>
+                  <a:srgbClr val="00407A"/>
+                </a:solidFill>
+                <a:latin typeface="UB Scala" pitchFamily="2" charset="0"/>
+              </a:defRPr>
+            </a:lvl9pPr>
+          </a:lstStyle>
+          <a:p>
+            <a:r>
+              <a:rPr lang="de-DE" kern="0" dirty="0">
+                <a:solidFill>
+                  <a:schemeClr val="bg1"/>
+                </a:solidFill>
+              </a:rPr>
+              <a:t>Datasets</a:t>
+            </a:r>
+          </a:p>
+        </p:txBody>
+      </p:sp>
+      <p:sp>
+        <p:nvSpPr>
+          <p:cNvPr id="2" name="Inhaltsplatzhalter 1"/>
+          <p:cNvSpPr>
+            <a:spLocks noGrp="1"/>
+          </p:cNvSpPr>
+          <p:nvPr>
+            <p:ph idx="1"/>
+          </p:nvPr>
+        </p:nvSpPr>
+        <p:spPr/>
+        <p:txBody>
+          <a:bodyPr/>
+          <a:lstStyle/>
+          <a:p>
+            <a:r>
+              <a:rPr lang="en-US" dirty="0"/>
+              <a:t>Flickr Yahoo! </a:t>
+            </a:r>
+          </a:p>
+          <a:p>
+            <a:r>
+              <a:rPr lang="en-US" dirty="0"/>
+              <a:t>Google </a:t>
+            </a:r>
+            <a:r>
+              <a:rPr lang="en-US" dirty="0" err="1"/>
+              <a:t>StreetView</a:t>
+            </a:r>
+            <a:endParaRPr lang="de-DE" dirty="0"/>
+          </a:p>
+        </p:txBody>
+      </p:sp>
+    </p:spTree>
+    <p:extLst>
+      <p:ext uri="{BB962C8B-B14F-4D97-AF65-F5344CB8AC3E}">
+        <p14:creationId xmlns:p14="http://schemas.microsoft.com/office/powerpoint/2010/main" val="1573099297"/>
+      </p:ext>
+    </p:extLst>
+  </p:cSld>
+  <p:clrMapOvr>
+    <a:masterClrMapping/>
+  </p:clrMapOvr>
+</p:sld>
+</file>
+
+<file path=ppt/slides/slide16.xml><?xml version="1.0" encoding="utf-8"?>
+<p:sld xmlns:a="http://schemas.openxmlformats.org/drawingml/2006/main" xmlns:r="http://schemas.openxmlformats.org/officeDocument/2006/relationships" xmlns:p="http://schemas.openxmlformats.org/presentationml/2006/main">
+  <p:cSld>
+    <p:spTree>
+      <p:nvGrpSpPr>
+        <p:cNvPr id="1" name=""/>
+        <p:cNvGrpSpPr/>
+        <p:nvPr/>
+      </p:nvGrpSpPr>
+      <p:grpSpPr>
+        <a:xfrm>
+          <a:off x="0" y="0"/>
+          <a:ext cx="0" cy="0"/>
+          <a:chOff x="0" y="0"/>
+          <a:chExt cx="0" cy="0"/>
+        </a:xfrm>
+      </p:grpSpPr>
+      <p:sp>
+        <p:nvSpPr>
+          <p:cNvPr id="2" name="Titel 1"/>
+          <p:cNvSpPr>
+            <a:spLocks noGrp="1"/>
+          </p:cNvSpPr>
+          <p:nvPr>
+            <p:ph type="title"/>
+          </p:nvPr>
+        </p:nvSpPr>
+        <p:spPr/>
+        <p:txBody>
+          <a:bodyPr/>
+          <a:lstStyle/>
+          <a:p>
+            <a:endParaRPr lang="de-DE"/>
+          </a:p>
+        </p:txBody>
+      </p:sp>
+      <p:sp>
+        <p:nvSpPr>
+          <p:cNvPr id="3" name="Inhaltsplatzhalter 2"/>
+          <p:cNvSpPr>
+            <a:spLocks noGrp="1"/>
+          </p:cNvSpPr>
+          <p:nvPr>
+            <p:ph idx="1"/>
+          </p:nvPr>
+        </p:nvSpPr>
+        <p:spPr/>
+        <p:txBody>
+          <a:bodyPr/>
+          <a:lstStyle/>
+          <a:p>
+            <a:endParaRPr lang="de-DE"/>
+          </a:p>
+        </p:txBody>
+      </p:sp>
+    </p:spTree>
+    <p:extLst>
+      <p:ext uri="{BB962C8B-B14F-4D97-AF65-F5344CB8AC3E}">
+        <p14:creationId xmlns:p14="http://schemas.microsoft.com/office/powerpoint/2010/main" val="1398661817"/>
+      </p:ext>
+    </p:extLst>
+  </p:cSld>
+  <p:clrMapOvr>
+    <a:masterClrMapping/>
+  </p:clrMapOvr>
+</p:sld>
+</file>
+
+<file path=ppt/slides/slide17.xml><?xml version="1.0" encoding="utf-8"?>
+<p:sld xmlns:a="http://schemas.openxmlformats.org/drawingml/2006/main" xmlns:r="http://schemas.openxmlformats.org/officeDocument/2006/relationships" xmlns:p="http://schemas.openxmlformats.org/presentationml/2006/main">
+  <p:cSld>
+    <p:spTree>
+      <p:nvGrpSpPr>
+        <p:cNvPr id="1" name=""/>
+        <p:cNvGrpSpPr/>
+        <p:nvPr/>
+      </p:nvGrpSpPr>
+      <p:grpSpPr>
+        <a:xfrm>
+          <a:off x="0" y="0"/>
+          <a:ext cx="0" cy="0"/>
+          <a:chOff x="0" y="0"/>
+          <a:chExt cx="0" cy="0"/>
+        </a:xfrm>
+      </p:grpSpPr>
+      <p:sp>
+        <p:nvSpPr>
+          <p:cNvPr id="4" name="Inhaltsplatzhalter 2"/>
+          <p:cNvSpPr txBox="1">
+            <a:spLocks/>
+          </p:cNvSpPr>
+          <p:nvPr/>
+        </p:nvSpPr>
+        <p:spPr bwMode="auto">
+          <a:xfrm>
+            <a:off x="780718" y="1412776"/>
+            <a:ext cx="7467600" cy="4704972"/>
+          </a:xfrm>
+          <a:prstGeom prst="rect">
+            <a:avLst/>
+          </a:prstGeom>
+          <a:noFill/>
+          <a:ln>
+            <a:noFill/>
+          </a:ln>
+          <a:extLst>
+            <a:ext uri="{909E8E84-426E-40DD-AFC4-6F175D3DCCD1}">
+              <a14:hiddenFill xmlns:a14="http://schemas.microsoft.com/office/drawing/2010/main">
+                <a:solidFill>
+                  <a:srgbClr val="FFFFFF"/>
+                </a:solidFill>
+              </a14:hiddenFill>
+            </a:ext>
+            <a:ext uri="{91240B29-F687-4F45-9708-019B960494DF}">
+              <a14:hiddenLine xmlns:a14="http://schemas.microsoft.com/office/drawing/2010/main" w="9525">
+                <a:solidFill>
+                  <a:srgbClr val="000000"/>
+                </a:solidFill>
+                <a:miter lim="800000"/>
+                <a:headEnd/>
+                <a:tailEnd/>
+              </a14:hiddenLine>
+            </a:ext>
+          </a:extLst>
+        </p:spPr>
+        <p:txBody>
+          <a:bodyPr vert="horz" wrap="square" lIns="91440" tIns="45720" rIns="91440" bIns="45720" numCol="1" anchor="t" anchorCtr="0" compatLnSpc="1">
+            <a:prstTxWarp prst="textNoShape">
+              <a:avLst/>
+            </a:prstTxWarp>
+          </a:bodyPr>
+          <a:lstStyle>
+            <a:lvl1pPr marL="342900" indent="-342900" algn="l" rtl="0" eaLnBrk="1" fontAlgn="base" hangingPunct="1">
+              <a:spcBef>
+                <a:spcPct val="20000"/>
+              </a:spcBef>
+              <a:spcAft>
+                <a:spcPct val="0"/>
+              </a:spcAft>
+              <a:buChar char="•"/>
+              <a:defRPr sz="2200">
+                <a:solidFill>
+                  <a:schemeClr val="tx1"/>
+                </a:solidFill>
+                <a:latin typeface="Arial" charset="0"/>
+                <a:ea typeface="+mn-ea"/>
+                <a:cs typeface="+mn-cs"/>
+              </a:defRPr>
+            </a:lvl1pPr>
+            <a:lvl2pPr marL="742950" indent="-285750" algn="l" rtl="0" eaLnBrk="1" fontAlgn="base" hangingPunct="1">
+              <a:spcBef>
+                <a:spcPct val="20000"/>
+              </a:spcBef>
+              <a:spcAft>
+                <a:spcPct val="0"/>
+              </a:spcAft>
+              <a:buChar char="•"/>
+              <a:defRPr sz="2000">
+                <a:solidFill>
+                  <a:schemeClr val="tx1"/>
+                </a:solidFill>
+                <a:latin typeface="Arial" charset="0"/>
+              </a:defRPr>
+            </a:lvl2pPr>
+            <a:lvl3pPr marL="1143000" indent="-228600" algn="l" rtl="0" eaLnBrk="1" fontAlgn="base" hangingPunct="1">
+              <a:spcBef>
+                <a:spcPct val="20000"/>
+              </a:spcBef>
+              <a:spcAft>
+                <a:spcPct val="0"/>
+              </a:spcAft>
+              <a:buFont typeface="Wingdings" pitchFamily="2" charset="2"/>
+              <a:buChar char="§"/>
+              <a:defRPr>
+                <a:solidFill>
+                  <a:schemeClr val="tx1"/>
+                </a:solidFill>
+                <a:latin typeface="Arial" charset="0"/>
+              </a:defRPr>
+            </a:lvl3pPr>
+            <a:lvl4pPr marL="1600200" indent="-228600" algn="l" rtl="0" eaLnBrk="1" fontAlgn="base" hangingPunct="1">
+              <a:spcBef>
+                <a:spcPct val="20000"/>
+              </a:spcBef>
+              <a:spcAft>
+                <a:spcPct val="0"/>
+              </a:spcAft>
+              <a:buChar char="+"/>
+              <a:defRPr sz="1600">
+                <a:solidFill>
+                  <a:schemeClr val="tx1"/>
+                </a:solidFill>
+                <a:latin typeface="Arial" charset="0"/>
+              </a:defRPr>
+            </a:lvl4pPr>
+            <a:lvl5pPr marL="2057400" indent="-228600" algn="l" rtl="0" eaLnBrk="1" fontAlgn="base" hangingPunct="1">
+              <a:spcBef>
+                <a:spcPct val="20000"/>
+              </a:spcBef>
+              <a:spcAft>
+                <a:spcPct val="0"/>
+              </a:spcAft>
+              <a:buChar char="–"/>
+              <a:defRPr sz="1400">
+                <a:solidFill>
+                  <a:schemeClr val="tx1"/>
+                </a:solidFill>
+                <a:latin typeface="Arial" charset="0"/>
+              </a:defRPr>
+            </a:lvl5pPr>
+            <a:lvl6pPr marL="2514600" indent="-228600" algn="l" rtl="0" eaLnBrk="1" fontAlgn="base" hangingPunct="1">
+              <a:spcBef>
+                <a:spcPct val="20000"/>
+              </a:spcBef>
+              <a:spcAft>
+                <a:spcPct val="0"/>
+              </a:spcAft>
+              <a:buChar char="–"/>
+              <a:defRPr sz="1400">
+                <a:solidFill>
+                  <a:schemeClr val="tx1"/>
+                </a:solidFill>
+                <a:latin typeface="+mn-lt"/>
+              </a:defRPr>
+            </a:lvl6pPr>
+            <a:lvl7pPr marL="2971800" indent="-228600" algn="l" rtl="0" eaLnBrk="1" fontAlgn="base" hangingPunct="1">
+              <a:spcBef>
+                <a:spcPct val="20000"/>
+              </a:spcBef>
+              <a:spcAft>
+                <a:spcPct val="0"/>
+              </a:spcAft>
+              <a:buChar char="–"/>
+              <a:defRPr sz="1400">
+                <a:solidFill>
+                  <a:schemeClr val="tx1"/>
+                </a:solidFill>
+                <a:latin typeface="+mn-lt"/>
+              </a:defRPr>
+            </a:lvl7pPr>
+            <a:lvl8pPr marL="3429000" indent="-228600" algn="l" rtl="0" eaLnBrk="1" fontAlgn="base" hangingPunct="1">
+              <a:spcBef>
+                <a:spcPct val="20000"/>
+              </a:spcBef>
+              <a:spcAft>
+                <a:spcPct val="0"/>
+              </a:spcAft>
+              <a:buChar char="–"/>
+              <a:defRPr sz="1400">
+                <a:solidFill>
+                  <a:schemeClr val="tx1"/>
+                </a:solidFill>
+                <a:latin typeface="+mn-lt"/>
+              </a:defRPr>
+            </a:lvl8pPr>
+            <a:lvl9pPr marL="3886200" indent="-228600" algn="l" rtl="0" eaLnBrk="1" fontAlgn="base" hangingPunct="1">
+              <a:spcBef>
+                <a:spcPct val="20000"/>
+              </a:spcBef>
+              <a:spcAft>
+                <a:spcPct val="0"/>
+              </a:spcAft>
+              <a:buChar char="–"/>
+              <a:defRPr sz="1400">
+                <a:solidFill>
+                  <a:schemeClr val="tx1"/>
+                </a:solidFill>
+                <a:latin typeface="+mn-lt"/>
+              </a:defRPr>
+            </a:lvl9pPr>
+          </a:lstStyle>
+          <a:p>
+            <a:r>
+              <a:rPr lang="en-US" kern="0" dirty="0"/>
+              <a:t>Bamberger Dom</a:t>
+            </a:r>
+          </a:p>
+          <a:p>
+            <a:r>
+              <a:rPr lang="en-US" kern="0" dirty="0" err="1"/>
+              <a:t>Altes</a:t>
+            </a:r>
+            <a:r>
+              <a:rPr lang="en-US" kern="0" dirty="0"/>
+              <a:t> </a:t>
+            </a:r>
+            <a:r>
+              <a:rPr lang="en-US" kern="0" dirty="0" err="1"/>
+              <a:t>Rathaus</a:t>
+            </a:r>
+            <a:endParaRPr lang="en-US" kern="0" dirty="0"/>
+          </a:p>
+          <a:p>
+            <a:r>
+              <a:rPr lang="de-DE" kern="0" dirty="0"/>
+              <a:t>Kloster Michelsberg</a:t>
+            </a:r>
+            <a:endParaRPr lang="en-US" kern="0" dirty="0"/>
+          </a:p>
+          <a:p>
+            <a:r>
+              <a:rPr lang="en-US" kern="0" dirty="0"/>
+              <a:t>Klein </a:t>
+            </a:r>
+            <a:r>
+              <a:rPr lang="en-US" kern="0" dirty="0" err="1"/>
+              <a:t>Venedig</a:t>
+            </a:r>
+            <a:endParaRPr lang="en-US" kern="0" dirty="0"/>
+          </a:p>
+          <a:p>
+            <a:r>
+              <a:rPr lang="en-US" kern="0" dirty="0"/>
+              <a:t>Altenburg</a:t>
+            </a:r>
+          </a:p>
+          <a:p>
+            <a:r>
+              <a:rPr lang="en-US" kern="0" dirty="0"/>
+              <a:t>Neue </a:t>
+            </a:r>
+            <a:r>
+              <a:rPr lang="en-US" kern="0" dirty="0" err="1"/>
+              <a:t>Residenz</a:t>
+            </a:r>
+            <a:endParaRPr lang="en-US" kern="0" dirty="0"/>
+          </a:p>
+          <a:p>
+            <a:endParaRPr lang="de-DE" kern="0" dirty="0"/>
+          </a:p>
+        </p:txBody>
+      </p:sp>
+      <p:sp>
+        <p:nvSpPr>
+          <p:cNvPr id="5" name="Titel 1"/>
+          <p:cNvSpPr txBox="1">
+            <a:spLocks/>
+          </p:cNvSpPr>
+          <p:nvPr/>
+        </p:nvSpPr>
+        <p:spPr bwMode="auto">
+          <a:xfrm>
+            <a:off x="780718" y="0"/>
+            <a:ext cx="7467600" cy="1143000"/>
+          </a:xfrm>
+          <a:prstGeom prst="rect">
+            <a:avLst/>
+          </a:prstGeom>
+          <a:noFill/>
+          <a:ln>
+            <a:noFill/>
+          </a:ln>
+          <a:extLst>
+            <a:ext uri="{909E8E84-426E-40DD-AFC4-6F175D3DCCD1}">
+              <a14:hiddenFill xmlns:a14="http://schemas.microsoft.com/office/drawing/2010/main">
+                <a:solidFill>
+                  <a:srgbClr val="FFFFFF"/>
+                </a:solidFill>
+              </a14:hiddenFill>
+            </a:ext>
+            <a:ext uri="{91240B29-F687-4F45-9708-019B960494DF}">
+              <a14:hiddenLine xmlns:a14="http://schemas.microsoft.com/office/drawing/2010/main" w="9525">
+                <a:solidFill>
+                  <a:srgbClr val="000000"/>
+                </a:solidFill>
+                <a:miter lim="800000"/>
+                <a:headEnd/>
+                <a:tailEnd/>
+              </a14:hiddenLine>
+            </a:ext>
+          </a:extLst>
+        </p:spPr>
+        <p:txBody>
+          <a:bodyPr vert="horz" wrap="square" lIns="91440" tIns="45720" rIns="91440" bIns="45720" numCol="1" anchor="ctr" anchorCtr="0" compatLnSpc="1">
+            <a:prstTxWarp prst="textNoShape">
+              <a:avLst/>
+            </a:prstTxWarp>
+          </a:bodyPr>
+          <a:lstStyle>
+            <a:lvl1pPr algn="l" rtl="0" eaLnBrk="1" fontAlgn="base" hangingPunct="1">
+              <a:spcBef>
+                <a:spcPct val="0"/>
+              </a:spcBef>
+              <a:spcAft>
+                <a:spcPct val="0"/>
+              </a:spcAft>
+              <a:defRPr sz="2800">
+                <a:solidFill>
+                  <a:srgbClr val="00407A"/>
+                </a:solidFill>
+                <a:latin typeface="Arial" charset="0"/>
+                <a:ea typeface="+mj-ea"/>
+                <a:cs typeface="+mj-cs"/>
+              </a:defRPr>
+            </a:lvl1pPr>
+            <a:lvl2pPr algn="l" rtl="0" eaLnBrk="1" fontAlgn="base" hangingPunct="1">
+              <a:spcBef>
+                <a:spcPct val="0"/>
+              </a:spcBef>
+              <a:spcAft>
+                <a:spcPct val="0"/>
+              </a:spcAft>
+              <a:defRPr sz="2800">
+                <a:solidFill>
+                  <a:srgbClr val="00407A"/>
+                </a:solidFill>
+                <a:latin typeface="Arial" charset="0"/>
+              </a:defRPr>
+            </a:lvl2pPr>
+            <a:lvl3pPr algn="l" rtl="0" eaLnBrk="1" fontAlgn="base" hangingPunct="1">
+              <a:spcBef>
+                <a:spcPct val="0"/>
+              </a:spcBef>
+              <a:spcAft>
+                <a:spcPct val="0"/>
+              </a:spcAft>
+              <a:defRPr sz="2800">
+                <a:solidFill>
+                  <a:srgbClr val="00407A"/>
+                </a:solidFill>
+                <a:latin typeface="Arial" charset="0"/>
+              </a:defRPr>
+            </a:lvl3pPr>
+            <a:lvl4pPr algn="l" rtl="0" eaLnBrk="1" fontAlgn="base" hangingPunct="1">
+              <a:spcBef>
+                <a:spcPct val="0"/>
+              </a:spcBef>
+              <a:spcAft>
+                <a:spcPct val="0"/>
+              </a:spcAft>
+              <a:defRPr sz="2800">
+                <a:solidFill>
+                  <a:srgbClr val="00407A"/>
+                </a:solidFill>
+                <a:latin typeface="Arial" charset="0"/>
+              </a:defRPr>
+            </a:lvl4pPr>
+            <a:lvl5pPr algn="l" rtl="0" eaLnBrk="1" fontAlgn="base" hangingPunct="1">
+              <a:spcBef>
+                <a:spcPct val="0"/>
+              </a:spcBef>
+              <a:spcAft>
+                <a:spcPct val="0"/>
+              </a:spcAft>
+              <a:defRPr sz="2800">
+                <a:solidFill>
+                  <a:srgbClr val="00407A"/>
+                </a:solidFill>
+                <a:latin typeface="Arial" charset="0"/>
+              </a:defRPr>
+            </a:lvl5pPr>
+            <a:lvl6pPr marL="457200" algn="l" rtl="0" eaLnBrk="1" fontAlgn="base" hangingPunct="1">
+              <a:spcBef>
+                <a:spcPct val="0"/>
+              </a:spcBef>
+              <a:spcAft>
+                <a:spcPct val="0"/>
+              </a:spcAft>
+              <a:defRPr sz="2800" b="1">
+                <a:solidFill>
+                  <a:srgbClr val="00407A"/>
+                </a:solidFill>
+                <a:latin typeface="UB Scala" pitchFamily="2" charset="0"/>
+              </a:defRPr>
+            </a:lvl6pPr>
+            <a:lvl7pPr marL="914400" algn="l" rtl="0" eaLnBrk="1" fontAlgn="base" hangingPunct="1">
+              <a:spcBef>
+                <a:spcPct val="0"/>
+              </a:spcBef>
+              <a:spcAft>
+                <a:spcPct val="0"/>
+              </a:spcAft>
+              <a:defRPr sz="2800" b="1">
+                <a:solidFill>
+                  <a:srgbClr val="00407A"/>
+                </a:solidFill>
+                <a:latin typeface="UB Scala" pitchFamily="2" charset="0"/>
+              </a:defRPr>
+            </a:lvl7pPr>
+            <a:lvl8pPr marL="1371600" algn="l" rtl="0" eaLnBrk="1" fontAlgn="base" hangingPunct="1">
+              <a:spcBef>
+                <a:spcPct val="0"/>
+              </a:spcBef>
+              <a:spcAft>
+                <a:spcPct val="0"/>
+              </a:spcAft>
+              <a:defRPr sz="2800" b="1">
+                <a:solidFill>
+                  <a:srgbClr val="00407A"/>
+                </a:solidFill>
+                <a:latin typeface="UB Scala" pitchFamily="2" charset="0"/>
+              </a:defRPr>
+            </a:lvl8pPr>
+            <a:lvl9pPr marL="1828800" algn="l" rtl="0" eaLnBrk="1" fontAlgn="base" hangingPunct="1">
+              <a:spcBef>
+                <a:spcPct val="0"/>
+              </a:spcBef>
+              <a:spcAft>
+                <a:spcPct val="0"/>
+              </a:spcAft>
+              <a:defRPr sz="2800" b="1">
+                <a:solidFill>
+                  <a:srgbClr val="00407A"/>
+                </a:solidFill>
+                <a:latin typeface="UB Scala" pitchFamily="2" charset="0"/>
+              </a:defRPr>
+            </a:lvl9pPr>
+          </a:lstStyle>
+          <a:p>
+            <a:r>
+              <a:rPr lang="de-DE" sz="2400" dirty="0">
+                <a:solidFill>
+                  <a:schemeClr val="bg1"/>
+                </a:solidFill>
+              </a:rPr>
+              <a:t>Bamberg </a:t>
+            </a:r>
+            <a:r>
+              <a:rPr lang="de-DE" sz="2400" dirty="0" err="1">
+                <a:solidFill>
+                  <a:schemeClr val="bg1"/>
+                </a:solidFill>
+              </a:rPr>
+              <a:t>Cit</a:t>
+            </a:r>
+            <a:r>
+              <a:rPr lang="en-US" sz="2400" dirty="0">
+                <a:solidFill>
+                  <a:schemeClr val="bg1"/>
+                </a:solidFill>
+              </a:rPr>
+              <a:t>y Points of Interest	</a:t>
+            </a:r>
+            <a:endParaRPr lang="de-DE" sz="2400" kern="0" dirty="0">
+              <a:solidFill>
+                <a:schemeClr val="bg1"/>
+              </a:solidFill>
+            </a:endParaRPr>
+          </a:p>
+        </p:txBody>
+      </p:sp>
+    </p:spTree>
+    <p:extLst>
+      <p:ext uri="{BB962C8B-B14F-4D97-AF65-F5344CB8AC3E}">
+        <p14:creationId xmlns:p14="http://schemas.microsoft.com/office/powerpoint/2010/main" val="580922275"/>
+      </p:ext>
+    </p:extLst>
+  </p:cSld>
+  <p:clrMapOvr>
+    <a:masterClrMapping/>
+  </p:clrMapOvr>
+</p:sld>
+</file>
+
+<file path=ppt/slides/slide18.xml><?xml version="1.0" encoding="utf-8"?>
+<p:sld xmlns:a="http://schemas.openxmlformats.org/drawingml/2006/main" xmlns:r="http://schemas.openxmlformats.org/officeDocument/2006/relationships" xmlns:p="http://schemas.openxmlformats.org/presentationml/2006/main">
+  <p:cSld>
+    <p:spTree>
+      <p:nvGrpSpPr>
+        <p:cNvPr id="1" name=""/>
+        <p:cNvGrpSpPr/>
+        <p:nvPr/>
+      </p:nvGrpSpPr>
+      <p:grpSpPr>
+        <a:xfrm>
+          <a:off x="0" y="0"/>
+          <a:ext cx="0" cy="0"/>
+          <a:chOff x="0" y="0"/>
+          <a:chExt cx="0" cy="0"/>
+        </a:xfrm>
+      </p:grpSpPr>
+      <p:sp>
+        <p:nvSpPr>
+          <p:cNvPr id="2" name="Titel 1"/>
+          <p:cNvSpPr>
+            <a:spLocks noGrp="1"/>
+          </p:cNvSpPr>
+          <p:nvPr>
+            <p:ph type="title"/>
+          </p:nvPr>
+        </p:nvSpPr>
+        <p:spPr/>
+        <p:txBody>
+          <a:bodyPr/>
+          <a:lstStyle/>
+          <a:p>
+            <a:endParaRPr lang="de-DE"/>
+          </a:p>
+        </p:txBody>
+      </p:sp>
+      <p:sp>
+        <p:nvSpPr>
+          <p:cNvPr id="3" name="Inhaltsplatzhalter 2"/>
+          <p:cNvSpPr>
+            <a:spLocks noGrp="1"/>
+          </p:cNvSpPr>
+          <p:nvPr>
+            <p:ph idx="1"/>
+          </p:nvPr>
+        </p:nvSpPr>
+        <p:spPr/>
+        <p:txBody>
+          <a:bodyPr/>
+          <a:lstStyle/>
+          <a:p>
+            <a:pPr marL="0" indent="0">
+              <a:buNone/>
+            </a:pPr>
+            <a:endParaRPr lang="de-DE" dirty="0"/>
+          </a:p>
+        </p:txBody>
+      </p:sp>
+      <p:sp>
+        <p:nvSpPr>
+          <p:cNvPr id="4" name="Titel 1"/>
+          <p:cNvSpPr txBox="1">
+            <a:spLocks/>
+          </p:cNvSpPr>
+          <p:nvPr/>
+        </p:nvSpPr>
+        <p:spPr bwMode="auto">
+          <a:xfrm>
+            <a:off x="780718" y="0"/>
+            <a:ext cx="7467600" cy="1143000"/>
+          </a:xfrm>
+          <a:prstGeom prst="rect">
+            <a:avLst/>
+          </a:prstGeom>
+          <a:noFill/>
+          <a:ln>
+            <a:noFill/>
+          </a:ln>
+          <a:extLst>
+            <a:ext uri="{909E8E84-426E-40DD-AFC4-6F175D3DCCD1}">
+              <a14:hiddenFill xmlns:a14="http://schemas.microsoft.com/office/drawing/2010/main">
+                <a:solidFill>
+                  <a:srgbClr val="FFFFFF"/>
+                </a:solidFill>
+              </a14:hiddenFill>
+            </a:ext>
+            <a:ext uri="{91240B29-F687-4F45-9708-019B960494DF}">
+              <a14:hiddenLine xmlns:a14="http://schemas.microsoft.com/office/drawing/2010/main" w="9525">
+                <a:solidFill>
+                  <a:srgbClr val="000000"/>
+                </a:solidFill>
+                <a:miter lim="800000"/>
+                <a:headEnd/>
+                <a:tailEnd/>
+              </a14:hiddenLine>
+            </a:ext>
+          </a:extLst>
+        </p:spPr>
+        <p:txBody>
+          <a:bodyPr vert="horz" wrap="square" lIns="91440" tIns="45720" rIns="91440" bIns="45720" numCol="1" anchor="ctr" anchorCtr="0" compatLnSpc="1">
+            <a:prstTxWarp prst="textNoShape">
+              <a:avLst/>
+            </a:prstTxWarp>
+          </a:bodyPr>
+          <a:lstStyle>
+            <a:lvl1pPr algn="l" rtl="0" eaLnBrk="1" fontAlgn="base" hangingPunct="1">
+              <a:spcBef>
+                <a:spcPct val="0"/>
+              </a:spcBef>
+              <a:spcAft>
+                <a:spcPct val="0"/>
+              </a:spcAft>
+              <a:defRPr sz="2800">
+                <a:solidFill>
+                  <a:srgbClr val="00407A"/>
+                </a:solidFill>
+                <a:latin typeface="Arial" charset="0"/>
+                <a:ea typeface="+mj-ea"/>
+                <a:cs typeface="+mj-cs"/>
+              </a:defRPr>
+            </a:lvl1pPr>
+            <a:lvl2pPr algn="l" rtl="0" eaLnBrk="1" fontAlgn="base" hangingPunct="1">
+              <a:spcBef>
+                <a:spcPct val="0"/>
+              </a:spcBef>
+              <a:spcAft>
+                <a:spcPct val="0"/>
+              </a:spcAft>
+              <a:defRPr sz="2800">
+                <a:solidFill>
+                  <a:srgbClr val="00407A"/>
+                </a:solidFill>
+                <a:latin typeface="Arial" charset="0"/>
+              </a:defRPr>
+            </a:lvl2pPr>
+            <a:lvl3pPr algn="l" rtl="0" eaLnBrk="1" fontAlgn="base" hangingPunct="1">
+              <a:spcBef>
+                <a:spcPct val="0"/>
+              </a:spcBef>
+              <a:spcAft>
+                <a:spcPct val="0"/>
+              </a:spcAft>
+              <a:defRPr sz="2800">
+                <a:solidFill>
+                  <a:srgbClr val="00407A"/>
+                </a:solidFill>
+                <a:latin typeface="Arial" charset="0"/>
+              </a:defRPr>
+            </a:lvl3pPr>
+            <a:lvl4pPr algn="l" rtl="0" eaLnBrk="1" fontAlgn="base" hangingPunct="1">
+              <a:spcBef>
+                <a:spcPct val="0"/>
+              </a:spcBef>
+              <a:spcAft>
+                <a:spcPct val="0"/>
+              </a:spcAft>
+              <a:defRPr sz="2800">
+                <a:solidFill>
+                  <a:srgbClr val="00407A"/>
+                </a:solidFill>
+                <a:latin typeface="Arial" charset="0"/>
+              </a:defRPr>
+            </a:lvl4pPr>
+            <a:lvl5pPr algn="l" rtl="0" eaLnBrk="1" fontAlgn="base" hangingPunct="1">
+              <a:spcBef>
+                <a:spcPct val="0"/>
+              </a:spcBef>
+              <a:spcAft>
+                <a:spcPct val="0"/>
+              </a:spcAft>
+              <a:defRPr sz="2800">
+                <a:solidFill>
+                  <a:srgbClr val="00407A"/>
+                </a:solidFill>
+                <a:latin typeface="Arial" charset="0"/>
+              </a:defRPr>
+            </a:lvl5pPr>
+            <a:lvl6pPr marL="457200" algn="l" rtl="0" eaLnBrk="1" fontAlgn="base" hangingPunct="1">
+              <a:spcBef>
+                <a:spcPct val="0"/>
+              </a:spcBef>
+              <a:spcAft>
+                <a:spcPct val="0"/>
+              </a:spcAft>
+              <a:defRPr sz="2800" b="1">
+                <a:solidFill>
+                  <a:srgbClr val="00407A"/>
+                </a:solidFill>
+                <a:latin typeface="UB Scala" pitchFamily="2" charset="0"/>
+              </a:defRPr>
+            </a:lvl6pPr>
+            <a:lvl7pPr marL="914400" algn="l" rtl="0" eaLnBrk="1" fontAlgn="base" hangingPunct="1">
+              <a:spcBef>
+                <a:spcPct val="0"/>
+              </a:spcBef>
+              <a:spcAft>
+                <a:spcPct val="0"/>
+              </a:spcAft>
+              <a:defRPr sz="2800" b="1">
+                <a:solidFill>
+                  <a:srgbClr val="00407A"/>
+                </a:solidFill>
+                <a:latin typeface="UB Scala" pitchFamily="2" charset="0"/>
+              </a:defRPr>
+            </a:lvl7pPr>
+            <a:lvl8pPr marL="1371600" algn="l" rtl="0" eaLnBrk="1" fontAlgn="base" hangingPunct="1">
+              <a:spcBef>
+                <a:spcPct val="0"/>
+              </a:spcBef>
+              <a:spcAft>
+                <a:spcPct val="0"/>
+              </a:spcAft>
+              <a:defRPr sz="2800" b="1">
+                <a:solidFill>
+                  <a:srgbClr val="00407A"/>
+                </a:solidFill>
+                <a:latin typeface="UB Scala" pitchFamily="2" charset="0"/>
+              </a:defRPr>
+            </a:lvl8pPr>
+            <a:lvl9pPr marL="1828800" algn="l" rtl="0" eaLnBrk="1" fontAlgn="base" hangingPunct="1">
+              <a:spcBef>
+                <a:spcPct val="0"/>
+              </a:spcBef>
+              <a:spcAft>
+                <a:spcPct val="0"/>
+              </a:spcAft>
+              <a:defRPr sz="2800" b="1">
+                <a:solidFill>
+                  <a:srgbClr val="00407A"/>
+                </a:solidFill>
+                <a:latin typeface="UB Scala" pitchFamily="2" charset="0"/>
+              </a:defRPr>
+            </a:lvl9pPr>
+          </a:lstStyle>
+          <a:p>
+            <a:r>
+              <a:rPr lang="en-US" dirty="0">
+                <a:solidFill>
+                  <a:schemeClr val="bg1"/>
+                </a:solidFill>
+              </a:rPr>
+              <a:t>References</a:t>
+            </a:r>
+            <a:endParaRPr lang="de-DE" kern="0" dirty="0">
+              <a:solidFill>
+                <a:schemeClr val="bg1"/>
+              </a:solidFill>
+            </a:endParaRPr>
+          </a:p>
+        </p:txBody>
+      </p:sp>
+    </p:spTree>
+    <p:extLst>
+      <p:ext uri="{BB962C8B-B14F-4D97-AF65-F5344CB8AC3E}">
+        <p14:creationId xmlns:p14="http://schemas.microsoft.com/office/powerpoint/2010/main" val="3088960105"/>
+      </p:ext>
+    </p:extLst>
+  </p:cSld>
+  <p:clrMapOvr>
+    <a:masterClrMapping/>
+  </p:clrMapOvr>
+</p:sld>
+</file>
+
+<file path=ppt/slides/slide2.xml><?xml version="1.0" encoding="utf-8"?>
+<p:sld xmlns:a="http://schemas.openxmlformats.org/drawingml/2006/main" xmlns:r="http://schemas.openxmlformats.org/officeDocument/2006/relationships" xmlns:p="http://schemas.openxmlformats.org/presentationml/2006/main">
+  <p:cSld>
+    <p:spTree>
+      <p:nvGrpSpPr>
+        <p:cNvPr id="1" name=""/>
+        <p:cNvGrpSpPr/>
+        <p:nvPr/>
+      </p:nvGrpSpPr>
+      <p:grpSpPr>
+        <a:xfrm>
+          <a:off x="0" y="0"/>
+          <a:ext cx="0" cy="0"/>
+          <a:chOff x="0" y="0"/>
+          <a:chExt cx="0" cy="0"/>
+        </a:xfrm>
+      </p:grpSpPr>
+      <p:sp>
+        <p:nvSpPr>
+          <p:cNvPr id="3" name="Inhaltsplatzhalter 2"/>
+          <p:cNvSpPr>
+            <a:spLocks noGrp="1"/>
+          </p:cNvSpPr>
+          <p:nvPr>
+            <p:ph idx="1"/>
+          </p:nvPr>
+        </p:nvSpPr>
+        <p:spPr>
+          <a:xfrm>
+            <a:off x="838200" y="1412776"/>
+            <a:ext cx="7467600" cy="4730868"/>
+          </a:xfrm>
+        </p:spPr>
+        <p:txBody>
+          <a:bodyPr/>
+          <a:lstStyle/>
+          <a:p>
+            <a:pPr marL="457200" indent="-457200">
+              <a:buFont typeface="+mj-lt"/>
+              <a:buAutoNum type="arabicPeriod"/>
+            </a:pPr>
+            <a:r>
+              <a:rPr lang="de-DE" dirty="0"/>
+              <a:t>Motivation</a:t>
+            </a:r>
+          </a:p>
+          <a:p>
+            <a:pPr marL="457200" indent="-457200">
+              <a:buFont typeface="+mj-lt"/>
+              <a:buAutoNum type="arabicPeriod"/>
+            </a:pPr>
+            <a:r>
+              <a:rPr lang="de-DE" dirty="0" err="1"/>
+              <a:t>What</a:t>
+            </a:r>
+            <a:r>
+              <a:rPr lang="de-DE" dirty="0"/>
+              <a:t> </a:t>
+            </a:r>
+            <a:r>
+              <a:rPr lang="de-DE" dirty="0" err="1"/>
+              <a:t>is</a:t>
+            </a:r>
+            <a:r>
+              <a:rPr lang="de-DE" dirty="0"/>
+              <a:t> CNN?</a:t>
+            </a:r>
+          </a:p>
+          <a:p>
+            <a:pPr marL="457200" indent="-457200">
+              <a:buFont typeface="+mj-lt"/>
+              <a:buAutoNum type="arabicPeriod"/>
+            </a:pPr>
+            <a:r>
+              <a:rPr lang="de-DE" dirty="0" err="1"/>
+              <a:t>Related</a:t>
+            </a:r>
+            <a:r>
+              <a:rPr lang="de-DE" dirty="0"/>
+              <a:t> </a:t>
+            </a:r>
+            <a:r>
+              <a:rPr lang="de-DE" dirty="0" err="1"/>
+              <a:t>works</a:t>
+            </a:r>
+            <a:endParaRPr lang="de-DE" dirty="0"/>
+          </a:p>
+          <a:p>
+            <a:pPr marL="457200" indent="-457200">
+              <a:buFont typeface="+mj-lt"/>
+              <a:buAutoNum type="arabicPeriod"/>
+            </a:pPr>
+            <a:r>
+              <a:rPr lang="de-DE" dirty="0"/>
+              <a:t>Datasets</a:t>
+            </a:r>
+          </a:p>
+          <a:p>
+            <a:pPr marL="457200" indent="-457200">
+              <a:buFont typeface="+mj-lt"/>
+              <a:buAutoNum type="arabicPeriod"/>
+            </a:pPr>
+            <a:r>
+              <a:rPr lang="en-US" dirty="0"/>
+              <a:t>References</a:t>
+            </a:r>
+            <a:endParaRPr lang="de-DE" dirty="0"/>
+          </a:p>
+          <a:p>
+            <a:pPr marL="457200" indent="-457200">
+              <a:buFont typeface="+mj-lt"/>
+              <a:buAutoNum type="arabicPeriod"/>
+            </a:pPr>
+            <a:endParaRPr lang="de-DE" dirty="0"/>
+          </a:p>
+        </p:txBody>
+      </p:sp>
+      <p:sp>
+        <p:nvSpPr>
+          <p:cNvPr id="5" name="Titel 1"/>
+          <p:cNvSpPr txBox="1">
+            <a:spLocks/>
+          </p:cNvSpPr>
+          <p:nvPr/>
+        </p:nvSpPr>
+        <p:spPr bwMode="auto">
+          <a:xfrm>
+            <a:off x="755576" y="116632"/>
+            <a:ext cx="7467600" cy="1143000"/>
+          </a:xfrm>
+          <a:prstGeom prst="rect">
+            <a:avLst/>
+          </a:prstGeom>
+          <a:noFill/>
+          <a:ln>
+            <a:noFill/>
+          </a:ln>
+          <a:extLst>
+            <a:ext uri="{909E8E84-426E-40DD-AFC4-6F175D3DCCD1}">
+              <a14:hiddenFill xmlns:a14="http://schemas.microsoft.com/office/drawing/2010/main">
+                <a:solidFill>
+                  <a:srgbClr val="FFFFFF"/>
+                </a:solidFill>
+              </a14:hiddenFill>
+            </a:ext>
+            <a:ext uri="{91240B29-F687-4F45-9708-019B960494DF}">
+              <a14:hiddenLine xmlns:a14="http://schemas.microsoft.com/office/drawing/2010/main" w="9525">
+                <a:solidFill>
+                  <a:srgbClr val="000000"/>
+                </a:solidFill>
+                <a:miter lim="800000"/>
+                <a:headEnd/>
+                <a:tailEnd/>
+              </a14:hiddenLine>
+            </a:ext>
+          </a:extLst>
+        </p:spPr>
+        <p:txBody>
+          <a:bodyPr vert="horz" wrap="square" lIns="91440" tIns="45720" rIns="91440" bIns="45720" numCol="1" anchor="ctr" anchorCtr="0" compatLnSpc="1">
+            <a:prstTxWarp prst="textNoShape">
+              <a:avLst/>
+            </a:prstTxWarp>
+          </a:bodyPr>
+          <a:lstStyle>
+            <a:lvl1pPr algn="l" rtl="0" eaLnBrk="1" fontAlgn="base" hangingPunct="1">
+              <a:spcBef>
+                <a:spcPct val="0"/>
+              </a:spcBef>
+              <a:spcAft>
+                <a:spcPct val="0"/>
+              </a:spcAft>
+              <a:defRPr sz="2800">
+                <a:solidFill>
+                  <a:srgbClr val="00407A"/>
+                </a:solidFill>
+                <a:latin typeface="Arial" charset="0"/>
+                <a:ea typeface="+mj-ea"/>
+                <a:cs typeface="+mj-cs"/>
+              </a:defRPr>
+            </a:lvl1pPr>
+            <a:lvl2pPr algn="l" rtl="0" eaLnBrk="1" fontAlgn="base" hangingPunct="1">
+              <a:spcBef>
+                <a:spcPct val="0"/>
+              </a:spcBef>
+              <a:spcAft>
+                <a:spcPct val="0"/>
+              </a:spcAft>
+              <a:defRPr sz="2800">
+                <a:solidFill>
+                  <a:srgbClr val="00407A"/>
+                </a:solidFill>
+                <a:latin typeface="Arial" charset="0"/>
+              </a:defRPr>
+            </a:lvl2pPr>
+            <a:lvl3pPr algn="l" rtl="0" eaLnBrk="1" fontAlgn="base" hangingPunct="1">
+              <a:spcBef>
+                <a:spcPct val="0"/>
+              </a:spcBef>
+              <a:spcAft>
+                <a:spcPct val="0"/>
+              </a:spcAft>
+              <a:defRPr sz="2800">
+                <a:solidFill>
+                  <a:srgbClr val="00407A"/>
+                </a:solidFill>
+                <a:latin typeface="Arial" charset="0"/>
+              </a:defRPr>
+            </a:lvl3pPr>
+            <a:lvl4pPr algn="l" rtl="0" eaLnBrk="1" fontAlgn="base" hangingPunct="1">
+              <a:spcBef>
+                <a:spcPct val="0"/>
+              </a:spcBef>
+              <a:spcAft>
+                <a:spcPct val="0"/>
+              </a:spcAft>
+              <a:defRPr sz="2800">
+                <a:solidFill>
+                  <a:srgbClr val="00407A"/>
+                </a:solidFill>
+                <a:latin typeface="Arial" charset="0"/>
+              </a:defRPr>
+            </a:lvl4pPr>
+            <a:lvl5pPr algn="l" rtl="0" eaLnBrk="1" fontAlgn="base" hangingPunct="1">
+              <a:spcBef>
+                <a:spcPct val="0"/>
+              </a:spcBef>
+              <a:spcAft>
+                <a:spcPct val="0"/>
+              </a:spcAft>
+              <a:defRPr sz="2800">
+                <a:solidFill>
+                  <a:srgbClr val="00407A"/>
+                </a:solidFill>
+                <a:latin typeface="Arial" charset="0"/>
+              </a:defRPr>
+            </a:lvl5pPr>
+            <a:lvl6pPr marL="457200" algn="l" rtl="0" eaLnBrk="1" fontAlgn="base" hangingPunct="1">
+              <a:spcBef>
+                <a:spcPct val="0"/>
+              </a:spcBef>
+              <a:spcAft>
+                <a:spcPct val="0"/>
+              </a:spcAft>
+              <a:defRPr sz="2800" b="1">
+                <a:solidFill>
+                  <a:srgbClr val="00407A"/>
+                </a:solidFill>
+                <a:latin typeface="UB Scala" pitchFamily="2" charset="0"/>
+              </a:defRPr>
+            </a:lvl6pPr>
+            <a:lvl7pPr marL="914400" algn="l" rtl="0" eaLnBrk="1" fontAlgn="base" hangingPunct="1">
+              <a:spcBef>
+                <a:spcPct val="0"/>
+              </a:spcBef>
+              <a:spcAft>
+                <a:spcPct val="0"/>
+              </a:spcAft>
+              <a:defRPr sz="2800" b="1">
+                <a:solidFill>
+                  <a:srgbClr val="00407A"/>
+                </a:solidFill>
+                <a:latin typeface="UB Scala" pitchFamily="2" charset="0"/>
+              </a:defRPr>
+            </a:lvl7pPr>
+            <a:lvl8pPr marL="1371600" algn="l" rtl="0" eaLnBrk="1" fontAlgn="base" hangingPunct="1">
+              <a:spcBef>
+                <a:spcPct val="0"/>
+              </a:spcBef>
+              <a:spcAft>
+                <a:spcPct val="0"/>
+              </a:spcAft>
+              <a:defRPr sz="2800" b="1">
+                <a:solidFill>
+                  <a:srgbClr val="00407A"/>
+                </a:solidFill>
+                <a:latin typeface="UB Scala" pitchFamily="2" charset="0"/>
+              </a:defRPr>
+            </a:lvl8pPr>
+            <a:lvl9pPr marL="1828800" algn="l" rtl="0" eaLnBrk="1" fontAlgn="base" hangingPunct="1">
+              <a:spcBef>
+                <a:spcPct val="0"/>
+              </a:spcBef>
+              <a:spcAft>
+                <a:spcPct val="0"/>
+              </a:spcAft>
+              <a:defRPr sz="2800" b="1">
+                <a:solidFill>
+                  <a:srgbClr val="00407A"/>
+                </a:solidFill>
+                <a:latin typeface="UB Scala" pitchFamily="2" charset="0"/>
+              </a:defRPr>
+            </a:lvl9pPr>
+          </a:lstStyle>
+          <a:p>
+            <a:r>
+              <a:rPr lang="de-DE" kern="0" dirty="0">
+                <a:solidFill>
+                  <a:schemeClr val="bg1"/>
+                </a:solidFill>
+              </a:rPr>
+              <a:t>Agenda</a:t>
+            </a:r>
+          </a:p>
+        </p:txBody>
+      </p:sp>
+    </p:spTree>
+    <p:extLst>
+      <p:ext uri="{BB962C8B-B14F-4D97-AF65-F5344CB8AC3E}">
+        <p14:creationId xmlns:p14="http://schemas.microsoft.com/office/powerpoint/2010/main" val="2566267526"/>
+      </p:ext>
+    </p:extLst>
+  </p:cSld>
+  <p:clrMapOvr>
+    <a:masterClrMapping/>
+  </p:clrMapOvr>
+</p:sld>
+</file>
+
+<file path=ppt/slides/slide3.xml><?xml version="1.0" encoding="utf-8"?>
+<p:sld xmlns:a="http://schemas.openxmlformats.org/drawingml/2006/main" xmlns:r="http://schemas.openxmlformats.org/officeDocument/2006/relationships" xmlns:p="http://schemas.openxmlformats.org/presentationml/2006/main">
+  <p:cSld>
+    <p:bg>
+      <p:bgPr>
+        <a:solidFill>
+          <a:schemeClr val="bg1"/>
+        </a:solidFill>
+        <a:effectLst/>
+      </p:bgPr>
+    </p:bg>
+    <p:spTree>
+      <p:nvGrpSpPr>
+        <p:cNvPr id="1" name=""/>
+        <p:cNvGrpSpPr/>
+        <p:nvPr/>
+      </p:nvGrpSpPr>
+      <p:grpSpPr>
+        <a:xfrm>
+          <a:off x="0" y="0"/>
+          <a:ext cx="0" cy="0"/>
+          <a:chOff x="0" y="0"/>
+          <a:chExt cx="0" cy="0"/>
+        </a:xfrm>
+      </p:grpSpPr>
+      <p:sp>
+        <p:nvSpPr>
+          <p:cNvPr id="5" name="Titel 1"/>
+          <p:cNvSpPr txBox="1">
+            <a:spLocks/>
+          </p:cNvSpPr>
+          <p:nvPr/>
+        </p:nvSpPr>
+        <p:spPr bwMode="auto">
+          <a:xfrm>
+            <a:off x="755576" y="84637"/>
+            <a:ext cx="7467600" cy="1143000"/>
+          </a:xfrm>
+          <a:prstGeom prst="rect">
+            <a:avLst/>
+          </a:prstGeom>
+          <a:noFill/>
+          <a:ln>
+            <a:noFill/>
+          </a:ln>
+          <a:extLst>
+            <a:ext uri="{909E8E84-426E-40DD-AFC4-6F175D3DCCD1}">
+              <a14:hiddenFill xmlns:a14="http://schemas.microsoft.com/office/drawing/2010/main">
+                <a:solidFill>
+                  <a:srgbClr val="FFFFFF"/>
+                </a:solidFill>
+              </a14:hiddenFill>
+            </a:ext>
+            <a:ext uri="{91240B29-F687-4F45-9708-019B960494DF}">
+              <a14:hiddenLine xmlns:a14="http://schemas.microsoft.com/office/drawing/2010/main" w="9525">
+                <a:solidFill>
+                  <a:srgbClr val="000000"/>
+                </a:solidFill>
+                <a:miter lim="800000"/>
+                <a:headEnd/>
+                <a:tailEnd/>
+              </a14:hiddenLine>
+            </a:ext>
+          </a:extLst>
+        </p:spPr>
+        <p:txBody>
+          <a:bodyPr vert="horz" wrap="square" lIns="91440" tIns="45720" rIns="91440" bIns="45720" numCol="1" anchor="ctr" anchorCtr="0" compatLnSpc="1">
+            <a:prstTxWarp prst="textNoShape">
+              <a:avLst/>
+            </a:prstTxWarp>
+          </a:bodyPr>
+          <a:lstStyle>
+            <a:lvl1pPr algn="l" rtl="0" eaLnBrk="1" fontAlgn="base" hangingPunct="1">
+              <a:spcBef>
+                <a:spcPct val="0"/>
+              </a:spcBef>
+              <a:spcAft>
+                <a:spcPct val="0"/>
+              </a:spcAft>
+              <a:defRPr sz="2800">
+                <a:solidFill>
+                  <a:srgbClr val="00407A"/>
+                </a:solidFill>
+                <a:latin typeface="Arial" charset="0"/>
+                <a:ea typeface="+mj-ea"/>
+                <a:cs typeface="+mj-cs"/>
+              </a:defRPr>
+            </a:lvl1pPr>
+            <a:lvl2pPr algn="l" rtl="0" eaLnBrk="1" fontAlgn="base" hangingPunct="1">
+              <a:spcBef>
+                <a:spcPct val="0"/>
+              </a:spcBef>
+              <a:spcAft>
+                <a:spcPct val="0"/>
+              </a:spcAft>
+              <a:defRPr sz="2800">
+                <a:solidFill>
+                  <a:srgbClr val="00407A"/>
+                </a:solidFill>
+                <a:latin typeface="Arial" charset="0"/>
+              </a:defRPr>
+            </a:lvl2pPr>
+            <a:lvl3pPr algn="l" rtl="0" eaLnBrk="1" fontAlgn="base" hangingPunct="1">
+              <a:spcBef>
+                <a:spcPct val="0"/>
+              </a:spcBef>
+              <a:spcAft>
+                <a:spcPct val="0"/>
+              </a:spcAft>
+              <a:defRPr sz="2800">
+                <a:solidFill>
+                  <a:srgbClr val="00407A"/>
+                </a:solidFill>
+                <a:latin typeface="Arial" charset="0"/>
+              </a:defRPr>
+            </a:lvl3pPr>
+            <a:lvl4pPr algn="l" rtl="0" eaLnBrk="1" fontAlgn="base" hangingPunct="1">
+              <a:spcBef>
+                <a:spcPct val="0"/>
+              </a:spcBef>
+              <a:spcAft>
+                <a:spcPct val="0"/>
+              </a:spcAft>
+              <a:defRPr sz="2800">
+                <a:solidFill>
+                  <a:srgbClr val="00407A"/>
+                </a:solidFill>
+                <a:latin typeface="Arial" charset="0"/>
+              </a:defRPr>
+            </a:lvl4pPr>
+            <a:lvl5pPr algn="l" rtl="0" eaLnBrk="1" fontAlgn="base" hangingPunct="1">
+              <a:spcBef>
+                <a:spcPct val="0"/>
+              </a:spcBef>
+              <a:spcAft>
+                <a:spcPct val="0"/>
+              </a:spcAft>
+              <a:defRPr sz="2800">
+                <a:solidFill>
+                  <a:srgbClr val="00407A"/>
+                </a:solidFill>
+                <a:latin typeface="Arial" charset="0"/>
+              </a:defRPr>
+            </a:lvl5pPr>
+            <a:lvl6pPr marL="457200" algn="l" rtl="0" eaLnBrk="1" fontAlgn="base" hangingPunct="1">
+              <a:spcBef>
+                <a:spcPct val="0"/>
+              </a:spcBef>
+              <a:spcAft>
+                <a:spcPct val="0"/>
+              </a:spcAft>
+              <a:defRPr sz="2800" b="1">
+                <a:solidFill>
+                  <a:srgbClr val="00407A"/>
+                </a:solidFill>
+                <a:latin typeface="UB Scala" pitchFamily="2" charset="0"/>
+              </a:defRPr>
+            </a:lvl6pPr>
+            <a:lvl7pPr marL="914400" algn="l" rtl="0" eaLnBrk="1" fontAlgn="base" hangingPunct="1">
+              <a:spcBef>
+                <a:spcPct val="0"/>
+              </a:spcBef>
+              <a:spcAft>
+                <a:spcPct val="0"/>
+              </a:spcAft>
+              <a:defRPr sz="2800" b="1">
+                <a:solidFill>
+                  <a:srgbClr val="00407A"/>
+                </a:solidFill>
+                <a:latin typeface="UB Scala" pitchFamily="2" charset="0"/>
+              </a:defRPr>
+            </a:lvl7pPr>
+            <a:lvl8pPr marL="1371600" algn="l" rtl="0" eaLnBrk="1" fontAlgn="base" hangingPunct="1">
+              <a:spcBef>
+                <a:spcPct val="0"/>
+              </a:spcBef>
+              <a:spcAft>
+                <a:spcPct val="0"/>
+              </a:spcAft>
+              <a:defRPr sz="2800" b="1">
+                <a:solidFill>
+                  <a:srgbClr val="00407A"/>
+                </a:solidFill>
+                <a:latin typeface="UB Scala" pitchFamily="2" charset="0"/>
+              </a:defRPr>
+            </a:lvl8pPr>
+            <a:lvl9pPr marL="1828800" algn="l" rtl="0" eaLnBrk="1" fontAlgn="base" hangingPunct="1">
+              <a:spcBef>
+                <a:spcPct val="0"/>
+              </a:spcBef>
+              <a:spcAft>
+                <a:spcPct val="0"/>
+              </a:spcAft>
+              <a:defRPr sz="2800" b="1">
+                <a:solidFill>
+                  <a:srgbClr val="00407A"/>
+                </a:solidFill>
+                <a:latin typeface="UB Scala" pitchFamily="2" charset="0"/>
+              </a:defRPr>
+            </a:lvl9pPr>
+          </a:lstStyle>
+          <a:p>
+            <a:r>
+              <a:rPr lang="de-DE" kern="0" dirty="0">
+                <a:solidFill>
+                  <a:schemeClr val="bg1"/>
+                </a:solidFill>
+              </a:rPr>
+              <a:t>Motivation</a:t>
+            </a:r>
+          </a:p>
+        </p:txBody>
+      </p:sp>
+      <p:pic>
+        <p:nvPicPr>
+          <p:cNvPr id="4" name="Inhaltsplatzhalter 3"/>
+          <p:cNvPicPr>
+            <a:picLocks noGrp="1" noChangeAspect="1"/>
+          </p:cNvPicPr>
+          <p:nvPr>
+            <p:ph idx="1"/>
+          </p:nvPr>
+        </p:nvPicPr>
+        <p:blipFill rotWithShape="1">
+          <a:blip r:embed="rId2">
+            <a:extLst>
+              <a:ext uri="{28A0092B-C50C-407E-A947-70E740481C1C}">
+                <a14:useLocalDpi xmlns:a14="http://schemas.microsoft.com/office/drawing/2010/main" val="0"/>
+              </a:ext>
+            </a:extLst>
+          </a:blip>
+          <a:srcRect l="9500" r="17214"/>
+          <a:stretch/>
+        </p:blipFill>
+        <p:spPr>
+          <a:xfrm>
+            <a:off x="1753072" y="2521243"/>
+            <a:ext cx="5472608" cy="3500437"/>
+          </a:xfrm>
+        </p:spPr>
+      </p:pic>
+      <p:sp>
+        <p:nvSpPr>
+          <p:cNvPr id="3" name="Textfeld 2"/>
+          <p:cNvSpPr txBox="1"/>
+          <p:nvPr/>
+        </p:nvSpPr>
+        <p:spPr>
+          <a:xfrm>
+            <a:off x="1331640" y="1412775"/>
+            <a:ext cx="6480720" cy="923330"/>
+          </a:xfrm>
+          <a:prstGeom prst="rect">
+            <a:avLst/>
+          </a:prstGeom>
+          <a:noFill/>
+        </p:spPr>
+        <p:txBody>
+          <a:bodyPr wrap="square" rtlCol="0">
+            <a:spAutoFit/>
+          </a:bodyPr>
+          <a:lstStyle/>
+          <a:p>
+            <a:pPr algn="just"/>
+            <a:r>
+              <a:rPr lang="en-US" sz="1800" dirty="0">
+                <a:latin typeface="Helvetica" panose="020B0604020202020204" pitchFamily="34" charset="0"/>
+                <a:cs typeface="Helvetica" panose="020B0604020202020204" pitchFamily="34" charset="0"/>
+              </a:rPr>
+              <a:t>In smartphones, additional information is automatically captured, such as longitude and latitude of where the image was taken</a:t>
+            </a:r>
+            <a:endParaRPr lang="de-DE" sz="1800" dirty="0">
+              <a:latin typeface="Helvetica" panose="020B0604020202020204" pitchFamily="34" charset="0"/>
+              <a:cs typeface="Helvetica" panose="020B0604020202020204" pitchFamily="34" charset="0"/>
+            </a:endParaRPr>
+          </a:p>
+        </p:txBody>
+      </p:sp>
+      <p:sp>
+        <p:nvSpPr>
+          <p:cNvPr id="7" name="Rechteck 6"/>
+          <p:cNvSpPr/>
+          <p:nvPr/>
+        </p:nvSpPr>
+        <p:spPr>
+          <a:xfrm>
+            <a:off x="5868144" y="6206818"/>
+            <a:ext cx="3015569" cy="338554"/>
+          </a:xfrm>
+          <a:prstGeom prst="rect">
+            <a:avLst/>
+          </a:prstGeom>
+        </p:spPr>
+        <p:txBody>
+          <a:bodyPr wrap="none">
+            <a:spAutoFit/>
+          </a:bodyPr>
+          <a:lstStyle/>
+          <a:p>
+            <a:r>
+              <a:rPr lang="de-DE" sz="1600" dirty="0">
+                <a:solidFill>
+                  <a:schemeClr val="bg2">
+                    <a:lumMod val="40000"/>
+                    <a:lumOff val="60000"/>
+                  </a:schemeClr>
+                </a:solidFill>
+                <a:latin typeface="Helvetica" panose="020B0604020202020204" pitchFamily="34" charset="0"/>
+                <a:cs typeface="Helvetica" panose="020B0604020202020204" pitchFamily="34" charset="0"/>
+              </a:rPr>
+              <a:t>[</a:t>
+            </a:r>
+            <a:r>
+              <a:rPr lang="de-DE" sz="1600" dirty="0" err="1">
+                <a:solidFill>
+                  <a:schemeClr val="bg2">
+                    <a:lumMod val="40000"/>
+                    <a:lumOff val="60000"/>
+                  </a:schemeClr>
+                </a:solidFill>
+                <a:latin typeface="Helvetica" panose="020B0604020202020204" pitchFamily="34" charset="0"/>
+                <a:cs typeface="Helvetica" panose="020B0604020202020204" pitchFamily="34" charset="0"/>
+              </a:rPr>
+              <a:t>source</a:t>
+            </a:r>
+            <a:r>
+              <a:rPr lang="de-DE" sz="1600" dirty="0">
+                <a:solidFill>
+                  <a:schemeClr val="bg2">
+                    <a:lumMod val="40000"/>
+                    <a:lumOff val="60000"/>
+                  </a:schemeClr>
+                </a:solidFill>
+                <a:latin typeface="Helvetica" panose="020B0604020202020204" pitchFamily="34" charset="0"/>
+                <a:cs typeface="Helvetica" panose="020B0604020202020204" pitchFamily="34" charset="0"/>
+              </a:rPr>
+              <a:t>: </a:t>
+            </a:r>
+            <a:r>
+              <a:rPr lang="de-DE" sz="1600" dirty="0">
+                <a:solidFill>
+                  <a:schemeClr val="bg2">
+                    <a:lumMod val="40000"/>
+                    <a:lumOff val="60000"/>
+                  </a:schemeClr>
+                </a:solidFill>
+                <a:latin typeface="Helvetica" panose="020B0604020202020204" pitchFamily="34" charset="0"/>
+                <a:cs typeface="Helvetica" panose="020B0604020202020204" pitchFamily="34" charset="0"/>
+              </a:rPr>
+              <a:t>ios.gadgethacks.com</a:t>
+            </a:r>
+            <a:r>
+              <a:rPr lang="de-DE" sz="1600" dirty="0">
+                <a:solidFill>
+                  <a:schemeClr val="bg2">
+                    <a:lumMod val="40000"/>
+                    <a:lumOff val="60000"/>
+                  </a:schemeClr>
+                </a:solidFill>
+                <a:latin typeface="Helvetica" panose="020B0604020202020204" pitchFamily="34" charset="0"/>
+                <a:cs typeface="Helvetica" panose="020B0604020202020204" pitchFamily="34" charset="0"/>
+              </a:rPr>
+              <a:t>] </a:t>
+            </a:r>
+          </a:p>
+        </p:txBody>
+      </p:sp>
+    </p:spTree>
+    <p:extLst>
+      <p:ext uri="{BB962C8B-B14F-4D97-AF65-F5344CB8AC3E}">
+        <p14:creationId xmlns:p14="http://schemas.microsoft.com/office/powerpoint/2010/main" val="448752493"/>
+      </p:ext>
+    </p:extLst>
+  </p:cSld>
+  <p:clrMapOvr>
+    <a:masterClrMapping/>
+  </p:clrMapOvr>
+</p:sld>
+</file>
+
+<file path=ppt/slides/slide4.xml><?xml version="1.0" encoding="utf-8"?>
 <p:sld xmlns:a="http://schemas.openxmlformats.org/drawingml/2006/main" xmlns:r="http://schemas.openxmlformats.org/officeDocument/2006/relationships" xmlns:p="http://schemas.openxmlformats.org/presentationml/2006/main">
   <p:cSld>
     <p:spTree>
@@ -6250,14 +6966,1485 @@
                   <a:schemeClr val="bg1"/>
                 </a:solidFill>
               </a:rPr>
-              <a:t>Datasets</a:t>
+              <a:t>Motivation</a:t>
+            </a:r>
+          </a:p>
+        </p:txBody>
+      </p:sp>
+      <p:pic>
+        <p:nvPicPr>
+          <p:cNvPr id="4" name="Inhaltsplatzhalter 3"/>
+          <p:cNvPicPr>
+            <a:picLocks noGrp="1" noChangeAspect="1"/>
+          </p:cNvPicPr>
+          <p:nvPr>
+            <p:ph idx="1"/>
+          </p:nvPr>
+        </p:nvPicPr>
+        <p:blipFill>
+          <a:blip r:embed="rId2" cstate="print">
+            <a:extLst>
+              <a:ext uri="{28A0092B-C50C-407E-A947-70E740481C1C}">
+                <a14:useLocalDpi xmlns:a14="http://schemas.microsoft.com/office/drawing/2010/main" val="0"/>
+              </a:ext>
+            </a:extLst>
+          </a:blip>
+          <a:stretch>
+            <a:fillRect/>
+          </a:stretch>
+        </p:blipFill>
+        <p:spPr>
+          <a:xfrm>
+            <a:off x="683568" y="2197586"/>
+            <a:ext cx="4737100" cy="3552825"/>
+          </a:xfrm>
+        </p:spPr>
+      </p:pic>
+      <p:sp>
+        <p:nvSpPr>
+          <p:cNvPr id="7" name="Rechteck 6"/>
+          <p:cNvSpPr/>
+          <p:nvPr/>
+        </p:nvSpPr>
+        <p:spPr>
+          <a:xfrm>
+            <a:off x="5292080" y="6165304"/>
+            <a:ext cx="3288080" cy="338554"/>
+          </a:xfrm>
+          <a:prstGeom prst="rect">
+            <a:avLst/>
+          </a:prstGeom>
+        </p:spPr>
+        <p:txBody>
+          <a:bodyPr wrap="none">
+            <a:spAutoFit/>
+          </a:bodyPr>
+          <a:lstStyle/>
+          <a:p>
+            <a:r>
+              <a:rPr lang="de-DE" sz="1600" dirty="0">
+                <a:solidFill>
+                  <a:schemeClr val="bg2">
+                    <a:lumMod val="40000"/>
+                    <a:lumOff val="60000"/>
+                  </a:schemeClr>
+                </a:solidFill>
+                <a:latin typeface="Helvetica" panose="020B0604020202020204" pitchFamily="34" charset="0"/>
+                <a:cs typeface="Helvetica" panose="020B0604020202020204" pitchFamily="34" charset="0"/>
+              </a:rPr>
+              <a:t>[</a:t>
+            </a:r>
+            <a:r>
+              <a:rPr lang="de-DE" sz="1600" dirty="0" err="1">
+                <a:solidFill>
+                  <a:schemeClr val="bg2">
+                    <a:lumMod val="40000"/>
+                    <a:lumOff val="60000"/>
+                  </a:schemeClr>
+                </a:solidFill>
+                <a:latin typeface="Helvetica" panose="020B0604020202020204" pitchFamily="34" charset="0"/>
+                <a:cs typeface="Helvetica" panose="020B0604020202020204" pitchFamily="34" charset="0"/>
+              </a:rPr>
+              <a:t>source</a:t>
+            </a:r>
+            <a:r>
+              <a:rPr lang="de-DE" sz="1600" dirty="0">
+                <a:solidFill>
+                  <a:schemeClr val="bg2">
+                    <a:lumMod val="40000"/>
+                    <a:lumOff val="60000"/>
+                  </a:schemeClr>
+                </a:solidFill>
+                <a:latin typeface="Helvetica" panose="020B0604020202020204" pitchFamily="34" charset="0"/>
+                <a:cs typeface="Helvetica" panose="020B0604020202020204" pitchFamily="34" charset="0"/>
+              </a:rPr>
+              <a:t>: </a:t>
+            </a:r>
+            <a:r>
+              <a:rPr lang="de-DE" sz="1600" dirty="0">
+                <a:solidFill>
+                  <a:schemeClr val="bg2">
+                    <a:lumMod val="40000"/>
+                    <a:lumOff val="60000"/>
+                  </a:schemeClr>
+                </a:solidFill>
+                <a:latin typeface="Helvetica" panose="020B0604020202020204" pitchFamily="34" charset="0"/>
+                <a:cs typeface="Helvetica" panose="020B0604020202020204" pitchFamily="34" charset="0"/>
+              </a:rPr>
+              <a:t>commons.wikimedia.org</a:t>
+            </a:r>
+            <a:r>
+              <a:rPr lang="de-DE" sz="1600" dirty="0">
+                <a:solidFill>
+                  <a:schemeClr val="bg2">
+                    <a:lumMod val="40000"/>
+                    <a:lumOff val="60000"/>
+                  </a:schemeClr>
+                </a:solidFill>
+                <a:latin typeface="Helvetica" panose="020B0604020202020204" pitchFamily="34" charset="0"/>
+                <a:cs typeface="Helvetica" panose="020B0604020202020204" pitchFamily="34" charset="0"/>
+              </a:rPr>
+              <a:t>] </a:t>
             </a:r>
           </a:p>
         </p:txBody>
       </p:sp>
       <p:sp>
         <p:nvSpPr>
-          <p:cNvPr id="2" name="Inhaltsplatzhalter 1"/>
+          <p:cNvPr id="8" name="Textfeld 7"/>
+          <p:cNvSpPr txBox="1"/>
+          <p:nvPr/>
+        </p:nvSpPr>
+        <p:spPr>
+          <a:xfrm>
+            <a:off x="5652120" y="1988840"/>
+            <a:ext cx="2376264" cy="3970318"/>
+          </a:xfrm>
+          <a:prstGeom prst="rect">
+            <a:avLst/>
+          </a:prstGeom>
+          <a:noFill/>
+        </p:spPr>
+        <p:txBody>
+          <a:bodyPr wrap="square" rtlCol="0">
+            <a:spAutoFit/>
+          </a:bodyPr>
+          <a:lstStyle/>
+          <a:p>
+            <a:r>
+              <a:rPr lang="en-US" sz="1800" dirty="0">
+                <a:latin typeface="Helvetica" panose="020B0604020202020204" pitchFamily="34" charset="0"/>
+                <a:cs typeface="Helvetica" panose="020B0604020202020204" pitchFamily="34" charset="0"/>
+              </a:rPr>
+              <a:t>Several manufacturers offer cameras with a built-in GPS receiver</a:t>
+            </a:r>
+          </a:p>
+          <a:p>
+            <a:endParaRPr lang="en-US" sz="1800" dirty="0">
+              <a:latin typeface="Helvetica" panose="020B0604020202020204" pitchFamily="34" charset="0"/>
+              <a:cs typeface="Helvetica" panose="020B0604020202020204" pitchFamily="34" charset="0"/>
+            </a:endParaRPr>
+          </a:p>
+          <a:p>
+            <a:endParaRPr lang="en-US" sz="1800" dirty="0">
+              <a:latin typeface="Helvetica" panose="020B0604020202020204" pitchFamily="34" charset="0"/>
+              <a:cs typeface="Helvetica" panose="020B0604020202020204" pitchFamily="34" charset="0"/>
+            </a:endParaRPr>
+          </a:p>
+          <a:p>
+            <a:r>
+              <a:rPr lang="en-US" sz="1800" dirty="0">
+                <a:latin typeface="Helvetica" panose="020B0604020202020204" pitchFamily="34" charset="0"/>
+                <a:cs typeface="Helvetica" panose="020B0604020202020204" pitchFamily="34" charset="0"/>
+              </a:rPr>
+              <a:t>Some digital cameras and camera phones support an external GPS receiver connected by cable, or inserted into the memory card slot or flash shoe.</a:t>
+            </a:r>
+            <a:endParaRPr lang="de-DE" sz="1800" dirty="0">
+              <a:latin typeface="Helvetica" panose="020B0604020202020204" pitchFamily="34" charset="0"/>
+              <a:cs typeface="Helvetica" panose="020B0604020202020204" pitchFamily="34" charset="0"/>
+            </a:endParaRPr>
+          </a:p>
+        </p:txBody>
+      </p:sp>
+    </p:spTree>
+    <p:extLst>
+      <p:ext uri="{BB962C8B-B14F-4D97-AF65-F5344CB8AC3E}">
+        <p14:creationId xmlns:p14="http://schemas.microsoft.com/office/powerpoint/2010/main" val="3434346888"/>
+      </p:ext>
+    </p:extLst>
+  </p:cSld>
+  <p:clrMapOvr>
+    <a:masterClrMapping/>
+  </p:clrMapOvr>
+</p:sld>
+</file>
+
+<file path=ppt/slides/slide5.xml><?xml version="1.0" encoding="utf-8"?>
+<p:sld xmlns:a="http://schemas.openxmlformats.org/drawingml/2006/main" xmlns:r="http://schemas.openxmlformats.org/officeDocument/2006/relationships" xmlns:p="http://schemas.openxmlformats.org/presentationml/2006/main">
+  <p:cSld>
+    <p:spTree>
+      <p:nvGrpSpPr>
+        <p:cNvPr id="1" name=""/>
+        <p:cNvGrpSpPr/>
+        <p:nvPr/>
+      </p:nvGrpSpPr>
+      <p:grpSpPr>
+        <a:xfrm>
+          <a:off x="0" y="0"/>
+          <a:ext cx="0" cy="0"/>
+          <a:chOff x="0" y="0"/>
+          <a:chExt cx="0" cy="0"/>
+        </a:xfrm>
+      </p:grpSpPr>
+      <p:sp>
+        <p:nvSpPr>
+          <p:cNvPr id="5" name="Titel 1"/>
+          <p:cNvSpPr txBox="1">
+            <a:spLocks/>
+          </p:cNvSpPr>
+          <p:nvPr/>
+        </p:nvSpPr>
+        <p:spPr bwMode="auto">
+          <a:xfrm>
+            <a:off x="755576" y="0"/>
+            <a:ext cx="7467600" cy="1143000"/>
+          </a:xfrm>
+          <a:prstGeom prst="rect">
+            <a:avLst/>
+          </a:prstGeom>
+          <a:noFill/>
+          <a:ln>
+            <a:noFill/>
+          </a:ln>
+          <a:extLst>
+            <a:ext uri="{909E8E84-426E-40DD-AFC4-6F175D3DCCD1}">
+              <a14:hiddenFill xmlns:a14="http://schemas.microsoft.com/office/drawing/2010/main">
+                <a:solidFill>
+                  <a:srgbClr val="FFFFFF"/>
+                </a:solidFill>
+              </a14:hiddenFill>
+            </a:ext>
+            <a:ext uri="{91240B29-F687-4F45-9708-019B960494DF}">
+              <a14:hiddenLine xmlns:a14="http://schemas.microsoft.com/office/drawing/2010/main" w="9525">
+                <a:solidFill>
+                  <a:srgbClr val="000000"/>
+                </a:solidFill>
+                <a:miter lim="800000"/>
+                <a:headEnd/>
+                <a:tailEnd/>
+              </a14:hiddenLine>
+            </a:ext>
+          </a:extLst>
+        </p:spPr>
+        <p:txBody>
+          <a:bodyPr vert="horz" wrap="square" lIns="91440" tIns="45720" rIns="91440" bIns="45720" numCol="1" anchor="ctr" anchorCtr="0" compatLnSpc="1">
+            <a:prstTxWarp prst="textNoShape">
+              <a:avLst/>
+            </a:prstTxWarp>
+          </a:bodyPr>
+          <a:lstStyle>
+            <a:lvl1pPr algn="l" rtl="0" eaLnBrk="1" fontAlgn="base" hangingPunct="1">
+              <a:spcBef>
+                <a:spcPct val="0"/>
+              </a:spcBef>
+              <a:spcAft>
+                <a:spcPct val="0"/>
+              </a:spcAft>
+              <a:defRPr sz="2800">
+                <a:solidFill>
+                  <a:srgbClr val="00407A"/>
+                </a:solidFill>
+                <a:latin typeface="Arial" charset="0"/>
+                <a:ea typeface="+mj-ea"/>
+                <a:cs typeface="+mj-cs"/>
+              </a:defRPr>
+            </a:lvl1pPr>
+            <a:lvl2pPr algn="l" rtl="0" eaLnBrk="1" fontAlgn="base" hangingPunct="1">
+              <a:spcBef>
+                <a:spcPct val="0"/>
+              </a:spcBef>
+              <a:spcAft>
+                <a:spcPct val="0"/>
+              </a:spcAft>
+              <a:defRPr sz="2800">
+                <a:solidFill>
+                  <a:srgbClr val="00407A"/>
+                </a:solidFill>
+                <a:latin typeface="Arial" charset="0"/>
+              </a:defRPr>
+            </a:lvl2pPr>
+            <a:lvl3pPr algn="l" rtl="0" eaLnBrk="1" fontAlgn="base" hangingPunct="1">
+              <a:spcBef>
+                <a:spcPct val="0"/>
+              </a:spcBef>
+              <a:spcAft>
+                <a:spcPct val="0"/>
+              </a:spcAft>
+              <a:defRPr sz="2800">
+                <a:solidFill>
+                  <a:srgbClr val="00407A"/>
+                </a:solidFill>
+                <a:latin typeface="Arial" charset="0"/>
+              </a:defRPr>
+            </a:lvl3pPr>
+            <a:lvl4pPr algn="l" rtl="0" eaLnBrk="1" fontAlgn="base" hangingPunct="1">
+              <a:spcBef>
+                <a:spcPct val="0"/>
+              </a:spcBef>
+              <a:spcAft>
+                <a:spcPct val="0"/>
+              </a:spcAft>
+              <a:defRPr sz="2800">
+                <a:solidFill>
+                  <a:srgbClr val="00407A"/>
+                </a:solidFill>
+                <a:latin typeface="Arial" charset="0"/>
+              </a:defRPr>
+            </a:lvl4pPr>
+            <a:lvl5pPr algn="l" rtl="0" eaLnBrk="1" fontAlgn="base" hangingPunct="1">
+              <a:spcBef>
+                <a:spcPct val="0"/>
+              </a:spcBef>
+              <a:spcAft>
+                <a:spcPct val="0"/>
+              </a:spcAft>
+              <a:defRPr sz="2800">
+                <a:solidFill>
+                  <a:srgbClr val="00407A"/>
+                </a:solidFill>
+                <a:latin typeface="Arial" charset="0"/>
+              </a:defRPr>
+            </a:lvl5pPr>
+            <a:lvl6pPr marL="457200" algn="l" rtl="0" eaLnBrk="1" fontAlgn="base" hangingPunct="1">
+              <a:spcBef>
+                <a:spcPct val="0"/>
+              </a:spcBef>
+              <a:spcAft>
+                <a:spcPct val="0"/>
+              </a:spcAft>
+              <a:defRPr sz="2800" b="1">
+                <a:solidFill>
+                  <a:srgbClr val="00407A"/>
+                </a:solidFill>
+                <a:latin typeface="UB Scala" pitchFamily="2" charset="0"/>
+              </a:defRPr>
+            </a:lvl6pPr>
+            <a:lvl7pPr marL="914400" algn="l" rtl="0" eaLnBrk="1" fontAlgn="base" hangingPunct="1">
+              <a:spcBef>
+                <a:spcPct val="0"/>
+              </a:spcBef>
+              <a:spcAft>
+                <a:spcPct val="0"/>
+              </a:spcAft>
+              <a:defRPr sz="2800" b="1">
+                <a:solidFill>
+                  <a:srgbClr val="00407A"/>
+                </a:solidFill>
+                <a:latin typeface="UB Scala" pitchFamily="2" charset="0"/>
+              </a:defRPr>
+            </a:lvl7pPr>
+            <a:lvl8pPr marL="1371600" algn="l" rtl="0" eaLnBrk="1" fontAlgn="base" hangingPunct="1">
+              <a:spcBef>
+                <a:spcPct val="0"/>
+              </a:spcBef>
+              <a:spcAft>
+                <a:spcPct val="0"/>
+              </a:spcAft>
+              <a:defRPr sz="2800" b="1">
+                <a:solidFill>
+                  <a:srgbClr val="00407A"/>
+                </a:solidFill>
+                <a:latin typeface="UB Scala" pitchFamily="2" charset="0"/>
+              </a:defRPr>
+            </a:lvl8pPr>
+            <a:lvl9pPr marL="1828800" algn="l" rtl="0" eaLnBrk="1" fontAlgn="base" hangingPunct="1">
+              <a:spcBef>
+                <a:spcPct val="0"/>
+              </a:spcBef>
+              <a:spcAft>
+                <a:spcPct val="0"/>
+              </a:spcAft>
+              <a:defRPr sz="2800" b="1">
+                <a:solidFill>
+                  <a:srgbClr val="00407A"/>
+                </a:solidFill>
+                <a:latin typeface="UB Scala" pitchFamily="2" charset="0"/>
+              </a:defRPr>
+            </a:lvl9pPr>
+          </a:lstStyle>
+          <a:p>
+            <a:r>
+              <a:rPr lang="de-DE" kern="0" dirty="0">
+                <a:solidFill>
+                  <a:schemeClr val="bg1"/>
+                </a:solidFill>
+              </a:rPr>
+              <a:t>Motivation</a:t>
+            </a:r>
+          </a:p>
+        </p:txBody>
+      </p:sp>
+      <p:sp>
+        <p:nvSpPr>
+          <p:cNvPr id="7" name="Rechteck 6"/>
+          <p:cNvSpPr/>
+          <p:nvPr/>
+        </p:nvSpPr>
+        <p:spPr>
+          <a:xfrm>
+            <a:off x="6444208" y="6163075"/>
+            <a:ext cx="2481770" cy="338554"/>
+          </a:xfrm>
+          <a:prstGeom prst="rect">
+            <a:avLst/>
+          </a:prstGeom>
+        </p:spPr>
+        <p:txBody>
+          <a:bodyPr wrap="none">
+            <a:spAutoFit/>
+          </a:bodyPr>
+          <a:lstStyle/>
+          <a:p>
+            <a:r>
+              <a:rPr lang="de-DE" sz="1600" dirty="0">
+                <a:solidFill>
+                  <a:schemeClr val="bg2">
+                    <a:lumMod val="40000"/>
+                    <a:lumOff val="60000"/>
+                  </a:schemeClr>
+                </a:solidFill>
+                <a:latin typeface="Helvetica" panose="020B0604020202020204" pitchFamily="34" charset="0"/>
+                <a:cs typeface="Helvetica" panose="020B0604020202020204" pitchFamily="34" charset="0"/>
+              </a:rPr>
+              <a:t>[</a:t>
+            </a:r>
+            <a:r>
+              <a:rPr lang="de-DE" sz="1600" dirty="0" err="1">
+                <a:solidFill>
+                  <a:schemeClr val="bg2">
+                    <a:lumMod val="40000"/>
+                    <a:lumOff val="60000"/>
+                  </a:schemeClr>
+                </a:solidFill>
+                <a:latin typeface="Helvetica" panose="020B0604020202020204" pitchFamily="34" charset="0"/>
+                <a:cs typeface="Helvetica" panose="020B0604020202020204" pitchFamily="34" charset="0"/>
+              </a:rPr>
+              <a:t>source</a:t>
+            </a:r>
+            <a:r>
+              <a:rPr lang="de-DE" sz="1600" dirty="0">
+                <a:solidFill>
+                  <a:schemeClr val="bg2">
+                    <a:lumMod val="40000"/>
+                    <a:lumOff val="60000"/>
+                  </a:schemeClr>
+                </a:solidFill>
+                <a:latin typeface="Helvetica" panose="020B0604020202020204" pitchFamily="34" charset="0"/>
+                <a:cs typeface="Helvetica" panose="020B0604020202020204" pitchFamily="34" charset="0"/>
+              </a:rPr>
+              <a:t>: </a:t>
+            </a:r>
+            <a:r>
+              <a:rPr lang="de-DE" sz="1600" dirty="0">
+                <a:solidFill>
+                  <a:schemeClr val="bg2">
+                    <a:lumMod val="40000"/>
+                    <a:lumOff val="60000"/>
+                  </a:schemeClr>
+                </a:solidFill>
+                <a:latin typeface="Helvetica" panose="020B0604020202020204" pitchFamily="34" charset="0"/>
+                <a:cs typeface="Helvetica" panose="020B0604020202020204" pitchFamily="34" charset="0"/>
+              </a:rPr>
+              <a:t>robots.ox.ac.uk</a:t>
+            </a:r>
+            <a:r>
+              <a:rPr lang="de-DE" sz="1600" dirty="0">
+                <a:solidFill>
+                  <a:schemeClr val="bg2">
+                    <a:lumMod val="40000"/>
+                    <a:lumOff val="60000"/>
+                  </a:schemeClr>
+                </a:solidFill>
+                <a:latin typeface="Helvetica" panose="020B0604020202020204" pitchFamily="34" charset="0"/>
+                <a:cs typeface="Helvetica" panose="020B0604020202020204" pitchFamily="34" charset="0"/>
+              </a:rPr>
+              <a:t>] </a:t>
+            </a:r>
+          </a:p>
+        </p:txBody>
+      </p:sp>
+      <p:pic>
+        <p:nvPicPr>
+          <p:cNvPr id="3" name="Inhaltsplatzhalter 2"/>
+          <p:cNvPicPr>
+            <a:picLocks noGrp="1" noChangeAspect="1"/>
+          </p:cNvPicPr>
+          <p:nvPr>
+            <p:ph idx="1"/>
+          </p:nvPr>
+        </p:nvPicPr>
+        <p:blipFill>
+          <a:blip r:embed="rId2">
+            <a:extLst>
+              <a:ext uri="{28A0092B-C50C-407E-A947-70E740481C1C}">
+                <a14:useLocalDpi xmlns:a14="http://schemas.microsoft.com/office/drawing/2010/main" val="0"/>
+              </a:ext>
+            </a:extLst>
+          </a:blip>
+          <a:stretch>
+            <a:fillRect/>
+          </a:stretch>
+        </p:blipFill>
+        <p:spPr>
+          <a:xfrm>
+            <a:off x="2068443" y="2590800"/>
+            <a:ext cx="5007114" cy="3552825"/>
+          </a:xfrm>
+        </p:spPr>
+      </p:pic>
+      <p:sp>
+        <p:nvSpPr>
+          <p:cNvPr id="9" name="Titel 1"/>
+          <p:cNvSpPr>
+            <a:spLocks noGrp="1"/>
+          </p:cNvSpPr>
+          <p:nvPr>
+            <p:ph type="title"/>
+          </p:nvPr>
+        </p:nvSpPr>
+        <p:spPr>
+          <a:xfrm>
+            <a:off x="838200" y="1143000"/>
+            <a:ext cx="7467600" cy="1143000"/>
+          </a:xfrm>
+        </p:spPr>
+        <p:txBody>
+          <a:bodyPr/>
+          <a:lstStyle/>
+          <a:p>
+            <a:r>
+              <a:rPr lang="de-DE" dirty="0" err="1">
+                <a:cs typeface="Arial" charset="0"/>
+              </a:rPr>
+              <a:t>Recognizing</a:t>
+            </a:r>
+            <a:r>
+              <a:rPr lang="de-DE" dirty="0">
+                <a:cs typeface="Arial" charset="0"/>
+              </a:rPr>
+              <a:t> Urban Points </a:t>
+            </a:r>
+            <a:r>
+              <a:rPr lang="de-DE" dirty="0" err="1">
+                <a:cs typeface="Arial" charset="0"/>
+              </a:rPr>
+              <a:t>of</a:t>
+            </a:r>
+            <a:r>
+              <a:rPr lang="de-DE" dirty="0">
+                <a:cs typeface="Arial" charset="0"/>
+              </a:rPr>
+              <a:t> </a:t>
+            </a:r>
+            <a:r>
+              <a:rPr lang="de-DE" dirty="0" err="1">
+                <a:cs typeface="Arial" charset="0"/>
+              </a:rPr>
+              <a:t>Interests</a:t>
+            </a:r>
+            <a:r>
+              <a:rPr lang="de-DE" dirty="0">
+                <a:cs typeface="Arial" charset="0"/>
+              </a:rPr>
+              <a:t> </a:t>
+            </a:r>
+            <a:r>
+              <a:rPr lang="de-DE" dirty="0" err="1">
+                <a:cs typeface="Arial" charset="0"/>
+              </a:rPr>
+              <a:t>with</a:t>
+            </a:r>
+            <a:r>
+              <a:rPr lang="de-DE" dirty="0">
+                <a:cs typeface="Arial" charset="0"/>
+              </a:rPr>
+              <a:t> </a:t>
+            </a:r>
+            <a:r>
+              <a:rPr lang="de-DE" dirty="0" err="1">
+                <a:cs typeface="Arial" charset="0"/>
+              </a:rPr>
+              <a:t>Convolutional</a:t>
+            </a:r>
+            <a:r>
+              <a:rPr lang="de-DE" dirty="0">
+                <a:cs typeface="Arial" charset="0"/>
+              </a:rPr>
+              <a:t> </a:t>
+            </a:r>
+            <a:r>
+              <a:rPr lang="de-DE" dirty="0" err="1">
+                <a:cs typeface="Arial" charset="0"/>
+              </a:rPr>
+              <a:t>Neural</a:t>
+            </a:r>
+            <a:r>
+              <a:rPr lang="de-DE" dirty="0">
+                <a:cs typeface="Arial" charset="0"/>
+              </a:rPr>
+              <a:t> Networks</a:t>
+            </a:r>
+            <a:endParaRPr lang="de-DE" dirty="0"/>
+          </a:p>
+        </p:txBody>
+      </p:sp>
+    </p:spTree>
+    <p:extLst>
+      <p:ext uri="{BB962C8B-B14F-4D97-AF65-F5344CB8AC3E}">
+        <p14:creationId xmlns:p14="http://schemas.microsoft.com/office/powerpoint/2010/main" val="1004850546"/>
+      </p:ext>
+    </p:extLst>
+  </p:cSld>
+  <p:clrMapOvr>
+    <a:masterClrMapping/>
+  </p:clrMapOvr>
+</p:sld>
+</file>
+
+<file path=ppt/slides/slide6.xml><?xml version="1.0" encoding="utf-8"?>
+<p:sld xmlns:a="http://schemas.openxmlformats.org/drawingml/2006/main" xmlns:r="http://schemas.openxmlformats.org/officeDocument/2006/relationships" xmlns:p="http://schemas.openxmlformats.org/presentationml/2006/main">
+  <p:cSld>
+    <p:spTree>
+      <p:nvGrpSpPr>
+        <p:cNvPr id="1" name=""/>
+        <p:cNvGrpSpPr/>
+        <p:nvPr/>
+      </p:nvGrpSpPr>
+      <p:grpSpPr>
+        <a:xfrm>
+          <a:off x="0" y="0"/>
+          <a:ext cx="0" cy="0"/>
+          <a:chOff x="0" y="0"/>
+          <a:chExt cx="0" cy="0"/>
+        </a:xfrm>
+      </p:grpSpPr>
+      <p:sp>
+        <p:nvSpPr>
+          <p:cNvPr id="5" name="Titel 1"/>
+          <p:cNvSpPr txBox="1">
+            <a:spLocks/>
+          </p:cNvSpPr>
+          <p:nvPr/>
+        </p:nvSpPr>
+        <p:spPr bwMode="auto">
+          <a:xfrm>
+            <a:off x="755576" y="0"/>
+            <a:ext cx="7467600" cy="1143000"/>
+          </a:xfrm>
+          <a:prstGeom prst="rect">
+            <a:avLst/>
+          </a:prstGeom>
+          <a:noFill/>
+          <a:ln>
+            <a:noFill/>
+          </a:ln>
+          <a:extLst>
+            <a:ext uri="{909E8E84-426E-40DD-AFC4-6F175D3DCCD1}">
+              <a14:hiddenFill xmlns:a14="http://schemas.microsoft.com/office/drawing/2010/main">
+                <a:solidFill>
+                  <a:srgbClr val="FFFFFF"/>
+                </a:solidFill>
+              </a14:hiddenFill>
+            </a:ext>
+            <a:ext uri="{91240B29-F687-4F45-9708-019B960494DF}">
+              <a14:hiddenLine xmlns:a14="http://schemas.microsoft.com/office/drawing/2010/main" w="9525">
+                <a:solidFill>
+                  <a:srgbClr val="000000"/>
+                </a:solidFill>
+                <a:miter lim="800000"/>
+                <a:headEnd/>
+                <a:tailEnd/>
+              </a14:hiddenLine>
+            </a:ext>
+          </a:extLst>
+        </p:spPr>
+        <p:txBody>
+          <a:bodyPr vert="horz" wrap="square" lIns="91440" tIns="45720" rIns="91440" bIns="45720" numCol="1" anchor="ctr" anchorCtr="0" compatLnSpc="1">
+            <a:prstTxWarp prst="textNoShape">
+              <a:avLst/>
+            </a:prstTxWarp>
+          </a:bodyPr>
+          <a:lstStyle>
+            <a:lvl1pPr algn="l" rtl="0" eaLnBrk="1" fontAlgn="base" hangingPunct="1">
+              <a:spcBef>
+                <a:spcPct val="0"/>
+              </a:spcBef>
+              <a:spcAft>
+                <a:spcPct val="0"/>
+              </a:spcAft>
+              <a:defRPr sz="2800">
+                <a:solidFill>
+                  <a:srgbClr val="00407A"/>
+                </a:solidFill>
+                <a:latin typeface="Arial" charset="0"/>
+                <a:ea typeface="+mj-ea"/>
+                <a:cs typeface="+mj-cs"/>
+              </a:defRPr>
+            </a:lvl1pPr>
+            <a:lvl2pPr algn="l" rtl="0" eaLnBrk="1" fontAlgn="base" hangingPunct="1">
+              <a:spcBef>
+                <a:spcPct val="0"/>
+              </a:spcBef>
+              <a:spcAft>
+                <a:spcPct val="0"/>
+              </a:spcAft>
+              <a:defRPr sz="2800">
+                <a:solidFill>
+                  <a:srgbClr val="00407A"/>
+                </a:solidFill>
+                <a:latin typeface="Arial" charset="0"/>
+              </a:defRPr>
+            </a:lvl2pPr>
+            <a:lvl3pPr algn="l" rtl="0" eaLnBrk="1" fontAlgn="base" hangingPunct="1">
+              <a:spcBef>
+                <a:spcPct val="0"/>
+              </a:spcBef>
+              <a:spcAft>
+                <a:spcPct val="0"/>
+              </a:spcAft>
+              <a:defRPr sz="2800">
+                <a:solidFill>
+                  <a:srgbClr val="00407A"/>
+                </a:solidFill>
+                <a:latin typeface="Arial" charset="0"/>
+              </a:defRPr>
+            </a:lvl3pPr>
+            <a:lvl4pPr algn="l" rtl="0" eaLnBrk="1" fontAlgn="base" hangingPunct="1">
+              <a:spcBef>
+                <a:spcPct val="0"/>
+              </a:spcBef>
+              <a:spcAft>
+                <a:spcPct val="0"/>
+              </a:spcAft>
+              <a:defRPr sz="2800">
+                <a:solidFill>
+                  <a:srgbClr val="00407A"/>
+                </a:solidFill>
+                <a:latin typeface="Arial" charset="0"/>
+              </a:defRPr>
+            </a:lvl4pPr>
+            <a:lvl5pPr algn="l" rtl="0" eaLnBrk="1" fontAlgn="base" hangingPunct="1">
+              <a:spcBef>
+                <a:spcPct val="0"/>
+              </a:spcBef>
+              <a:spcAft>
+                <a:spcPct val="0"/>
+              </a:spcAft>
+              <a:defRPr sz="2800">
+                <a:solidFill>
+                  <a:srgbClr val="00407A"/>
+                </a:solidFill>
+                <a:latin typeface="Arial" charset="0"/>
+              </a:defRPr>
+            </a:lvl5pPr>
+            <a:lvl6pPr marL="457200" algn="l" rtl="0" eaLnBrk="1" fontAlgn="base" hangingPunct="1">
+              <a:spcBef>
+                <a:spcPct val="0"/>
+              </a:spcBef>
+              <a:spcAft>
+                <a:spcPct val="0"/>
+              </a:spcAft>
+              <a:defRPr sz="2800" b="1">
+                <a:solidFill>
+                  <a:srgbClr val="00407A"/>
+                </a:solidFill>
+                <a:latin typeface="UB Scala" pitchFamily="2" charset="0"/>
+              </a:defRPr>
+            </a:lvl6pPr>
+            <a:lvl7pPr marL="914400" algn="l" rtl="0" eaLnBrk="1" fontAlgn="base" hangingPunct="1">
+              <a:spcBef>
+                <a:spcPct val="0"/>
+              </a:spcBef>
+              <a:spcAft>
+                <a:spcPct val="0"/>
+              </a:spcAft>
+              <a:defRPr sz="2800" b="1">
+                <a:solidFill>
+                  <a:srgbClr val="00407A"/>
+                </a:solidFill>
+                <a:latin typeface="UB Scala" pitchFamily="2" charset="0"/>
+              </a:defRPr>
+            </a:lvl7pPr>
+            <a:lvl8pPr marL="1371600" algn="l" rtl="0" eaLnBrk="1" fontAlgn="base" hangingPunct="1">
+              <a:spcBef>
+                <a:spcPct val="0"/>
+              </a:spcBef>
+              <a:spcAft>
+                <a:spcPct val="0"/>
+              </a:spcAft>
+              <a:defRPr sz="2800" b="1">
+                <a:solidFill>
+                  <a:srgbClr val="00407A"/>
+                </a:solidFill>
+                <a:latin typeface="UB Scala" pitchFamily="2" charset="0"/>
+              </a:defRPr>
+            </a:lvl8pPr>
+            <a:lvl9pPr marL="1828800" algn="l" rtl="0" eaLnBrk="1" fontAlgn="base" hangingPunct="1">
+              <a:spcBef>
+                <a:spcPct val="0"/>
+              </a:spcBef>
+              <a:spcAft>
+                <a:spcPct val="0"/>
+              </a:spcAft>
+              <a:defRPr sz="2800" b="1">
+                <a:solidFill>
+                  <a:srgbClr val="00407A"/>
+                </a:solidFill>
+                <a:latin typeface="UB Scala" pitchFamily="2" charset="0"/>
+              </a:defRPr>
+            </a:lvl9pPr>
+          </a:lstStyle>
+          <a:p>
+            <a:r>
+              <a:rPr lang="de-DE" kern="0" dirty="0" err="1">
+                <a:solidFill>
+                  <a:schemeClr val="bg1"/>
+                </a:solidFill>
+              </a:rPr>
+              <a:t>What</a:t>
+            </a:r>
+            <a:r>
+              <a:rPr lang="de-DE" kern="0" dirty="0">
+                <a:solidFill>
+                  <a:schemeClr val="bg1"/>
+                </a:solidFill>
+              </a:rPr>
+              <a:t> </a:t>
+            </a:r>
+            <a:r>
+              <a:rPr lang="de-DE" kern="0" dirty="0" err="1">
+                <a:solidFill>
+                  <a:schemeClr val="bg1"/>
+                </a:solidFill>
+              </a:rPr>
+              <a:t>is</a:t>
+            </a:r>
+            <a:r>
+              <a:rPr lang="de-DE" kern="0" dirty="0">
+                <a:solidFill>
+                  <a:schemeClr val="bg1"/>
+                </a:solidFill>
+              </a:rPr>
+              <a:t> CNN?</a:t>
+            </a:r>
+          </a:p>
+        </p:txBody>
+      </p:sp>
+      <p:pic>
+        <p:nvPicPr>
+          <p:cNvPr id="4" name="Inhaltsplatzhalter 3"/>
+          <p:cNvPicPr>
+            <a:picLocks noGrp="1" noChangeAspect="1"/>
+          </p:cNvPicPr>
+          <p:nvPr>
+            <p:ph idx="1"/>
+          </p:nvPr>
+        </p:nvPicPr>
+        <p:blipFill>
+          <a:blip r:embed="rId2" cstate="print">
+            <a:extLst>
+              <a:ext uri="{28A0092B-C50C-407E-A947-70E740481C1C}">
+                <a14:useLocalDpi xmlns:a14="http://schemas.microsoft.com/office/drawing/2010/main" val="0"/>
+              </a:ext>
+            </a:extLst>
+          </a:blip>
+          <a:stretch>
+            <a:fillRect/>
+          </a:stretch>
+        </p:blipFill>
+        <p:spPr>
+          <a:xfrm>
+            <a:off x="899592" y="3140968"/>
+            <a:ext cx="7467600" cy="2552286"/>
+          </a:xfrm>
+        </p:spPr>
+      </p:pic>
+      <p:sp>
+        <p:nvSpPr>
+          <p:cNvPr id="6" name="Rechteck 5"/>
+          <p:cNvSpPr/>
+          <p:nvPr/>
+        </p:nvSpPr>
+        <p:spPr>
+          <a:xfrm>
+            <a:off x="5292080" y="6165304"/>
+            <a:ext cx="3544560" cy="338554"/>
+          </a:xfrm>
+          <a:prstGeom prst="rect">
+            <a:avLst/>
+          </a:prstGeom>
+        </p:spPr>
+        <p:txBody>
+          <a:bodyPr wrap="none">
+            <a:spAutoFit/>
+          </a:bodyPr>
+          <a:lstStyle/>
+          <a:p>
+            <a:r>
+              <a:rPr lang="de-DE" sz="1600" dirty="0">
+                <a:solidFill>
+                  <a:schemeClr val="bg2">
+                    <a:lumMod val="60000"/>
+                    <a:lumOff val="40000"/>
+                  </a:schemeClr>
+                </a:solidFill>
+                <a:latin typeface="Helvetica" panose="020B0604020202020204" pitchFamily="34" charset="0"/>
+                <a:cs typeface="Helvetica" panose="020B0604020202020204" pitchFamily="34" charset="0"/>
+              </a:rPr>
+              <a:t>[</a:t>
+            </a:r>
+            <a:r>
+              <a:rPr lang="de-DE" sz="1600" dirty="0" err="1">
+                <a:solidFill>
+                  <a:schemeClr val="bg2">
+                    <a:lumMod val="60000"/>
+                    <a:lumOff val="40000"/>
+                  </a:schemeClr>
+                </a:solidFill>
+                <a:latin typeface="Helvetica" panose="020B0604020202020204" pitchFamily="34" charset="0"/>
+                <a:cs typeface="Helvetica" panose="020B0604020202020204" pitchFamily="34" charset="0"/>
+              </a:rPr>
+              <a:t>source</a:t>
+            </a:r>
+            <a:r>
+              <a:rPr lang="de-DE" sz="1600" dirty="0">
+                <a:solidFill>
+                  <a:schemeClr val="bg2">
+                    <a:lumMod val="60000"/>
+                    <a:lumOff val="40000"/>
+                  </a:schemeClr>
+                </a:solidFill>
+                <a:latin typeface="Helvetica" panose="020B0604020202020204" pitchFamily="34" charset="0"/>
+                <a:cs typeface="Helvetica" panose="020B0604020202020204" pitchFamily="34" charset="0"/>
+              </a:rPr>
+              <a:t>: http://graphics.cs.cmu.edu/] </a:t>
+            </a:r>
+          </a:p>
+        </p:txBody>
+      </p:sp>
+    </p:spTree>
+    <p:extLst>
+      <p:ext uri="{BB962C8B-B14F-4D97-AF65-F5344CB8AC3E}">
+        <p14:creationId xmlns:p14="http://schemas.microsoft.com/office/powerpoint/2010/main" val="916418760"/>
+      </p:ext>
+    </p:extLst>
+  </p:cSld>
+  <p:clrMapOvr>
+    <a:masterClrMapping/>
+  </p:clrMapOvr>
+</p:sld>
+</file>
+
+<file path=ppt/slides/slide7.xml><?xml version="1.0" encoding="utf-8"?>
+<p:sld xmlns:a="http://schemas.openxmlformats.org/drawingml/2006/main" xmlns:r="http://schemas.openxmlformats.org/officeDocument/2006/relationships" xmlns:p="http://schemas.openxmlformats.org/presentationml/2006/main">
+  <p:cSld>
+    <p:spTree>
+      <p:nvGrpSpPr>
+        <p:cNvPr id="1" name=""/>
+        <p:cNvGrpSpPr/>
+        <p:nvPr/>
+      </p:nvGrpSpPr>
+      <p:grpSpPr>
+        <a:xfrm>
+          <a:off x="0" y="0"/>
+          <a:ext cx="0" cy="0"/>
+          <a:chOff x="0" y="0"/>
+          <a:chExt cx="0" cy="0"/>
+        </a:xfrm>
+      </p:grpSpPr>
+      <p:sp>
+        <p:nvSpPr>
+          <p:cNvPr id="5" name="Titel 1"/>
+          <p:cNvSpPr txBox="1">
+            <a:spLocks/>
+          </p:cNvSpPr>
+          <p:nvPr/>
+        </p:nvSpPr>
+        <p:spPr bwMode="auto">
+          <a:xfrm>
+            <a:off x="755576" y="0"/>
+            <a:ext cx="7467600" cy="1143000"/>
+          </a:xfrm>
+          <a:prstGeom prst="rect">
+            <a:avLst/>
+          </a:prstGeom>
+          <a:noFill/>
+          <a:ln>
+            <a:noFill/>
+          </a:ln>
+          <a:extLst>
+            <a:ext uri="{909E8E84-426E-40DD-AFC4-6F175D3DCCD1}">
+              <a14:hiddenFill xmlns:a14="http://schemas.microsoft.com/office/drawing/2010/main">
+                <a:solidFill>
+                  <a:srgbClr val="FFFFFF"/>
+                </a:solidFill>
+              </a14:hiddenFill>
+            </a:ext>
+            <a:ext uri="{91240B29-F687-4F45-9708-019B960494DF}">
+              <a14:hiddenLine xmlns:a14="http://schemas.microsoft.com/office/drawing/2010/main" w="9525">
+                <a:solidFill>
+                  <a:srgbClr val="000000"/>
+                </a:solidFill>
+                <a:miter lim="800000"/>
+                <a:headEnd/>
+                <a:tailEnd/>
+              </a14:hiddenLine>
+            </a:ext>
+          </a:extLst>
+        </p:spPr>
+        <p:txBody>
+          <a:bodyPr vert="horz" wrap="square" lIns="91440" tIns="45720" rIns="91440" bIns="45720" numCol="1" anchor="ctr" anchorCtr="0" compatLnSpc="1">
+            <a:prstTxWarp prst="textNoShape">
+              <a:avLst/>
+            </a:prstTxWarp>
+          </a:bodyPr>
+          <a:lstStyle>
+            <a:lvl1pPr algn="l" rtl="0" eaLnBrk="1" fontAlgn="base" hangingPunct="1">
+              <a:spcBef>
+                <a:spcPct val="0"/>
+              </a:spcBef>
+              <a:spcAft>
+                <a:spcPct val="0"/>
+              </a:spcAft>
+              <a:defRPr sz="2800">
+                <a:solidFill>
+                  <a:srgbClr val="00407A"/>
+                </a:solidFill>
+                <a:latin typeface="Arial" charset="0"/>
+                <a:ea typeface="+mj-ea"/>
+                <a:cs typeface="+mj-cs"/>
+              </a:defRPr>
+            </a:lvl1pPr>
+            <a:lvl2pPr algn="l" rtl="0" eaLnBrk="1" fontAlgn="base" hangingPunct="1">
+              <a:spcBef>
+                <a:spcPct val="0"/>
+              </a:spcBef>
+              <a:spcAft>
+                <a:spcPct val="0"/>
+              </a:spcAft>
+              <a:defRPr sz="2800">
+                <a:solidFill>
+                  <a:srgbClr val="00407A"/>
+                </a:solidFill>
+                <a:latin typeface="Arial" charset="0"/>
+              </a:defRPr>
+            </a:lvl2pPr>
+            <a:lvl3pPr algn="l" rtl="0" eaLnBrk="1" fontAlgn="base" hangingPunct="1">
+              <a:spcBef>
+                <a:spcPct val="0"/>
+              </a:spcBef>
+              <a:spcAft>
+                <a:spcPct val="0"/>
+              </a:spcAft>
+              <a:defRPr sz="2800">
+                <a:solidFill>
+                  <a:srgbClr val="00407A"/>
+                </a:solidFill>
+                <a:latin typeface="Arial" charset="0"/>
+              </a:defRPr>
+            </a:lvl3pPr>
+            <a:lvl4pPr algn="l" rtl="0" eaLnBrk="1" fontAlgn="base" hangingPunct="1">
+              <a:spcBef>
+                <a:spcPct val="0"/>
+              </a:spcBef>
+              <a:spcAft>
+                <a:spcPct val="0"/>
+              </a:spcAft>
+              <a:defRPr sz="2800">
+                <a:solidFill>
+                  <a:srgbClr val="00407A"/>
+                </a:solidFill>
+                <a:latin typeface="Arial" charset="0"/>
+              </a:defRPr>
+            </a:lvl4pPr>
+            <a:lvl5pPr algn="l" rtl="0" eaLnBrk="1" fontAlgn="base" hangingPunct="1">
+              <a:spcBef>
+                <a:spcPct val="0"/>
+              </a:spcBef>
+              <a:spcAft>
+                <a:spcPct val="0"/>
+              </a:spcAft>
+              <a:defRPr sz="2800">
+                <a:solidFill>
+                  <a:srgbClr val="00407A"/>
+                </a:solidFill>
+                <a:latin typeface="Arial" charset="0"/>
+              </a:defRPr>
+            </a:lvl5pPr>
+            <a:lvl6pPr marL="457200" algn="l" rtl="0" eaLnBrk="1" fontAlgn="base" hangingPunct="1">
+              <a:spcBef>
+                <a:spcPct val="0"/>
+              </a:spcBef>
+              <a:spcAft>
+                <a:spcPct val="0"/>
+              </a:spcAft>
+              <a:defRPr sz="2800" b="1">
+                <a:solidFill>
+                  <a:srgbClr val="00407A"/>
+                </a:solidFill>
+                <a:latin typeface="UB Scala" pitchFamily="2" charset="0"/>
+              </a:defRPr>
+            </a:lvl6pPr>
+            <a:lvl7pPr marL="914400" algn="l" rtl="0" eaLnBrk="1" fontAlgn="base" hangingPunct="1">
+              <a:spcBef>
+                <a:spcPct val="0"/>
+              </a:spcBef>
+              <a:spcAft>
+                <a:spcPct val="0"/>
+              </a:spcAft>
+              <a:defRPr sz="2800" b="1">
+                <a:solidFill>
+                  <a:srgbClr val="00407A"/>
+                </a:solidFill>
+                <a:latin typeface="UB Scala" pitchFamily="2" charset="0"/>
+              </a:defRPr>
+            </a:lvl7pPr>
+            <a:lvl8pPr marL="1371600" algn="l" rtl="0" eaLnBrk="1" fontAlgn="base" hangingPunct="1">
+              <a:spcBef>
+                <a:spcPct val="0"/>
+              </a:spcBef>
+              <a:spcAft>
+                <a:spcPct val="0"/>
+              </a:spcAft>
+              <a:defRPr sz="2800" b="1">
+                <a:solidFill>
+                  <a:srgbClr val="00407A"/>
+                </a:solidFill>
+                <a:latin typeface="UB Scala" pitchFamily="2" charset="0"/>
+              </a:defRPr>
+            </a:lvl8pPr>
+            <a:lvl9pPr marL="1828800" algn="l" rtl="0" eaLnBrk="1" fontAlgn="base" hangingPunct="1">
+              <a:spcBef>
+                <a:spcPct val="0"/>
+              </a:spcBef>
+              <a:spcAft>
+                <a:spcPct val="0"/>
+              </a:spcAft>
+              <a:defRPr sz="2800" b="1">
+                <a:solidFill>
+                  <a:srgbClr val="00407A"/>
+                </a:solidFill>
+                <a:latin typeface="UB Scala" pitchFamily="2" charset="0"/>
+              </a:defRPr>
+            </a:lvl9pPr>
+          </a:lstStyle>
+          <a:p>
+            <a:r>
+              <a:rPr lang="de-DE" kern="0" dirty="0" err="1">
+                <a:solidFill>
+                  <a:schemeClr val="bg1"/>
+                </a:solidFill>
+              </a:rPr>
+              <a:t>What</a:t>
+            </a:r>
+            <a:r>
+              <a:rPr lang="de-DE" kern="0" dirty="0">
+                <a:solidFill>
+                  <a:schemeClr val="bg1"/>
+                </a:solidFill>
+              </a:rPr>
+              <a:t> </a:t>
+            </a:r>
+            <a:r>
+              <a:rPr lang="de-DE" kern="0" dirty="0" err="1">
+                <a:solidFill>
+                  <a:schemeClr val="bg1"/>
+                </a:solidFill>
+              </a:rPr>
+              <a:t>is</a:t>
+            </a:r>
+            <a:r>
+              <a:rPr lang="de-DE" kern="0" dirty="0">
+                <a:solidFill>
+                  <a:schemeClr val="bg1"/>
+                </a:solidFill>
+              </a:rPr>
+              <a:t> CNN?</a:t>
+            </a:r>
+          </a:p>
+        </p:txBody>
+      </p:sp>
+      <p:sp>
+        <p:nvSpPr>
+          <p:cNvPr id="6" name="Rechteck 5"/>
+          <p:cNvSpPr/>
+          <p:nvPr/>
+        </p:nvSpPr>
+        <p:spPr>
+          <a:xfrm>
+            <a:off x="6713933" y="6181639"/>
+            <a:ext cx="2034531" cy="338554"/>
+          </a:xfrm>
+          <a:prstGeom prst="rect">
+            <a:avLst/>
+          </a:prstGeom>
+        </p:spPr>
+        <p:txBody>
+          <a:bodyPr wrap="none">
+            <a:spAutoFit/>
+          </a:bodyPr>
+          <a:lstStyle/>
+          <a:p>
+            <a:r>
+              <a:rPr lang="de-DE" sz="1600" dirty="0">
+                <a:solidFill>
+                  <a:schemeClr val="bg2">
+                    <a:lumMod val="60000"/>
+                    <a:lumOff val="40000"/>
+                  </a:schemeClr>
+                </a:solidFill>
+                <a:latin typeface="Helvetica" panose="020B0604020202020204" pitchFamily="34" charset="0"/>
+                <a:cs typeface="Helvetica" panose="020B0604020202020204" pitchFamily="34" charset="0"/>
+              </a:rPr>
+              <a:t>[</a:t>
+            </a:r>
+            <a:r>
+              <a:rPr lang="de-DE" sz="1600" dirty="0" err="1">
+                <a:solidFill>
+                  <a:schemeClr val="bg2">
+                    <a:lumMod val="60000"/>
+                    <a:lumOff val="40000"/>
+                  </a:schemeClr>
+                </a:solidFill>
+                <a:latin typeface="Helvetica" panose="020B0604020202020204" pitchFamily="34" charset="0"/>
+                <a:cs typeface="Helvetica" panose="020B0604020202020204" pitchFamily="34" charset="0"/>
+              </a:rPr>
+              <a:t>LeCun</a:t>
+            </a:r>
+            <a:r>
+              <a:rPr lang="de-DE" sz="1600" dirty="0">
+                <a:solidFill>
+                  <a:schemeClr val="bg2">
+                    <a:lumMod val="60000"/>
+                    <a:lumOff val="40000"/>
+                  </a:schemeClr>
+                </a:solidFill>
+                <a:latin typeface="Helvetica" panose="020B0604020202020204" pitchFamily="34" charset="0"/>
+                <a:cs typeface="Helvetica" panose="020B0604020202020204" pitchFamily="34" charset="0"/>
+              </a:rPr>
+              <a:t> et al., 1988] </a:t>
+            </a:r>
+          </a:p>
+        </p:txBody>
+      </p:sp>
+      <p:pic>
+        <p:nvPicPr>
+          <p:cNvPr id="7" name="Inhaltsplatzhalter 6"/>
+          <p:cNvPicPr>
+            <a:picLocks noGrp="1" noChangeAspect="1"/>
+          </p:cNvPicPr>
+          <p:nvPr>
+            <p:ph idx="1"/>
+          </p:nvPr>
+        </p:nvPicPr>
+        <p:blipFill>
+          <a:blip r:embed="rId2" cstate="print">
+            <a:extLst>
+              <a:ext uri="{28A0092B-C50C-407E-A947-70E740481C1C}">
+                <a14:useLocalDpi xmlns:a14="http://schemas.microsoft.com/office/drawing/2010/main" val="0"/>
+              </a:ext>
+            </a:extLst>
+          </a:blip>
+          <a:stretch>
+            <a:fillRect/>
+          </a:stretch>
+        </p:blipFill>
+        <p:spPr>
+          <a:xfrm>
+            <a:off x="742108" y="2269832"/>
+            <a:ext cx="7953179" cy="2311369"/>
+          </a:xfrm>
+        </p:spPr>
+      </p:pic>
+      <p:sp>
+        <p:nvSpPr>
+          <p:cNvPr id="3" name="Rechteck 2"/>
+          <p:cNvSpPr/>
+          <p:nvPr/>
+        </p:nvSpPr>
+        <p:spPr>
+          <a:xfrm>
+            <a:off x="1024673" y="4919755"/>
+            <a:ext cx="7035552" cy="738664"/>
+          </a:xfrm>
+          <a:prstGeom prst="rect">
+            <a:avLst/>
+          </a:prstGeom>
+        </p:spPr>
+        <p:txBody>
+          <a:bodyPr wrap="square">
+            <a:spAutoFit/>
+          </a:bodyPr>
+          <a:lstStyle/>
+          <a:p>
+            <a:r>
+              <a:rPr lang="en-US" sz="1400" dirty="0">
+                <a:solidFill>
+                  <a:srgbClr val="111111"/>
+                </a:solidFill>
+                <a:latin typeface="Helvetica" panose="020B0604020202020204" pitchFamily="34" charset="0"/>
+              </a:rPr>
+              <a:t>It is the year 1994, and this is one of the very first convolutional neural networks, and what propelled the field of Deep Learning. This pioneering work by Yann </a:t>
+            </a:r>
+            <a:r>
+              <a:rPr lang="en-US" sz="1400" dirty="0" err="1">
+                <a:solidFill>
+                  <a:srgbClr val="111111"/>
+                </a:solidFill>
+                <a:latin typeface="Helvetica" panose="020B0604020202020204" pitchFamily="34" charset="0"/>
+              </a:rPr>
+              <a:t>LeCun</a:t>
+            </a:r>
+            <a:r>
+              <a:rPr lang="en-US" sz="1400" dirty="0">
+                <a:solidFill>
+                  <a:srgbClr val="111111"/>
+                </a:solidFill>
+                <a:latin typeface="Helvetica" panose="020B0604020202020204" pitchFamily="34" charset="0"/>
+              </a:rPr>
+              <a:t> was </a:t>
+            </a:r>
+            <a:r>
+              <a:rPr lang="en-US" sz="1400" dirty="0">
+                <a:latin typeface="Helvetica" panose="020B0604020202020204" pitchFamily="34" charset="0"/>
+              </a:rPr>
+              <a:t>named LeNet5 </a:t>
+            </a:r>
+            <a:r>
+              <a:rPr lang="en-US" sz="1400" dirty="0">
+                <a:solidFill>
+                  <a:srgbClr val="111111"/>
+                </a:solidFill>
+                <a:latin typeface="Helvetica" panose="020B0604020202020204" pitchFamily="34" charset="0"/>
+              </a:rPr>
+              <a:t>after many previous successful iterations since they year 1988!</a:t>
+            </a:r>
+            <a:endParaRPr lang="de-DE" sz="1400" dirty="0"/>
+          </a:p>
+        </p:txBody>
+      </p:sp>
+      <p:sp>
+        <p:nvSpPr>
+          <p:cNvPr id="8" name="Textfeld 7"/>
+          <p:cNvSpPr txBox="1"/>
+          <p:nvPr/>
+        </p:nvSpPr>
+        <p:spPr>
+          <a:xfrm>
+            <a:off x="1043608" y="5658419"/>
+            <a:ext cx="7704856" cy="523220"/>
+          </a:xfrm>
+          <a:prstGeom prst="rect">
+            <a:avLst/>
+          </a:prstGeom>
+          <a:noFill/>
+        </p:spPr>
+        <p:txBody>
+          <a:bodyPr wrap="square" rtlCol="0">
+            <a:spAutoFit/>
+          </a:bodyPr>
+          <a:lstStyle/>
+          <a:p>
+            <a:r>
+              <a:rPr lang="en-US" sz="1400" dirty="0" err="1">
+                <a:latin typeface="Helvetica" panose="020B0604020202020204" pitchFamily="34" charset="0"/>
+                <a:cs typeface="Helvetica" panose="020B0604020202020204" pitchFamily="34" charset="0"/>
+              </a:rPr>
+              <a:t>LeNet</a:t>
+            </a:r>
+            <a:r>
+              <a:rPr lang="en-US" sz="1400" dirty="0">
+                <a:latin typeface="Helvetica" panose="020B0604020202020204" pitchFamily="34" charset="0"/>
+                <a:cs typeface="Helvetica" panose="020B0604020202020204" pitchFamily="34" charset="0"/>
+              </a:rPr>
+              <a:t>: a layered model composed of convolution and subsampling operations followed by a holistic representation and ultimately a classifier for handwritten digits [Yann </a:t>
+            </a:r>
+            <a:r>
+              <a:rPr lang="en-US" sz="1400" dirty="0" err="1">
+                <a:latin typeface="Helvetica" panose="020B0604020202020204" pitchFamily="34" charset="0"/>
+                <a:cs typeface="Helvetica" panose="020B0604020202020204" pitchFamily="34" charset="0"/>
+              </a:rPr>
+              <a:t>LeCun</a:t>
+            </a:r>
+            <a:r>
+              <a:rPr lang="en-US" sz="1400" dirty="0">
+                <a:latin typeface="Helvetica" panose="020B0604020202020204" pitchFamily="34" charset="0"/>
+                <a:cs typeface="Helvetica" panose="020B0604020202020204" pitchFamily="34" charset="0"/>
+              </a:rPr>
+              <a:t>; </a:t>
+            </a:r>
+            <a:r>
+              <a:rPr lang="en-US" sz="1400" dirty="0" err="1">
+                <a:latin typeface="Helvetica" panose="020B0604020202020204" pitchFamily="34" charset="0"/>
+                <a:cs typeface="Helvetica" panose="020B0604020202020204" pitchFamily="34" charset="0"/>
+              </a:rPr>
+              <a:t>LeNet</a:t>
+            </a:r>
+            <a:r>
+              <a:rPr lang="en-US" sz="1400" dirty="0">
+                <a:latin typeface="Helvetica" panose="020B0604020202020204" pitchFamily="34" charset="0"/>
+                <a:cs typeface="Helvetica" panose="020B0604020202020204" pitchFamily="34" charset="0"/>
+              </a:rPr>
+              <a:t>]</a:t>
+            </a:r>
+            <a:endParaRPr lang="de-DE" sz="1400" dirty="0">
+              <a:latin typeface="Helvetica" panose="020B0604020202020204" pitchFamily="34" charset="0"/>
+              <a:cs typeface="Helvetica" panose="020B0604020202020204" pitchFamily="34" charset="0"/>
+            </a:endParaRPr>
+          </a:p>
+        </p:txBody>
+      </p:sp>
+      <p:sp>
+        <p:nvSpPr>
+          <p:cNvPr id="9" name="Titel 1"/>
+          <p:cNvSpPr>
+            <a:spLocks noGrp="1"/>
+          </p:cNvSpPr>
+          <p:nvPr>
+            <p:ph type="title"/>
+          </p:nvPr>
+        </p:nvSpPr>
+        <p:spPr>
+          <a:xfrm>
+            <a:off x="838200" y="1143000"/>
+            <a:ext cx="7467600" cy="1143000"/>
+          </a:xfrm>
+        </p:spPr>
+        <p:txBody>
+          <a:bodyPr/>
+          <a:lstStyle/>
+          <a:p>
+            <a:r>
+              <a:rPr lang="en-US" dirty="0"/>
+              <a:t>LeNet5 (1994)</a:t>
+            </a:r>
+            <a:endParaRPr lang="de-DE" dirty="0"/>
+          </a:p>
+        </p:txBody>
+      </p:sp>
+    </p:spTree>
+    <p:extLst>
+      <p:ext uri="{BB962C8B-B14F-4D97-AF65-F5344CB8AC3E}">
+        <p14:creationId xmlns:p14="http://schemas.microsoft.com/office/powerpoint/2010/main" val="1853100406"/>
+      </p:ext>
+    </p:extLst>
+  </p:cSld>
+  <p:clrMapOvr>
+    <a:masterClrMapping/>
+  </p:clrMapOvr>
+</p:sld>
+</file>
+
+<file path=ppt/slides/slide8.xml><?xml version="1.0" encoding="utf-8"?>
+<p:sld xmlns:a="http://schemas.openxmlformats.org/drawingml/2006/main" xmlns:r="http://schemas.openxmlformats.org/officeDocument/2006/relationships" xmlns:p="http://schemas.openxmlformats.org/presentationml/2006/main">
+  <p:cSld>
+    <p:spTree>
+      <p:nvGrpSpPr>
+        <p:cNvPr id="1" name=""/>
+        <p:cNvGrpSpPr/>
+        <p:nvPr/>
+      </p:nvGrpSpPr>
+      <p:grpSpPr>
+        <a:xfrm>
+          <a:off x="0" y="0"/>
+          <a:ext cx="0" cy="0"/>
+          <a:chOff x="0" y="0"/>
+          <a:chExt cx="0" cy="0"/>
+        </a:xfrm>
+      </p:grpSpPr>
+      <p:sp>
+        <p:nvSpPr>
+          <p:cNvPr id="3" name="Inhaltsplatzhalter 2"/>
           <p:cNvSpPr>
             <a:spLocks noGrp="1"/>
           </p:cNvSpPr>
@@ -6265,19 +8452,765 @@
             <p:ph idx="1"/>
           </p:nvPr>
         </p:nvSpPr>
-        <p:spPr/>
+        <p:spPr>
+          <a:xfrm>
+            <a:off x="755576" y="2348880"/>
+            <a:ext cx="7766248" cy="3552844"/>
+          </a:xfrm>
+        </p:spPr>
         <p:txBody>
           <a:bodyPr/>
           <a:lstStyle/>
           <a:p>
-            <a:endParaRPr lang="de-DE"/>
+            <a:pPr marL="0" indent="0">
+              <a:buNone/>
+            </a:pPr>
+            <a:r>
+              <a:rPr lang="en-US" sz="1800" dirty="0"/>
+              <a:t>LeNet5 features can be summarized as:</a:t>
+            </a:r>
+          </a:p>
+          <a:p>
+            <a:r>
+              <a:rPr lang="en-US" sz="1800" dirty="0"/>
+              <a:t>convolutional neural network use sequence of 3 layers: convolution, pooling, non-linearity (key feature)</a:t>
+            </a:r>
+          </a:p>
+          <a:p>
+            <a:r>
+              <a:rPr lang="en-US" sz="1800" dirty="0"/>
+              <a:t>use convolution to extract spatial features</a:t>
+            </a:r>
+          </a:p>
+          <a:p>
+            <a:r>
+              <a:rPr lang="en-US" sz="1800" dirty="0"/>
+              <a:t>subsample using spatial average of maps</a:t>
+            </a:r>
+          </a:p>
+          <a:p>
+            <a:r>
+              <a:rPr lang="en-US" sz="1800" dirty="0"/>
+              <a:t>non-linearity in the form of tanh or </a:t>
+            </a:r>
+            <a:r>
+              <a:rPr lang="en-US" sz="1800" dirty="0" err="1"/>
+              <a:t>sigmoids</a:t>
+            </a:r>
+            <a:endParaRPr lang="en-US" sz="1800" dirty="0"/>
+          </a:p>
+          <a:p>
+            <a:r>
+              <a:rPr lang="en-US" sz="1800" dirty="0"/>
+              <a:t>multi-layer neural network (MLP) as final classifier</a:t>
+            </a:r>
+          </a:p>
+          <a:p>
+            <a:r>
+              <a:rPr lang="en-US" sz="1800" dirty="0"/>
+              <a:t>sparse connection matrix between layers to avoid large computational cost</a:t>
+            </a:r>
+          </a:p>
+          <a:p>
+            <a:r>
+              <a:rPr lang="en-US" sz="1800" dirty="0"/>
+              <a:t>In overall this network was the origin of much of the recent architectures, and a true inspiration for many people in the field.</a:t>
+            </a:r>
+          </a:p>
+          <a:p>
+            <a:endParaRPr lang="de-DE" sz="1800" dirty="0"/>
+          </a:p>
+        </p:txBody>
+      </p:sp>
+      <p:sp>
+        <p:nvSpPr>
+          <p:cNvPr id="4" name="Titel 1"/>
+          <p:cNvSpPr>
+            <a:spLocks noGrp="1"/>
+          </p:cNvSpPr>
+          <p:nvPr>
+            <p:ph type="title"/>
+          </p:nvPr>
+        </p:nvSpPr>
+        <p:spPr>
+          <a:xfrm>
+            <a:off x="838200" y="1143000"/>
+            <a:ext cx="7467600" cy="1143000"/>
+          </a:xfrm>
+        </p:spPr>
+        <p:txBody>
+          <a:bodyPr/>
+          <a:lstStyle/>
+          <a:p>
+            <a:r>
+              <a:rPr lang="en-US" dirty="0" err="1"/>
+              <a:t>LeNet</a:t>
+            </a:r>
+            <a:r>
+              <a:rPr lang="en-US" dirty="0"/>
+              <a:t> (1994)</a:t>
+            </a:r>
+            <a:endParaRPr lang="de-DE" dirty="0"/>
+          </a:p>
+        </p:txBody>
+      </p:sp>
+      <p:sp>
+        <p:nvSpPr>
+          <p:cNvPr id="5" name="Titel 1"/>
+          <p:cNvSpPr txBox="1">
+            <a:spLocks/>
+          </p:cNvSpPr>
+          <p:nvPr/>
+        </p:nvSpPr>
+        <p:spPr bwMode="auto">
+          <a:xfrm>
+            <a:off x="755576" y="0"/>
+            <a:ext cx="7467600" cy="1143000"/>
+          </a:xfrm>
+          <a:prstGeom prst="rect">
+            <a:avLst/>
+          </a:prstGeom>
+          <a:noFill/>
+          <a:ln>
+            <a:noFill/>
+          </a:ln>
+          <a:extLst>
+            <a:ext uri="{909E8E84-426E-40DD-AFC4-6F175D3DCCD1}">
+              <a14:hiddenFill xmlns:a14="http://schemas.microsoft.com/office/drawing/2010/main">
+                <a:solidFill>
+                  <a:srgbClr val="FFFFFF"/>
+                </a:solidFill>
+              </a14:hiddenFill>
+            </a:ext>
+            <a:ext uri="{91240B29-F687-4F45-9708-019B960494DF}">
+              <a14:hiddenLine xmlns:a14="http://schemas.microsoft.com/office/drawing/2010/main" w="9525">
+                <a:solidFill>
+                  <a:srgbClr val="000000"/>
+                </a:solidFill>
+                <a:miter lim="800000"/>
+                <a:headEnd/>
+                <a:tailEnd/>
+              </a14:hiddenLine>
+            </a:ext>
+          </a:extLst>
+        </p:spPr>
+        <p:txBody>
+          <a:bodyPr vert="horz" wrap="square" lIns="91440" tIns="45720" rIns="91440" bIns="45720" numCol="1" anchor="ctr" anchorCtr="0" compatLnSpc="1">
+            <a:prstTxWarp prst="textNoShape">
+              <a:avLst/>
+            </a:prstTxWarp>
+          </a:bodyPr>
+          <a:lstStyle>
+            <a:lvl1pPr algn="l" rtl="0" eaLnBrk="1" fontAlgn="base" hangingPunct="1">
+              <a:spcBef>
+                <a:spcPct val="0"/>
+              </a:spcBef>
+              <a:spcAft>
+                <a:spcPct val="0"/>
+              </a:spcAft>
+              <a:defRPr sz="2800">
+                <a:solidFill>
+                  <a:srgbClr val="00407A"/>
+                </a:solidFill>
+                <a:latin typeface="Arial" charset="0"/>
+                <a:ea typeface="+mj-ea"/>
+                <a:cs typeface="+mj-cs"/>
+              </a:defRPr>
+            </a:lvl1pPr>
+            <a:lvl2pPr algn="l" rtl="0" eaLnBrk="1" fontAlgn="base" hangingPunct="1">
+              <a:spcBef>
+                <a:spcPct val="0"/>
+              </a:spcBef>
+              <a:spcAft>
+                <a:spcPct val="0"/>
+              </a:spcAft>
+              <a:defRPr sz="2800">
+                <a:solidFill>
+                  <a:srgbClr val="00407A"/>
+                </a:solidFill>
+                <a:latin typeface="Arial" charset="0"/>
+              </a:defRPr>
+            </a:lvl2pPr>
+            <a:lvl3pPr algn="l" rtl="0" eaLnBrk="1" fontAlgn="base" hangingPunct="1">
+              <a:spcBef>
+                <a:spcPct val="0"/>
+              </a:spcBef>
+              <a:spcAft>
+                <a:spcPct val="0"/>
+              </a:spcAft>
+              <a:defRPr sz="2800">
+                <a:solidFill>
+                  <a:srgbClr val="00407A"/>
+                </a:solidFill>
+                <a:latin typeface="Arial" charset="0"/>
+              </a:defRPr>
+            </a:lvl3pPr>
+            <a:lvl4pPr algn="l" rtl="0" eaLnBrk="1" fontAlgn="base" hangingPunct="1">
+              <a:spcBef>
+                <a:spcPct val="0"/>
+              </a:spcBef>
+              <a:spcAft>
+                <a:spcPct val="0"/>
+              </a:spcAft>
+              <a:defRPr sz="2800">
+                <a:solidFill>
+                  <a:srgbClr val="00407A"/>
+                </a:solidFill>
+                <a:latin typeface="Arial" charset="0"/>
+              </a:defRPr>
+            </a:lvl4pPr>
+            <a:lvl5pPr algn="l" rtl="0" eaLnBrk="1" fontAlgn="base" hangingPunct="1">
+              <a:spcBef>
+                <a:spcPct val="0"/>
+              </a:spcBef>
+              <a:spcAft>
+                <a:spcPct val="0"/>
+              </a:spcAft>
+              <a:defRPr sz="2800">
+                <a:solidFill>
+                  <a:srgbClr val="00407A"/>
+                </a:solidFill>
+                <a:latin typeface="Arial" charset="0"/>
+              </a:defRPr>
+            </a:lvl5pPr>
+            <a:lvl6pPr marL="457200" algn="l" rtl="0" eaLnBrk="1" fontAlgn="base" hangingPunct="1">
+              <a:spcBef>
+                <a:spcPct val="0"/>
+              </a:spcBef>
+              <a:spcAft>
+                <a:spcPct val="0"/>
+              </a:spcAft>
+              <a:defRPr sz="2800" b="1">
+                <a:solidFill>
+                  <a:srgbClr val="00407A"/>
+                </a:solidFill>
+                <a:latin typeface="UB Scala" pitchFamily="2" charset="0"/>
+              </a:defRPr>
+            </a:lvl6pPr>
+            <a:lvl7pPr marL="914400" algn="l" rtl="0" eaLnBrk="1" fontAlgn="base" hangingPunct="1">
+              <a:spcBef>
+                <a:spcPct val="0"/>
+              </a:spcBef>
+              <a:spcAft>
+                <a:spcPct val="0"/>
+              </a:spcAft>
+              <a:defRPr sz="2800" b="1">
+                <a:solidFill>
+                  <a:srgbClr val="00407A"/>
+                </a:solidFill>
+                <a:latin typeface="UB Scala" pitchFamily="2" charset="0"/>
+              </a:defRPr>
+            </a:lvl7pPr>
+            <a:lvl8pPr marL="1371600" algn="l" rtl="0" eaLnBrk="1" fontAlgn="base" hangingPunct="1">
+              <a:spcBef>
+                <a:spcPct val="0"/>
+              </a:spcBef>
+              <a:spcAft>
+                <a:spcPct val="0"/>
+              </a:spcAft>
+              <a:defRPr sz="2800" b="1">
+                <a:solidFill>
+                  <a:srgbClr val="00407A"/>
+                </a:solidFill>
+                <a:latin typeface="UB Scala" pitchFamily="2" charset="0"/>
+              </a:defRPr>
+            </a:lvl8pPr>
+            <a:lvl9pPr marL="1828800" algn="l" rtl="0" eaLnBrk="1" fontAlgn="base" hangingPunct="1">
+              <a:spcBef>
+                <a:spcPct val="0"/>
+              </a:spcBef>
+              <a:spcAft>
+                <a:spcPct val="0"/>
+              </a:spcAft>
+              <a:defRPr sz="2800" b="1">
+                <a:solidFill>
+                  <a:srgbClr val="00407A"/>
+                </a:solidFill>
+                <a:latin typeface="UB Scala" pitchFamily="2" charset="0"/>
+              </a:defRPr>
+            </a:lvl9pPr>
+          </a:lstStyle>
+          <a:p>
+            <a:r>
+              <a:rPr lang="de-DE" kern="0" dirty="0" err="1">
+                <a:solidFill>
+                  <a:schemeClr val="bg1"/>
+                </a:solidFill>
+              </a:rPr>
+              <a:t>What</a:t>
+            </a:r>
+            <a:r>
+              <a:rPr lang="de-DE" kern="0" dirty="0">
+                <a:solidFill>
+                  <a:schemeClr val="bg1"/>
+                </a:solidFill>
+              </a:rPr>
+              <a:t> </a:t>
+            </a:r>
+            <a:r>
+              <a:rPr lang="de-DE" kern="0" dirty="0" err="1">
+                <a:solidFill>
+                  <a:schemeClr val="bg1"/>
+                </a:solidFill>
+              </a:rPr>
+              <a:t>is</a:t>
+            </a:r>
+            <a:r>
+              <a:rPr lang="de-DE" kern="0" dirty="0">
+                <a:solidFill>
+                  <a:schemeClr val="bg1"/>
+                </a:solidFill>
+              </a:rPr>
+              <a:t> CNN?</a:t>
+            </a:r>
           </a:p>
         </p:txBody>
       </p:sp>
     </p:spTree>
     <p:extLst>
       <p:ext uri="{BB962C8B-B14F-4D97-AF65-F5344CB8AC3E}">
-        <p14:creationId xmlns:p14="http://schemas.microsoft.com/office/powerpoint/2010/main" val="1573099297"/>
+        <p14:creationId xmlns:p14="http://schemas.microsoft.com/office/powerpoint/2010/main" val="2083879611"/>
+      </p:ext>
+    </p:extLst>
+  </p:cSld>
+  <p:clrMapOvr>
+    <a:masterClrMapping/>
+  </p:clrMapOvr>
+</p:sld>
+</file>
+
+<file path=ppt/slides/slide9.xml><?xml version="1.0" encoding="utf-8"?>
+<p:sld xmlns:a="http://schemas.openxmlformats.org/drawingml/2006/main" xmlns:r="http://schemas.openxmlformats.org/officeDocument/2006/relationships" xmlns:p="http://schemas.openxmlformats.org/presentationml/2006/main">
+  <p:cSld>
+    <p:spTree>
+      <p:nvGrpSpPr>
+        <p:cNvPr id="1" name=""/>
+        <p:cNvGrpSpPr/>
+        <p:nvPr/>
+      </p:nvGrpSpPr>
+      <p:grpSpPr>
+        <a:xfrm>
+          <a:off x="0" y="0"/>
+          <a:ext cx="0" cy="0"/>
+          <a:chOff x="0" y="0"/>
+          <a:chExt cx="0" cy="0"/>
+        </a:xfrm>
+      </p:grpSpPr>
+      <p:sp>
+        <p:nvSpPr>
+          <p:cNvPr id="2" name="Titel 1"/>
+          <p:cNvSpPr>
+            <a:spLocks noGrp="1"/>
+          </p:cNvSpPr>
+          <p:nvPr>
+            <p:ph type="title"/>
+          </p:nvPr>
+        </p:nvSpPr>
+        <p:spPr/>
+        <p:txBody>
+          <a:bodyPr/>
+          <a:lstStyle/>
+          <a:p>
+            <a:r>
+              <a:rPr lang="en-US" dirty="0" err="1"/>
+              <a:t>AlexNet</a:t>
+            </a:r>
+            <a:r>
+              <a:rPr lang="en-US" dirty="0"/>
+              <a:t> (2012</a:t>
+            </a:r>
+            <a:endParaRPr lang="de-DE" dirty="0"/>
+          </a:p>
+        </p:txBody>
+      </p:sp>
+      <p:pic>
+        <p:nvPicPr>
+          <p:cNvPr id="5" name="Inhaltsplatzhalter 4"/>
+          <p:cNvPicPr>
+            <a:picLocks noGrp="1" noChangeAspect="1"/>
+          </p:cNvPicPr>
+          <p:nvPr>
+            <p:ph idx="1"/>
+          </p:nvPr>
+        </p:nvPicPr>
+        <p:blipFill>
+          <a:blip r:embed="rId2">
+            <a:extLst>
+              <a:ext uri="{28A0092B-C50C-407E-A947-70E740481C1C}">
+                <a14:useLocalDpi xmlns:a14="http://schemas.microsoft.com/office/drawing/2010/main" val="0"/>
+              </a:ext>
+            </a:extLst>
+          </a:blip>
+          <a:stretch>
+            <a:fillRect/>
+          </a:stretch>
+        </p:blipFill>
+        <p:spPr>
+          <a:xfrm>
+            <a:off x="886998" y="2061151"/>
+            <a:ext cx="7467600" cy="2591985"/>
+          </a:xfrm>
+        </p:spPr>
+      </p:pic>
+      <p:sp>
+        <p:nvSpPr>
+          <p:cNvPr id="4" name="Titel 1"/>
+          <p:cNvSpPr txBox="1">
+            <a:spLocks/>
+          </p:cNvSpPr>
+          <p:nvPr/>
+        </p:nvSpPr>
+        <p:spPr bwMode="auto">
+          <a:xfrm>
+            <a:off x="755576" y="0"/>
+            <a:ext cx="7467600" cy="1143000"/>
+          </a:xfrm>
+          <a:prstGeom prst="rect">
+            <a:avLst/>
+          </a:prstGeom>
+          <a:noFill/>
+          <a:ln>
+            <a:noFill/>
+          </a:ln>
+          <a:extLst>
+            <a:ext uri="{909E8E84-426E-40DD-AFC4-6F175D3DCCD1}">
+              <a14:hiddenFill xmlns:a14="http://schemas.microsoft.com/office/drawing/2010/main">
+                <a:solidFill>
+                  <a:srgbClr val="FFFFFF"/>
+                </a:solidFill>
+              </a14:hiddenFill>
+            </a:ext>
+            <a:ext uri="{91240B29-F687-4F45-9708-019B960494DF}">
+              <a14:hiddenLine xmlns:a14="http://schemas.microsoft.com/office/drawing/2010/main" w="9525">
+                <a:solidFill>
+                  <a:srgbClr val="000000"/>
+                </a:solidFill>
+                <a:miter lim="800000"/>
+                <a:headEnd/>
+                <a:tailEnd/>
+              </a14:hiddenLine>
+            </a:ext>
+          </a:extLst>
+        </p:spPr>
+        <p:txBody>
+          <a:bodyPr vert="horz" wrap="square" lIns="91440" tIns="45720" rIns="91440" bIns="45720" numCol="1" anchor="ctr" anchorCtr="0" compatLnSpc="1">
+            <a:prstTxWarp prst="textNoShape">
+              <a:avLst/>
+            </a:prstTxWarp>
+          </a:bodyPr>
+          <a:lstStyle>
+            <a:lvl1pPr algn="l" rtl="0" eaLnBrk="1" fontAlgn="base" hangingPunct="1">
+              <a:spcBef>
+                <a:spcPct val="0"/>
+              </a:spcBef>
+              <a:spcAft>
+                <a:spcPct val="0"/>
+              </a:spcAft>
+              <a:defRPr sz="2800">
+                <a:solidFill>
+                  <a:srgbClr val="00407A"/>
+                </a:solidFill>
+                <a:latin typeface="Arial" charset="0"/>
+                <a:ea typeface="+mj-ea"/>
+                <a:cs typeface="+mj-cs"/>
+              </a:defRPr>
+            </a:lvl1pPr>
+            <a:lvl2pPr algn="l" rtl="0" eaLnBrk="1" fontAlgn="base" hangingPunct="1">
+              <a:spcBef>
+                <a:spcPct val="0"/>
+              </a:spcBef>
+              <a:spcAft>
+                <a:spcPct val="0"/>
+              </a:spcAft>
+              <a:defRPr sz="2800">
+                <a:solidFill>
+                  <a:srgbClr val="00407A"/>
+                </a:solidFill>
+                <a:latin typeface="Arial" charset="0"/>
+              </a:defRPr>
+            </a:lvl2pPr>
+            <a:lvl3pPr algn="l" rtl="0" eaLnBrk="1" fontAlgn="base" hangingPunct="1">
+              <a:spcBef>
+                <a:spcPct val="0"/>
+              </a:spcBef>
+              <a:spcAft>
+                <a:spcPct val="0"/>
+              </a:spcAft>
+              <a:defRPr sz="2800">
+                <a:solidFill>
+                  <a:srgbClr val="00407A"/>
+                </a:solidFill>
+                <a:latin typeface="Arial" charset="0"/>
+              </a:defRPr>
+            </a:lvl3pPr>
+            <a:lvl4pPr algn="l" rtl="0" eaLnBrk="1" fontAlgn="base" hangingPunct="1">
+              <a:spcBef>
+                <a:spcPct val="0"/>
+              </a:spcBef>
+              <a:spcAft>
+                <a:spcPct val="0"/>
+              </a:spcAft>
+              <a:defRPr sz="2800">
+                <a:solidFill>
+                  <a:srgbClr val="00407A"/>
+                </a:solidFill>
+                <a:latin typeface="Arial" charset="0"/>
+              </a:defRPr>
+            </a:lvl4pPr>
+            <a:lvl5pPr algn="l" rtl="0" eaLnBrk="1" fontAlgn="base" hangingPunct="1">
+              <a:spcBef>
+                <a:spcPct val="0"/>
+              </a:spcBef>
+              <a:spcAft>
+                <a:spcPct val="0"/>
+              </a:spcAft>
+              <a:defRPr sz="2800">
+                <a:solidFill>
+                  <a:srgbClr val="00407A"/>
+                </a:solidFill>
+                <a:latin typeface="Arial" charset="0"/>
+              </a:defRPr>
+            </a:lvl5pPr>
+            <a:lvl6pPr marL="457200" algn="l" rtl="0" eaLnBrk="1" fontAlgn="base" hangingPunct="1">
+              <a:spcBef>
+                <a:spcPct val="0"/>
+              </a:spcBef>
+              <a:spcAft>
+                <a:spcPct val="0"/>
+              </a:spcAft>
+              <a:defRPr sz="2800" b="1">
+                <a:solidFill>
+                  <a:srgbClr val="00407A"/>
+                </a:solidFill>
+                <a:latin typeface="UB Scala" pitchFamily="2" charset="0"/>
+              </a:defRPr>
+            </a:lvl6pPr>
+            <a:lvl7pPr marL="914400" algn="l" rtl="0" eaLnBrk="1" fontAlgn="base" hangingPunct="1">
+              <a:spcBef>
+                <a:spcPct val="0"/>
+              </a:spcBef>
+              <a:spcAft>
+                <a:spcPct val="0"/>
+              </a:spcAft>
+              <a:defRPr sz="2800" b="1">
+                <a:solidFill>
+                  <a:srgbClr val="00407A"/>
+                </a:solidFill>
+                <a:latin typeface="UB Scala" pitchFamily="2" charset="0"/>
+              </a:defRPr>
+            </a:lvl7pPr>
+            <a:lvl8pPr marL="1371600" algn="l" rtl="0" eaLnBrk="1" fontAlgn="base" hangingPunct="1">
+              <a:spcBef>
+                <a:spcPct val="0"/>
+              </a:spcBef>
+              <a:spcAft>
+                <a:spcPct val="0"/>
+              </a:spcAft>
+              <a:defRPr sz="2800" b="1">
+                <a:solidFill>
+                  <a:srgbClr val="00407A"/>
+                </a:solidFill>
+                <a:latin typeface="UB Scala" pitchFamily="2" charset="0"/>
+              </a:defRPr>
+            </a:lvl8pPr>
+            <a:lvl9pPr marL="1828800" algn="l" rtl="0" eaLnBrk="1" fontAlgn="base" hangingPunct="1">
+              <a:spcBef>
+                <a:spcPct val="0"/>
+              </a:spcBef>
+              <a:spcAft>
+                <a:spcPct val="0"/>
+              </a:spcAft>
+              <a:defRPr sz="2800" b="1">
+                <a:solidFill>
+                  <a:srgbClr val="00407A"/>
+                </a:solidFill>
+                <a:latin typeface="UB Scala" pitchFamily="2" charset="0"/>
+              </a:defRPr>
+            </a:lvl9pPr>
+          </a:lstStyle>
+          <a:p>
+            <a:r>
+              <a:rPr lang="de-DE" kern="0" dirty="0" err="1">
+                <a:solidFill>
+                  <a:schemeClr val="bg1"/>
+                </a:solidFill>
+              </a:rPr>
+              <a:t>What</a:t>
+            </a:r>
+            <a:r>
+              <a:rPr lang="de-DE" kern="0" dirty="0">
+                <a:solidFill>
+                  <a:schemeClr val="bg1"/>
+                </a:solidFill>
+              </a:rPr>
+              <a:t> </a:t>
+            </a:r>
+            <a:r>
+              <a:rPr lang="de-DE" kern="0" dirty="0" err="1">
+                <a:solidFill>
+                  <a:schemeClr val="bg1"/>
+                </a:solidFill>
+              </a:rPr>
+              <a:t>is</a:t>
+            </a:r>
+            <a:r>
+              <a:rPr lang="de-DE" kern="0" dirty="0">
+                <a:solidFill>
+                  <a:schemeClr val="bg1"/>
+                </a:solidFill>
+              </a:rPr>
+              <a:t> CNN?</a:t>
+            </a:r>
+          </a:p>
+        </p:txBody>
+      </p:sp>
+      <p:sp>
+        <p:nvSpPr>
+          <p:cNvPr id="6" name="Textfeld 5"/>
+          <p:cNvSpPr txBox="1"/>
+          <p:nvPr/>
+        </p:nvSpPr>
+        <p:spPr>
+          <a:xfrm>
+            <a:off x="719572" y="4750112"/>
+            <a:ext cx="7704856" cy="1631216"/>
+          </a:xfrm>
+          <a:prstGeom prst="rect">
+            <a:avLst/>
+          </a:prstGeom>
+          <a:noFill/>
+        </p:spPr>
+        <p:txBody>
+          <a:bodyPr wrap="square" rtlCol="0">
+            <a:spAutoFit/>
+          </a:bodyPr>
+          <a:lstStyle/>
+          <a:p>
+            <a:pPr marL="342900" indent="-342900">
+              <a:buFont typeface="Arial" panose="020B0604020202020204" pitchFamily="34" charset="0"/>
+              <a:buChar char="•"/>
+            </a:pPr>
+            <a:r>
+              <a:rPr lang="en-US" sz="2000" dirty="0">
+                <a:latin typeface="Helvetica" panose="020B0604020202020204" pitchFamily="34" charset="0"/>
+                <a:cs typeface="Helvetica" panose="020B0604020202020204" pitchFamily="34" charset="0"/>
+              </a:rPr>
+              <a:t>Bigger model as </a:t>
+            </a:r>
+            <a:r>
+              <a:rPr lang="en-US" sz="2000" dirty="0" err="1">
+                <a:latin typeface="Helvetica" panose="020B0604020202020204" pitchFamily="34" charset="0"/>
+                <a:cs typeface="Helvetica" panose="020B0604020202020204" pitchFamily="34" charset="0"/>
+              </a:rPr>
+              <a:t>LeNet</a:t>
+            </a:r>
+            <a:r>
+              <a:rPr lang="en-US" sz="2000" dirty="0">
+                <a:latin typeface="Helvetica" panose="020B0604020202020204" pitchFamily="34" charset="0"/>
+                <a:cs typeface="Helvetica" panose="020B0604020202020204" pitchFamily="34" charset="0"/>
+              </a:rPr>
+              <a:t> (7 hidden layers, 650,000 units, 60 Mio parameters)</a:t>
+            </a:r>
+          </a:p>
+          <a:p>
+            <a:pPr marL="342900" indent="-342900">
+              <a:buFont typeface="Arial" panose="020B0604020202020204" pitchFamily="34" charset="0"/>
+              <a:buChar char="•"/>
+            </a:pPr>
+            <a:r>
+              <a:rPr lang="en-US" sz="2000" dirty="0">
+                <a:latin typeface="Helvetica" panose="020B0604020202020204" pitchFamily="34" charset="0"/>
+                <a:cs typeface="Helvetica" panose="020B0604020202020204" pitchFamily="34" charset="0"/>
+              </a:rPr>
+              <a:t>More data (10**6 vs. 10**3 images)</a:t>
+            </a:r>
+          </a:p>
+          <a:p>
+            <a:pPr marL="342900" indent="-342900">
+              <a:buFont typeface="Arial" panose="020B0604020202020204" pitchFamily="34" charset="0"/>
+              <a:buChar char="•"/>
+            </a:pPr>
+            <a:r>
+              <a:rPr lang="en-US" sz="2000" dirty="0">
+                <a:latin typeface="Helvetica" panose="020B0604020202020204" pitchFamily="34" charset="0"/>
+                <a:cs typeface="Helvetica" panose="020B0604020202020204" pitchFamily="34" charset="0"/>
+              </a:rPr>
+              <a:t>GPU implementation (50x speedup over CPU). Trained on two GPU for a week.</a:t>
+            </a:r>
+            <a:endParaRPr lang="de-DE" sz="2000" dirty="0">
+              <a:latin typeface="Helvetica" panose="020B0604020202020204" pitchFamily="34" charset="0"/>
+              <a:cs typeface="Helvetica" panose="020B0604020202020204" pitchFamily="34" charset="0"/>
+            </a:endParaRPr>
+          </a:p>
+        </p:txBody>
+      </p:sp>
+      <p:sp>
+        <p:nvSpPr>
+          <p:cNvPr id="7" name="Rechteck 6"/>
+          <p:cNvSpPr/>
+          <p:nvPr/>
+        </p:nvSpPr>
+        <p:spPr>
+          <a:xfrm>
+            <a:off x="6372200" y="6145311"/>
+            <a:ext cx="2480166" cy="338554"/>
+          </a:xfrm>
+          <a:prstGeom prst="rect">
+            <a:avLst/>
+          </a:prstGeom>
+        </p:spPr>
+        <p:txBody>
+          <a:bodyPr wrap="none">
+            <a:spAutoFit/>
+          </a:bodyPr>
+          <a:lstStyle/>
+          <a:p>
+            <a:r>
+              <a:rPr lang="de-DE" sz="1600" dirty="0">
+                <a:solidFill>
+                  <a:schemeClr val="bg2">
+                    <a:lumMod val="60000"/>
+                    <a:lumOff val="40000"/>
+                  </a:schemeClr>
+                </a:solidFill>
+                <a:latin typeface="Helvetica" panose="020B0604020202020204" pitchFamily="34" charset="0"/>
+                <a:cs typeface="Helvetica" panose="020B0604020202020204" pitchFamily="34" charset="0"/>
+              </a:rPr>
+              <a:t>[</a:t>
+            </a:r>
+            <a:r>
+              <a:rPr lang="de-DE" sz="1600" dirty="0" err="1">
+                <a:solidFill>
+                  <a:schemeClr val="bg2">
+                    <a:lumMod val="60000"/>
+                    <a:lumOff val="40000"/>
+                  </a:schemeClr>
+                </a:solidFill>
+                <a:latin typeface="Helvetica" panose="020B0604020202020204" pitchFamily="34" charset="0"/>
+                <a:cs typeface="Helvetica" panose="020B0604020202020204" pitchFamily="34" charset="0"/>
+              </a:rPr>
+              <a:t>Krizhevsky</a:t>
+            </a:r>
+            <a:r>
+              <a:rPr lang="de-DE" sz="1600" dirty="0">
+                <a:solidFill>
+                  <a:schemeClr val="bg2">
+                    <a:lumMod val="60000"/>
+                    <a:lumOff val="40000"/>
+                  </a:schemeClr>
+                </a:solidFill>
+                <a:latin typeface="Helvetica" panose="020B0604020202020204" pitchFamily="34" charset="0"/>
+                <a:cs typeface="Helvetica" panose="020B0604020202020204" pitchFamily="34" charset="0"/>
+              </a:rPr>
+              <a:t> et al., 2012] </a:t>
+            </a:r>
+          </a:p>
+        </p:txBody>
+      </p:sp>
+    </p:spTree>
+    <p:extLst>
+      <p:ext uri="{BB962C8B-B14F-4D97-AF65-F5344CB8AC3E}">
+        <p14:creationId xmlns:p14="http://schemas.microsoft.com/office/powerpoint/2010/main" val="3936305305"/>
       </p:ext>
     </p:extLst>
   </p:cSld>
